--- a/doc/resume.pptx
+++ b/doc/resume.pptx
@@ -208,7 +208,7 @@
           <a:p>
             <a:fld id="{AEA2C9DF-D23B-4857-8F83-A94459C69053}" type="datetimeFigureOut">
               <a:rPr lang="zh-CN" altLang="en-US" smtClean="0"/>
-              <a:t>2017/4/4</a:t>
+              <a:t>2017/7/14</a:t>
             </a:fld>
             <a:endParaRPr lang="zh-CN" altLang="en-US"/>
           </a:p>
@@ -691,7 +691,7 @@
           <a:p>
             <a:fld id="{6A4926B6-441D-4BA1-AD68-6F10F35F7AC9}" type="datetimeFigureOut">
               <a:rPr lang="zh-CN" altLang="en-US" smtClean="0"/>
-              <a:t>2017/4/4</a:t>
+              <a:t>2017/7/14</a:t>
             </a:fld>
             <a:endParaRPr lang="zh-CN" altLang="en-US"/>
           </a:p>
@@ -861,7 +861,7 @@
           <a:p>
             <a:fld id="{6A4926B6-441D-4BA1-AD68-6F10F35F7AC9}" type="datetimeFigureOut">
               <a:rPr lang="zh-CN" altLang="en-US" smtClean="0"/>
-              <a:t>2017/4/4</a:t>
+              <a:t>2017/7/14</a:t>
             </a:fld>
             <a:endParaRPr lang="zh-CN" altLang="en-US"/>
           </a:p>
@@ -1041,7 +1041,7 @@
           <a:p>
             <a:fld id="{6A4926B6-441D-4BA1-AD68-6F10F35F7AC9}" type="datetimeFigureOut">
               <a:rPr lang="zh-CN" altLang="en-US" smtClean="0"/>
-              <a:t>2017/4/4</a:t>
+              <a:t>2017/7/14</a:t>
             </a:fld>
             <a:endParaRPr lang="zh-CN" altLang="en-US"/>
           </a:p>
@@ -1211,7 +1211,7 @@
           <a:p>
             <a:fld id="{6A4926B6-441D-4BA1-AD68-6F10F35F7AC9}" type="datetimeFigureOut">
               <a:rPr lang="zh-CN" altLang="en-US" smtClean="0"/>
-              <a:t>2017/4/4</a:t>
+              <a:t>2017/7/14</a:t>
             </a:fld>
             <a:endParaRPr lang="zh-CN" altLang="en-US"/>
           </a:p>
@@ -1455,7 +1455,7 @@
           <a:p>
             <a:fld id="{6A4926B6-441D-4BA1-AD68-6F10F35F7AC9}" type="datetimeFigureOut">
               <a:rPr lang="zh-CN" altLang="en-US" smtClean="0"/>
-              <a:t>2017/4/4</a:t>
+              <a:t>2017/7/14</a:t>
             </a:fld>
             <a:endParaRPr lang="zh-CN" altLang="en-US"/>
           </a:p>
@@ -1687,7 +1687,7 @@
           <a:p>
             <a:fld id="{6A4926B6-441D-4BA1-AD68-6F10F35F7AC9}" type="datetimeFigureOut">
               <a:rPr lang="zh-CN" altLang="en-US" smtClean="0"/>
-              <a:t>2017/4/4</a:t>
+              <a:t>2017/7/14</a:t>
             </a:fld>
             <a:endParaRPr lang="zh-CN" altLang="en-US"/>
           </a:p>
@@ -2054,7 +2054,7 @@
           <a:p>
             <a:fld id="{6A4926B6-441D-4BA1-AD68-6F10F35F7AC9}" type="datetimeFigureOut">
               <a:rPr lang="zh-CN" altLang="en-US" smtClean="0"/>
-              <a:t>2017/4/4</a:t>
+              <a:t>2017/7/14</a:t>
             </a:fld>
             <a:endParaRPr lang="zh-CN" altLang="en-US"/>
           </a:p>
@@ -2172,7 +2172,7 @@
           <a:p>
             <a:fld id="{6A4926B6-441D-4BA1-AD68-6F10F35F7AC9}" type="datetimeFigureOut">
               <a:rPr lang="zh-CN" altLang="en-US" smtClean="0"/>
-              <a:t>2017/4/4</a:t>
+              <a:t>2017/7/14</a:t>
             </a:fld>
             <a:endParaRPr lang="zh-CN" altLang="en-US"/>
           </a:p>
@@ -2267,7 +2267,7 @@
           <a:p>
             <a:fld id="{6A4926B6-441D-4BA1-AD68-6F10F35F7AC9}" type="datetimeFigureOut">
               <a:rPr lang="zh-CN" altLang="en-US" smtClean="0"/>
-              <a:t>2017/4/4</a:t>
+              <a:t>2017/7/14</a:t>
             </a:fld>
             <a:endParaRPr lang="zh-CN" altLang="en-US"/>
           </a:p>
@@ -2551,7 +2551,7 @@
           <a:p>
             <a:fld id="{6A4926B6-441D-4BA1-AD68-6F10F35F7AC9}" type="datetimeFigureOut">
               <a:rPr lang="zh-CN" altLang="en-US" smtClean="0"/>
-              <a:t>2017/4/4</a:t>
+              <a:t>2017/7/14</a:t>
             </a:fld>
             <a:endParaRPr lang="zh-CN" altLang="en-US"/>
           </a:p>
@@ -2808,7 +2808,7 @@
           <a:p>
             <a:fld id="{6A4926B6-441D-4BA1-AD68-6F10F35F7AC9}" type="datetimeFigureOut">
               <a:rPr lang="zh-CN" altLang="en-US" smtClean="0"/>
-              <a:t>2017/4/4</a:t>
+              <a:t>2017/7/14</a:t>
             </a:fld>
             <a:endParaRPr lang="zh-CN" altLang="en-US"/>
           </a:p>
@@ -3021,7 +3021,7 @@
           <a:p>
             <a:fld id="{6A4926B6-441D-4BA1-AD68-6F10F35F7AC9}" type="datetimeFigureOut">
               <a:rPr lang="zh-CN" altLang="en-US" smtClean="0"/>
-              <a:t>2017/4/4</a:t>
+              <a:t>2017/7/14</a:t>
             </a:fld>
             <a:endParaRPr lang="zh-CN" altLang="en-US"/>
           </a:p>
@@ -3476,7 +3476,7 @@
                 <a:latin typeface="微软雅黑" panose="020B0503020204020204" pitchFamily="34" charset="-122"/>
                 <a:ea typeface="微软雅黑" panose="020B0503020204020204" pitchFamily="34" charset="-122"/>
               </a:rPr>
-              <a:t>大黑山松岚大学 </a:t>
+              <a:t>西安交通大学 </a:t>
             </a:r>
             <a:r>
               <a:rPr lang="en-US" altLang="zh-CN" sz="900" dirty="0" smtClean="0">
@@ -3490,7 +3490,7 @@
                 <a:latin typeface="微软雅黑" panose="020B0503020204020204" pitchFamily="34" charset="-122"/>
                 <a:ea typeface="微软雅黑" panose="020B0503020204020204" pitchFamily="34" charset="-122"/>
               </a:rPr>
-              <a:t>软件工程  </a:t>
+              <a:t>计算机  </a:t>
             </a:r>
             <a:endParaRPr lang="en-US" altLang="zh-CN" sz="900" dirty="0" smtClean="0">
               <a:latin typeface="微软雅黑" panose="020B0503020204020204" pitchFamily="34" charset="-122"/>
@@ -3515,17 +3515,14 @@
                 <a:latin typeface="微软雅黑" panose="020B0503020204020204" pitchFamily="34" charset="-122"/>
                 <a:ea typeface="微软雅黑" panose="020B0503020204020204" pitchFamily="34" charset="-122"/>
               </a:rPr>
-              <a:t>方向：</a:t>
-            </a:r>
-            <a:r>
-              <a:rPr lang="zh-CN" altLang="en-US" sz="900" b="1" dirty="0">
-                <a:solidFill>
-                  <a:srgbClr val="6679DF"/>
-                </a:solidFill>
-                <a:latin typeface="微软雅黑" panose="020B0503020204020204" pitchFamily="34" charset="-122"/>
-                <a:ea typeface="微软雅黑" panose="020B0503020204020204" pitchFamily="34" charset="-122"/>
-              </a:rPr>
-              <a:t>数据</a:t>
+              <a:t>方向</a:t>
+            </a:r>
+            <a:r>
+              <a:rPr lang="zh-CN" altLang="en-US" sz="900" dirty="0" smtClean="0">
+                <a:latin typeface="微软雅黑" panose="020B0503020204020204" pitchFamily="34" charset="-122"/>
+                <a:ea typeface="微软雅黑" panose="020B0503020204020204" pitchFamily="34" charset="-122"/>
+              </a:rPr>
+              <a:t>：</a:t>
             </a:r>
             <a:r>
               <a:rPr lang="zh-CN" altLang="en-US" sz="900" b="1" dirty="0" smtClean="0">
@@ -3535,7 +3532,7 @@
                 <a:latin typeface="微软雅黑" panose="020B0503020204020204" pitchFamily="34" charset="-122"/>
                 <a:ea typeface="微软雅黑" panose="020B0503020204020204" pitchFamily="34" charset="-122"/>
               </a:rPr>
-              <a:t>可视化</a:t>
+              <a:t>物联网建模</a:t>
             </a:r>
             <a:endParaRPr lang="en-US" altLang="zh-CN" sz="900" b="1" dirty="0" smtClean="0">
               <a:solidFill>
@@ -3570,18 +3567,11 @@
               </a:lnSpc>
             </a:pPr>
             <a:r>
-              <a:rPr lang="zh-CN" altLang="en-US" sz="900" dirty="0">
-                <a:latin typeface="微软雅黑" panose="020B0503020204020204" pitchFamily="34" charset="-122"/>
-                <a:ea typeface="微软雅黑" panose="020B0503020204020204" pitchFamily="34" charset="-122"/>
-              </a:rPr>
-              <a:t>大黑山松岚大学  </a:t>
-            </a:r>
-            <a:r>
               <a:rPr lang="zh-CN" altLang="en-US" sz="900" dirty="0" smtClean="0">
                 <a:latin typeface="微软雅黑" panose="020B0503020204020204" pitchFamily="34" charset="-122"/>
                 <a:ea typeface="微软雅黑" panose="020B0503020204020204" pitchFamily="34" charset="-122"/>
               </a:rPr>
-              <a:t>软件工程</a:t>
+              <a:t>北京理工大学  软件工程</a:t>
             </a:r>
             <a:endParaRPr lang="en-US" altLang="zh-CN" sz="900" dirty="0">
               <a:latin typeface="微软雅黑" panose="020B0503020204020204" pitchFamily="34" charset="-122"/>
@@ -3598,7 +3588,7 @@
         </p:nvSpPr>
         <p:spPr>
           <a:xfrm>
-            <a:off x="221565" y="499237"/>
+            <a:off x="221564" y="499237"/>
             <a:ext cx="954108" cy="400110"/>
           </a:xfrm>
           <a:prstGeom prst="rect">
@@ -3621,7 +3611,7 @@
                 <a:latin typeface="微软雅黑" panose="020B0503020204020204" pitchFamily="34" charset="-122"/>
                 <a:ea typeface="微软雅黑" panose="020B0503020204020204" pitchFamily="34" charset="-122"/>
               </a:rPr>
-              <a:t>王大胆</a:t>
+              <a:t>张博伟</a:t>
             </a:r>
             <a:endParaRPr lang="en-US" altLang="zh-CN" sz="2000" b="1" dirty="0" smtClean="0">
               <a:solidFill>
@@ -5187,7 +5177,7 @@
                 <a:latin typeface="微软雅黑" panose="020B0503020204020204" pitchFamily="34" charset="-122"/>
                 <a:ea typeface="微软雅黑" panose="020B0503020204020204" pitchFamily="34" charset="-122"/>
               </a:rPr>
-              <a:t>188-0000-0000</a:t>
+              <a:t>187-4040-5930</a:t>
             </a:r>
             <a:endParaRPr lang="en-US" altLang="zh-CN" sz="900" dirty="0">
               <a:latin typeface="微软雅黑" panose="020B0503020204020204" pitchFamily="34" charset="-122"/>
@@ -5208,14 +5198,47 @@
               <a:t>       邮箱：</a:t>
             </a:r>
             <a:r>
+              <a:rPr lang="en-US" altLang="zh-CN" sz="900" dirty="0">
+                <a:latin typeface="微软雅黑" panose="020B0503020204020204" pitchFamily="34" charset="-122"/>
+                <a:ea typeface="微软雅黑" panose="020B0503020204020204" pitchFamily="34" charset="-122"/>
+                <a:hlinkClick r:id="rId3"/>
+              </a:rPr>
+              <a:t>zhangboweigg@gmail.com</a:t>
+            </a:r>
+            <a:endParaRPr lang="zh-CN" altLang="en-US" sz="900" dirty="0">
+              <a:latin typeface="微软雅黑" panose="020B0503020204020204" pitchFamily="34" charset="-122"/>
+              <a:ea typeface="微软雅黑" panose="020B0503020204020204" pitchFamily="34" charset="-122"/>
+            </a:endParaRPr>
+          </a:p>
+          <a:p>
+            <a:pPr lvl="0">
+              <a:lnSpc>
+                <a:spcPts val="1600"/>
+              </a:lnSpc>
+            </a:pPr>
+            <a:r>
+              <a:rPr lang="zh-CN" altLang="en-US" sz="900" dirty="0">
+                <a:latin typeface="微软雅黑" panose="020B0503020204020204" pitchFamily="34" charset="-122"/>
+                <a:ea typeface="微软雅黑" panose="020B0503020204020204" pitchFamily="34" charset="-122"/>
+              </a:rPr>
+              <a:t>个人主页</a:t>
+            </a:r>
+            <a:r>
+              <a:rPr lang="zh-CN" altLang="en-US" sz="900" dirty="0" smtClean="0">
+                <a:latin typeface="微软雅黑" panose="020B0503020204020204" pitchFamily="34" charset="-122"/>
+                <a:ea typeface="微软雅黑" panose="020B0503020204020204" pitchFamily="34" charset="-122"/>
+              </a:rPr>
+              <a:t>：</a:t>
+            </a:r>
+            <a:r>
               <a:rPr lang="en-US" altLang="zh-CN" sz="900" dirty="0" smtClean="0">
                 <a:latin typeface="微软雅黑" panose="020B0503020204020204" pitchFamily="34" charset="-122"/>
                 <a:ea typeface="微软雅黑" panose="020B0503020204020204" pitchFamily="34" charset="-122"/>
-                <a:hlinkClick r:id="rId3"/>
-              </a:rPr>
-              <a:t>IridescentXS@gmail.com</a:t>
-            </a:r>
-            <a:endParaRPr lang="en-US" altLang="zh-CN" sz="900" dirty="0" smtClean="0">
+                <a:hlinkClick r:id="rId4"/>
+              </a:rPr>
+              <a:t>https://segmentfault.com/u/zhangbowei</a:t>
+            </a:r>
+            <a:endParaRPr lang="en-US" altLang="zh-CN" sz="900" u="sng" dirty="0">
               <a:latin typeface="微软雅黑" panose="020B0503020204020204" pitchFamily="34" charset="-122"/>
               <a:ea typeface="微软雅黑" panose="020B0503020204020204" pitchFamily="34" charset="-122"/>
             </a:endParaRPr>
@@ -5227,108 +5250,42 @@
               </a:lnSpc>
             </a:pPr>
             <a:r>
+              <a:rPr lang="en-US" altLang="zh-CN" sz="800" dirty="0">
+                <a:latin typeface="微软雅黑" panose="020B0503020204020204" pitchFamily="34" charset="-122"/>
+                <a:ea typeface="微软雅黑" panose="020B0503020204020204" pitchFamily="34" charset="-122"/>
+              </a:rPr>
+              <a:t> </a:t>
+            </a:r>
+            <a:r>
+              <a:rPr lang="zh-CN" altLang="en-US" sz="800" dirty="0">
+                <a:latin typeface="微软雅黑" panose="020B0503020204020204" pitchFamily="34" charset="-122"/>
+                <a:ea typeface="微软雅黑" panose="020B0503020204020204" pitchFamily="34" charset="-122"/>
+              </a:rPr>
+              <a:t> </a:t>
+            </a:r>
+            <a:r>
+              <a:rPr lang="en-US" altLang="zh-CN" sz="900" dirty="0" err="1" smtClean="0">
+                <a:latin typeface="微软雅黑" panose="020B0503020204020204" pitchFamily="34" charset="-122"/>
+                <a:ea typeface="微软雅黑" panose="020B0503020204020204" pitchFamily="34" charset="-122"/>
+              </a:rPr>
+              <a:t>GitHub</a:t>
+            </a:r>
+            <a:r>
               <a:rPr lang="zh-CN" altLang="en-US" sz="900" dirty="0" smtClean="0">
                 <a:latin typeface="微软雅黑" panose="020B0503020204020204" pitchFamily="34" charset="-122"/>
                 <a:ea typeface="微软雅黑" panose="020B0503020204020204" pitchFamily="34" charset="-122"/>
               </a:rPr>
-              <a:t>个人</a:t>
-            </a:r>
-            <a:r>
-              <a:rPr lang="zh-CN" altLang="en-US" sz="900" dirty="0">
-                <a:latin typeface="微软雅黑" panose="020B0503020204020204" pitchFamily="34" charset="-122"/>
-                <a:ea typeface="微软雅黑" panose="020B0503020204020204" pitchFamily="34" charset="-122"/>
-              </a:rPr>
-              <a:t>主页</a:t>
-            </a:r>
-            <a:r>
-              <a:rPr lang="zh-CN" altLang="en-US" sz="900" dirty="0" smtClean="0">
-                <a:latin typeface="微软雅黑" panose="020B0503020204020204" pitchFamily="34" charset="-122"/>
-                <a:ea typeface="微软雅黑" panose="020B0503020204020204" pitchFamily="34" charset="-122"/>
-              </a:rPr>
               <a:t>：</a:t>
             </a:r>
             <a:r>
               <a:rPr lang="en-US" altLang="zh-CN" sz="900" dirty="0" smtClean="0">
                 <a:latin typeface="微软雅黑" panose="020B0503020204020204" pitchFamily="34" charset="-122"/>
                 <a:ea typeface="微软雅黑" panose="020B0503020204020204" pitchFamily="34" charset="-122"/>
-                <a:hlinkClick r:id="rId4"/>
-              </a:rPr>
-              <a:t>https://</a:t>
-            </a:r>
-            <a:r>
-              <a:rPr lang="en-US" altLang="zh-CN" sz="900" dirty="0">
-                <a:latin typeface="微软雅黑" panose="020B0503020204020204" pitchFamily="34" charset="-122"/>
-                <a:ea typeface="微软雅黑" panose="020B0503020204020204" pitchFamily="34" charset="-122"/>
-                <a:hlinkClick r:id="rId4"/>
-              </a:rPr>
-              <a:t>IridescentMia.github.io/</a:t>
-            </a:r>
-            <a:r>
-              <a:rPr lang="en-US" altLang="zh-CN" sz="900" dirty="0">
-                <a:latin typeface="微软雅黑" panose="020B0503020204020204" pitchFamily="34" charset="-122"/>
-                <a:ea typeface="微软雅黑" panose="020B0503020204020204" pitchFamily="34" charset="-122"/>
-              </a:rPr>
-              <a:t>  </a:t>
-            </a:r>
-          </a:p>
-          <a:p>
-            <a:pPr>
-              <a:lnSpc>
-                <a:spcPts val="1600"/>
-              </a:lnSpc>
-            </a:pPr>
-            <a:r>
-              <a:rPr lang="en-US" altLang="zh-CN" sz="800" dirty="0">
-                <a:latin typeface="微软雅黑" panose="020B0503020204020204" pitchFamily="34" charset="-122"/>
-                <a:ea typeface="微软雅黑" panose="020B0503020204020204" pitchFamily="34" charset="-122"/>
-              </a:rPr>
-              <a:t> </a:t>
-            </a:r>
-            <a:r>
-              <a:rPr lang="en-US" altLang="zh-CN" sz="800" dirty="0" smtClean="0">
-                <a:latin typeface="微软雅黑" panose="020B0503020204020204" pitchFamily="34" charset="-122"/>
-                <a:ea typeface="微软雅黑" panose="020B0503020204020204" pitchFamily="34" charset="-122"/>
-              </a:rPr>
-              <a:t>  </a:t>
-            </a:r>
-            <a:r>
-              <a:rPr lang="en-US" altLang="zh-CN" sz="900" dirty="0" err="1" smtClean="0">
-                <a:latin typeface="微软雅黑" panose="020B0503020204020204" pitchFamily="34" charset="-122"/>
-                <a:ea typeface="微软雅黑" panose="020B0503020204020204" pitchFamily="34" charset="-122"/>
-              </a:rPr>
-              <a:t>Github</a:t>
-            </a:r>
-            <a:r>
-              <a:rPr lang="zh-CN" altLang="en-US" sz="900" dirty="0" smtClean="0">
-                <a:latin typeface="微软雅黑" panose="020B0503020204020204" pitchFamily="34" charset="-122"/>
-                <a:ea typeface="微软雅黑" panose="020B0503020204020204" pitchFamily="34" charset="-122"/>
-              </a:rPr>
-              <a:t>：</a:t>
-            </a:r>
-            <a:r>
-              <a:rPr lang="en-US" altLang="zh-CN" sz="900" dirty="0">
-                <a:latin typeface="微软雅黑" panose="020B0503020204020204" pitchFamily="34" charset="-122"/>
-                <a:ea typeface="微软雅黑" panose="020B0503020204020204" pitchFamily="34" charset="-122"/>
                 <a:hlinkClick r:id="rId5"/>
               </a:rPr>
-              <a:t>https://</a:t>
-            </a:r>
-            <a:r>
-              <a:rPr lang="en-US" altLang="zh-CN" sz="900" dirty="0" smtClean="0">
-                <a:latin typeface="微软雅黑" panose="020B0503020204020204" pitchFamily="34" charset="-122"/>
-                <a:ea typeface="微软雅黑" panose="020B0503020204020204" pitchFamily="34" charset="-122"/>
-                <a:hlinkClick r:id="rId5"/>
-              </a:rPr>
-              <a:t>github.com/IridescentMia</a:t>
-            </a:r>
-            <a:r>
-              <a:rPr lang="en-US" altLang="zh-CN" sz="900" dirty="0" smtClean="0">
-                <a:latin typeface="微软雅黑" panose="020B0503020204020204" pitchFamily="34" charset="-122"/>
-                <a:ea typeface="微软雅黑" panose="020B0503020204020204" pitchFamily="34" charset="-122"/>
-              </a:rPr>
-              <a:t>/</a:t>
-            </a:r>
-            <a:endParaRPr lang="en-US" altLang="zh-CN" sz="900" dirty="0">
+              <a:t>https://github.com/zhangbowei</a:t>
+            </a:r>
+            <a:endParaRPr lang="en-US" altLang="zh-CN" sz="900" u="sng" dirty="0">
               <a:latin typeface="微软雅黑" panose="020B0503020204020204" pitchFamily="34" charset="-122"/>
               <a:ea typeface="微软雅黑" panose="020B0503020204020204" pitchFamily="34" charset="-122"/>
             </a:endParaRPr>
@@ -6030,7 +5987,17 @@
                 <a:latin typeface="微软雅黑" panose="020B0503020204020204" pitchFamily="34" charset="-122"/>
                 <a:ea typeface="微软雅黑" panose="020B0503020204020204" pitchFamily="34" charset="-122"/>
               </a:rPr>
-              <a:t>2015 - 2017</a:t>
+              <a:t>2015 - </a:t>
+            </a:r>
+            <a:r>
+              <a:rPr lang="en-US" altLang="zh-CN" sz="900" dirty="0" smtClean="0">
+                <a:solidFill>
+                  <a:prstClr val="black"/>
+                </a:solidFill>
+                <a:latin typeface="微软雅黑" panose="020B0503020204020204" pitchFamily="34" charset="-122"/>
+                <a:ea typeface="微软雅黑" panose="020B0503020204020204" pitchFamily="34" charset="-122"/>
+              </a:rPr>
+              <a:t>2018</a:t>
             </a:r>
             <a:endParaRPr lang="zh-CN" altLang="en-US" sz="1600" dirty="0"/>
           </a:p>
@@ -6079,8 +6046,8 @@
         </p:nvSpPr>
         <p:spPr>
           <a:xfrm>
-            <a:off x="2028724" y="9526055"/>
-            <a:ext cx="2728632" cy="215444"/>
+            <a:off x="1861996" y="9500865"/>
+            <a:ext cx="2699778" cy="215444"/>
           </a:xfrm>
           <a:prstGeom prst="rect">
             <a:avLst/>
@@ -6098,23 +6065,22 @@
                 <a:latin typeface="微软雅黑" panose="020B0503020204020204" pitchFamily="34" charset="-122"/>
                 <a:ea typeface="微软雅黑" panose="020B0503020204020204" pitchFamily="34" charset="-122"/>
               </a:rPr>
-              <a:t>在线版简历：</a:t>
-            </a:r>
-            <a:r>
-              <a:rPr lang="en-US" altLang="zh-CN" sz="800" dirty="0">
+              <a:t>在线版</a:t>
+            </a:r>
+            <a:r>
+              <a:rPr lang="zh-CN" altLang="en-US" sz="800" dirty="0" smtClean="0">
+                <a:latin typeface="微软雅黑" panose="020B0503020204020204" pitchFamily="34" charset="-122"/>
+                <a:ea typeface="微软雅黑" panose="020B0503020204020204" pitchFamily="34" charset="-122"/>
+              </a:rPr>
+              <a:t>简历： </a:t>
+            </a:r>
+            <a:r>
+              <a:rPr lang="en-US" altLang="zh-CN" sz="800" dirty="0" smtClean="0">
                 <a:latin typeface="微软雅黑" panose="020B0503020204020204" pitchFamily="34" charset="-122"/>
                 <a:ea typeface="微软雅黑" panose="020B0503020204020204" pitchFamily="34" charset="-122"/>
                 <a:hlinkClick r:id="rId6"/>
               </a:rPr>
-              <a:t>https</a:t>
-            </a:r>
-            <a:r>
-              <a:rPr lang="en-US" altLang="zh-CN" sz="800" dirty="0" smtClean="0">
-                <a:latin typeface="微软雅黑" panose="020B0503020204020204" pitchFamily="34" charset="-122"/>
-                <a:ea typeface="微软雅黑" panose="020B0503020204020204" pitchFamily="34" charset="-122"/>
-                <a:hlinkClick r:id="rId6"/>
-              </a:rPr>
-              <a:t>://IridescentMia.github.io/resume/</a:t>
+              <a:t>https://zhangbowei.github.io/resume/</a:t>
             </a:r>
             <a:endParaRPr lang="en-US" altLang="zh-CN" sz="800" dirty="0" smtClean="0">
               <a:latin typeface="微软雅黑" panose="020B0503020204020204" pitchFamily="34" charset="-122"/>

--- a/doc/resume.pptx
+++ b/doc/resume.pptx
@@ -3532,7 +3532,17 @@
                 <a:latin typeface="微软雅黑" panose="020B0503020204020204" pitchFamily="34" charset="-122"/>
                 <a:ea typeface="微软雅黑" panose="020B0503020204020204" pitchFamily="34" charset="-122"/>
               </a:rPr>
-              <a:t>物联网建模</a:t>
+              <a:t>物联网</a:t>
+            </a:r>
+            <a:r>
+              <a:rPr lang="zh-CN" altLang="en-US" sz="900" b="1" dirty="0" smtClean="0">
+                <a:solidFill>
+                  <a:srgbClr val="6679DF"/>
+                </a:solidFill>
+                <a:latin typeface="微软雅黑" panose="020B0503020204020204" pitchFamily="34" charset="-122"/>
+                <a:ea typeface="微软雅黑" panose="020B0503020204020204" pitchFamily="34" charset="-122"/>
+              </a:rPr>
+              <a:t>建模</a:t>
             </a:r>
             <a:endParaRPr lang="en-US" altLang="zh-CN" sz="900" b="1" dirty="0" smtClean="0">
               <a:solidFill>
@@ -5987,17 +5997,7 @@
                 <a:latin typeface="微软雅黑" panose="020B0503020204020204" pitchFamily="34" charset="-122"/>
                 <a:ea typeface="微软雅黑" panose="020B0503020204020204" pitchFamily="34" charset="-122"/>
               </a:rPr>
-              <a:t>2015 - </a:t>
-            </a:r>
-            <a:r>
-              <a:rPr lang="en-US" altLang="zh-CN" sz="900" dirty="0" smtClean="0">
-                <a:solidFill>
-                  <a:prstClr val="black"/>
-                </a:solidFill>
-                <a:latin typeface="微软雅黑" panose="020B0503020204020204" pitchFamily="34" charset="-122"/>
-                <a:ea typeface="微软雅黑" panose="020B0503020204020204" pitchFamily="34" charset="-122"/>
-              </a:rPr>
-              <a:t>2018</a:t>
+              <a:t>2015 - 2018</a:t>
             </a:r>
             <a:endParaRPr lang="zh-CN" altLang="en-US" sz="1600" dirty="0"/>
           </a:p>
@@ -6065,14 +6065,7 @@
                 <a:latin typeface="微软雅黑" panose="020B0503020204020204" pitchFamily="34" charset="-122"/>
                 <a:ea typeface="微软雅黑" panose="020B0503020204020204" pitchFamily="34" charset="-122"/>
               </a:rPr>
-              <a:t>在线版</a:t>
-            </a:r>
-            <a:r>
-              <a:rPr lang="zh-CN" altLang="en-US" sz="800" dirty="0" smtClean="0">
-                <a:latin typeface="微软雅黑" panose="020B0503020204020204" pitchFamily="34" charset="-122"/>
-                <a:ea typeface="微软雅黑" panose="020B0503020204020204" pitchFamily="34" charset="-122"/>
-              </a:rPr>
-              <a:t>简历： </a:t>
+              <a:t>在线版简历： </a:t>
             </a:r>
             <a:r>
               <a:rPr lang="en-US" altLang="zh-CN" sz="800" dirty="0" smtClean="0">
@@ -6140,9 +6133,9 @@
         <p:grpSpPr>
           <a:xfrm>
             <a:off x="386128" y="3628536"/>
-            <a:ext cx="2867930" cy="2004563"/>
+            <a:ext cx="2882520" cy="2196923"/>
             <a:chOff x="416608" y="3709272"/>
-            <a:chExt cx="2867930" cy="2004563"/>
+            <a:chExt cx="2882520" cy="2196923"/>
           </a:xfrm>
         </p:grpSpPr>
         <p:sp>
@@ -6154,7 +6147,7 @@
           <p:spPr>
             <a:xfrm>
               <a:off x="416608" y="3709272"/>
-              <a:ext cx="1029449" cy="271869"/>
+              <a:ext cx="1109599" cy="271869"/>
             </a:xfrm>
             <a:prstGeom prst="rect">
               <a:avLst/>
@@ -6176,15 +6169,26 @@
                   <a:latin typeface="微软雅黑" panose="020B0503020204020204" pitchFamily="34" charset="-122"/>
                   <a:ea typeface="微软雅黑" panose="020B0503020204020204" pitchFamily="34" charset="-122"/>
                 </a:rPr>
-                <a:t>2016.2 </a:t>
+                <a:t>2016.10 </a:t>
               </a:r>
               <a:r>
-                <a:rPr lang="en-US" altLang="zh-CN" sz="900" dirty="0">
+                <a:rPr lang="mr-IN" altLang="zh-CN" sz="900" dirty="0" smtClean="0">
                   <a:latin typeface="微软雅黑" panose="020B0503020204020204" pitchFamily="34" charset="-122"/>
                   <a:ea typeface="微软雅黑" panose="020B0503020204020204" pitchFamily="34" charset="-122"/>
                 </a:rPr>
-                <a:t>- 2016.6</a:t>
+                <a:t>–</a:t>
               </a:r>
+              <a:r>
+                <a:rPr lang="en-US" altLang="zh-CN" sz="900" dirty="0" smtClean="0">
+                  <a:latin typeface="微软雅黑" panose="020B0503020204020204" pitchFamily="34" charset="-122"/>
+                  <a:ea typeface="微软雅黑" panose="020B0503020204020204" pitchFamily="34" charset="-122"/>
+                </a:rPr>
+                <a:t> 2017.5</a:t>
+              </a:r>
+              <a:endParaRPr lang="en-US" altLang="zh-CN" sz="900" dirty="0">
+                <a:latin typeface="微软雅黑" panose="020B0503020204020204" pitchFamily="34" charset="-122"/>
+                <a:ea typeface="微软雅黑" panose="020B0503020204020204" pitchFamily="34" charset="-122"/>
+              </a:endParaRPr>
             </a:p>
           </p:txBody>
         </p:sp>
@@ -6197,7 +6201,7 @@
           <p:spPr>
             <a:xfrm>
               <a:off x="416608" y="3889580"/>
-              <a:ext cx="1947969" cy="306174"/>
+              <a:ext cx="2882520" cy="334707"/>
             </a:xfrm>
             <a:prstGeom prst="rect">
               <a:avLst/>
@@ -6215,32 +6219,40 @@
                 </a:lnSpc>
               </a:pPr>
               <a:r>
-                <a:rPr lang="en-US" altLang="zh-CN" sz="1050" b="1" dirty="0" err="1" smtClean="0">
+                <a:rPr lang="en-US" altLang="zh-CN" sz="1050" b="1" dirty="0" smtClean="0">
                   <a:latin typeface="微软雅黑" panose="020B0503020204020204" pitchFamily="34" charset="-122"/>
                   <a:ea typeface="微软雅黑" panose="020B0503020204020204" pitchFamily="34" charset="-122"/>
+                  <a:hlinkClick r:id="rId7"/>
+                  <a:hlinkMouseOver r:id="" action="ppaction://hlinkshowjump?jump=nextslide"/>
                 </a:rPr>
-                <a:t>ABCDViz</a:t>
+                <a:t>StateChart</a:t>
               </a:r>
               <a:r>
                 <a:rPr lang="en-US" altLang="zh-CN" sz="1050" b="1" dirty="0" smtClean="0">
                   <a:latin typeface="微软雅黑" panose="020B0503020204020204" pitchFamily="34" charset="-122"/>
                   <a:ea typeface="微软雅黑" panose="020B0503020204020204" pitchFamily="34" charset="-122"/>
+                  <a:hlinkClick r:id="rId7"/>
+                  <a:hlinkMouseOver r:id="" action="ppaction://hlinkshowjump?jump=nextslide"/>
                 </a:rPr>
-                <a:t> — </a:t>
+                <a:t> </a:t>
+              </a:r>
+              <a:r>
+                <a:rPr lang="en-US" altLang="zh-CN" sz="1050" b="1" dirty="0" smtClean="0">
+                  <a:latin typeface="微软雅黑" panose="020B0503020204020204" pitchFamily="34" charset="-122"/>
+                  <a:ea typeface="微软雅黑" panose="020B0503020204020204" pitchFamily="34" charset="-122"/>
+                  <a:hlinkClick r:id="rId7"/>
+                  <a:hlinkMouseOver r:id="" action="ppaction://hlinkshowjump?jump=nextslide"/>
+                </a:rPr>
+                <a:t>— </a:t>
               </a:r>
               <a:r>
                 <a:rPr lang="zh-CN" altLang="en-US" sz="1050" b="1" dirty="0" smtClean="0">
                   <a:latin typeface="微软雅黑" panose="020B0503020204020204" pitchFamily="34" charset="-122"/>
                   <a:ea typeface="微软雅黑" panose="020B0503020204020204" pitchFamily="34" charset="-122"/>
+                  <a:hlinkClick r:id="rId7"/>
+                  <a:hlinkMouseOver r:id="" action="ppaction://hlinkshowjump?jump=nextslide"/>
                 </a:rPr>
-                <a:t>数据</a:t>
-              </a:r>
-              <a:r>
-                <a:rPr lang="zh-CN" altLang="en-US" sz="1050" b="1" dirty="0">
-                  <a:latin typeface="微软雅黑" panose="020B0503020204020204" pitchFamily="34" charset="-122"/>
-                  <a:ea typeface="微软雅黑" panose="020B0503020204020204" pitchFamily="34" charset="-122"/>
-                </a:rPr>
-                <a:t>可视化系统</a:t>
+                <a:t>基于状态机的物联网建模平台</a:t>
               </a:r>
               <a:endParaRPr lang="en-US" altLang="zh-CN" sz="1050" b="1" dirty="0">
                 <a:latin typeface="微软雅黑" panose="020B0503020204020204" pitchFamily="34" charset="-122"/>
@@ -6290,21 +6302,23 @@
             <a:bodyPr rtlCol="0" anchor="ctr"/>
             <a:lstStyle/>
             <a:p>
-              <a:pPr lvl="0"/>
+              <a:pPr lvl="0" algn="ctr"/>
               <a:r>
-                <a:rPr lang="en-US" altLang="zh-CN" sz="900" dirty="0">
+                <a:rPr lang="en-US" altLang="zh-CN" sz="900" dirty="0" err="1" smtClean="0">
                   <a:solidFill>
                     <a:prstClr val="white"/>
                   </a:solidFill>
                   <a:latin typeface="微软雅黑" panose="020B0503020204020204" pitchFamily="34" charset="-122"/>
                   <a:ea typeface="微软雅黑" panose="020B0503020204020204" pitchFamily="34" charset="-122"/>
                 </a:rPr>
-                <a:t>D3.js</a:t>
+                <a:t>Vue</a:t>
               </a:r>
-              <a:endParaRPr lang="zh-CN" altLang="en-US" dirty="0">
+              <a:endParaRPr lang="zh-CN" altLang="en-US" sz="900" dirty="0">
                 <a:solidFill>
-                  <a:prstClr val="black"/>
+                  <a:prstClr val="white"/>
                 </a:solidFill>
+                <a:latin typeface="微软雅黑" panose="020B0503020204020204" pitchFamily="34" charset="-122"/>
+                <a:ea typeface="微软雅黑" panose="020B0503020204020204" pitchFamily="34" charset="-122"/>
               </a:endParaRPr>
             </a:p>
           </p:txBody>
@@ -6318,7 +6332,7 @@
           <p:spPr>
             <a:xfrm>
               <a:off x="416609" y="4467340"/>
-              <a:ext cx="2867929" cy="1246495"/>
+              <a:ext cx="2867929" cy="1438855"/>
             </a:xfrm>
             <a:prstGeom prst="rect">
               <a:avLst/>
@@ -6349,7 +6363,7 @@
                   <a:latin typeface="微软雅黑" panose="020B0503020204020204" pitchFamily="34" charset="-122"/>
                   <a:ea typeface="微软雅黑" panose="020B0503020204020204" pitchFamily="34" charset="-122"/>
                 </a:rPr>
-                <a:t>Leaflet.js </a:t>
+                <a:t>SVG </a:t>
               </a:r>
               <a:r>
                 <a:rPr lang="zh-CN" altLang="en-US" sz="900" dirty="0" smtClean="0">
@@ -6359,11 +6373,11 @@
                 <a:t>和 </a:t>
               </a:r>
               <a:r>
-                <a:rPr lang="en-US" altLang="zh-CN" sz="900" dirty="0" smtClean="0">
+                <a:rPr lang="zh-CN" altLang="en-US" sz="900" dirty="0" smtClean="0">
                   <a:latin typeface="微软雅黑" panose="020B0503020204020204" pitchFamily="34" charset="-122"/>
                   <a:ea typeface="微软雅黑" panose="020B0503020204020204" pitchFamily="34" charset="-122"/>
                 </a:rPr>
-                <a:t>D3.js</a:t>
+                <a:t>原生接口</a:t>
               </a:r>
               <a:r>
                 <a:rPr lang="zh-CN" altLang="en-US" sz="900" dirty="0" smtClean="0">
@@ -6373,18 +6387,25 @@
                 <a:t>，对</a:t>
               </a:r>
               <a:r>
-                <a:rPr lang="en-US" altLang="zh-CN" sz="900" dirty="0" smtClean="0">
+                <a:rPr lang="zh-CN" altLang="en-US" sz="900" dirty="0" smtClean="0">
                   <a:latin typeface="微软雅黑" panose="020B0503020204020204" pitchFamily="34" charset="-122"/>
                   <a:ea typeface="微软雅黑" panose="020B0503020204020204" pitchFamily="34" charset="-122"/>
                 </a:rPr>
-                <a:t>XXX</a:t>
+                <a:t>状态图部件</a:t>
               </a:r>
               <a:r>
                 <a:rPr lang="zh-CN" altLang="en-US" sz="900" dirty="0" smtClean="0">
                   <a:latin typeface="微软雅黑" panose="020B0503020204020204" pitchFamily="34" charset="-122"/>
                   <a:ea typeface="微软雅黑" panose="020B0503020204020204" pitchFamily="34" charset="-122"/>
                 </a:rPr>
-                <a:t>进行绘制</a:t>
+                <a:t>进行</a:t>
+              </a:r>
+              <a:r>
+                <a:rPr lang="zh-CN" altLang="en-US" sz="900" dirty="0" smtClean="0">
+                  <a:latin typeface="微软雅黑" panose="020B0503020204020204" pitchFamily="34" charset="-122"/>
+                  <a:ea typeface="微软雅黑" panose="020B0503020204020204" pitchFamily="34" charset="-122"/>
+                </a:rPr>
+                <a:t>绘制</a:t>
               </a:r>
               <a:endParaRPr lang="en-US" altLang="zh-CN" sz="900" dirty="0" smtClean="0">
                 <a:latin typeface="微软雅黑" panose="020B0503020204020204" pitchFamily="34" charset="-122"/>
@@ -6421,11 +6442,18 @@
                 <a:t>和 </a:t>
               </a:r>
               <a:r>
-                <a:rPr lang="en-US" altLang="zh-CN" sz="900" dirty="0" smtClean="0">
+                <a:rPr lang="en-US" altLang="zh-CN" sz="900" dirty="0" err="1" smtClean="0">
                   <a:latin typeface="微软雅黑" panose="020B0503020204020204" pitchFamily="34" charset="-122"/>
                   <a:ea typeface="微软雅黑" panose="020B0503020204020204" pitchFamily="34" charset="-122"/>
                 </a:rPr>
-                <a:t>Mongoose</a:t>
+                <a:t>Mongo</a:t>
+              </a:r>
+              <a:r>
+                <a:rPr lang="en-US" altLang="zh-CN" sz="900" dirty="0" err="1" smtClean="0">
+                  <a:latin typeface="微软雅黑" panose="020B0503020204020204" pitchFamily="34" charset="-122"/>
+                  <a:ea typeface="微软雅黑" panose="020B0503020204020204" pitchFamily="34" charset="-122"/>
+                </a:rPr>
+                <a:t>DB</a:t>
               </a:r>
               <a:r>
                 <a:rPr lang="zh-CN" altLang="en-US" sz="900" dirty="0" smtClean="0">
@@ -6435,12 +6463,16 @@
                 <a:t>，完成</a:t>
               </a:r>
               <a:r>
-                <a:rPr lang="en-US" altLang="zh-CN" sz="900" dirty="0" smtClean="0">
+                <a:rPr lang="zh-CN" altLang="en-US" sz="900" dirty="0" smtClean="0">
                   <a:latin typeface="微软雅黑" panose="020B0503020204020204" pitchFamily="34" charset="-122"/>
                   <a:ea typeface="微软雅黑" panose="020B0503020204020204" pitchFamily="34" charset="-122"/>
                 </a:rPr>
-                <a:t>XXX</a:t>
+                <a:t>状态图模型的存储与复用</a:t>
               </a:r>
+              <a:endParaRPr lang="en-US" altLang="zh-CN" sz="900" dirty="0" smtClean="0">
+                <a:latin typeface="微软雅黑" panose="020B0503020204020204" pitchFamily="34" charset="-122"/>
+                <a:ea typeface="微软雅黑" panose="020B0503020204020204" pitchFamily="34" charset="-122"/>
+              </a:endParaRPr>
             </a:p>
             <a:p>
               <a:pPr marL="171450" lvl="0" indent="-171450">
@@ -6455,57 +6487,19 @@
                   <a:latin typeface="微软雅黑" panose="020B0503020204020204" pitchFamily="34" charset="-122"/>
                   <a:ea typeface="微软雅黑" panose="020B0503020204020204" pitchFamily="34" charset="-122"/>
                 </a:rPr>
-                <a:t>通过 </a:t>
-              </a:r>
-              <a:r>
-                <a:rPr lang="en-US" altLang="zh-CN" sz="900" dirty="0" smtClean="0">
-                  <a:latin typeface="微软雅黑" panose="020B0503020204020204" pitchFamily="34" charset="-122"/>
-                  <a:ea typeface="微软雅黑" panose="020B0503020204020204" pitchFamily="34" charset="-122"/>
-                </a:rPr>
-                <a:t>D3.js </a:t>
+                <a:t>通过</a:t>
               </a:r>
               <a:r>
                 <a:rPr lang="zh-CN" altLang="en-US" sz="900" dirty="0" smtClean="0">
                   <a:latin typeface="微软雅黑" panose="020B0503020204020204" pitchFamily="34" charset="-122"/>
                   <a:ea typeface="微软雅黑" panose="020B0503020204020204" pitchFamily="34" charset="-122"/>
                 </a:rPr>
-                <a:t>绘制</a:t>
+                <a:t>提供部件区域匹配挂载与组合部件嵌套放缩，支持复合状态图的绘制与预览</a:t>
               </a:r>
-              <a:r>
-                <a:rPr lang="en-US" altLang="zh-CN" sz="900" dirty="0" smtClean="0">
-                  <a:latin typeface="微软雅黑" panose="020B0503020204020204" pitchFamily="34" charset="-122"/>
-                  <a:ea typeface="微软雅黑" panose="020B0503020204020204" pitchFamily="34" charset="-122"/>
-                </a:rPr>
-                <a:t>XXX</a:t>
-              </a:r>
-              <a:r>
-                <a:rPr lang="zh-CN" altLang="en-US" sz="900" dirty="0" smtClean="0">
-                  <a:latin typeface="微软雅黑" panose="020B0503020204020204" pitchFamily="34" charset="-122"/>
-                  <a:ea typeface="微软雅黑" panose="020B0503020204020204" pitchFamily="34" charset="-122"/>
-                </a:rPr>
-                <a:t>图、</a:t>
-              </a:r>
-              <a:r>
-                <a:rPr lang="en-US" altLang="zh-CN" sz="900" dirty="0" smtClean="0">
-                  <a:latin typeface="微软雅黑" panose="020B0503020204020204" pitchFamily="34" charset="-122"/>
-                  <a:ea typeface="微软雅黑" panose="020B0503020204020204" pitchFamily="34" charset="-122"/>
-                </a:rPr>
-                <a:t>XXX</a:t>
-              </a:r>
-              <a:r>
-                <a:rPr lang="zh-CN" altLang="en-US" sz="900" dirty="0" smtClean="0">
-                  <a:latin typeface="微软雅黑" panose="020B0503020204020204" pitchFamily="34" charset="-122"/>
-                  <a:ea typeface="微软雅黑" panose="020B0503020204020204" pitchFamily="34" charset="-122"/>
-                </a:rPr>
-                <a:t>图等形式展现所选时空范围内</a:t>
-              </a:r>
-              <a:r>
-                <a:rPr lang="en-US" altLang="zh-CN" sz="900" dirty="0" smtClean="0">
-                  <a:latin typeface="微软雅黑" panose="020B0503020204020204" pitchFamily="34" charset="-122"/>
-                  <a:ea typeface="微软雅黑" panose="020B0503020204020204" pitchFamily="34" charset="-122"/>
-                </a:rPr>
-                <a:t>XXX</a:t>
-              </a:r>
+              <a:endParaRPr lang="zh-CN" altLang="en-US" sz="900" dirty="0" smtClean="0">
+                <a:latin typeface="微软雅黑" panose="020B0503020204020204" pitchFamily="34" charset="-122"/>
+                <a:ea typeface="微软雅黑" panose="020B0503020204020204" pitchFamily="34" charset="-122"/>
+              </a:endParaRPr>
             </a:p>
             <a:p>
               <a:pPr marL="171450" lvl="0" indent="-171450">
@@ -6520,91 +6514,21 @@
                   <a:latin typeface="微软雅黑" panose="020B0503020204020204" pitchFamily="34" charset="-122"/>
                   <a:ea typeface="微软雅黑" panose="020B0503020204020204" pitchFamily="34" charset="-122"/>
                 </a:rPr>
-                <a:t>根据</a:t>
+                <a:t>通过提供描述构建模型的</a:t>
               </a:r>
               <a:r>
                 <a:rPr lang="en-US" altLang="zh-CN" sz="900" dirty="0" smtClean="0">
                   <a:latin typeface="微软雅黑" panose="020B0503020204020204" pitchFamily="34" charset="-122"/>
                   <a:ea typeface="微软雅黑" panose="020B0503020204020204" pitchFamily="34" charset="-122"/>
                 </a:rPr>
-                <a:t>XXX</a:t>
+                <a:t>JSON</a:t>
               </a:r>
               <a:r>
                 <a:rPr lang="zh-CN" altLang="en-US" sz="900" dirty="0" smtClean="0">
                   <a:latin typeface="微软雅黑" panose="020B0503020204020204" pitchFamily="34" charset="-122"/>
                   <a:ea typeface="微软雅黑" panose="020B0503020204020204" pitchFamily="34" charset="-122"/>
                 </a:rPr>
-                <a:t>情况，使用</a:t>
-              </a:r>
-              <a:r>
-                <a:rPr lang="en-US" altLang="zh-CN" sz="900" dirty="0" smtClean="0">
-                  <a:latin typeface="微软雅黑" panose="020B0503020204020204" pitchFamily="34" charset="-122"/>
-                  <a:ea typeface="微软雅黑" panose="020B0503020204020204" pitchFamily="34" charset="-122"/>
-                </a:rPr>
-                <a:t>XXX</a:t>
-              </a:r>
-              <a:r>
-                <a:rPr lang="zh-CN" altLang="en-US" sz="900" dirty="0" smtClean="0">
-                  <a:latin typeface="微软雅黑" panose="020B0503020204020204" pitchFamily="34" charset="-122"/>
-                  <a:ea typeface="微软雅黑" panose="020B0503020204020204" pitchFamily="34" charset="-122"/>
-                </a:rPr>
-                <a:t>算法对</a:t>
-              </a:r>
-              <a:r>
-                <a:rPr lang="en-US" altLang="zh-CN" sz="900" dirty="0" smtClean="0">
-                  <a:latin typeface="微软雅黑" panose="020B0503020204020204" pitchFamily="34" charset="-122"/>
-                  <a:ea typeface="微软雅黑" panose="020B0503020204020204" pitchFamily="34" charset="-122"/>
-                </a:rPr>
-                <a:t>XXX</a:t>
-              </a:r>
-              <a:r>
-                <a:rPr lang="zh-CN" altLang="en-US" sz="900" dirty="0" smtClean="0">
-                  <a:latin typeface="微软雅黑" panose="020B0503020204020204" pitchFamily="34" charset="-122"/>
-                  <a:ea typeface="微软雅黑" panose="020B0503020204020204" pitchFamily="34" charset="-122"/>
-                </a:rPr>
-                <a:t>进行聚类，使用 </a:t>
-              </a:r>
-              <a:r>
-                <a:rPr lang="en-US" altLang="zh-CN" sz="900" dirty="0" smtClean="0">
-                  <a:latin typeface="微软雅黑" panose="020B0503020204020204" pitchFamily="34" charset="-122"/>
-                  <a:ea typeface="微软雅黑" panose="020B0503020204020204" pitchFamily="34" charset="-122"/>
-                </a:rPr>
-                <a:t>D3.js</a:t>
-              </a:r>
-              <a:r>
-                <a:rPr lang="zh-CN" altLang="en-US" sz="900" dirty="0" smtClean="0">
-                  <a:latin typeface="微软雅黑" panose="020B0503020204020204" pitchFamily="34" charset="-122"/>
-                  <a:ea typeface="微软雅黑" panose="020B0503020204020204" pitchFamily="34" charset="-122"/>
-                </a:rPr>
-                <a:t>，通过</a:t>
-              </a:r>
-              <a:r>
-                <a:rPr lang="en-US" altLang="zh-CN" sz="900" dirty="0" smtClean="0">
-                  <a:latin typeface="微软雅黑" panose="020B0503020204020204" pitchFamily="34" charset="-122"/>
-                  <a:ea typeface="微软雅黑" panose="020B0503020204020204" pitchFamily="34" charset="-122"/>
-                </a:rPr>
-                <a:t>XXX</a:t>
-              </a:r>
-              <a:r>
-                <a:rPr lang="zh-CN" altLang="en-US" sz="900" dirty="0" smtClean="0">
-                  <a:latin typeface="微软雅黑" panose="020B0503020204020204" pitchFamily="34" charset="-122"/>
-                  <a:ea typeface="微软雅黑" panose="020B0503020204020204" pitchFamily="34" charset="-122"/>
-                </a:rPr>
-                <a:t>展示</a:t>
-              </a:r>
-              <a:r>
-                <a:rPr lang="en-US" altLang="zh-CN" sz="900" dirty="0" smtClean="0">
-                  <a:latin typeface="微软雅黑" panose="020B0503020204020204" pitchFamily="34" charset="-122"/>
-                  <a:ea typeface="微软雅黑" panose="020B0503020204020204" pitchFamily="34" charset="-122"/>
-                </a:rPr>
-                <a:t>XXX</a:t>
-              </a:r>
-              <a:r>
-                <a:rPr lang="zh-CN" altLang="en-US" sz="900" dirty="0" smtClean="0">
-                  <a:latin typeface="微软雅黑" panose="020B0503020204020204" pitchFamily="34" charset="-122"/>
-                  <a:ea typeface="微软雅黑" panose="020B0503020204020204" pitchFamily="34" charset="-122"/>
-                </a:rPr>
-                <a:t>信息</a:t>
+                <a:t>数据，支持平台基本部件配置变更与自定义状态图模型复用开发</a:t>
               </a:r>
               <a:endParaRPr lang="en-US" altLang="zh-CN" sz="900" dirty="0">
                 <a:latin typeface="微软雅黑" panose="020B0503020204020204" pitchFamily="34" charset="-122"/>
@@ -6621,7 +6545,7 @@
           </p:nvSpPr>
           <p:spPr>
             <a:xfrm>
-              <a:off x="1679404" y="4236770"/>
+              <a:off x="1792714" y="4236770"/>
               <a:ext cx="619690" cy="203200"/>
             </a:xfrm>
             <a:prstGeom prst="rect">
@@ -6656,7 +6580,7 @@
             <a:p>
               <a:pPr lvl="0"/>
               <a:r>
-                <a:rPr lang="en-US" altLang="zh-CN" sz="900" dirty="0" smtClean="0">
+                <a:rPr lang="en-US" altLang="zh-CN" sz="900" smtClean="0">
                   <a:solidFill>
                     <a:prstClr val="white"/>
                   </a:solidFill>
@@ -6681,7 +6605,7 @@
           </p:nvSpPr>
           <p:spPr>
             <a:xfrm>
-              <a:off x="2341686" y="4236770"/>
+              <a:off x="2454409" y="4236770"/>
               <a:ext cx="742024" cy="203200"/>
             </a:xfrm>
             <a:prstGeom prst="rect">
@@ -6742,7 +6666,7 @@
           <p:spPr>
             <a:xfrm>
               <a:off x="1033818" y="4236770"/>
-              <a:ext cx="602993" cy="203200"/>
+              <a:ext cx="718782" cy="203200"/>
             </a:xfrm>
             <a:prstGeom prst="rect">
               <a:avLst/>
@@ -6774,16 +6698,16 @@
             <a:bodyPr rtlCol="0" anchor="ctr"/>
             <a:lstStyle/>
             <a:p>
-              <a:pPr lvl="0"/>
+              <a:pPr lvl="0" algn="ctr"/>
               <a:r>
-                <a:rPr lang="en-US" altLang="zh-CN" sz="900" dirty="0" smtClean="0">
+                <a:rPr lang="en-US" altLang="zh-CN" sz="900" smtClean="0">
                   <a:solidFill>
                     <a:prstClr val="white"/>
                   </a:solidFill>
                   <a:latin typeface="微软雅黑" panose="020B0503020204020204" pitchFamily="34" charset="-122"/>
                   <a:ea typeface="微软雅黑" panose="020B0503020204020204" pitchFamily="34" charset="-122"/>
                 </a:rPr>
-                <a:t>Leaflet</a:t>
+                <a:t>Webpack</a:t>
               </a:r>
               <a:endParaRPr lang="zh-CN" altLang="en-US" dirty="0">
                 <a:solidFill>
@@ -6803,7 +6727,7 @@
         <p:spPr>
           <a:xfrm>
             <a:off x="383995" y="5692729"/>
-            <a:ext cx="1029449" cy="271869"/>
+            <a:ext cx="1109599" cy="271869"/>
           </a:xfrm>
           <a:prstGeom prst="rect">
             <a:avLst/>
@@ -6825,21 +6749,21 @@
                 <a:latin typeface="微软雅黑" panose="020B0503020204020204" pitchFamily="34" charset="-122"/>
                 <a:ea typeface="微软雅黑" panose="020B0503020204020204" pitchFamily="34" charset="-122"/>
               </a:rPr>
-              <a:t>2015.1 </a:t>
-            </a:r>
-            <a:r>
-              <a:rPr lang="en-US" altLang="zh-CN" sz="900" dirty="0">
-                <a:latin typeface="微软雅黑" panose="020B0503020204020204" pitchFamily="34" charset="-122"/>
-                <a:ea typeface="微软雅黑" panose="020B0503020204020204" pitchFamily="34" charset="-122"/>
-              </a:rPr>
-              <a:t>- </a:t>
+              <a:t>2016.10 </a:t>
+            </a:r>
+            <a:r>
+              <a:rPr lang="mr-IN" altLang="zh-CN" sz="900" dirty="0" smtClean="0">
+                <a:latin typeface="微软雅黑" panose="020B0503020204020204" pitchFamily="34" charset="-122"/>
+                <a:ea typeface="微软雅黑" panose="020B0503020204020204" pitchFamily="34" charset="-122"/>
+              </a:rPr>
+              <a:t>–</a:t>
             </a:r>
             <a:r>
               <a:rPr lang="en-US" altLang="zh-CN" sz="900" dirty="0" smtClean="0">
                 <a:latin typeface="微软雅黑" panose="020B0503020204020204" pitchFamily="34" charset="-122"/>
                 <a:ea typeface="微软雅黑" panose="020B0503020204020204" pitchFamily="34" charset="-122"/>
               </a:rPr>
-              <a:t>2015.5</a:t>
+              <a:t> 2017.3</a:t>
             </a:r>
             <a:endParaRPr lang="en-US" altLang="zh-CN" sz="900" dirty="0">
               <a:latin typeface="微软雅黑" panose="020B0503020204020204" pitchFamily="34" charset="-122"/>
@@ -6857,7 +6781,7 @@
         <p:spPr>
           <a:xfrm>
             <a:off x="383995" y="5847368"/>
-            <a:ext cx="1947969" cy="306174"/>
+            <a:ext cx="1821332" cy="334707"/>
           </a:xfrm>
           <a:prstGeom prst="rect">
             <a:avLst/>
@@ -6875,32 +6799,44 @@
               </a:lnSpc>
             </a:pPr>
             <a:r>
-              <a:rPr lang="en-US" altLang="zh-CN" sz="1050" b="1" dirty="0" err="1" smtClean="0">
-                <a:latin typeface="微软雅黑" panose="020B0503020204020204" pitchFamily="34" charset="-122"/>
-                <a:ea typeface="微软雅黑" panose="020B0503020204020204" pitchFamily="34" charset="-122"/>
-              </a:rPr>
-              <a:t>ABCDViz</a:t>
-            </a:r>
-            <a:r>
               <a:rPr lang="en-US" altLang="zh-CN" sz="1050" b="1" dirty="0" smtClean="0">
                 <a:latin typeface="微软雅黑" panose="020B0503020204020204" pitchFamily="34" charset="-122"/>
                 <a:ea typeface="微软雅黑" panose="020B0503020204020204" pitchFamily="34" charset="-122"/>
-              </a:rPr>
-              <a:t> — </a:t>
+                <a:hlinkClick r:id="rId8" tooltip="链接"/>
+              </a:rPr>
+              <a:t>XJTUEI</a:t>
+            </a:r>
+            <a:r>
+              <a:rPr lang="en-US" altLang="zh-CN" sz="1050" b="1" dirty="0" smtClean="0">
+                <a:latin typeface="微软雅黑" panose="020B0503020204020204" pitchFamily="34" charset="-122"/>
+                <a:ea typeface="微软雅黑" panose="020B0503020204020204" pitchFamily="34" charset="-122"/>
+                <a:hlinkClick r:id="rId8" tooltip="链接"/>
+              </a:rPr>
+              <a:t> —</a:t>
             </a:r>
             <a:r>
               <a:rPr lang="zh-CN" altLang="en-US" sz="1050" b="1" dirty="0" smtClean="0">
                 <a:latin typeface="微软雅黑" panose="020B0503020204020204" pitchFamily="34" charset="-122"/>
                 <a:ea typeface="微软雅黑" panose="020B0503020204020204" pitchFamily="34" charset="-122"/>
-              </a:rPr>
-              <a:t>数据</a:t>
-            </a:r>
-            <a:r>
-              <a:rPr lang="zh-CN" altLang="en-US" sz="1050" b="1" dirty="0">
-                <a:latin typeface="微软雅黑" panose="020B0503020204020204" pitchFamily="34" charset="-122"/>
-                <a:ea typeface="微软雅黑" panose="020B0503020204020204" pitchFamily="34" charset="-122"/>
-              </a:rPr>
-              <a:t>可视化系统</a:t>
+                <a:hlinkClick r:id="rId8" tooltip="链接"/>
+              </a:rPr>
+              <a:t> </a:t>
+            </a:r>
+            <a:r>
+              <a:rPr lang="zh-CN" altLang="en-US" sz="1050" b="1" dirty="0" smtClean="0">
+                <a:latin typeface="微软雅黑" panose="020B0503020204020204" pitchFamily="34" charset="-122"/>
+                <a:ea typeface="微软雅黑" panose="020B0503020204020204" pitchFamily="34" charset="-122"/>
+                <a:hlinkClick r:id="rId8" tooltip="链接"/>
+              </a:rPr>
+              <a:t>办公自动化</a:t>
+            </a:r>
+            <a:r>
+              <a:rPr lang="zh-CN" altLang="en-US" sz="1050" b="1" dirty="0" smtClean="0">
+                <a:latin typeface="微软雅黑" panose="020B0503020204020204" pitchFamily="34" charset="-122"/>
+                <a:ea typeface="微软雅黑" panose="020B0503020204020204" pitchFamily="34" charset="-122"/>
+                <a:hlinkClick r:id="rId8" tooltip="链接"/>
+              </a:rPr>
+              <a:t>系统</a:t>
             </a:r>
             <a:endParaRPr lang="en-US" altLang="zh-CN" sz="1050" b="1" dirty="0">
               <a:latin typeface="微软雅黑" panose="020B0503020204020204" pitchFamily="34" charset="-122"/>
@@ -6950,16 +6886,16 @@
           <a:bodyPr rtlCol="0" anchor="ctr"/>
           <a:lstStyle/>
           <a:p>
-            <a:pPr lvl="0"/>
-            <a:r>
-              <a:rPr lang="en-US" altLang="zh-CN" sz="900" dirty="0">
+            <a:pPr lvl="0" algn="ctr"/>
+            <a:r>
+              <a:rPr lang="en-US" altLang="zh-CN" sz="900" dirty="0" smtClean="0">
                 <a:solidFill>
                   <a:prstClr val="white"/>
                 </a:solidFill>
                 <a:latin typeface="微软雅黑" panose="020B0503020204020204" pitchFamily="34" charset="-122"/>
                 <a:ea typeface="微软雅黑" panose="020B0503020204020204" pitchFamily="34" charset="-122"/>
               </a:rPr>
-              <a:t>D3.js</a:t>
+              <a:t>Jade</a:t>
             </a:r>
             <a:endParaRPr lang="zh-CN" altLang="en-US" dirty="0">
               <a:solidFill>
@@ -6978,7 +6914,7 @@
         <p:spPr>
           <a:xfrm>
             <a:off x="383997" y="6425128"/>
-            <a:ext cx="2870062" cy="1246495"/>
+            <a:ext cx="2870062" cy="1438855"/>
           </a:xfrm>
           <a:prstGeom prst="rect">
             <a:avLst/>
@@ -7005,11 +6941,18 @@
               <a:t>使用 </a:t>
             </a:r>
             <a:r>
+              <a:rPr lang="en-US" altLang="zh-CN" sz="900" dirty="0" err="1" smtClean="0">
+                <a:latin typeface="微软雅黑" panose="020B0503020204020204" pitchFamily="34" charset="-122"/>
+                <a:ea typeface="微软雅黑" panose="020B0503020204020204" pitchFamily="34" charset="-122"/>
+              </a:rPr>
+              <a:t>jquery-ui</a:t>
+            </a:r>
+            <a:r>
               <a:rPr lang="en-US" altLang="zh-CN" sz="900" dirty="0" smtClean="0">
                 <a:latin typeface="微软雅黑" panose="020B0503020204020204" pitchFamily="34" charset="-122"/>
                 <a:ea typeface="微软雅黑" panose="020B0503020204020204" pitchFamily="34" charset="-122"/>
               </a:rPr>
-              <a:t>Leaflet.js </a:t>
+              <a:t> </a:t>
             </a:r>
             <a:r>
               <a:rPr lang="zh-CN" altLang="en-US" sz="900" dirty="0" smtClean="0">
@@ -7023,28 +6966,21 @@
                 <a:latin typeface="微软雅黑" panose="020B0503020204020204" pitchFamily="34" charset="-122"/>
                 <a:ea typeface="微软雅黑" panose="020B0503020204020204" pitchFamily="34" charset="-122"/>
               </a:rPr>
-              <a:t>D3.js</a:t>
+              <a:t>bootstrap</a:t>
             </a:r>
             <a:r>
               <a:rPr lang="zh-CN" altLang="en-US" sz="900" dirty="0" smtClean="0">
                 <a:latin typeface="微软雅黑" panose="020B0503020204020204" pitchFamily="34" charset="-122"/>
                 <a:ea typeface="微软雅黑" panose="020B0503020204020204" pitchFamily="34" charset="-122"/>
               </a:rPr>
-              <a:t>，对</a:t>
-            </a:r>
-            <a:r>
-              <a:rPr lang="en-US" altLang="zh-CN" sz="900" dirty="0" smtClean="0">
-                <a:latin typeface="微软雅黑" panose="020B0503020204020204" pitchFamily="34" charset="-122"/>
-                <a:ea typeface="微软雅黑" panose="020B0503020204020204" pitchFamily="34" charset="-122"/>
-              </a:rPr>
-              <a:t>XXX</a:t>
+              <a:t>，</a:t>
             </a:r>
             <a:r>
               <a:rPr lang="zh-CN" altLang="en-US" sz="900" dirty="0" smtClean="0">
                 <a:latin typeface="微软雅黑" panose="020B0503020204020204" pitchFamily="34" charset="-122"/>
                 <a:ea typeface="微软雅黑" panose="020B0503020204020204" pitchFamily="34" charset="-122"/>
               </a:rPr>
-              <a:t>进行绘制</a:t>
+              <a:t>完成基本界面</a:t>
             </a:r>
             <a:endParaRPr lang="en-US" altLang="zh-CN" sz="900" dirty="0" smtClean="0">
               <a:latin typeface="微软雅黑" panose="020B0503020204020204" pitchFamily="34" charset="-122"/>
@@ -7092,15 +7028,26 @@
                 <a:latin typeface="微软雅黑" panose="020B0503020204020204" pitchFamily="34" charset="-122"/>
                 <a:ea typeface="微软雅黑" panose="020B0503020204020204" pitchFamily="34" charset="-122"/>
               </a:rPr>
-              <a:t>，完成</a:t>
-            </a:r>
-            <a:r>
-              <a:rPr lang="en-US" altLang="zh-CN" sz="900" dirty="0" smtClean="0">
-                <a:latin typeface="微软雅黑" panose="020B0503020204020204" pitchFamily="34" charset="-122"/>
-                <a:ea typeface="微软雅黑" panose="020B0503020204020204" pitchFamily="34" charset="-122"/>
-              </a:rPr>
-              <a:t>XXX</a:t>
-            </a:r>
+              <a:t>，</a:t>
+            </a:r>
+            <a:r>
+              <a:rPr lang="zh-CN" altLang="en-US" sz="900" dirty="0" smtClean="0">
+                <a:latin typeface="微软雅黑" panose="020B0503020204020204" pitchFamily="34" charset="-122"/>
+                <a:ea typeface="微软雅黑" panose="020B0503020204020204" pitchFamily="34" charset="-122"/>
+              </a:rPr>
+              <a:t>完成</a:t>
+            </a:r>
+            <a:r>
+              <a:rPr lang="zh-CN" altLang="en-US" sz="900" dirty="0" smtClean="0">
+                <a:latin typeface="微软雅黑" panose="020B0503020204020204" pitchFamily="34" charset="-122"/>
+                <a:ea typeface="微软雅黑" panose="020B0503020204020204" pitchFamily="34" charset="-122"/>
+              </a:rPr>
+              <a:t>路由配置及数据管理</a:t>
+            </a:r>
+            <a:endParaRPr lang="en-US" altLang="zh-CN" sz="900" dirty="0" smtClean="0">
+              <a:latin typeface="微软雅黑" panose="020B0503020204020204" pitchFamily="34" charset="-122"/>
+              <a:ea typeface="微软雅黑" panose="020B0503020204020204" pitchFamily="34" charset="-122"/>
+            </a:endParaRPr>
           </a:p>
           <a:p>
             <a:pPr marL="171450" lvl="0" indent="-171450">
@@ -7115,56 +7062,49 @@
                 <a:latin typeface="微软雅黑" panose="020B0503020204020204" pitchFamily="34" charset="-122"/>
                 <a:ea typeface="微软雅黑" panose="020B0503020204020204" pitchFamily="34" charset="-122"/>
               </a:rPr>
-              <a:t>通过 </a:t>
+              <a:t>通过</a:t>
+            </a:r>
+            <a:r>
+              <a:rPr lang="zh-CN" altLang="en-US" sz="900" dirty="0" smtClean="0">
+                <a:latin typeface="微软雅黑" panose="020B0503020204020204" pitchFamily="34" charset="-122"/>
+                <a:ea typeface="微软雅黑" panose="020B0503020204020204" pitchFamily="34" charset="-122"/>
+              </a:rPr>
+              <a:t>对</a:t>
+            </a:r>
+            <a:r>
+              <a:rPr lang="en-US" altLang="zh-CN" sz="900" dirty="0" err="1" smtClean="0">
+                <a:latin typeface="微软雅黑" panose="020B0503020204020204" pitchFamily="34" charset="-122"/>
+                <a:ea typeface="微软雅黑" panose="020B0503020204020204" pitchFamily="34" charset="-122"/>
+              </a:rPr>
+              <a:t>fullcalendar</a:t>
             </a:r>
             <a:r>
               <a:rPr lang="en-US" altLang="zh-CN" sz="900" dirty="0" smtClean="0">
                 <a:latin typeface="微软雅黑" panose="020B0503020204020204" pitchFamily="34" charset="-122"/>
                 <a:ea typeface="微软雅黑" panose="020B0503020204020204" pitchFamily="34" charset="-122"/>
               </a:rPr>
-              <a:t>D3.js </a:t>
+              <a:t> </a:t>
             </a:r>
             <a:r>
               <a:rPr lang="zh-CN" altLang="en-US" sz="900" dirty="0" smtClean="0">
                 <a:latin typeface="微软雅黑" panose="020B0503020204020204" pitchFamily="34" charset="-122"/>
                 <a:ea typeface="微软雅黑" panose="020B0503020204020204" pitchFamily="34" charset="-122"/>
               </a:rPr>
-              <a:t>绘制</a:t>
-            </a:r>
-            <a:r>
-              <a:rPr lang="en-US" altLang="zh-CN" sz="900" dirty="0" smtClean="0">
-                <a:latin typeface="微软雅黑" panose="020B0503020204020204" pitchFamily="34" charset="-122"/>
-                <a:ea typeface="微软雅黑" panose="020B0503020204020204" pitchFamily="34" charset="-122"/>
-              </a:rPr>
-              <a:t>XXX</a:t>
+              <a:t>库进行功能扩展，实现会议室预订功能。通过开发用于上传文件的</a:t>
+            </a:r>
+            <a:r>
+              <a:rPr lang="en-US" altLang="zh-CN" sz="900" dirty="0" err="1" smtClean="0">
+                <a:latin typeface="微软雅黑" panose="020B0503020204020204" pitchFamily="34" charset="-122"/>
+                <a:ea typeface="微软雅黑" panose="020B0503020204020204" pitchFamily="34" charset="-122"/>
+              </a:rPr>
+              <a:t>npm</a:t>
             </a:r>
             <a:r>
               <a:rPr lang="zh-CN" altLang="en-US" sz="900" dirty="0" smtClean="0">
                 <a:latin typeface="微软雅黑" panose="020B0503020204020204" pitchFamily="34" charset="-122"/>
                 <a:ea typeface="微软雅黑" panose="020B0503020204020204" pitchFamily="34" charset="-122"/>
               </a:rPr>
-              <a:t>图、</a:t>
-            </a:r>
-            <a:r>
-              <a:rPr lang="en-US" altLang="zh-CN" sz="900" dirty="0" smtClean="0">
-                <a:latin typeface="微软雅黑" panose="020B0503020204020204" pitchFamily="34" charset="-122"/>
-                <a:ea typeface="微软雅黑" panose="020B0503020204020204" pitchFamily="34" charset="-122"/>
-              </a:rPr>
-              <a:t>XXX</a:t>
-            </a:r>
-            <a:r>
-              <a:rPr lang="zh-CN" altLang="en-US" sz="900" dirty="0" smtClean="0">
-                <a:latin typeface="微软雅黑" panose="020B0503020204020204" pitchFamily="34" charset="-122"/>
-                <a:ea typeface="微软雅黑" panose="020B0503020204020204" pitchFamily="34" charset="-122"/>
-              </a:rPr>
-              <a:t>图等形式展现所选时空范围内</a:t>
-            </a:r>
-            <a:r>
-              <a:rPr lang="en-US" altLang="zh-CN" sz="900" dirty="0" smtClean="0">
-                <a:latin typeface="微软雅黑" panose="020B0503020204020204" pitchFamily="34" charset="-122"/>
-                <a:ea typeface="微软雅黑" panose="020B0503020204020204" pitchFamily="34" charset="-122"/>
-              </a:rPr>
-              <a:t>XXX</a:t>
+              <a:t>包，实现存储修改旧版系统数据库中相应用户文件</a:t>
             </a:r>
           </a:p>
           <a:p>
@@ -7176,97 +7116,20 @@
               <a:buChar char="ü"/>
             </a:pPr>
             <a:r>
-              <a:rPr lang="zh-CN" altLang="en-US" sz="900" dirty="0">
-                <a:latin typeface="微软雅黑" panose="020B0503020204020204" pitchFamily="34" charset="-122"/>
-                <a:ea typeface="微软雅黑" panose="020B0503020204020204" pitchFamily="34" charset="-122"/>
-              </a:rPr>
-              <a:t>根据</a:t>
-            </a:r>
-            <a:r>
-              <a:rPr lang="en-US" altLang="zh-CN" sz="900" dirty="0">
-                <a:latin typeface="微软雅黑" panose="020B0503020204020204" pitchFamily="34" charset="-122"/>
-                <a:ea typeface="微软雅黑" panose="020B0503020204020204" pitchFamily="34" charset="-122"/>
-              </a:rPr>
-              <a:t>XXX</a:t>
-            </a:r>
-            <a:r>
-              <a:rPr lang="zh-CN" altLang="en-US" sz="900" dirty="0">
-                <a:latin typeface="微软雅黑" panose="020B0503020204020204" pitchFamily="34" charset="-122"/>
-                <a:ea typeface="微软雅黑" panose="020B0503020204020204" pitchFamily="34" charset="-122"/>
-              </a:rPr>
-              <a:t>情况，使用</a:t>
-            </a:r>
-            <a:r>
-              <a:rPr lang="en-US" altLang="zh-CN" sz="900" dirty="0">
-                <a:latin typeface="微软雅黑" panose="020B0503020204020204" pitchFamily="34" charset="-122"/>
-                <a:ea typeface="微软雅黑" panose="020B0503020204020204" pitchFamily="34" charset="-122"/>
-              </a:rPr>
-              <a:t>XXX</a:t>
-            </a:r>
-            <a:r>
-              <a:rPr lang="zh-CN" altLang="en-US" sz="900" dirty="0">
-                <a:latin typeface="微软雅黑" panose="020B0503020204020204" pitchFamily="34" charset="-122"/>
-                <a:ea typeface="微软雅黑" panose="020B0503020204020204" pitchFamily="34" charset="-122"/>
-              </a:rPr>
-              <a:t>算法对</a:t>
-            </a:r>
-            <a:r>
-              <a:rPr lang="en-US" altLang="zh-CN" sz="900" dirty="0">
-                <a:latin typeface="微软雅黑" panose="020B0503020204020204" pitchFamily="34" charset="-122"/>
-                <a:ea typeface="微软雅黑" panose="020B0503020204020204" pitchFamily="34" charset="-122"/>
-              </a:rPr>
-              <a:t>XXX</a:t>
-            </a:r>
-            <a:r>
-              <a:rPr lang="zh-CN" altLang="en-US" sz="900" dirty="0">
-                <a:latin typeface="微软雅黑" panose="020B0503020204020204" pitchFamily="34" charset="-122"/>
-                <a:ea typeface="微软雅黑" panose="020B0503020204020204" pitchFamily="34" charset="-122"/>
-              </a:rPr>
-              <a:t>进行聚类，使用 </a:t>
-            </a:r>
-            <a:r>
-              <a:rPr lang="en-US" altLang="zh-CN" sz="900" dirty="0">
-                <a:latin typeface="微软雅黑" panose="020B0503020204020204" pitchFamily="34" charset="-122"/>
-                <a:ea typeface="微软雅黑" panose="020B0503020204020204" pitchFamily="34" charset="-122"/>
-              </a:rPr>
-              <a:t>D3.js</a:t>
-            </a:r>
-            <a:r>
-              <a:rPr lang="zh-CN" altLang="en-US" sz="900" dirty="0">
-                <a:latin typeface="微软雅黑" panose="020B0503020204020204" pitchFamily="34" charset="-122"/>
-                <a:ea typeface="微软雅黑" panose="020B0503020204020204" pitchFamily="34" charset="-122"/>
-              </a:rPr>
-              <a:t>，通过</a:t>
-            </a:r>
-            <a:r>
-              <a:rPr lang="en-US" altLang="zh-CN" sz="900" dirty="0">
-                <a:latin typeface="微软雅黑" panose="020B0503020204020204" pitchFamily="34" charset="-122"/>
-                <a:ea typeface="微软雅黑" panose="020B0503020204020204" pitchFamily="34" charset="-122"/>
-              </a:rPr>
-              <a:t>XXX</a:t>
-            </a:r>
-            <a:r>
-              <a:rPr lang="zh-CN" altLang="en-US" sz="900" dirty="0">
-                <a:latin typeface="微软雅黑" panose="020B0503020204020204" pitchFamily="34" charset="-122"/>
-                <a:ea typeface="微软雅黑" panose="020B0503020204020204" pitchFamily="34" charset="-122"/>
-              </a:rPr>
-              <a:t>展示</a:t>
-            </a:r>
-            <a:r>
-              <a:rPr lang="en-US" altLang="zh-CN" sz="900" dirty="0">
-                <a:latin typeface="微软雅黑" panose="020B0503020204020204" pitchFamily="34" charset="-122"/>
-                <a:ea typeface="微软雅黑" panose="020B0503020204020204" pitchFamily="34" charset="-122"/>
-              </a:rPr>
-              <a:t>XXX</a:t>
-            </a:r>
-            <a:r>
-              <a:rPr lang="zh-CN" altLang="en-US" sz="900" dirty="0">
-                <a:latin typeface="微软雅黑" panose="020B0503020204020204" pitchFamily="34" charset="-122"/>
-                <a:ea typeface="微软雅黑" panose="020B0503020204020204" pitchFamily="34" charset="-122"/>
-              </a:rPr>
-              <a:t>信息</a:t>
-            </a:r>
-            <a:endParaRPr lang="en-US" altLang="zh-CN" sz="900" dirty="0">
+              <a:rPr lang="zh-CN" altLang="en-US" sz="900" dirty="0" smtClean="0">
+                <a:latin typeface="微软雅黑" panose="020B0503020204020204" pitchFamily="34" charset="-122"/>
+                <a:ea typeface="微软雅黑" panose="020B0503020204020204" pitchFamily="34" charset="-122"/>
+              </a:rPr>
+              <a:t>实现用户管理、注册登录、密码找回、合并</a:t>
+            </a:r>
+            <a:r>
+              <a:rPr lang="en-US" altLang="zh-CN" sz="900" dirty="0" smtClean="0">
+                <a:latin typeface="微软雅黑" panose="020B0503020204020204" pitchFamily="34" charset="-122"/>
+                <a:ea typeface="微软雅黑" panose="020B0503020204020204" pitchFamily="34" charset="-122"/>
+              </a:rPr>
+              <a:t>excel</a:t>
+            </a:r>
+            <a:endParaRPr lang="zh-CN" altLang="en-US" sz="900" dirty="0" smtClean="0">
               <a:latin typeface="微软雅黑" panose="020B0503020204020204" pitchFamily="34" charset="-122"/>
               <a:ea typeface="微软雅黑" panose="020B0503020204020204" pitchFamily="34" charset="-122"/>
             </a:endParaRPr>
@@ -7434,7 +7297,7 @@
           <a:bodyPr rtlCol="0" anchor="ctr"/>
           <a:lstStyle/>
           <a:p>
-            <a:pPr lvl="0"/>
+            <a:pPr lvl="0" algn="ctr"/>
             <a:r>
               <a:rPr lang="en-US" altLang="zh-CN" sz="900" dirty="0" smtClean="0">
                 <a:solidFill>
@@ -7443,7 +7306,7 @@
                 <a:latin typeface="微软雅黑" panose="020B0503020204020204" pitchFamily="34" charset="-122"/>
                 <a:ea typeface="微软雅黑" panose="020B0503020204020204" pitchFamily="34" charset="-122"/>
               </a:rPr>
-              <a:t>Leaflet</a:t>
+              <a:t>Gulp</a:t>
             </a:r>
             <a:endParaRPr lang="zh-CN" altLang="en-US" dirty="0">
               <a:solidFill>
@@ -7476,7 +7339,7 @@
           <p:spPr>
             <a:xfrm>
               <a:off x="418451" y="7819857"/>
-              <a:ext cx="1096775" cy="271869"/>
+              <a:ext cx="1029449" cy="271869"/>
             </a:xfrm>
             <a:prstGeom prst="rect">
               <a:avLst/>
@@ -7498,7 +7361,7 @@
                   <a:latin typeface="微软雅黑" panose="020B0503020204020204" pitchFamily="34" charset="-122"/>
                   <a:ea typeface="微软雅黑" panose="020B0503020204020204" pitchFamily="34" charset="-122"/>
                 </a:rPr>
-                <a:t>2014.7 </a:t>
+                <a:t>2017.6 </a:t>
               </a:r>
               <a:r>
                 <a:rPr lang="en-US" altLang="zh-CN" sz="900" dirty="0">
@@ -7512,7 +7375,7 @@
                   <a:latin typeface="微软雅黑" panose="020B0503020204020204" pitchFamily="34" charset="-122"/>
                   <a:ea typeface="微软雅黑" panose="020B0503020204020204" pitchFamily="34" charset="-122"/>
                 </a:rPr>
-                <a:t>2014.10</a:t>
+                <a:t>2017.7</a:t>
               </a:r>
               <a:endParaRPr lang="en-US" altLang="zh-CN" sz="900" dirty="0">
                 <a:latin typeface="微软雅黑" panose="020B0503020204020204" pitchFamily="34" charset="-122"/>
@@ -7908,7 +7771,7 @@
                     <a:latin typeface="微软雅黑" panose="020B0503020204020204" pitchFamily="34" charset="-122"/>
                     <a:ea typeface="微软雅黑" panose="020B0503020204020204" pitchFamily="34" charset="-122"/>
                   </a:rPr>
-                  <a:t>独立开发</a:t>
+                  <a:t>团队项目</a:t>
                 </a:r>
                 <a:endParaRPr lang="zh-CN" altLang="en-US" sz="800" dirty="0">
                   <a:solidFill>

--- a/doc/resume.pptx
+++ b/doc/resume.pptx
@@ -5293,9 +5293,17 @@
                 <a:ea typeface="微软雅黑" panose="020B0503020204020204" pitchFamily="34" charset="-122"/>
                 <a:hlinkClick r:id="rId5"/>
               </a:rPr>
-              <a:t>https://github.com/zhangbowei</a:t>
-            </a:r>
-            <a:endParaRPr lang="en-US" altLang="zh-CN" sz="900" u="sng" dirty="0">
+              <a:t>https://</a:t>
+            </a:r>
+            <a:r>
+              <a:rPr lang="en-US" altLang="zh-CN" sz="900" dirty="0" smtClean="0">
+                <a:latin typeface="微软雅黑" panose="020B0503020204020204" pitchFamily="34" charset="-122"/>
+                <a:ea typeface="微软雅黑" panose="020B0503020204020204" pitchFamily="34" charset="-122"/>
+                <a:hlinkClick r:id="rId5"/>
+              </a:rPr>
+              <a:t>github.com/zhangbowei</a:t>
+            </a:r>
+            <a:endParaRPr lang="zh-CN" altLang="en-US" sz="900" dirty="0" smtClean="0">
               <a:latin typeface="微软雅黑" panose="020B0503020204020204" pitchFamily="34" charset="-122"/>
               <a:ea typeface="微软雅黑" panose="020B0503020204020204" pitchFamily="34" charset="-122"/>
             </a:endParaRPr>
@@ -6133,9 +6141,9 @@
         <p:grpSpPr>
           <a:xfrm>
             <a:off x="386128" y="3628536"/>
-            <a:ext cx="2882520" cy="2196923"/>
+            <a:ext cx="2882520" cy="2106808"/>
             <a:chOff x="416608" y="3709272"/>
-            <a:chExt cx="2882520" cy="2196923"/>
+            <a:chExt cx="2882520" cy="2106808"/>
           </a:xfrm>
         </p:grpSpPr>
         <p:sp>
@@ -6219,38 +6227,16 @@
                 </a:lnSpc>
               </a:pPr>
               <a:r>
-                <a:rPr lang="en-US" altLang="zh-CN" sz="1050" b="1" dirty="0" smtClean="0">
+                <a:rPr lang="en-US" altLang="zh-CN" sz="1050" b="1" dirty="0">
                   <a:latin typeface="微软雅黑" panose="020B0503020204020204" pitchFamily="34" charset="-122"/>
                   <a:ea typeface="微软雅黑" panose="020B0503020204020204" pitchFamily="34" charset="-122"/>
-                  <a:hlinkClick r:id="rId7"/>
-                  <a:hlinkMouseOver r:id="" action="ppaction://hlinkshowjump?jump=nextslide"/>
                 </a:rPr>
-                <a:t>StateChart</a:t>
+                <a:t>StateChart — </a:t>
               </a:r>
               <a:r>
-                <a:rPr lang="en-US" altLang="zh-CN" sz="1050" b="1" dirty="0" smtClean="0">
+                <a:rPr lang="zh-CN" altLang="en-US" sz="1050" b="1" dirty="0">
                   <a:latin typeface="微软雅黑" panose="020B0503020204020204" pitchFamily="34" charset="-122"/>
                   <a:ea typeface="微软雅黑" panose="020B0503020204020204" pitchFamily="34" charset="-122"/>
-                  <a:hlinkClick r:id="rId7"/>
-                  <a:hlinkMouseOver r:id="" action="ppaction://hlinkshowjump?jump=nextslide"/>
-                </a:rPr>
-                <a:t> </a:t>
-              </a:r>
-              <a:r>
-                <a:rPr lang="en-US" altLang="zh-CN" sz="1050" b="1" dirty="0" smtClean="0">
-                  <a:latin typeface="微软雅黑" panose="020B0503020204020204" pitchFamily="34" charset="-122"/>
-                  <a:ea typeface="微软雅黑" panose="020B0503020204020204" pitchFamily="34" charset="-122"/>
-                  <a:hlinkClick r:id="rId7"/>
-                  <a:hlinkMouseOver r:id="" action="ppaction://hlinkshowjump?jump=nextslide"/>
-                </a:rPr>
-                <a:t>— </a:t>
-              </a:r>
-              <a:r>
-                <a:rPr lang="zh-CN" altLang="en-US" sz="1050" b="1" dirty="0" smtClean="0">
-                  <a:latin typeface="微软雅黑" panose="020B0503020204020204" pitchFamily="34" charset="-122"/>
-                  <a:ea typeface="微软雅黑" panose="020B0503020204020204" pitchFamily="34" charset="-122"/>
-                  <a:hlinkClick r:id="rId7"/>
-                  <a:hlinkMouseOver r:id="" action="ppaction://hlinkshowjump?jump=nextslide"/>
                 </a:rPr>
                 <a:t>基于状态机的物联网建模平台</a:t>
               </a:r>
@@ -6331,7 +6317,7 @@
           </p:nvSpPr>
           <p:spPr>
             <a:xfrm>
-              <a:off x="416609" y="4467340"/>
+              <a:off x="416610" y="4377225"/>
               <a:ext cx="2867929" cy="1438855"/>
             </a:xfrm>
             <a:prstGeom prst="rect">
@@ -6398,16 +6384,9 @@
                   <a:latin typeface="微软雅黑" panose="020B0503020204020204" pitchFamily="34" charset="-122"/>
                   <a:ea typeface="微软雅黑" panose="020B0503020204020204" pitchFamily="34" charset="-122"/>
                 </a:rPr>
-                <a:t>进行</a:t>
+                <a:t>进行绘制</a:t>
               </a:r>
-              <a:r>
-                <a:rPr lang="zh-CN" altLang="en-US" sz="900" dirty="0" smtClean="0">
-                  <a:latin typeface="微软雅黑" panose="020B0503020204020204" pitchFamily="34" charset="-122"/>
-                  <a:ea typeface="微软雅黑" panose="020B0503020204020204" pitchFamily="34" charset="-122"/>
-                </a:rPr>
-                <a:t>绘制</a:t>
-              </a:r>
-              <a:endParaRPr lang="en-US" altLang="zh-CN" sz="900" dirty="0" smtClean="0">
+              <a:endParaRPr lang="zh-CN" altLang="en-US" sz="900" dirty="0" smtClean="0">
                 <a:latin typeface="微软雅黑" panose="020B0503020204020204" pitchFamily="34" charset="-122"/>
                 <a:ea typeface="微软雅黑" panose="020B0503020204020204" pitchFamily="34" charset="-122"/>
               </a:endParaRPr>
@@ -6781,14 +6760,14 @@
         <p:spPr>
           <a:xfrm>
             <a:off x="383995" y="5847368"/>
-            <a:ext cx="1821332" cy="334707"/>
+            <a:ext cx="1925078" cy="334707"/>
           </a:xfrm>
           <a:prstGeom prst="rect">
             <a:avLst/>
           </a:prstGeom>
         </p:spPr>
         <p:txBody>
-          <a:bodyPr wrap="none">
+          <a:bodyPr wrap="square">
             <a:spAutoFit/>
           </a:bodyPr>
           <a:lstStyle/>
@@ -6802,7 +6781,6 @@
               <a:rPr lang="en-US" altLang="zh-CN" sz="1050" b="1" dirty="0" smtClean="0">
                 <a:latin typeface="微软雅黑" panose="020B0503020204020204" pitchFamily="34" charset="-122"/>
                 <a:ea typeface="微软雅黑" panose="020B0503020204020204" pitchFamily="34" charset="-122"/>
-                <a:hlinkClick r:id="rId8" tooltip="链接"/>
               </a:rPr>
               <a:t>XJTUEI</a:t>
             </a:r>
@@ -6810,7 +6788,6 @@
               <a:rPr lang="en-US" altLang="zh-CN" sz="1050" b="1" dirty="0" smtClean="0">
                 <a:latin typeface="微软雅黑" panose="020B0503020204020204" pitchFamily="34" charset="-122"/>
                 <a:ea typeface="微软雅黑" panose="020B0503020204020204" pitchFamily="34" charset="-122"/>
-                <a:hlinkClick r:id="rId8" tooltip="链接"/>
               </a:rPr>
               <a:t> —</a:t>
             </a:r>
@@ -6818,7 +6795,6 @@
               <a:rPr lang="zh-CN" altLang="en-US" sz="1050" b="1" dirty="0" smtClean="0">
                 <a:latin typeface="微软雅黑" panose="020B0503020204020204" pitchFamily="34" charset="-122"/>
                 <a:ea typeface="微软雅黑" panose="020B0503020204020204" pitchFamily="34" charset="-122"/>
-                <a:hlinkClick r:id="rId8" tooltip="链接"/>
               </a:rPr>
               <a:t> </a:t>
             </a:r>
@@ -6826,7 +6802,6 @@
               <a:rPr lang="zh-CN" altLang="en-US" sz="1050" b="1" dirty="0" smtClean="0">
                 <a:latin typeface="微软雅黑" panose="020B0503020204020204" pitchFamily="34" charset="-122"/>
                 <a:ea typeface="微软雅黑" panose="020B0503020204020204" pitchFamily="34" charset="-122"/>
-                <a:hlinkClick r:id="rId8" tooltip="链接"/>
               </a:rPr>
               <a:t>办公自动化</a:t>
             </a:r>
@@ -6834,7 +6809,6 @@
               <a:rPr lang="zh-CN" altLang="en-US" sz="1050" b="1" dirty="0" smtClean="0">
                 <a:latin typeface="微软雅黑" panose="020B0503020204020204" pitchFamily="34" charset="-122"/>
                 <a:ea typeface="微软雅黑" panose="020B0503020204020204" pitchFamily="34" charset="-122"/>
-                <a:hlinkClick r:id="rId8" tooltip="链接"/>
               </a:rPr>
               <a:t>系统</a:t>
             </a:r>
@@ -6913,7 +6887,7 @@
         </p:nvSpPr>
         <p:spPr>
           <a:xfrm>
-            <a:off x="383997" y="6425128"/>
+            <a:off x="398586" y="6332747"/>
             <a:ext cx="2870062" cy="1438855"/>
           </a:xfrm>
           <a:prstGeom prst="rect">
@@ -7325,9 +7299,9 @@
         <p:grpSpPr>
           <a:xfrm>
             <a:off x="387971" y="7739121"/>
-            <a:ext cx="2866088" cy="1619842"/>
+            <a:ext cx="2866088" cy="1812203"/>
             <a:chOff x="418451" y="7819857"/>
-            <a:chExt cx="2866088" cy="1619842"/>
+            <a:chExt cx="2866088" cy="1812203"/>
           </a:xfrm>
         </p:grpSpPr>
         <p:sp>
@@ -7393,7 +7367,7 @@
           <p:spPr>
             <a:xfrm>
               <a:off x="418451" y="8000165"/>
-              <a:ext cx="1947969" cy="306174"/>
+              <a:ext cx="2420856" cy="334707"/>
             </a:xfrm>
             <a:prstGeom prst="rect">
               <a:avLst/>
@@ -7415,28 +7389,35 @@
                   <a:latin typeface="微软雅黑" panose="020B0503020204020204" pitchFamily="34" charset="-122"/>
                   <a:ea typeface="微软雅黑" panose="020B0503020204020204" pitchFamily="34" charset="-122"/>
                 </a:rPr>
-                <a:t>ABCDViz</a:t>
+                <a:t>Seetatech</a:t>
               </a:r>
               <a:r>
                 <a:rPr lang="en-US" altLang="zh-CN" sz="1050" b="1" dirty="0" smtClean="0">
                   <a:latin typeface="微软雅黑" panose="020B0503020204020204" pitchFamily="34" charset="-122"/>
                   <a:ea typeface="微软雅黑" panose="020B0503020204020204" pitchFamily="34" charset="-122"/>
                 </a:rPr>
-                <a:t> — </a:t>
+                <a:t> </a:t>
+              </a:r>
+              <a:r>
+                <a:rPr lang="en-US" altLang="zh-CN" sz="1050" b="1" dirty="0" smtClean="0">
+                  <a:latin typeface="微软雅黑" panose="020B0503020204020204" pitchFamily="34" charset="-122"/>
+                  <a:ea typeface="微软雅黑" panose="020B0503020204020204" pitchFamily="34" charset="-122"/>
+                </a:rPr>
+                <a:t>— </a:t>
               </a:r>
               <a:r>
                 <a:rPr lang="zh-CN" altLang="en-US" sz="1050" b="1" dirty="0" smtClean="0">
                   <a:latin typeface="微软雅黑" panose="020B0503020204020204" pitchFamily="34" charset="-122"/>
                   <a:ea typeface="微软雅黑" panose="020B0503020204020204" pitchFamily="34" charset="-122"/>
                 </a:rPr>
-                <a:t>数据</a:t>
+                <a:t>中科视拓后台管理</a:t>
               </a:r>
               <a:r>
-                <a:rPr lang="zh-CN" altLang="en-US" sz="1050" b="1" dirty="0">
+                <a:rPr lang="zh-CN" altLang="en-US" sz="1050" b="1" dirty="0" smtClean="0">
                   <a:latin typeface="微软雅黑" panose="020B0503020204020204" pitchFamily="34" charset="-122"/>
                   <a:ea typeface="微软雅黑" panose="020B0503020204020204" pitchFamily="34" charset="-122"/>
                 </a:rPr>
-                <a:t>可视化系统</a:t>
+                <a:t>系统</a:t>
               </a:r>
               <a:endParaRPr lang="en-US" altLang="zh-CN" sz="1050" b="1" dirty="0">
                 <a:latin typeface="微软雅黑" panose="020B0503020204020204" pitchFamily="34" charset="-122"/>
@@ -7486,16 +7467,16 @@
             <a:bodyPr rtlCol="0" anchor="ctr"/>
             <a:lstStyle/>
             <a:p>
-              <a:pPr lvl="0"/>
+              <a:pPr lvl="0" algn="ctr"/>
               <a:r>
-                <a:rPr lang="en-US" altLang="zh-CN" sz="900" dirty="0">
+                <a:rPr lang="en-US" altLang="zh-CN" sz="900" dirty="0" err="1" smtClean="0">
                   <a:solidFill>
                     <a:prstClr val="white"/>
                   </a:solidFill>
                   <a:latin typeface="微软雅黑" panose="020B0503020204020204" pitchFamily="34" charset="-122"/>
                   <a:ea typeface="微软雅黑" panose="020B0503020204020204" pitchFamily="34" charset="-122"/>
                 </a:rPr>
-                <a:t>D3.js</a:t>
+                <a:t>Vue</a:t>
               </a:r>
               <a:endParaRPr lang="zh-CN" altLang="en-US" dirty="0">
                 <a:solidFill>
@@ -7514,7 +7495,7 @@
           <p:spPr>
             <a:xfrm>
               <a:off x="418453" y="8577925"/>
-              <a:ext cx="2866086" cy="861774"/>
+              <a:ext cx="2866086" cy="1054135"/>
             </a:xfrm>
             <a:prstGeom prst="rect">
               <a:avLst/>
@@ -7541,11 +7522,18 @@
                 <a:t>使用 </a:t>
               </a:r>
               <a:r>
+                <a:rPr lang="en-US" altLang="zh-CN" sz="900" dirty="0" err="1" smtClean="0">
+                  <a:latin typeface="微软雅黑" panose="020B0503020204020204" pitchFamily="34" charset="-122"/>
+                  <a:ea typeface="微软雅黑" panose="020B0503020204020204" pitchFamily="34" charset="-122"/>
+                </a:rPr>
+                <a:t>ECharts</a:t>
+              </a:r>
+              <a:r>
                 <a:rPr lang="en-US" altLang="zh-CN" sz="900" dirty="0" smtClean="0">
                   <a:latin typeface="微软雅黑" panose="020B0503020204020204" pitchFamily="34" charset="-122"/>
                   <a:ea typeface="微软雅黑" panose="020B0503020204020204" pitchFamily="34" charset="-122"/>
                 </a:rPr>
-                <a:t>Leaflet.js </a:t>
+                <a:t> </a:t>
               </a:r>
               <a:r>
                 <a:rPr lang="zh-CN" altLang="en-US" sz="900" dirty="0" smtClean="0">
@@ -7559,28 +7547,28 @@
                   <a:latin typeface="微软雅黑" panose="020B0503020204020204" pitchFamily="34" charset="-122"/>
                   <a:ea typeface="微软雅黑" panose="020B0503020204020204" pitchFamily="34" charset="-122"/>
                 </a:rPr>
-                <a:t>D3.js</a:t>
+                <a:t>element-</a:t>
+              </a:r>
+              <a:r>
+                <a:rPr lang="en-US" altLang="zh-CN" sz="900" dirty="0" err="1" smtClean="0">
+                  <a:latin typeface="微软雅黑" panose="020B0503020204020204" pitchFamily="34" charset="-122"/>
+                  <a:ea typeface="微软雅黑" panose="020B0503020204020204" pitchFamily="34" charset="-122"/>
+                </a:rPr>
+                <a:t>ui</a:t>
               </a:r>
               <a:r>
                 <a:rPr lang="zh-CN" altLang="en-US" sz="900" dirty="0" smtClean="0">
                   <a:latin typeface="微软雅黑" panose="020B0503020204020204" pitchFamily="34" charset="-122"/>
                   <a:ea typeface="微软雅黑" panose="020B0503020204020204" pitchFamily="34" charset="-122"/>
                 </a:rPr>
-                <a:t>，对</a:t>
-              </a:r>
-              <a:r>
-                <a:rPr lang="en-US" altLang="zh-CN" sz="900" dirty="0" smtClean="0">
-                  <a:latin typeface="微软雅黑" panose="020B0503020204020204" pitchFamily="34" charset="-122"/>
-                  <a:ea typeface="微软雅黑" panose="020B0503020204020204" pitchFamily="34" charset="-122"/>
-                </a:rPr>
-                <a:t>XXX</a:t>
+                <a:t>，</a:t>
               </a:r>
               <a:r>
                 <a:rPr lang="zh-CN" altLang="en-US" sz="900" dirty="0" smtClean="0">
                   <a:latin typeface="微软雅黑" panose="020B0503020204020204" pitchFamily="34" charset="-122"/>
                   <a:ea typeface="微软雅黑" panose="020B0503020204020204" pitchFamily="34" charset="-122"/>
                 </a:rPr>
-                <a:t>进行绘制</a:t>
+                <a:t>开发界面</a:t>
               </a:r>
               <a:endParaRPr lang="en-US" altLang="zh-CN" sz="900" dirty="0" smtClean="0">
                 <a:latin typeface="微软雅黑" panose="020B0503020204020204" pitchFamily="34" charset="-122"/>
@@ -7603,39 +7591,39 @@
                 <a:t>使用 </a:t>
               </a:r>
               <a:r>
+                <a:rPr lang="en-US" altLang="zh-CN" sz="900" dirty="0" err="1" smtClean="0">
+                  <a:latin typeface="微软雅黑" panose="020B0503020204020204" pitchFamily="34" charset="-122"/>
+                  <a:ea typeface="微软雅黑" panose="020B0503020204020204" pitchFamily="34" charset="-122"/>
+                </a:rPr>
+                <a:t>vue</a:t>
+              </a:r>
+              <a:r>
                 <a:rPr lang="en-US" altLang="zh-CN" sz="900" dirty="0" smtClean="0">
                   <a:latin typeface="微软雅黑" panose="020B0503020204020204" pitchFamily="34" charset="-122"/>
                   <a:ea typeface="微软雅黑" panose="020B0503020204020204" pitchFamily="34" charset="-122"/>
                 </a:rPr>
-                <a:t>Express </a:t>
+                <a:t>-router</a:t>
               </a:r>
               <a:r>
                 <a:rPr lang="zh-CN" altLang="en-US" sz="900" dirty="0" smtClean="0">
                   <a:latin typeface="微软雅黑" panose="020B0503020204020204" pitchFamily="34" charset="-122"/>
                   <a:ea typeface="微软雅黑" panose="020B0503020204020204" pitchFamily="34" charset="-122"/>
                 </a:rPr>
-                <a:t>和 </a:t>
+                <a:t> 和 </a:t>
               </a:r>
               <a:r>
-                <a:rPr lang="en-US" altLang="zh-CN" sz="900" dirty="0" smtClean="0">
+                <a:rPr lang="en-US" altLang="zh-CN" sz="900" dirty="0" err="1" smtClean="0">
                   <a:latin typeface="微软雅黑" panose="020B0503020204020204" pitchFamily="34" charset="-122"/>
                   <a:ea typeface="微软雅黑" panose="020B0503020204020204" pitchFamily="34" charset="-122"/>
                 </a:rPr>
-                <a:t>Mongoose</a:t>
+                <a:t>vuex</a:t>
               </a:r>
               <a:r>
                 <a:rPr lang="zh-CN" altLang="en-US" sz="900" dirty="0" smtClean="0">
                   <a:latin typeface="微软雅黑" panose="020B0503020204020204" pitchFamily="34" charset="-122"/>
                   <a:ea typeface="微软雅黑" panose="020B0503020204020204" pitchFamily="34" charset="-122"/>
                 </a:rPr>
-                <a:t>，完成</a:t>
-              </a:r>
-              <a:r>
-                <a:rPr lang="en-US" altLang="zh-CN" sz="900" dirty="0" smtClean="0">
-                  <a:latin typeface="微软雅黑" panose="020B0503020204020204" pitchFamily="34" charset="-122"/>
-                  <a:ea typeface="微软雅黑" panose="020B0503020204020204" pitchFamily="34" charset="-122"/>
-                </a:rPr>
-                <a:t>XXX</a:t>
+                <a:t>，进行状态管理</a:t>
               </a:r>
             </a:p>
             <a:p>
@@ -7654,54 +7642,69 @@
                 <a:t>通过 </a:t>
               </a:r>
               <a:r>
-                <a:rPr lang="en-US" altLang="zh-CN" sz="900" dirty="0" smtClean="0">
+                <a:rPr lang="zh-CN" altLang="en-US" sz="900" dirty="0" smtClean="0">
                   <a:latin typeface="微软雅黑" panose="020B0503020204020204" pitchFamily="34" charset="-122"/>
                   <a:ea typeface="微软雅黑" panose="020B0503020204020204" pitchFamily="34" charset="-122"/>
                 </a:rPr>
-                <a:t>D3.js </a:t>
+                <a:t>搭建本地 </a:t>
+              </a:r>
+              <a:r>
+                <a:rPr lang="en-US" altLang="zh-CN" sz="900" dirty="0" err="1" smtClean="0">
+                  <a:latin typeface="微软雅黑" panose="020B0503020204020204" pitchFamily="34" charset="-122"/>
+                  <a:ea typeface="微软雅黑" panose="020B0503020204020204" pitchFamily="34" charset="-122"/>
+                </a:rPr>
+                <a:t>git</a:t>
               </a:r>
               <a:r>
                 <a:rPr lang="zh-CN" altLang="en-US" sz="900" dirty="0" smtClean="0">
                   <a:latin typeface="微软雅黑" panose="020B0503020204020204" pitchFamily="34" charset="-122"/>
                   <a:ea typeface="微软雅黑" panose="020B0503020204020204" pitchFamily="34" charset="-122"/>
                 </a:rPr>
-                <a:t>绘制</a:t>
+                <a:t> 服务器，进行版本控制</a:t>
               </a:r>
+            </a:p>
+            <a:p>
+              <a:pPr marL="171450" lvl="0" indent="-171450">
+                <a:lnSpc>
+                  <a:spcPts val="1500"/>
+                </a:lnSpc>
+                <a:buFont typeface="Wingdings" panose="05000000000000000000" pitchFamily="2" charset="2"/>
+                <a:buChar char="ü"/>
+              </a:pPr>
               <a:r>
-                <a:rPr lang="en-US" altLang="zh-CN" sz="900" dirty="0" smtClean="0">
+                <a:rPr lang="zh-CN" altLang="en-US" sz="900" dirty="0" smtClean="0">
                   <a:latin typeface="微软雅黑" panose="020B0503020204020204" pitchFamily="34" charset="-122"/>
                   <a:ea typeface="微软雅黑" panose="020B0503020204020204" pitchFamily="34" charset="-122"/>
                 </a:rPr>
-                <a:t>XXX</a:t>
+                <a:t>通过 </a:t>
+              </a:r>
+              <a:r>
+                <a:rPr lang="en-US" altLang="zh-CN" sz="900" dirty="0" err="1" smtClean="0">
+                  <a:latin typeface="微软雅黑" panose="020B0503020204020204" pitchFamily="34" charset="-122"/>
+                  <a:ea typeface="微软雅黑" panose="020B0503020204020204" pitchFamily="34" charset="-122"/>
+                </a:rPr>
+                <a:t>webpack</a:t>
               </a:r>
               <a:r>
                 <a:rPr lang="zh-CN" altLang="en-US" sz="900" dirty="0" smtClean="0">
                   <a:latin typeface="微软雅黑" panose="020B0503020204020204" pitchFamily="34" charset="-122"/>
                   <a:ea typeface="微软雅黑" panose="020B0503020204020204" pitchFamily="34" charset="-122"/>
                 </a:rPr>
-                <a:t>图、</a:t>
+                <a:t> 及 相关插件，构建基础开发体系</a:t>
               </a:r>
-              <a:r>
-                <a:rPr lang="en-US" altLang="zh-CN" sz="900" dirty="0" smtClean="0">
-                  <a:latin typeface="微软雅黑" panose="020B0503020204020204" pitchFamily="34" charset="-122"/>
-                  <a:ea typeface="微软雅黑" panose="020B0503020204020204" pitchFamily="34" charset="-122"/>
-                </a:rPr>
-                <a:t>XXX</a:t>
-              </a:r>
-              <a:r>
-                <a:rPr lang="zh-CN" altLang="en-US" sz="900" dirty="0" smtClean="0">
-                  <a:latin typeface="微软雅黑" panose="020B0503020204020204" pitchFamily="34" charset="-122"/>
-                  <a:ea typeface="微软雅黑" panose="020B0503020204020204" pitchFamily="34" charset="-122"/>
-                </a:rPr>
-                <a:t>图等形式展现所选时空范围内</a:t>
-              </a:r>
-              <a:r>
-                <a:rPr lang="en-US" altLang="zh-CN" sz="900" dirty="0" smtClean="0">
-                  <a:latin typeface="微软雅黑" panose="020B0503020204020204" pitchFamily="34" charset="-122"/>
-                  <a:ea typeface="微软雅黑" panose="020B0503020204020204" pitchFamily="34" charset="-122"/>
-                </a:rPr>
-                <a:t>XXX</a:t>
-              </a:r>
+            </a:p>
+            <a:p>
+              <a:pPr marL="171450" lvl="0" indent="-171450">
+                <a:lnSpc>
+                  <a:spcPts val="1500"/>
+                </a:lnSpc>
+                <a:buFont typeface="Wingdings" panose="05000000000000000000" pitchFamily="2" charset="2"/>
+                <a:buChar char="ü"/>
+              </a:pPr>
+              <a:endParaRPr lang="en-US" altLang="zh-CN" sz="900" dirty="0" smtClean="0">
+                <a:latin typeface="微软雅黑" panose="020B0503020204020204" pitchFamily="34" charset="-122"/>
+                <a:ea typeface="微软雅黑" panose="020B0503020204020204" pitchFamily="34" charset="-122"/>
+              </a:endParaRPr>
             </a:p>
           </p:txBody>
         </p:sp>
@@ -7824,8 +7827,8 @@
           </p:nvSpPr>
           <p:spPr>
             <a:xfrm>
-              <a:off x="1681247" y="8347355"/>
-              <a:ext cx="619690" cy="203200"/>
+              <a:off x="1932982" y="8347355"/>
+              <a:ext cx="657818" cy="203200"/>
             </a:xfrm>
             <a:prstGeom prst="rect">
               <a:avLst/>
@@ -7857,7 +7860,7 @@
             <a:bodyPr rtlCol="0" anchor="ctr"/>
             <a:lstStyle/>
             <a:p>
-              <a:pPr lvl="0"/>
+              <a:pPr lvl="0" algn="ctr"/>
               <a:r>
                 <a:rPr lang="en-US" altLang="zh-CN" sz="900" dirty="0" smtClean="0">
                   <a:solidFill>
@@ -7866,7 +7869,7 @@
                   <a:latin typeface="微软雅黑" panose="020B0503020204020204" pitchFamily="34" charset="-122"/>
                   <a:ea typeface="微软雅黑" panose="020B0503020204020204" pitchFamily="34" charset="-122"/>
                 </a:rPr>
-                <a:t>Node.js</a:t>
+                <a:t>Tornado</a:t>
               </a:r>
               <a:endParaRPr lang="zh-CN" altLang="en-US" dirty="0">
                 <a:solidFill>
@@ -7884,8 +7887,8 @@
           </p:nvSpPr>
           <p:spPr>
             <a:xfrm>
-              <a:off x="2343529" y="8347355"/>
-              <a:ext cx="742024" cy="203200"/>
+              <a:off x="2631306" y="8347355"/>
+              <a:ext cx="630599" cy="203200"/>
             </a:xfrm>
             <a:prstGeom prst="rect">
               <a:avLst/>
@@ -7917,16 +7920,26 @@
             <a:bodyPr rtlCol="0" anchor="ctr"/>
             <a:lstStyle/>
             <a:p>
-              <a:pPr lvl="0"/>
+              <a:pPr lvl="0" algn="ctr"/>
               <a:r>
-                <a:rPr lang="en-US" altLang="zh-CN" sz="900" dirty="0" err="1" smtClean="0">
+                <a:rPr lang="en-US" altLang="zh-CN" sz="900" dirty="0" smtClean="0">
                   <a:solidFill>
                     <a:prstClr val="white"/>
                   </a:solidFill>
                   <a:latin typeface="微软雅黑" panose="020B0503020204020204" pitchFamily="34" charset="-122"/>
                   <a:ea typeface="微软雅黑" panose="020B0503020204020204" pitchFamily="34" charset="-122"/>
                 </a:rPr>
-                <a:t>MongoDB</a:t>
+                <a:t>M</a:t>
+              </a:r>
+              <a:r>
+                <a:rPr lang="en-US" altLang="zh-CN" sz="900" dirty="0" smtClean="0">
+                  <a:solidFill>
+                    <a:prstClr val="white"/>
+                  </a:solidFill>
+                  <a:latin typeface="微软雅黑" panose="020B0503020204020204" pitchFamily="34" charset="-122"/>
+                  <a:ea typeface="微软雅黑" panose="020B0503020204020204" pitchFamily="34" charset="-122"/>
+                </a:rPr>
+                <a:t>ySQL</a:t>
               </a:r>
               <a:endParaRPr lang="zh-CN" altLang="en-US" dirty="0">
                 <a:solidFill>
@@ -7945,7 +7958,7 @@
           <p:spPr>
             <a:xfrm>
               <a:off x="1035661" y="8347355"/>
-              <a:ext cx="602993" cy="203200"/>
+              <a:ext cx="856815" cy="203200"/>
             </a:xfrm>
             <a:prstGeom prst="rect">
               <a:avLst/>
@@ -7977,7 +7990,7 @@
             <a:bodyPr rtlCol="0" anchor="ctr"/>
             <a:lstStyle/>
             <a:p>
-              <a:pPr lvl="0"/>
+              <a:pPr lvl="0" algn="ctr"/>
               <a:r>
                 <a:rPr lang="en-US" altLang="zh-CN" sz="900" dirty="0" smtClean="0">
                   <a:solidFill>
@@ -7986,7 +7999,7 @@
                   <a:latin typeface="微软雅黑" panose="020B0503020204020204" pitchFamily="34" charset="-122"/>
                   <a:ea typeface="微软雅黑" panose="020B0503020204020204" pitchFamily="34" charset="-122"/>
                 </a:rPr>
-                <a:t>Leaflet</a:t>
+                <a:t>Element</a:t>
               </a:r>
               <a:endParaRPr lang="zh-CN" altLang="en-US" dirty="0">
                 <a:solidFill>
@@ -8135,6 +8148,188 @@
           </a:p>
         </p:txBody>
       </p:sp>
+      <p:sp>
+        <p:nvSpPr>
+          <p:cNvPr id="62" name="矩形 61">
+            <a:hlinkClick r:id="rId7" tooltip="该项目线上地址"/>
+          </p:cNvPr>
+          <p:cNvSpPr/>
+          <p:nvPr/>
+        </p:nvSpPr>
+        <p:spPr>
+          <a:xfrm>
+            <a:off x="394101" y="3824491"/>
+            <a:ext cx="2935822" cy="334707"/>
+          </a:xfrm>
+          <a:prstGeom prst="rect">
+            <a:avLst/>
+          </a:prstGeom>
+          <a:noFill/>
+          <a:ln>
+            <a:noFill/>
+          </a:ln>
+          <a:effectLst>
+            <a:outerShdw sx="1000" sy="1000" algn="ctr" rotWithShape="0">
+              <a:srgbClr val="000000"/>
+            </a:outerShdw>
+          </a:effectLst>
+        </p:spPr>
+        <p:txBody>
+          <a:bodyPr wrap="square">
+            <a:spAutoFit/>
+          </a:bodyPr>
+          <a:lstStyle/>
+          <a:p>
+            <a:pPr lvl="0">
+              <a:lnSpc>
+                <a:spcPct val="150000"/>
+              </a:lnSpc>
+            </a:pPr>
+            <a:r>
+              <a:rPr lang="zh-CN" altLang="en-US" sz="1050" b="1" smtClean="0">
+                <a:solidFill>
+                  <a:srgbClr val="FF0000"/>
+                </a:solidFill>
+                <a:effectLst>
+                  <a:outerShdw sx="1000" sy="1000" algn="ctr" rotWithShape="0">
+                    <a:schemeClr val="bg1"/>
+                  </a:outerShdw>
+                </a:effectLst>
+                <a:latin typeface="微软雅黑" panose="020B0503020204020204" pitchFamily="34" charset="-122"/>
+                <a:ea typeface="微软雅黑" panose="020B0503020204020204" pitchFamily="34" charset="-122"/>
+              </a:rPr>
+              <a:t>      </a:t>
+            </a:r>
+            <a:endParaRPr lang="en-US" altLang="zh-CN" sz="1050" b="1" dirty="0">
+              <a:solidFill>
+                <a:srgbClr val="FF0000"/>
+              </a:solidFill>
+              <a:effectLst>
+                <a:outerShdw sx="1000" sy="1000" algn="ctr" rotWithShape="0">
+                  <a:schemeClr val="bg1"/>
+                </a:outerShdw>
+              </a:effectLst>
+              <a:latin typeface="微软雅黑" panose="020B0503020204020204" pitchFamily="34" charset="-122"/>
+              <a:ea typeface="微软雅黑" panose="020B0503020204020204" pitchFamily="34" charset="-122"/>
+            </a:endParaRPr>
+          </a:p>
+        </p:txBody>
+      </p:sp>
+      <p:pic>
+        <p:nvPicPr>
+          <p:cNvPr id="5" name="图片 4"/>
+          <p:cNvPicPr>
+            <a:picLocks noChangeAspect="1"/>
+          </p:cNvPicPr>
+          <p:nvPr/>
+        </p:nvPicPr>
+        <p:blipFill>
+          <a:blip r:embed="rId8"/>
+          <a:stretch>
+            <a:fillRect/>
+          </a:stretch>
+        </p:blipFill>
+        <p:spPr>
+          <a:xfrm>
+            <a:off x="3146699" y="3908507"/>
+            <a:ext cx="182892" cy="148600"/>
+          </a:xfrm>
+          <a:prstGeom prst="rect">
+            <a:avLst/>
+          </a:prstGeom>
+        </p:spPr>
+      </p:pic>
+      <p:pic>
+        <p:nvPicPr>
+          <p:cNvPr id="64" name="图片 63"/>
+          <p:cNvPicPr>
+            <a:picLocks noChangeAspect="1"/>
+          </p:cNvPicPr>
+          <p:nvPr/>
+        </p:nvPicPr>
+        <p:blipFill>
+          <a:blip r:embed="rId8"/>
+          <a:stretch>
+            <a:fillRect/>
+          </a:stretch>
+        </p:blipFill>
+        <p:spPr>
+          <a:xfrm>
+            <a:off x="2106247" y="5951588"/>
+            <a:ext cx="182892" cy="148600"/>
+          </a:xfrm>
+          <a:prstGeom prst="rect">
+            <a:avLst/>
+          </a:prstGeom>
+        </p:spPr>
+      </p:pic>
+      <p:sp>
+        <p:nvSpPr>
+          <p:cNvPr id="65" name="矩形 64">
+            <a:hlinkClick r:id="rId9" tooltip="该项目线上地址"/>
+          </p:cNvPr>
+          <p:cNvSpPr/>
+          <p:nvPr/>
+        </p:nvSpPr>
+        <p:spPr>
+          <a:xfrm>
+            <a:off x="482181" y="5860052"/>
+            <a:ext cx="1804296" cy="334707"/>
+          </a:xfrm>
+          <a:prstGeom prst="rect">
+            <a:avLst/>
+          </a:prstGeom>
+          <a:noFill/>
+          <a:ln>
+            <a:noFill/>
+          </a:ln>
+          <a:effectLst>
+            <a:outerShdw sx="1000" sy="1000" algn="ctr" rotWithShape="0">
+              <a:srgbClr val="000000"/>
+            </a:outerShdw>
+          </a:effectLst>
+        </p:spPr>
+        <p:txBody>
+          <a:bodyPr wrap="square">
+            <a:spAutoFit/>
+          </a:bodyPr>
+          <a:lstStyle/>
+          <a:p>
+            <a:pPr lvl="0">
+              <a:lnSpc>
+                <a:spcPct val="150000"/>
+              </a:lnSpc>
+            </a:pPr>
+            <a:r>
+              <a:rPr lang="zh-CN" altLang="en-US" sz="1050" b="1" smtClean="0">
+                <a:solidFill>
+                  <a:srgbClr val="FF0000"/>
+                </a:solidFill>
+                <a:effectLst>
+                  <a:outerShdw sx="1000" sy="1000" algn="ctr" rotWithShape="0">
+                    <a:schemeClr val="bg1"/>
+                  </a:outerShdw>
+                </a:effectLst>
+                <a:latin typeface="微软雅黑" panose="020B0503020204020204" pitchFamily="34" charset="-122"/>
+                <a:ea typeface="微软雅黑" panose="020B0503020204020204" pitchFamily="34" charset="-122"/>
+              </a:rPr>
+              <a:t>      </a:t>
+            </a:r>
+            <a:endParaRPr lang="en-US" altLang="zh-CN" sz="1050" b="1" dirty="0">
+              <a:solidFill>
+                <a:srgbClr val="FF0000"/>
+              </a:solidFill>
+              <a:effectLst>
+                <a:outerShdw sx="1000" sy="1000" algn="ctr" rotWithShape="0">
+                  <a:schemeClr val="bg1"/>
+                </a:outerShdw>
+              </a:effectLst>
+              <a:latin typeface="微软雅黑" panose="020B0503020204020204" pitchFamily="34" charset="-122"/>
+              <a:ea typeface="微软雅黑" panose="020B0503020204020204" pitchFamily="34" charset="-122"/>
+            </a:endParaRPr>
+          </a:p>
+        </p:txBody>
+      </p:sp>
     </p:spTree>
     <p:extLst>
       <p:ext uri="{BB962C8B-B14F-4D97-AF65-F5344CB8AC3E}">
@@ -8158,12 +8353,12 @@
 <file path=ppt/theme/theme1.xml><?xml version="1.0" encoding="utf-8"?>
 <a:theme xmlns:a="http://schemas.openxmlformats.org/drawingml/2006/main" name="Office 主题">
   <a:themeElements>
-    <a:clrScheme name="自定义 4">
+    <a:clrScheme name="自定义 16">
       <a:dk1>
-        <a:sysClr val="windowText" lastClr="000000"/>
+        <a:srgbClr val="000000"/>
       </a:dk1>
       <a:lt1>
-        <a:sysClr val="window" lastClr="FFFFFF"/>
+        <a:srgbClr val="FFFFFF"/>
       </a:lt1>
       <a:dk2>
         <a:srgbClr val="44546A"/>
@@ -8193,7 +8388,7 @@
         <a:srgbClr val="000000"/>
       </a:hlink>
       <a:folHlink>
-        <a:srgbClr val="29166F"/>
+        <a:srgbClr val="000000"/>
       </a:folHlink>
     </a:clrScheme>
     <a:fontScheme name="Office 主题">

--- a/doc/resume.pptx
+++ b/doc/resume.pptx
@@ -3642,7 +3642,7 @@
         <p:spPr>
           <a:xfrm>
             <a:off x="3556316" y="1669839"/>
-            <a:ext cx="2997159" cy="4331955"/>
+            <a:ext cx="2997159" cy="4524315"/>
           </a:xfrm>
           <a:prstGeom prst="rect">
             <a:avLst/>
@@ -3825,7 +3825,14 @@
                 <a:latin typeface="微软雅黑" panose="020B0503020204020204" pitchFamily="34" charset="-122"/>
                 <a:ea typeface="微软雅黑" panose="020B0503020204020204" pitchFamily="34" charset="-122"/>
               </a:rPr>
-              <a:t>语言，熟悉原生 </a:t>
+              <a:t>语言，</a:t>
+            </a:r>
+            <a:r>
+              <a:rPr lang="zh-CN" altLang="en-US" sz="900" dirty="0" smtClean="0">
+                <a:latin typeface="微软雅黑" panose="020B0503020204020204" pitchFamily="34" charset="-122"/>
+                <a:ea typeface="微软雅黑" panose="020B0503020204020204" pitchFamily="34" charset="-122"/>
+              </a:rPr>
+              <a:t>熟悉 </a:t>
             </a:r>
             <a:r>
               <a:rPr lang="en-US" altLang="zh-CN" sz="900" b="1" dirty="0" smtClean="0">
@@ -3872,16 +3879,12 @@
               <a:t>Ajax </a:t>
             </a:r>
             <a:r>
-              <a:rPr lang="zh-CN" altLang="en-US" sz="900" dirty="0" smtClean="0">
-                <a:latin typeface="微软雅黑" panose="020B0503020204020204" pitchFamily="34" charset="-122"/>
-                <a:ea typeface="微软雅黑" panose="020B0503020204020204" pitchFamily="34" charset="-122"/>
-              </a:rPr>
-              <a:t>等</a:t>
-            </a:r>
-            <a:endParaRPr lang="en-US" altLang="zh-CN" sz="900" dirty="0" smtClean="0">
-              <a:latin typeface="微软雅黑" panose="020B0503020204020204" pitchFamily="34" charset="-122"/>
-              <a:ea typeface="微软雅黑" panose="020B0503020204020204" pitchFamily="34" charset="-122"/>
-            </a:endParaRPr>
+              <a:rPr lang="zh-CN" altLang="en-US" sz="900" dirty="0">
+                <a:latin typeface="微软雅黑" panose="020B0503020204020204" pitchFamily="34" charset="-122"/>
+                <a:ea typeface="微软雅黑" panose="020B0503020204020204" pitchFamily="34" charset="-122"/>
+              </a:rPr>
+              <a:t>原生接口</a:t>
+            </a:r>
           </a:p>
           <a:p>
             <a:pPr marL="171450" indent="-171450">
@@ -3896,14 +3899,7 @@
                 <a:latin typeface="微软雅黑" panose="020B0503020204020204" pitchFamily="34" charset="-122"/>
                 <a:ea typeface="微软雅黑" panose="020B0503020204020204" pitchFamily="34" charset="-122"/>
               </a:rPr>
-              <a:t>使用</a:t>
-            </a:r>
-            <a:r>
-              <a:rPr lang="zh-CN" altLang="en-US" sz="900" dirty="0" smtClean="0">
-                <a:latin typeface="微软雅黑" panose="020B0503020204020204" pitchFamily="34" charset="-122"/>
-                <a:ea typeface="微软雅黑" panose="020B0503020204020204" pitchFamily="34" charset="-122"/>
-              </a:rPr>
-              <a:t>过 </a:t>
+              <a:t>使用过 </a:t>
             </a:r>
             <a:r>
               <a:rPr lang="en-US" altLang="zh-CN" sz="900" b="1" dirty="0" smtClean="0">
@@ -3913,24 +3909,31 @@
                 <a:latin typeface="微软雅黑" panose="020B0503020204020204" pitchFamily="34" charset="-122"/>
                 <a:ea typeface="微软雅黑" panose="020B0503020204020204" pitchFamily="34" charset="-122"/>
               </a:rPr>
-              <a:t>Bootstrap </a:t>
-            </a:r>
-            <a:r>
-              <a:rPr lang="en-US" altLang="zh-CN" sz="900" dirty="0" smtClean="0">
+              <a:t>SVG </a:t>
+            </a:r>
+            <a:r>
+              <a:rPr lang="en-US" altLang="zh-CN" sz="900" dirty="0">
                 <a:latin typeface="微软雅黑" panose="020B0503020204020204" pitchFamily="34" charset="-122"/>
                 <a:ea typeface="微软雅黑" panose="020B0503020204020204" pitchFamily="34" charset="-122"/>
               </a:rPr>
               <a:t>/ </a:t>
             </a:r>
             <a:r>
-              <a:rPr lang="en-US" altLang="zh-CN" sz="900" b="1" dirty="0" err="1" smtClean="0">
+              <a:rPr lang="en-US" altLang="zh-CN" sz="900" b="1" dirty="0">
                 <a:solidFill>
                   <a:srgbClr val="6679DF"/>
                 </a:solidFill>
                 <a:latin typeface="微软雅黑" panose="020B0503020204020204" pitchFamily="34" charset="-122"/>
                 <a:ea typeface="微软雅黑" panose="020B0503020204020204" pitchFamily="34" charset="-122"/>
               </a:rPr>
-              <a:t>jQuery</a:t>
+              <a:t>Canvas</a:t>
+            </a:r>
+            <a:r>
+              <a:rPr lang="zh-CN" altLang="en-US" sz="900" dirty="0" smtClean="0">
+                <a:latin typeface="微软雅黑" panose="020B0503020204020204" pitchFamily="34" charset="-122"/>
+                <a:ea typeface="微软雅黑" panose="020B0503020204020204" pitchFamily="34" charset="-122"/>
+              </a:rPr>
+              <a:t>等 </a:t>
             </a:r>
             <a:r>
               <a:rPr lang="en-US" altLang="zh-CN" sz="900" b="1" dirty="0" smtClean="0">
@@ -3940,14 +3943,31 @@
                 <a:latin typeface="微软雅黑" panose="020B0503020204020204" pitchFamily="34" charset="-122"/>
                 <a:ea typeface="微软雅黑" panose="020B0503020204020204" pitchFamily="34" charset="-122"/>
               </a:rPr>
+              <a:t>HTML5</a:t>
+            </a:r>
+            <a:r>
+              <a:rPr lang="zh-CN" altLang="en-US" sz="900" b="1" dirty="0" smtClean="0">
+                <a:solidFill>
+                  <a:srgbClr val="6679DF"/>
+                </a:solidFill>
+                <a:latin typeface="微软雅黑" panose="020B0503020204020204" pitchFamily="34" charset="-122"/>
+                <a:ea typeface="微软雅黑" panose="020B0503020204020204" pitchFamily="34" charset="-122"/>
+              </a:rPr>
               <a:t> </a:t>
             </a:r>
             <a:r>
+              <a:rPr lang="zh-CN" altLang="en-US" sz="900" dirty="0">
+                <a:latin typeface="微软雅黑" panose="020B0503020204020204" pitchFamily="34" charset="-122"/>
+                <a:ea typeface="微软雅黑" panose="020B0503020204020204" pitchFamily="34" charset="-122"/>
+              </a:rPr>
+              <a:t>标准新</a:t>
+            </a:r>
+            <a:r>
               <a:rPr lang="zh-CN" altLang="en-US" sz="900" dirty="0" smtClean="0">
                 <a:latin typeface="微软雅黑" panose="020B0503020204020204" pitchFamily="34" charset="-122"/>
                 <a:ea typeface="微软雅黑" panose="020B0503020204020204" pitchFamily="34" charset="-122"/>
               </a:rPr>
-              <a:t>等</a:t>
+              <a:t>特性</a:t>
             </a:r>
             <a:endParaRPr lang="en-US" altLang="zh-CN" sz="900" dirty="0" smtClean="0">
               <a:latin typeface="微软雅黑" panose="020B0503020204020204" pitchFamily="34" charset="-122"/>
@@ -3963,11 +3983,18 @@
               <a:buChar char="ü"/>
             </a:pPr>
             <a:r>
+              <a:rPr lang="zh-CN" altLang="en-US" sz="900" dirty="0">
+                <a:latin typeface="微软雅黑" panose="020B0503020204020204" pitchFamily="34" charset="-122"/>
+                <a:ea typeface="微软雅黑" panose="020B0503020204020204" pitchFamily="34" charset="-122"/>
+              </a:rPr>
+              <a:t>使用</a:t>
+            </a:r>
+            <a:r>
               <a:rPr lang="zh-CN" altLang="en-US" sz="900" dirty="0" smtClean="0">
                 <a:latin typeface="微软雅黑" panose="020B0503020204020204" pitchFamily="34" charset="-122"/>
                 <a:ea typeface="微软雅黑" panose="020B0503020204020204" pitchFamily="34" charset="-122"/>
               </a:rPr>
-              <a:t>使用过 </a:t>
+              <a:t>过 </a:t>
             </a:r>
             <a:r>
               <a:rPr lang="en-US" altLang="zh-CN" sz="900" b="1" dirty="0" smtClean="0">
@@ -3977,14 +4004,7 @@
                 <a:latin typeface="微软雅黑" panose="020B0503020204020204" pitchFamily="34" charset="-122"/>
                 <a:ea typeface="微软雅黑" panose="020B0503020204020204" pitchFamily="34" charset="-122"/>
               </a:rPr>
-              <a:t>D3.js </a:t>
-            </a:r>
-            <a:r>
-              <a:rPr lang="en-US" altLang="zh-CN" sz="900" dirty="0" smtClean="0">
-                <a:latin typeface="微软雅黑" panose="020B0503020204020204" pitchFamily="34" charset="-122"/>
-                <a:ea typeface="微软雅黑" panose="020B0503020204020204" pitchFamily="34" charset="-122"/>
-              </a:rPr>
-              <a:t>/ </a:t>
+              <a:t>Underscore</a:t>
             </a:r>
             <a:r>
               <a:rPr lang="en-US" altLang="zh-CN" sz="900" b="1" dirty="0" smtClean="0">
@@ -3994,14 +4014,38 @@
                 <a:latin typeface="微软雅黑" panose="020B0503020204020204" pitchFamily="34" charset="-122"/>
                 <a:ea typeface="微软雅黑" panose="020B0503020204020204" pitchFamily="34" charset="-122"/>
               </a:rPr>
-              <a:t>Leaflet </a:t>
+              <a:t> </a:t>
+            </a:r>
+            <a:r>
+              <a:rPr lang="en-US" altLang="zh-CN" sz="900" dirty="0" smtClean="0">
+                <a:latin typeface="微软雅黑" panose="020B0503020204020204" pitchFamily="34" charset="-122"/>
+                <a:ea typeface="微软雅黑" panose="020B0503020204020204" pitchFamily="34" charset="-122"/>
+              </a:rPr>
+              <a:t>/ </a:t>
+            </a:r>
+            <a:r>
+              <a:rPr lang="en-US" altLang="zh-CN" sz="900" b="1" dirty="0" smtClean="0">
+                <a:solidFill>
+                  <a:srgbClr val="6679DF"/>
+                </a:solidFill>
+                <a:latin typeface="微软雅黑" panose="020B0503020204020204" pitchFamily="34" charset="-122"/>
+                <a:ea typeface="微软雅黑" panose="020B0503020204020204" pitchFamily="34" charset="-122"/>
+              </a:rPr>
+              <a:t>jQuery </a:t>
             </a:r>
             <a:r>
               <a:rPr lang="zh-CN" altLang="en-US" sz="900" dirty="0" smtClean="0">
                 <a:latin typeface="微软雅黑" panose="020B0503020204020204" pitchFamily="34" charset="-122"/>
                 <a:ea typeface="微软雅黑" panose="020B0503020204020204" pitchFamily="34" charset="-122"/>
               </a:rPr>
-              <a:t>等可视化相关库</a:t>
+              <a:t>等</a:t>
+            </a:r>
+            <a:r>
+              <a:rPr lang="zh-CN" altLang="en-US" sz="900" dirty="0" smtClean="0">
+                <a:latin typeface="微软雅黑" panose="020B0503020204020204" pitchFamily="34" charset="-122"/>
+                <a:ea typeface="微软雅黑" panose="020B0503020204020204" pitchFamily="34" charset="-122"/>
+              </a:rPr>
+              <a:t>常用插件库</a:t>
             </a:r>
             <a:endParaRPr lang="en-US" altLang="zh-CN" sz="900" dirty="0" smtClean="0">
               <a:latin typeface="微软雅黑" panose="020B0503020204020204" pitchFamily="34" charset="-122"/>
@@ -4021,7 +4065,14 @@
                 <a:latin typeface="微软雅黑" panose="020B0503020204020204" pitchFamily="34" charset="-122"/>
                 <a:ea typeface="微软雅黑" panose="020B0503020204020204" pitchFamily="34" charset="-122"/>
               </a:rPr>
-              <a:t>对 </a:t>
+              <a:t>使用</a:t>
+            </a:r>
+            <a:r>
+              <a:rPr lang="zh-CN" altLang="en-US" sz="900" dirty="0" smtClean="0">
+                <a:latin typeface="微软雅黑" panose="020B0503020204020204" pitchFamily="34" charset="-122"/>
+                <a:ea typeface="微软雅黑" panose="020B0503020204020204" pitchFamily="34" charset="-122"/>
+              </a:rPr>
+              <a:t>过 </a:t>
             </a:r>
             <a:r>
               <a:rPr lang="en-US" altLang="zh-CN" sz="900" b="1" dirty="0" smtClean="0">
@@ -4031,14 +4082,14 @@
                 <a:latin typeface="微软雅黑" panose="020B0503020204020204" pitchFamily="34" charset="-122"/>
                 <a:ea typeface="微软雅黑" panose="020B0503020204020204" pitchFamily="34" charset="-122"/>
               </a:rPr>
-              <a:t>SVG </a:t>
+              <a:t>Less</a:t>
             </a:r>
             <a:r>
               <a:rPr lang="en-US" altLang="zh-CN" sz="900" dirty="0" smtClean="0">
                 <a:latin typeface="微软雅黑" panose="020B0503020204020204" pitchFamily="34" charset="-122"/>
                 <a:ea typeface="微软雅黑" panose="020B0503020204020204" pitchFamily="34" charset="-122"/>
               </a:rPr>
-              <a:t>/ </a:t>
+              <a:t> / </a:t>
             </a:r>
             <a:r>
               <a:rPr lang="en-US" altLang="zh-CN" sz="900" b="1" dirty="0" smtClean="0">
@@ -4048,30 +4099,37 @@
                 <a:latin typeface="微软雅黑" panose="020B0503020204020204" pitchFamily="34" charset="-122"/>
                 <a:ea typeface="微软雅黑" panose="020B0503020204020204" pitchFamily="34" charset="-122"/>
               </a:rPr>
-              <a:t>Canvas </a:t>
+              <a:t>Sass</a:t>
+            </a:r>
+            <a:r>
+              <a:rPr lang="zh-CN" altLang="en-US" sz="900" dirty="0">
+                <a:latin typeface="微软雅黑" panose="020B0503020204020204" pitchFamily="34" charset="-122"/>
+                <a:ea typeface="微软雅黑" panose="020B0503020204020204" pitchFamily="34" charset="-122"/>
+              </a:rPr>
+              <a:t> </a:t>
             </a:r>
             <a:r>
               <a:rPr lang="zh-CN" altLang="en-US" sz="900" dirty="0" smtClean="0">
                 <a:latin typeface="微软雅黑" panose="020B0503020204020204" pitchFamily="34" charset="-122"/>
                 <a:ea typeface="微软雅黑" panose="020B0503020204020204" pitchFamily="34" charset="-122"/>
               </a:rPr>
-              <a:t>有</a:t>
-            </a:r>
-            <a:r>
-              <a:rPr lang="zh-CN" altLang="en-US" sz="900" dirty="0">
-                <a:latin typeface="微软雅黑" panose="020B0503020204020204" pitchFamily="34" charset="-122"/>
-                <a:ea typeface="微软雅黑" panose="020B0503020204020204" pitchFamily="34" charset="-122"/>
-              </a:rPr>
-              <a:t>一定的使用</a:t>
+              <a:t>等</a:t>
+            </a:r>
+            <a:r>
+              <a:rPr lang="en-US" altLang="zh-CN" sz="900" dirty="0" smtClean="0">
+                <a:latin typeface="微软雅黑" panose="020B0503020204020204" pitchFamily="34" charset="-122"/>
+                <a:ea typeface="微软雅黑" panose="020B0503020204020204" pitchFamily="34" charset="-122"/>
+              </a:rPr>
+              <a:t>CSS</a:t>
             </a:r>
             <a:r>
               <a:rPr lang="zh-CN" altLang="en-US" sz="900" dirty="0" smtClean="0">
                 <a:latin typeface="微软雅黑" panose="020B0503020204020204" pitchFamily="34" charset="-122"/>
                 <a:ea typeface="微软雅黑" panose="020B0503020204020204" pitchFamily="34" charset="-122"/>
               </a:rPr>
-              <a:t>经验</a:t>
-            </a:r>
-            <a:endParaRPr lang="en-US" altLang="zh-CN" sz="900" dirty="0" smtClean="0">
+              <a:t>预处理器</a:t>
+            </a:r>
+            <a:endParaRPr lang="zh-CN" altLang="en-US" sz="900" dirty="0">
               <a:latin typeface="微软雅黑" panose="020B0503020204020204" pitchFamily="34" charset="-122"/>
               <a:ea typeface="微软雅黑" panose="020B0503020204020204" pitchFamily="34" charset="-122"/>
             </a:endParaRPr>
@@ -4085,91 +4143,6 @@
               <a:buChar char="ü"/>
             </a:pPr>
             <a:r>
-              <a:rPr lang="zh-CN" altLang="en-US" sz="900" dirty="0">
-                <a:latin typeface="微软雅黑" panose="020B0503020204020204" pitchFamily="34" charset="-122"/>
-                <a:ea typeface="微软雅黑" panose="020B0503020204020204" pitchFamily="34" charset="-122"/>
-              </a:rPr>
-              <a:t>使用 </a:t>
-            </a:r>
-            <a:r>
-              <a:rPr lang="en-US" altLang="zh-CN" sz="900" b="1" dirty="0">
-                <a:solidFill>
-                  <a:srgbClr val="6679DF"/>
-                </a:solidFill>
-                <a:latin typeface="微软雅黑" panose="020B0503020204020204" pitchFamily="34" charset="-122"/>
-                <a:ea typeface="微软雅黑" panose="020B0503020204020204" pitchFamily="34" charset="-122"/>
-              </a:rPr>
-              <a:t>Vue.js</a:t>
-            </a:r>
-            <a:r>
-              <a:rPr lang="en-US" altLang="zh-CN" sz="900" dirty="0" smtClean="0">
-                <a:latin typeface="微软雅黑" panose="020B0503020204020204" pitchFamily="34" charset="-122"/>
-                <a:ea typeface="微软雅黑" panose="020B0503020204020204" pitchFamily="34" charset="-122"/>
-              </a:rPr>
-              <a:t> </a:t>
-            </a:r>
-            <a:r>
-              <a:rPr lang="en-US" altLang="zh-CN" sz="900" dirty="0">
-                <a:latin typeface="微软雅黑" panose="020B0503020204020204" pitchFamily="34" charset="-122"/>
-                <a:ea typeface="微软雅黑" panose="020B0503020204020204" pitchFamily="34" charset="-122"/>
-              </a:rPr>
-              <a:t>/ </a:t>
-            </a:r>
-            <a:r>
-              <a:rPr lang="en-US" altLang="zh-CN" sz="900" b="1" dirty="0" err="1">
-                <a:solidFill>
-                  <a:srgbClr val="6679DF"/>
-                </a:solidFill>
-                <a:latin typeface="微软雅黑" panose="020B0503020204020204" pitchFamily="34" charset="-122"/>
-                <a:ea typeface="微软雅黑" panose="020B0503020204020204" pitchFamily="34" charset="-122"/>
-              </a:rPr>
-              <a:t>AngularJS</a:t>
-            </a:r>
-            <a:r>
-              <a:rPr lang="en-US" altLang="zh-CN" sz="900" dirty="0">
-                <a:latin typeface="微软雅黑" panose="020B0503020204020204" pitchFamily="34" charset="-122"/>
-                <a:ea typeface="微软雅黑" panose="020B0503020204020204" pitchFamily="34" charset="-122"/>
-              </a:rPr>
-              <a:t> </a:t>
-            </a:r>
-            <a:r>
-              <a:rPr lang="zh-CN" altLang="en-US" sz="900" dirty="0" smtClean="0">
-                <a:latin typeface="微软雅黑" panose="020B0503020204020204" pitchFamily="34" charset="-122"/>
-                <a:ea typeface="微软雅黑" panose="020B0503020204020204" pitchFamily="34" charset="-122"/>
-              </a:rPr>
-              <a:t>编写</a:t>
-            </a:r>
-            <a:r>
-              <a:rPr lang="zh-CN" altLang="en-US" sz="900" dirty="0">
-                <a:latin typeface="微软雅黑" panose="020B0503020204020204" pitchFamily="34" charset="-122"/>
-                <a:ea typeface="微软雅黑" panose="020B0503020204020204" pitchFamily="34" charset="-122"/>
-              </a:rPr>
-              <a:t>过简单</a:t>
-            </a:r>
-            <a:r>
-              <a:rPr lang="zh-CN" altLang="en-US" sz="900" dirty="0" smtClean="0">
-                <a:latin typeface="微软雅黑" panose="020B0503020204020204" pitchFamily="34" charset="-122"/>
-                <a:ea typeface="微软雅黑" panose="020B0503020204020204" pitchFamily="34" charset="-122"/>
-              </a:rPr>
-              <a:t>的</a:t>
-            </a:r>
-            <a:r>
-              <a:rPr lang="en-US" altLang="zh-CN" sz="900" dirty="0" smtClean="0">
-                <a:latin typeface="微软雅黑" panose="020B0503020204020204" pitchFamily="34" charset="-122"/>
-                <a:ea typeface="微软雅黑" panose="020B0503020204020204" pitchFamily="34" charset="-122"/>
-              </a:rPr>
-              <a:t>CRUD SPA</a:t>
-            </a:r>
-          </a:p>
-          <a:p>
-            <a:pPr indent="-171450">
-              <a:lnSpc>
-                <a:spcPts val="1500"/>
-              </a:lnSpc>
-              <a:buFont typeface="Wingdings" panose="05000000000000000000" pitchFamily="2" charset="2"/>
-              <a:buChar char="ü"/>
-            </a:pPr>
-            <a:r>
               <a:rPr lang="zh-CN" altLang="en-US" sz="900" dirty="0" smtClean="0">
                 <a:latin typeface="微软雅黑" panose="020B0503020204020204" pitchFamily="34" charset="-122"/>
                 <a:ea typeface="微软雅黑" panose="020B0503020204020204" pitchFamily="34" charset="-122"/>
@@ -4184,14 +4157,21 @@
                 <a:latin typeface="微软雅黑" panose="020B0503020204020204" pitchFamily="34" charset="-122"/>
                 <a:ea typeface="微软雅黑" panose="020B0503020204020204" pitchFamily="34" charset="-122"/>
               </a:rPr>
-              <a:t>Less</a:t>
+              <a:t>Gulp</a:t>
             </a:r>
             <a:r>
               <a:rPr lang="en-US" altLang="zh-CN" sz="900" dirty="0" smtClean="0">
                 <a:latin typeface="微软雅黑" panose="020B0503020204020204" pitchFamily="34" charset="-122"/>
                 <a:ea typeface="微软雅黑" panose="020B0503020204020204" pitchFamily="34" charset="-122"/>
               </a:rPr>
-              <a:t> / </a:t>
+              <a:t> </a:t>
+            </a:r>
+            <a:r>
+              <a:rPr lang="en-US" altLang="zh-CN" sz="900" dirty="0">
+                <a:latin typeface="微软雅黑" panose="020B0503020204020204" pitchFamily="34" charset="-122"/>
+                <a:ea typeface="微软雅黑" panose="020B0503020204020204" pitchFamily="34" charset="-122"/>
+              </a:rPr>
+              <a:t>/ </a:t>
             </a:r>
             <a:r>
               <a:rPr lang="en-US" altLang="zh-CN" sz="900" b="1" dirty="0" smtClean="0">
@@ -4201,9 +4181,26 @@
                 <a:latin typeface="微软雅黑" panose="020B0503020204020204" pitchFamily="34" charset="-122"/>
                 <a:ea typeface="微软雅黑" panose="020B0503020204020204" pitchFamily="34" charset="-122"/>
               </a:rPr>
-              <a:t>Sass</a:t>
-            </a:r>
-            <a:endParaRPr lang="en-US" altLang="zh-CN" sz="900" dirty="0" smtClean="0">
+              <a:t>Grunt</a:t>
+            </a:r>
+            <a:r>
+              <a:rPr lang="zh-CN" altLang="en-US" sz="900" b="1" dirty="0" smtClean="0">
+                <a:solidFill>
+                  <a:srgbClr val="6679DF"/>
+                </a:solidFill>
+                <a:latin typeface="微软雅黑" panose="020B0503020204020204" pitchFamily="34" charset="-122"/>
+                <a:ea typeface="微软雅黑" panose="020B0503020204020204" pitchFamily="34" charset="-122"/>
+              </a:rPr>
+              <a:t> </a:t>
+            </a:r>
+            <a:r>
+              <a:rPr lang="zh-CN" altLang="en-US" sz="900" dirty="0" smtClean="0">
+                <a:latin typeface="微软雅黑" panose="020B0503020204020204" pitchFamily="34" charset="-122"/>
+                <a:ea typeface="微软雅黑" panose="020B0503020204020204" pitchFamily="34" charset="-122"/>
+              </a:rPr>
+              <a:t>等构建工具</a:t>
+            </a:r>
+            <a:endParaRPr lang="zh-CN" altLang="en-US" sz="900" dirty="0">
               <a:latin typeface="微软雅黑" panose="020B0503020204020204" pitchFamily="34" charset="-122"/>
               <a:ea typeface="微软雅黑" panose="020B0503020204020204" pitchFamily="34" charset="-122"/>
             </a:endParaRPr>
@@ -4242,21 +4239,14 @@
               <a:buChar char="ü"/>
             </a:pPr>
             <a:r>
-              <a:rPr lang="zh-CN" altLang="en-US" sz="900" dirty="0">
-                <a:latin typeface="微软雅黑" panose="020B0503020204020204" pitchFamily="34" charset="-122"/>
-                <a:ea typeface="微软雅黑" panose="020B0503020204020204" pitchFamily="34" charset="-122"/>
-              </a:rPr>
-              <a:t>使用</a:t>
-            </a:r>
-            <a:r>
               <a:rPr lang="zh-CN" altLang="en-US" sz="900" dirty="0" smtClean="0">
                 <a:latin typeface="微软雅黑" panose="020B0503020204020204" pitchFamily="34" charset="-122"/>
                 <a:ea typeface="微软雅黑" panose="020B0503020204020204" pitchFamily="34" charset="-122"/>
               </a:rPr>
-              <a:t>过 </a:t>
-            </a:r>
-            <a:r>
-              <a:rPr lang="en-US" altLang="zh-CN" sz="900" b="1" dirty="0" smtClean="0">
+              <a:t>使用 </a:t>
+            </a:r>
+            <a:r>
+              <a:rPr lang="en-US" altLang="zh-CN" sz="900" b="1" dirty="0" err="1" smtClean="0">
                 <a:solidFill>
                   <a:srgbClr val="6679DF"/>
                 </a:solidFill>
@@ -4270,21 +4260,14 @@
                 <a:latin typeface="微软雅黑" panose="020B0503020204020204" pitchFamily="34" charset="-122"/>
                 <a:ea typeface="微软雅黑" panose="020B0503020204020204" pitchFamily="34" charset="-122"/>
               </a:rPr>
-              <a:t>，</a:t>
+              <a:t> </a:t>
             </a:r>
             <a:r>
               <a:rPr lang="zh-CN" altLang="en-US" sz="900" dirty="0" smtClean="0">
                 <a:latin typeface="微软雅黑" panose="020B0503020204020204" pitchFamily="34" charset="-122"/>
                 <a:ea typeface="微软雅黑" panose="020B0503020204020204" pitchFamily="34" charset="-122"/>
               </a:rPr>
-              <a:t>能够用其进行</a:t>
-            </a:r>
-            <a:r>
-              <a:rPr lang="zh-CN" altLang="en-US" sz="900" dirty="0">
-                <a:latin typeface="微软雅黑" panose="020B0503020204020204" pitchFamily="34" charset="-122"/>
-                <a:ea typeface="微软雅黑" panose="020B0503020204020204" pitchFamily="34" charset="-122"/>
-              </a:rPr>
-              <a:t>数据处理，使用</a:t>
+              <a:t>与 </a:t>
             </a:r>
             <a:r>
               <a:rPr lang="en-US" altLang="zh-CN" sz="900" b="1" dirty="0" smtClean="0">
@@ -4324,6 +4307,40 @@
               <a:t>使用 </a:t>
             </a:r>
             <a:r>
+              <a:rPr lang="en-US" altLang="zh-CN" sz="900" b="1" dirty="0" err="1" smtClean="0">
+                <a:solidFill>
+                  <a:srgbClr val="6679DF"/>
+                </a:solidFill>
+                <a:latin typeface="微软雅黑" panose="020B0503020204020204" pitchFamily="34" charset="-122"/>
+                <a:ea typeface="微软雅黑" panose="020B0503020204020204" pitchFamily="34" charset="-122"/>
+              </a:rPr>
+              <a:t>SuperAgent</a:t>
+            </a:r>
+            <a:r>
+              <a:rPr lang="zh-CN" altLang="en-US" sz="900" b="1" dirty="0" smtClean="0">
+                <a:solidFill>
+                  <a:srgbClr val="6679DF"/>
+                </a:solidFill>
+                <a:latin typeface="微软雅黑" panose="020B0503020204020204" pitchFamily="34" charset="-122"/>
+                <a:ea typeface="微软雅黑" panose="020B0503020204020204" pitchFamily="34" charset="-122"/>
+              </a:rPr>
+              <a:t> </a:t>
+            </a:r>
+            <a:r>
+              <a:rPr lang="en-US" altLang="zh-CN" sz="900" dirty="0">
+                <a:latin typeface="微软雅黑" panose="020B0503020204020204" pitchFamily="34" charset="-122"/>
+                <a:ea typeface="微软雅黑" panose="020B0503020204020204" pitchFamily="34" charset="-122"/>
+              </a:rPr>
+              <a:t>/</a:t>
+            </a:r>
+            <a:r>
+              <a:rPr lang="zh-CN" altLang="en-US" sz="900" dirty="0">
+                <a:latin typeface="微软雅黑" panose="020B0503020204020204" pitchFamily="34" charset="-122"/>
+                <a:ea typeface="微软雅黑" panose="020B0503020204020204" pitchFamily="34" charset="-122"/>
+              </a:rPr>
+              <a:t> </a:t>
+            </a:r>
+            <a:r>
               <a:rPr lang="en-US" altLang="zh-CN" sz="900" b="1" dirty="0" smtClean="0">
                 <a:solidFill>
                   <a:srgbClr val="6679DF"/>
@@ -4331,28 +4348,7 @@
                 <a:latin typeface="微软雅黑" panose="020B0503020204020204" pitchFamily="34" charset="-122"/>
                 <a:ea typeface="微软雅黑" panose="020B0503020204020204" pitchFamily="34" charset="-122"/>
               </a:rPr>
-              <a:t>ASP.NET </a:t>
-            </a:r>
-            <a:r>
-              <a:rPr lang="zh-CN" altLang="en-US" sz="900" dirty="0" smtClean="0">
-                <a:latin typeface="微软雅黑" panose="020B0503020204020204" pitchFamily="34" charset="-122"/>
-                <a:ea typeface="微软雅黑" panose="020B0503020204020204" pitchFamily="34" charset="-122"/>
-              </a:rPr>
-              <a:t>编写</a:t>
-            </a:r>
-            <a:r>
-              <a:rPr lang="zh-CN" altLang="en-US" sz="900" dirty="0">
-                <a:latin typeface="微软雅黑" panose="020B0503020204020204" pitchFamily="34" charset="-122"/>
-                <a:ea typeface="微软雅黑" panose="020B0503020204020204" pitchFamily="34" charset="-122"/>
-              </a:rPr>
-              <a:t>过后端程序</a:t>
-            </a:r>
-            <a:r>
-              <a:rPr lang="zh-CN" altLang="en-US" sz="900" dirty="0" smtClean="0">
-                <a:latin typeface="微软雅黑" panose="020B0503020204020204" pitchFamily="34" charset="-122"/>
-                <a:ea typeface="微软雅黑" panose="020B0503020204020204" pitchFamily="34" charset="-122"/>
-              </a:rPr>
-              <a:t>并使用 </a:t>
+              <a:t>Cheerio</a:t>
             </a:r>
             <a:r>
               <a:rPr lang="en-US" altLang="zh-CN" sz="900" b="1" dirty="0" smtClean="0">
@@ -4362,30 +4358,87 @@
                 <a:latin typeface="微软雅黑" panose="020B0503020204020204" pitchFamily="34" charset="-122"/>
                 <a:ea typeface="微软雅黑" panose="020B0503020204020204" pitchFamily="34" charset="-122"/>
               </a:rPr>
-              <a:t>ADO.NET </a:t>
+              <a:t> </a:t>
             </a:r>
             <a:r>
               <a:rPr lang="zh-CN" altLang="en-US" sz="900" dirty="0" smtClean="0">
                 <a:latin typeface="微软雅黑" panose="020B0503020204020204" pitchFamily="34" charset="-122"/>
                 <a:ea typeface="微软雅黑" panose="020B0503020204020204" pitchFamily="34" charset="-122"/>
               </a:rPr>
-              <a:t>与</a:t>
+              <a:t>以及 </a:t>
+            </a:r>
+            <a:r>
+              <a:rPr lang="en-US" altLang="zh-CN" sz="900" b="1" dirty="0" err="1">
+                <a:solidFill>
+                  <a:srgbClr val="6679DF"/>
+                </a:solidFill>
+                <a:latin typeface="微软雅黑" panose="020B0503020204020204" pitchFamily="34" charset="-122"/>
+                <a:ea typeface="微软雅黑" panose="020B0503020204020204" pitchFamily="34" charset="-122"/>
+              </a:rPr>
+              <a:t>PhantomJS</a:t>
+            </a:r>
+            <a:r>
+              <a:rPr lang="zh-CN" altLang="en-US" sz="900" b="1" dirty="0">
+                <a:solidFill>
+                  <a:srgbClr val="6679DF"/>
+                </a:solidFill>
+                <a:latin typeface="微软雅黑" panose="020B0503020204020204" pitchFamily="34" charset="-122"/>
+                <a:ea typeface="微软雅黑" panose="020B0503020204020204" pitchFamily="34" charset="-122"/>
+              </a:rPr>
+              <a:t> </a:t>
+            </a:r>
+            <a:r>
+              <a:rPr lang="en-US" altLang="zh-CN" sz="900" dirty="0">
+                <a:latin typeface="微软雅黑" panose="020B0503020204020204" pitchFamily="34" charset="-122"/>
+                <a:ea typeface="微软雅黑" panose="020B0503020204020204" pitchFamily="34" charset="-122"/>
+              </a:rPr>
+              <a:t>/ </a:t>
+            </a:r>
+            <a:r>
+              <a:rPr lang="en-US" altLang="zh-CN" sz="900" b="1" dirty="0" err="1" smtClean="0">
+                <a:solidFill>
+                  <a:srgbClr val="6679DF"/>
+                </a:solidFill>
+                <a:latin typeface="微软雅黑" panose="020B0503020204020204" pitchFamily="34" charset="-122"/>
+                <a:ea typeface="微软雅黑" panose="020B0503020204020204" pitchFamily="34" charset="-122"/>
+              </a:rPr>
+              <a:t>CasperJS</a:t>
+            </a:r>
+            <a:r>
+              <a:rPr lang="zh-CN" altLang="en-US" sz="900" b="1" dirty="0" smtClean="0">
+                <a:solidFill>
+                  <a:srgbClr val="6679DF"/>
+                </a:solidFill>
+                <a:latin typeface="微软雅黑" panose="020B0503020204020204" pitchFamily="34" charset="-122"/>
+                <a:ea typeface="微软雅黑" panose="020B0503020204020204" pitchFamily="34" charset="-122"/>
+              </a:rPr>
+              <a:t> </a:t>
             </a:r>
             <a:r>
               <a:rPr lang="zh-CN" altLang="en-US" sz="900" dirty="0">
                 <a:latin typeface="微软雅黑" panose="020B0503020204020204" pitchFamily="34" charset="-122"/>
                 <a:ea typeface="微软雅黑" panose="020B0503020204020204" pitchFamily="34" charset="-122"/>
               </a:rPr>
-              <a:t>数据库</a:t>
+              <a:t>编写</a:t>
             </a:r>
             <a:r>
               <a:rPr lang="zh-CN" altLang="en-US" sz="900" dirty="0" smtClean="0">
                 <a:latin typeface="微软雅黑" panose="020B0503020204020204" pitchFamily="34" charset="-122"/>
                 <a:ea typeface="微软雅黑" panose="020B0503020204020204" pitchFamily="34" charset="-122"/>
               </a:rPr>
-              <a:t>交互</a:t>
-            </a:r>
-            <a:endParaRPr lang="en-US" altLang="zh-CN" sz="900" dirty="0" smtClean="0">
+              <a:t>过</a:t>
+            </a:r>
+            <a:r>
+              <a:rPr lang="zh-CN" altLang="en-US" sz="900" dirty="0" smtClean="0">
+                <a:latin typeface="微软雅黑" panose="020B0503020204020204" pitchFamily="34" charset="-122"/>
+                <a:ea typeface="微软雅黑" panose="020B0503020204020204" pitchFamily="34" charset="-122"/>
+              </a:rPr>
+              <a:t>自动化脚本</a:t>
+            </a:r>
+            <a:endParaRPr lang="zh-CN" altLang="en-US" sz="900" b="1" dirty="0">
+              <a:solidFill>
+                <a:srgbClr val="6679DF"/>
+              </a:solidFill>
               <a:latin typeface="微软雅黑" panose="020B0503020204020204" pitchFamily="34" charset="-122"/>
               <a:ea typeface="微软雅黑" panose="020B0503020204020204" pitchFamily="34" charset="-122"/>
             </a:endParaRPr>
@@ -4403,7 +4456,21 @@
                 <a:latin typeface="微软雅黑" panose="020B0503020204020204" pitchFamily="34" charset="-122"/>
                 <a:ea typeface="微软雅黑" panose="020B0503020204020204" pitchFamily="34" charset="-122"/>
               </a:rPr>
-              <a:t>有使用 </a:t>
+              <a:t>使用</a:t>
+            </a:r>
+            <a:r>
+              <a:rPr lang="zh-CN" altLang="en-US" sz="900" dirty="0" smtClean="0">
+                <a:latin typeface="微软雅黑" panose="020B0503020204020204" pitchFamily="34" charset="-122"/>
+                <a:ea typeface="微软雅黑" panose="020B0503020204020204" pitchFamily="34" charset="-122"/>
+              </a:rPr>
+              <a:t>过</a:t>
+            </a:r>
+            <a:r>
+              <a:rPr lang="zh-CN" altLang="en-US" sz="900" dirty="0" smtClean="0">
+                <a:latin typeface="微软雅黑" panose="020B0503020204020204" pitchFamily="34" charset="-122"/>
+                <a:ea typeface="微软雅黑" panose="020B0503020204020204" pitchFamily="34" charset="-122"/>
+              </a:rPr>
+              <a:t> </a:t>
             </a:r>
             <a:r>
               <a:rPr lang="en-US" altLang="zh-CN" sz="900" b="1" dirty="0" smtClean="0">
@@ -4413,14 +4480,34 @@
                 <a:latin typeface="微软雅黑" panose="020B0503020204020204" pitchFamily="34" charset="-122"/>
                 <a:ea typeface="微软雅黑" panose="020B0503020204020204" pitchFamily="34" charset="-122"/>
               </a:rPr>
-              <a:t>SQL Server</a:t>
-            </a:r>
-            <a:r>
-              <a:rPr lang="en-US" altLang="zh-CN" sz="900" dirty="0">
-                <a:latin typeface="微软雅黑" panose="020B0503020204020204" pitchFamily="34" charset="-122"/>
-                <a:ea typeface="微软雅黑" panose="020B0503020204020204" pitchFamily="34" charset="-122"/>
-              </a:rPr>
-              <a:t> / </a:t>
+              <a:t>MyS</a:t>
+            </a:r>
+            <a:r>
+              <a:rPr lang="en-US" altLang="zh-CN" sz="900" b="1" dirty="0" smtClean="0">
+                <a:solidFill>
+                  <a:srgbClr val="6679DF"/>
+                </a:solidFill>
+                <a:latin typeface="微软雅黑" panose="020B0503020204020204" pitchFamily="34" charset="-122"/>
+                <a:ea typeface="微软雅黑" panose="020B0503020204020204" pitchFamily="34" charset="-122"/>
+              </a:rPr>
+              <a:t>QL</a:t>
+            </a:r>
+            <a:r>
+              <a:rPr lang="zh-CN" altLang="en-US" sz="900" b="1" dirty="0" smtClean="0">
+                <a:solidFill>
+                  <a:srgbClr val="6679DF"/>
+                </a:solidFill>
+                <a:latin typeface="微软雅黑" panose="020B0503020204020204" pitchFamily="34" charset="-122"/>
+                <a:ea typeface="微软雅黑" panose="020B0503020204020204" pitchFamily="34" charset="-122"/>
+              </a:rPr>
+              <a:t> </a:t>
+            </a:r>
+            <a:r>
+              <a:rPr lang="en-US" altLang="zh-CN" sz="900" dirty="0" smtClean="0">
+                <a:latin typeface="微软雅黑" panose="020B0503020204020204" pitchFamily="34" charset="-122"/>
+                <a:ea typeface="微软雅黑" panose="020B0503020204020204" pitchFamily="34" charset="-122"/>
+              </a:rPr>
+              <a:t>/ </a:t>
             </a:r>
             <a:r>
               <a:rPr lang="en-US" altLang="zh-CN" sz="900" b="1" dirty="0" err="1" smtClean="0">
@@ -4447,9 +4534,16 @@
                 <a:latin typeface="微软雅黑" panose="020B0503020204020204" pitchFamily="34" charset="-122"/>
                 <a:ea typeface="微软雅黑" panose="020B0503020204020204" pitchFamily="34" charset="-122"/>
               </a:rPr>
-              <a:t>等数据库的经验</a:t>
-            </a:r>
-            <a:endParaRPr lang="en-US" altLang="zh-CN" sz="900" dirty="0">
+              <a:t>等</a:t>
+            </a:r>
+            <a:r>
+              <a:rPr lang="zh-CN" altLang="en-US" sz="900" dirty="0" smtClean="0">
+                <a:latin typeface="微软雅黑" panose="020B0503020204020204" pitchFamily="34" charset="-122"/>
+                <a:ea typeface="微软雅黑" panose="020B0503020204020204" pitchFamily="34" charset="-122"/>
+              </a:rPr>
+              <a:t>数据库</a:t>
+            </a:r>
+            <a:endParaRPr lang="en-US" altLang="zh-CN" sz="900" dirty="0" smtClean="0">
               <a:latin typeface="微软雅黑" panose="020B0503020204020204" pitchFamily="34" charset="-122"/>
               <a:ea typeface="微软雅黑" panose="020B0503020204020204" pitchFamily="34" charset="-122"/>
             </a:endParaRPr>
@@ -4465,16 +4559,9 @@
                 <a:latin typeface="微软雅黑" panose="020B0503020204020204" pitchFamily="34" charset="-122"/>
                 <a:ea typeface="微软雅黑" panose="020B0503020204020204" pitchFamily="34" charset="-122"/>
               </a:rPr>
-              <a:t>其他</a:t>
-            </a:r>
-            <a:r>
-              <a:rPr lang="zh-CN" altLang="en-US" sz="1050" b="1" dirty="0">
-                <a:latin typeface="微软雅黑" panose="020B0503020204020204" pitchFamily="34" charset="-122"/>
-                <a:ea typeface="微软雅黑" panose="020B0503020204020204" pitchFamily="34" charset="-122"/>
-              </a:rPr>
-              <a:t>技能</a:t>
-            </a:r>
-            <a:endParaRPr lang="en-US" altLang="zh-CN" sz="1050" b="1" dirty="0">
+              <a:t>其他技能</a:t>
+            </a:r>
+            <a:endParaRPr lang="en-US" altLang="zh-CN" sz="1050" b="1" dirty="0" smtClean="0">
               <a:latin typeface="微软雅黑" panose="020B0503020204020204" pitchFamily="34" charset="-122"/>
               <a:ea typeface="微软雅黑" panose="020B0503020204020204" pitchFamily="34" charset="-122"/>
             </a:endParaRPr>
@@ -4488,7 +4575,7 @@
               <a:buChar char="ü"/>
             </a:pPr>
             <a:r>
-              <a:rPr lang="zh-CN" altLang="en-US" sz="900" dirty="0">
+              <a:rPr lang="zh-CN" altLang="en-US" sz="900" dirty="0" smtClean="0">
                 <a:latin typeface="微软雅黑" panose="020B0503020204020204" pitchFamily="34" charset="-122"/>
                 <a:ea typeface="微软雅黑" panose="020B0503020204020204" pitchFamily="34" charset="-122"/>
               </a:rPr>
@@ -4570,6 +4657,16 @@
               <a:t>/ </a:t>
             </a:r>
             <a:r>
+              <a:rPr lang="en-US" altLang="zh-CN" sz="900" b="1" dirty="0" err="1" smtClean="0">
+                <a:solidFill>
+                  <a:srgbClr val="6679DF"/>
+                </a:solidFill>
+                <a:latin typeface="微软雅黑" panose="020B0503020204020204" pitchFamily="34" charset="-122"/>
+                <a:ea typeface="微软雅黑" panose="020B0503020204020204" pitchFamily="34" charset="-122"/>
+              </a:rPr>
+              <a:t>OmniGraffle</a:t>
+            </a:r>
+            <a:r>
               <a:rPr lang="en-US" altLang="zh-CN" sz="900" b="1" dirty="0" smtClean="0">
                 <a:solidFill>
                   <a:srgbClr val="6679DF"/>
@@ -4577,7 +4674,7 @@
                 <a:latin typeface="微软雅黑" panose="020B0503020204020204" pitchFamily="34" charset="-122"/>
                 <a:ea typeface="微软雅黑" panose="020B0503020204020204" pitchFamily="34" charset="-122"/>
               </a:rPr>
-              <a:t>Illustrator </a:t>
+              <a:t> </a:t>
             </a:r>
             <a:r>
               <a:rPr lang="zh-CN" altLang="en-US" sz="900" dirty="0" smtClean="0">
@@ -4598,7 +4695,190 @@
                 <a:latin typeface="微软雅黑" panose="020B0503020204020204" pitchFamily="34" charset="-122"/>
                 <a:ea typeface="微软雅黑" panose="020B0503020204020204" pitchFamily="34" charset="-122"/>
               </a:rPr>
-              <a:t>图像处理和平面设计</a:t>
+              <a:t>图像</a:t>
+            </a:r>
+            <a:r>
+              <a:rPr lang="zh-CN" altLang="en-US" sz="900" dirty="0" smtClean="0">
+                <a:latin typeface="微软雅黑" panose="020B0503020204020204" pitchFamily="34" charset="-122"/>
+                <a:ea typeface="微软雅黑" panose="020B0503020204020204" pitchFamily="34" charset="-122"/>
+              </a:rPr>
+              <a:t>处理</a:t>
+            </a:r>
+            <a:endParaRPr lang="zh-CN" altLang="en-US" sz="900" dirty="0">
+              <a:latin typeface="微软雅黑" panose="020B0503020204020204" pitchFamily="34" charset="-122"/>
+              <a:ea typeface="微软雅黑" panose="020B0503020204020204" pitchFamily="34" charset="-122"/>
+            </a:endParaRPr>
+          </a:p>
+          <a:p>
+            <a:pPr marL="171450" indent="-171450">
+              <a:lnSpc>
+                <a:spcPts val="1500"/>
+              </a:lnSpc>
+              <a:buFont typeface="Wingdings" panose="05000000000000000000" pitchFamily="2" charset="2"/>
+              <a:buChar char="ü"/>
+            </a:pPr>
+            <a:r>
+              <a:rPr lang="zh-CN" altLang="en-US" sz="900" dirty="0" smtClean="0">
+                <a:latin typeface="微软雅黑" panose="020B0503020204020204" pitchFamily="34" charset="-122"/>
+                <a:ea typeface="微软雅黑" panose="020B0503020204020204" pitchFamily="34" charset="-122"/>
+              </a:rPr>
+              <a:t>能够使用 </a:t>
+            </a:r>
+            <a:r>
+              <a:rPr lang="en-US" altLang="zh-CN" sz="900" b="1" dirty="0" smtClean="0">
+                <a:solidFill>
+                  <a:srgbClr val="6679DF"/>
+                </a:solidFill>
+                <a:latin typeface="微软雅黑" panose="020B0503020204020204" pitchFamily="34" charset="-122"/>
+                <a:ea typeface="微软雅黑" panose="020B0503020204020204" pitchFamily="34" charset="-122"/>
+              </a:rPr>
+              <a:t>Alfred</a:t>
+            </a:r>
+            <a:r>
+              <a:rPr lang="en-US" altLang="zh-CN" sz="900" dirty="0" smtClean="0">
+                <a:latin typeface="微软雅黑" panose="020B0503020204020204" pitchFamily="34" charset="-122"/>
+                <a:ea typeface="微软雅黑" panose="020B0503020204020204" pitchFamily="34" charset="-122"/>
+              </a:rPr>
+              <a:t> / </a:t>
+            </a:r>
+            <a:r>
+              <a:rPr lang="en-US" altLang="zh-CN" sz="900" b="1" dirty="0" smtClean="0">
+                <a:solidFill>
+                  <a:srgbClr val="6679DF"/>
+                </a:solidFill>
+                <a:latin typeface="微软雅黑" panose="020B0503020204020204" pitchFamily="34" charset="-122"/>
+                <a:ea typeface="微软雅黑" panose="020B0503020204020204" pitchFamily="34" charset="-122"/>
+              </a:rPr>
+              <a:t>Dash</a:t>
+            </a:r>
+            <a:r>
+              <a:rPr lang="zh-CN" altLang="en-US" sz="900" b="1" dirty="0" smtClean="0">
+                <a:solidFill>
+                  <a:srgbClr val="6679DF"/>
+                </a:solidFill>
+                <a:latin typeface="微软雅黑" panose="020B0503020204020204" pitchFamily="34" charset="-122"/>
+                <a:ea typeface="微软雅黑" panose="020B0503020204020204" pitchFamily="34" charset="-122"/>
+              </a:rPr>
+              <a:t> </a:t>
+            </a:r>
+            <a:r>
+              <a:rPr lang="zh-CN" altLang="en-US" sz="900" dirty="0">
+                <a:latin typeface="微软雅黑" panose="020B0503020204020204" pitchFamily="34" charset="-122"/>
+                <a:ea typeface="微软雅黑" panose="020B0503020204020204" pitchFamily="34" charset="-122"/>
+              </a:rPr>
+              <a:t>配合</a:t>
+            </a:r>
+            <a:r>
+              <a:rPr lang="zh-CN" altLang="en-US" sz="900" dirty="0" smtClean="0">
+                <a:latin typeface="微软雅黑" panose="020B0503020204020204" pitchFamily="34" charset="-122"/>
+                <a:ea typeface="微软雅黑" panose="020B0503020204020204" pitchFamily="34" charset="-122"/>
+              </a:rPr>
+              <a:t>快捷键</a:t>
+            </a:r>
+            <a:r>
+              <a:rPr lang="zh-CN" altLang="en-US" sz="900" dirty="0">
+                <a:latin typeface="微软雅黑" panose="020B0503020204020204" pitchFamily="34" charset="-122"/>
+                <a:ea typeface="微软雅黑" panose="020B0503020204020204" pitchFamily="34" charset="-122"/>
+              </a:rPr>
+              <a:t>以及</a:t>
+            </a:r>
+            <a:r>
+              <a:rPr lang="zh-CN" altLang="en-US" sz="900" b="1" dirty="0" smtClean="0">
+                <a:solidFill>
+                  <a:srgbClr val="6679DF"/>
+                </a:solidFill>
+                <a:latin typeface="微软雅黑" panose="020B0503020204020204" pitchFamily="34" charset="-122"/>
+                <a:ea typeface="微软雅黑" panose="020B0503020204020204" pitchFamily="34" charset="-122"/>
+              </a:rPr>
+              <a:t> </a:t>
+            </a:r>
+            <a:r>
+              <a:rPr lang="en-US" altLang="zh-CN" sz="900" b="1" dirty="0" err="1" smtClean="0">
+                <a:solidFill>
+                  <a:srgbClr val="6679DF"/>
+                </a:solidFill>
+                <a:latin typeface="微软雅黑" panose="020B0503020204020204" pitchFamily="34" charset="-122"/>
+                <a:ea typeface="微软雅黑" panose="020B0503020204020204" pitchFamily="34" charset="-122"/>
+              </a:rPr>
+              <a:t>zsh</a:t>
+            </a:r>
+            <a:r>
+              <a:rPr lang="zh-CN" altLang="en-US" sz="900" b="1" dirty="0" smtClean="0">
+                <a:solidFill>
+                  <a:srgbClr val="6679DF"/>
+                </a:solidFill>
+                <a:latin typeface="微软雅黑" panose="020B0503020204020204" pitchFamily="34" charset="-122"/>
+                <a:ea typeface="微软雅黑" panose="020B0503020204020204" pitchFamily="34" charset="-122"/>
+              </a:rPr>
+              <a:t> </a:t>
+            </a:r>
+            <a:r>
+              <a:rPr lang="en-US" altLang="zh-CN" sz="900" dirty="0">
+                <a:latin typeface="微软雅黑" panose="020B0503020204020204" pitchFamily="34" charset="-122"/>
+                <a:ea typeface="微软雅黑" panose="020B0503020204020204" pitchFamily="34" charset="-122"/>
+              </a:rPr>
+              <a:t>/ </a:t>
+            </a:r>
+            <a:r>
+              <a:rPr lang="en-US" altLang="zh-CN" sz="900" b="1" dirty="0" err="1">
+                <a:solidFill>
+                  <a:srgbClr val="6679DF"/>
+                </a:solidFill>
+                <a:latin typeface="微软雅黑" panose="020B0503020204020204" pitchFamily="34" charset="-122"/>
+                <a:ea typeface="微软雅黑" panose="020B0503020204020204" pitchFamily="34" charset="-122"/>
+              </a:rPr>
+              <a:t>iTerm</a:t>
+            </a:r>
+            <a:r>
+              <a:rPr lang="zh-CN" altLang="en-US" sz="900" b="1" dirty="0">
+                <a:solidFill>
+                  <a:srgbClr val="6679DF"/>
+                </a:solidFill>
+                <a:latin typeface="微软雅黑" panose="020B0503020204020204" pitchFamily="34" charset="-122"/>
+                <a:ea typeface="微软雅黑" panose="020B0503020204020204" pitchFamily="34" charset="-122"/>
+              </a:rPr>
+              <a:t> </a:t>
+            </a:r>
+            <a:r>
+              <a:rPr lang="zh-CN" altLang="en-US" sz="900" dirty="0" smtClean="0">
+                <a:latin typeface="微软雅黑" panose="020B0503020204020204" pitchFamily="34" charset="-122"/>
+                <a:ea typeface="微软雅黑" panose="020B0503020204020204" pitchFamily="34" charset="-122"/>
+              </a:rPr>
+              <a:t>配合 </a:t>
+            </a:r>
+            <a:r>
+              <a:rPr lang="en-US" altLang="zh-CN" sz="900" b="1" dirty="0" smtClean="0">
+                <a:solidFill>
+                  <a:srgbClr val="6679DF"/>
+                </a:solidFill>
+                <a:latin typeface="微软雅黑" panose="020B0503020204020204" pitchFamily="34" charset="-122"/>
+                <a:ea typeface="微软雅黑" panose="020B0503020204020204" pitchFamily="34" charset="-122"/>
+              </a:rPr>
+              <a:t>Shell</a:t>
+            </a:r>
+            <a:r>
+              <a:rPr lang="zh-CN" altLang="en-US" sz="900" b="1" dirty="0" smtClean="0">
+                <a:solidFill>
+                  <a:srgbClr val="6679DF"/>
+                </a:solidFill>
+                <a:latin typeface="微软雅黑" panose="020B0503020204020204" pitchFamily="34" charset="-122"/>
+                <a:ea typeface="微软雅黑" panose="020B0503020204020204" pitchFamily="34" charset="-122"/>
+              </a:rPr>
+              <a:t> </a:t>
+            </a:r>
+            <a:r>
+              <a:rPr lang="zh-CN" altLang="en-US" sz="900" dirty="0" smtClean="0">
+                <a:latin typeface="微软雅黑" panose="020B0503020204020204" pitchFamily="34" charset="-122"/>
+                <a:ea typeface="微软雅黑" panose="020B0503020204020204" pitchFamily="34" charset="-122"/>
+              </a:rPr>
+              <a:t>命令提高</a:t>
+            </a:r>
+            <a:r>
+              <a:rPr lang="zh-CN" altLang="en-US" sz="900" dirty="0">
+                <a:latin typeface="微软雅黑" panose="020B0503020204020204" pitchFamily="34" charset="-122"/>
+                <a:ea typeface="微软雅黑" panose="020B0503020204020204" pitchFamily="34" charset="-122"/>
+              </a:rPr>
+              <a:t>工作效率</a:t>
             </a:r>
             <a:endParaRPr lang="en-US" altLang="zh-CN" sz="900" dirty="0">
               <a:latin typeface="微软雅黑" panose="020B0503020204020204" pitchFamily="34" charset="-122"/>
@@ -7299,9 +7579,9 @@
         <p:grpSpPr>
           <a:xfrm>
             <a:off x="387971" y="7739121"/>
-            <a:ext cx="2866088" cy="1812203"/>
+            <a:ext cx="2872460" cy="1908281"/>
             <a:chOff x="418451" y="7819857"/>
-            <a:chExt cx="2866088" cy="1812203"/>
+            <a:chExt cx="2872460" cy="1908281"/>
           </a:xfrm>
         </p:grpSpPr>
         <p:sp>
@@ -7494,8 +7774,8 @@
           </p:nvSpPr>
           <p:spPr>
             <a:xfrm>
-              <a:off x="418453" y="8577925"/>
-              <a:ext cx="2866086" cy="1054135"/>
+              <a:off x="424825" y="8481643"/>
+              <a:ext cx="2866086" cy="1246495"/>
             </a:xfrm>
             <a:prstGeom prst="rect">
               <a:avLst/>
@@ -7514,6 +7794,27 @@
                 <a:buFont typeface="Wingdings" panose="05000000000000000000" pitchFamily="2" charset="2"/>
                 <a:buChar char="ü"/>
               </a:pPr>
+              <a:r>
+                <a:rPr lang="zh-CN" altLang="en-US" sz="900" dirty="0" smtClean="0">
+                  <a:latin typeface="微软雅黑" panose="020B0503020204020204" pitchFamily="34" charset="-122"/>
+                  <a:ea typeface="微软雅黑" panose="020B0503020204020204" pitchFamily="34" charset="-122"/>
+                </a:rPr>
+                <a:t>根据</a:t>
+              </a:r>
+              <a:r>
+                <a:rPr lang="en-US" altLang="zh-CN" sz="900" dirty="0" smtClean="0">
+                  <a:latin typeface="微软雅黑" panose="020B0503020204020204" pitchFamily="34" charset="-122"/>
+                  <a:ea typeface="微软雅黑" panose="020B0503020204020204" pitchFamily="34" charset="-122"/>
+                </a:rPr>
+                <a:t>UI</a:t>
+              </a:r>
+              <a:r>
+                <a:rPr lang="zh-CN" altLang="en-US" sz="900" dirty="0" smtClean="0">
+                  <a:latin typeface="微软雅黑" panose="020B0503020204020204" pitchFamily="34" charset="-122"/>
+                  <a:ea typeface="微软雅黑" panose="020B0503020204020204" pitchFamily="34" charset="-122"/>
+                </a:rPr>
+                <a:t>设计图，</a:t>
+              </a:r>
               <a:r>
                 <a:rPr lang="zh-CN" altLang="en-US" sz="900" dirty="0" smtClean="0">
                   <a:latin typeface="微软雅黑" panose="020B0503020204020204" pitchFamily="34" charset="-122"/>
@@ -7561,16 +7862,9 @@
                   <a:latin typeface="微软雅黑" panose="020B0503020204020204" pitchFamily="34" charset="-122"/>
                   <a:ea typeface="微软雅黑" panose="020B0503020204020204" pitchFamily="34" charset="-122"/>
                 </a:rPr>
-                <a:t>，</a:t>
-              </a:r>
-              <a:r>
-                <a:rPr lang="zh-CN" altLang="en-US" sz="900" dirty="0" smtClean="0">
-                  <a:latin typeface="微软雅黑" panose="020B0503020204020204" pitchFamily="34" charset="-122"/>
-                  <a:ea typeface="微软雅黑" panose="020B0503020204020204" pitchFamily="34" charset="-122"/>
-                </a:rPr>
                 <a:t>开发界面</a:t>
               </a:r>
-              <a:endParaRPr lang="en-US" altLang="zh-CN" sz="900" dirty="0" smtClean="0">
+              <a:endParaRPr lang="zh-CN" altLang="en-US" sz="900" dirty="0">
                 <a:latin typeface="微软雅黑" panose="020B0503020204020204" pitchFamily="34" charset="-122"/>
                 <a:ea typeface="微软雅黑" panose="020B0503020204020204" pitchFamily="34" charset="-122"/>
               </a:endParaRPr>
@@ -7583,6 +7877,13 @@
                 <a:buFont typeface="Wingdings" panose="05000000000000000000" pitchFamily="2" charset="2"/>
                 <a:buChar char="ü"/>
               </a:pPr>
+              <a:r>
+                <a:rPr lang="zh-CN" altLang="en-US" sz="900" dirty="0" smtClean="0">
+                  <a:latin typeface="微软雅黑" panose="020B0503020204020204" pitchFamily="34" charset="-122"/>
+                  <a:ea typeface="微软雅黑" panose="020B0503020204020204" pitchFamily="34" charset="-122"/>
+                </a:rPr>
+                <a:t>根据原型，</a:t>
+              </a:r>
               <a:r>
                 <a:rPr lang="zh-CN" altLang="en-US" sz="900" dirty="0" smtClean="0">
                   <a:latin typeface="微软雅黑" panose="020B0503020204020204" pitchFamily="34" charset="-122"/>
@@ -7623,7 +7924,7 @@
                   <a:latin typeface="微软雅黑" panose="020B0503020204020204" pitchFamily="34" charset="-122"/>
                   <a:ea typeface="微软雅黑" panose="020B0503020204020204" pitchFamily="34" charset="-122"/>
                 </a:rPr>
-                <a:t>，进行状态管理</a:t>
+                <a:t>，管理状态</a:t>
               </a:r>
             </a:p>
             <a:p>
@@ -7660,7 +7961,7 @@
                   <a:latin typeface="微软雅黑" panose="020B0503020204020204" pitchFamily="34" charset="-122"/>
                   <a:ea typeface="微软雅黑" panose="020B0503020204020204" pitchFamily="34" charset="-122"/>
                 </a:rPr>
-                <a:t> 服务器，进行版本控制</a:t>
+                <a:t> 服务器，控制版本</a:t>
               </a:r>
             </a:p>
             <a:p>
@@ -7690,7 +7991,7 @@
                   <a:latin typeface="微软雅黑" panose="020B0503020204020204" pitchFamily="34" charset="-122"/>
                   <a:ea typeface="微软雅黑" panose="020B0503020204020204" pitchFamily="34" charset="-122"/>
                 </a:rPr>
-                <a:t> 及 相关插件，构建基础开发体系</a:t>
+                <a:t> 及 相关插件，构建开发体系</a:t>
               </a:r>
             </a:p>
             <a:p>
@@ -8055,16 +8356,6 @@
           <a:p>
             <a:pPr algn="ctr"/>
             <a:r>
-              <a:rPr lang="zh-CN" altLang="en-US" sz="800" dirty="0">
-                <a:solidFill>
-                  <a:srgbClr val="6679DF"/>
-                </a:solidFill>
-                <a:latin typeface="微软雅黑" panose="020B0503020204020204" pitchFamily="34" charset="-122"/>
-                <a:ea typeface="微软雅黑" panose="020B0503020204020204" pitchFamily="34" charset="-122"/>
-              </a:rPr>
-              <a:t>团队</a:t>
-            </a:r>
-            <a:r>
               <a:rPr lang="zh-CN" altLang="en-US" sz="800" dirty="0" smtClean="0">
                 <a:solidFill>
                   <a:srgbClr val="6679DF"/>
@@ -8072,7 +8363,7 @@
                 <a:latin typeface="微软雅黑" panose="020B0503020204020204" pitchFamily="34" charset="-122"/>
                 <a:ea typeface="微软雅黑" panose="020B0503020204020204" pitchFamily="34" charset="-122"/>
               </a:rPr>
-              <a:t>项目</a:t>
+              <a:t>团队项目</a:t>
             </a:r>
             <a:endParaRPr lang="zh-CN" altLang="en-US" sz="800" dirty="0">
               <a:solidFill>

--- a/doc/resume.pptx
+++ b/doc/resume.pptx
@@ -208,7 +208,7 @@
           <a:p>
             <a:fld id="{AEA2C9DF-D23B-4857-8F83-A94459C69053}" type="datetimeFigureOut">
               <a:rPr lang="zh-CN" altLang="en-US" smtClean="0"/>
-              <a:t>2017/7/14</a:t>
+              <a:t>2017/7/15</a:t>
             </a:fld>
             <a:endParaRPr lang="zh-CN" altLang="en-US"/>
           </a:p>
@@ -691,7 +691,7 @@
           <a:p>
             <a:fld id="{6A4926B6-441D-4BA1-AD68-6F10F35F7AC9}" type="datetimeFigureOut">
               <a:rPr lang="zh-CN" altLang="en-US" smtClean="0"/>
-              <a:t>2017/7/14</a:t>
+              <a:t>2017/7/15</a:t>
             </a:fld>
             <a:endParaRPr lang="zh-CN" altLang="en-US"/>
           </a:p>
@@ -861,7 +861,7 @@
           <a:p>
             <a:fld id="{6A4926B6-441D-4BA1-AD68-6F10F35F7AC9}" type="datetimeFigureOut">
               <a:rPr lang="zh-CN" altLang="en-US" smtClean="0"/>
-              <a:t>2017/7/14</a:t>
+              <a:t>2017/7/15</a:t>
             </a:fld>
             <a:endParaRPr lang="zh-CN" altLang="en-US"/>
           </a:p>
@@ -1041,7 +1041,7 @@
           <a:p>
             <a:fld id="{6A4926B6-441D-4BA1-AD68-6F10F35F7AC9}" type="datetimeFigureOut">
               <a:rPr lang="zh-CN" altLang="en-US" smtClean="0"/>
-              <a:t>2017/7/14</a:t>
+              <a:t>2017/7/15</a:t>
             </a:fld>
             <a:endParaRPr lang="zh-CN" altLang="en-US"/>
           </a:p>
@@ -1211,7 +1211,7 @@
           <a:p>
             <a:fld id="{6A4926B6-441D-4BA1-AD68-6F10F35F7AC9}" type="datetimeFigureOut">
               <a:rPr lang="zh-CN" altLang="en-US" smtClean="0"/>
-              <a:t>2017/7/14</a:t>
+              <a:t>2017/7/15</a:t>
             </a:fld>
             <a:endParaRPr lang="zh-CN" altLang="en-US"/>
           </a:p>
@@ -1455,7 +1455,7 @@
           <a:p>
             <a:fld id="{6A4926B6-441D-4BA1-AD68-6F10F35F7AC9}" type="datetimeFigureOut">
               <a:rPr lang="zh-CN" altLang="en-US" smtClean="0"/>
-              <a:t>2017/7/14</a:t>
+              <a:t>2017/7/15</a:t>
             </a:fld>
             <a:endParaRPr lang="zh-CN" altLang="en-US"/>
           </a:p>
@@ -1687,7 +1687,7 @@
           <a:p>
             <a:fld id="{6A4926B6-441D-4BA1-AD68-6F10F35F7AC9}" type="datetimeFigureOut">
               <a:rPr lang="zh-CN" altLang="en-US" smtClean="0"/>
-              <a:t>2017/7/14</a:t>
+              <a:t>2017/7/15</a:t>
             </a:fld>
             <a:endParaRPr lang="zh-CN" altLang="en-US"/>
           </a:p>
@@ -2054,7 +2054,7 @@
           <a:p>
             <a:fld id="{6A4926B6-441D-4BA1-AD68-6F10F35F7AC9}" type="datetimeFigureOut">
               <a:rPr lang="zh-CN" altLang="en-US" smtClean="0"/>
-              <a:t>2017/7/14</a:t>
+              <a:t>2017/7/15</a:t>
             </a:fld>
             <a:endParaRPr lang="zh-CN" altLang="en-US"/>
           </a:p>
@@ -2172,7 +2172,7 @@
           <a:p>
             <a:fld id="{6A4926B6-441D-4BA1-AD68-6F10F35F7AC9}" type="datetimeFigureOut">
               <a:rPr lang="zh-CN" altLang="en-US" smtClean="0"/>
-              <a:t>2017/7/14</a:t>
+              <a:t>2017/7/15</a:t>
             </a:fld>
             <a:endParaRPr lang="zh-CN" altLang="en-US"/>
           </a:p>
@@ -2267,7 +2267,7 @@
           <a:p>
             <a:fld id="{6A4926B6-441D-4BA1-AD68-6F10F35F7AC9}" type="datetimeFigureOut">
               <a:rPr lang="zh-CN" altLang="en-US" smtClean="0"/>
-              <a:t>2017/7/14</a:t>
+              <a:t>2017/7/15</a:t>
             </a:fld>
             <a:endParaRPr lang="zh-CN" altLang="en-US"/>
           </a:p>
@@ -2551,7 +2551,7 @@
           <a:p>
             <a:fld id="{6A4926B6-441D-4BA1-AD68-6F10F35F7AC9}" type="datetimeFigureOut">
               <a:rPr lang="zh-CN" altLang="en-US" smtClean="0"/>
-              <a:t>2017/7/14</a:t>
+              <a:t>2017/7/15</a:t>
             </a:fld>
             <a:endParaRPr lang="zh-CN" altLang="en-US"/>
           </a:p>
@@ -2808,7 +2808,7 @@
           <a:p>
             <a:fld id="{6A4926B6-441D-4BA1-AD68-6F10F35F7AC9}" type="datetimeFigureOut">
               <a:rPr lang="zh-CN" altLang="en-US" smtClean="0"/>
-              <a:t>2017/7/14</a:t>
+              <a:t>2017/7/15</a:t>
             </a:fld>
             <a:endParaRPr lang="zh-CN" altLang="en-US"/>
           </a:p>
@@ -3021,7 +3021,7 @@
           <a:p>
             <a:fld id="{6A4926B6-441D-4BA1-AD68-6F10F35F7AC9}" type="datetimeFigureOut">
               <a:rPr lang="zh-CN" altLang="en-US" smtClean="0"/>
-              <a:t>2017/7/14</a:t>
+              <a:t>2017/7/15</a:t>
             </a:fld>
             <a:endParaRPr lang="zh-CN" altLang="en-US"/>
           </a:p>
@@ -3532,17 +3532,7 @@
                 <a:latin typeface="微软雅黑" panose="020B0503020204020204" pitchFamily="34" charset="-122"/>
                 <a:ea typeface="微软雅黑" panose="020B0503020204020204" pitchFamily="34" charset="-122"/>
               </a:rPr>
-              <a:t>物联网</a:t>
-            </a:r>
-            <a:r>
-              <a:rPr lang="zh-CN" altLang="en-US" sz="900" b="1" dirty="0" smtClean="0">
-                <a:solidFill>
-                  <a:srgbClr val="6679DF"/>
-                </a:solidFill>
-                <a:latin typeface="微软雅黑" panose="020B0503020204020204" pitchFamily="34" charset="-122"/>
-                <a:ea typeface="微软雅黑" panose="020B0503020204020204" pitchFamily="34" charset="-122"/>
-              </a:rPr>
-              <a:t>建模</a:t>
+              <a:t>物联网建模</a:t>
             </a:r>
             <a:endParaRPr lang="en-US" altLang="zh-CN" sz="900" b="1" dirty="0" smtClean="0">
               <a:solidFill>
@@ -3825,14 +3815,7 @@
                 <a:latin typeface="微软雅黑" panose="020B0503020204020204" pitchFamily="34" charset="-122"/>
                 <a:ea typeface="微软雅黑" panose="020B0503020204020204" pitchFamily="34" charset="-122"/>
               </a:rPr>
-              <a:t>语言，</a:t>
-            </a:r>
-            <a:r>
-              <a:rPr lang="zh-CN" altLang="en-US" sz="900" dirty="0" smtClean="0">
-                <a:latin typeface="微软雅黑" panose="020B0503020204020204" pitchFamily="34" charset="-122"/>
-                <a:ea typeface="微软雅黑" panose="020B0503020204020204" pitchFamily="34" charset="-122"/>
-              </a:rPr>
-              <a:t>熟悉 </a:t>
+              <a:t>语言，熟悉 </a:t>
             </a:r>
             <a:r>
               <a:rPr lang="en-US" altLang="zh-CN" sz="900" b="1" dirty="0" smtClean="0">
@@ -4004,7 +3987,14 @@
                 <a:latin typeface="微软雅黑" panose="020B0503020204020204" pitchFamily="34" charset="-122"/>
                 <a:ea typeface="微软雅黑" panose="020B0503020204020204" pitchFamily="34" charset="-122"/>
               </a:rPr>
-              <a:t>Underscore</a:t>
+              <a:t>Underscore </a:t>
+            </a:r>
+            <a:r>
+              <a:rPr lang="en-US" altLang="zh-CN" sz="900" dirty="0" smtClean="0">
+                <a:latin typeface="微软雅黑" panose="020B0503020204020204" pitchFamily="34" charset="-122"/>
+                <a:ea typeface="微软雅黑" panose="020B0503020204020204" pitchFamily="34" charset="-122"/>
+              </a:rPr>
+              <a:t>/ </a:t>
             </a:r>
             <a:r>
               <a:rPr lang="en-US" altLang="zh-CN" sz="900" b="1" dirty="0" smtClean="0">
@@ -4014,23 +4004,6 @@
                 <a:latin typeface="微软雅黑" panose="020B0503020204020204" pitchFamily="34" charset="-122"/>
                 <a:ea typeface="微软雅黑" panose="020B0503020204020204" pitchFamily="34" charset="-122"/>
               </a:rPr>
-              <a:t> </a:t>
-            </a:r>
-            <a:r>
-              <a:rPr lang="en-US" altLang="zh-CN" sz="900" dirty="0" smtClean="0">
-                <a:latin typeface="微软雅黑" panose="020B0503020204020204" pitchFamily="34" charset="-122"/>
-                <a:ea typeface="微软雅黑" panose="020B0503020204020204" pitchFamily="34" charset="-122"/>
-              </a:rPr>
-              <a:t>/ </a:t>
-            </a:r>
-            <a:r>
-              <a:rPr lang="en-US" altLang="zh-CN" sz="900" b="1" dirty="0" smtClean="0">
-                <a:solidFill>
-                  <a:srgbClr val="6679DF"/>
-                </a:solidFill>
-                <a:latin typeface="微软雅黑" panose="020B0503020204020204" pitchFamily="34" charset="-122"/>
-                <a:ea typeface="微软雅黑" panose="020B0503020204020204" pitchFamily="34" charset="-122"/>
-              </a:rPr>
               <a:t>jQuery </a:t>
             </a:r>
             <a:r>
@@ -4038,14 +4011,7 @@
                 <a:latin typeface="微软雅黑" panose="020B0503020204020204" pitchFamily="34" charset="-122"/>
                 <a:ea typeface="微软雅黑" panose="020B0503020204020204" pitchFamily="34" charset="-122"/>
               </a:rPr>
-              <a:t>等</a:t>
-            </a:r>
-            <a:r>
-              <a:rPr lang="zh-CN" altLang="en-US" sz="900" dirty="0" smtClean="0">
-                <a:latin typeface="微软雅黑" panose="020B0503020204020204" pitchFamily="34" charset="-122"/>
-                <a:ea typeface="微软雅黑" panose="020B0503020204020204" pitchFamily="34" charset="-122"/>
-              </a:rPr>
-              <a:t>常用插件库</a:t>
+              <a:t>等常用插件库</a:t>
             </a:r>
             <a:endParaRPr lang="en-US" altLang="zh-CN" sz="900" dirty="0" smtClean="0">
               <a:latin typeface="微软雅黑" panose="020B0503020204020204" pitchFamily="34" charset="-122"/>
@@ -4065,14 +4031,7 @@
                 <a:latin typeface="微软雅黑" panose="020B0503020204020204" pitchFamily="34" charset="-122"/>
                 <a:ea typeface="微软雅黑" panose="020B0503020204020204" pitchFamily="34" charset="-122"/>
               </a:rPr>
-              <a:t>使用</a:t>
-            </a:r>
-            <a:r>
-              <a:rPr lang="zh-CN" altLang="en-US" sz="900" dirty="0" smtClean="0">
-                <a:latin typeface="微软雅黑" panose="020B0503020204020204" pitchFamily="34" charset="-122"/>
-                <a:ea typeface="微软雅黑" panose="020B0503020204020204" pitchFamily="34" charset="-122"/>
-              </a:rPr>
-              <a:t>过 </a:t>
+              <a:t>使用过 </a:t>
             </a:r>
             <a:r>
               <a:rPr lang="en-US" altLang="zh-CN" sz="900" b="1" dirty="0" smtClean="0">
@@ -4348,17 +4307,7 @@
                 <a:latin typeface="微软雅黑" panose="020B0503020204020204" pitchFamily="34" charset="-122"/>
                 <a:ea typeface="微软雅黑" panose="020B0503020204020204" pitchFamily="34" charset="-122"/>
               </a:rPr>
-              <a:t>Cheerio</a:t>
-            </a:r>
-            <a:r>
-              <a:rPr lang="en-US" altLang="zh-CN" sz="900" b="1" dirty="0" smtClean="0">
-                <a:solidFill>
-                  <a:srgbClr val="6679DF"/>
-                </a:solidFill>
-                <a:latin typeface="微软雅黑" panose="020B0503020204020204" pitchFamily="34" charset="-122"/>
-                <a:ea typeface="微软雅黑" panose="020B0503020204020204" pitchFamily="34" charset="-122"/>
-              </a:rPr>
-              <a:t> </a:t>
+              <a:t>Cheerio </a:t>
             </a:r>
             <a:r>
               <a:rPr lang="zh-CN" altLang="en-US" sz="900" dirty="0" smtClean="0">
@@ -4426,14 +4375,7 @@
                 <a:latin typeface="微软雅黑" panose="020B0503020204020204" pitchFamily="34" charset="-122"/>
                 <a:ea typeface="微软雅黑" panose="020B0503020204020204" pitchFamily="34" charset="-122"/>
               </a:rPr>
-              <a:t>过</a:t>
-            </a:r>
-            <a:r>
-              <a:rPr lang="zh-CN" altLang="en-US" sz="900" dirty="0" smtClean="0">
-                <a:latin typeface="微软雅黑" panose="020B0503020204020204" pitchFamily="34" charset="-122"/>
-                <a:ea typeface="微软雅黑" panose="020B0503020204020204" pitchFamily="34" charset="-122"/>
-              </a:rPr>
-              <a:t>自动化脚本</a:t>
+              <a:t>过自动化脚本</a:t>
             </a:r>
             <a:endParaRPr lang="zh-CN" altLang="en-US" sz="900" b="1" dirty="0">
               <a:solidFill>
@@ -4456,21 +4398,7 @@
                 <a:latin typeface="微软雅黑" panose="020B0503020204020204" pitchFamily="34" charset="-122"/>
                 <a:ea typeface="微软雅黑" panose="020B0503020204020204" pitchFamily="34" charset="-122"/>
               </a:rPr>
-              <a:t>使用</a:t>
-            </a:r>
-            <a:r>
-              <a:rPr lang="zh-CN" altLang="en-US" sz="900" dirty="0" smtClean="0">
-                <a:latin typeface="微软雅黑" panose="020B0503020204020204" pitchFamily="34" charset="-122"/>
-                <a:ea typeface="微软雅黑" panose="020B0503020204020204" pitchFamily="34" charset="-122"/>
-              </a:rPr>
-              <a:t>过</a:t>
-            </a:r>
-            <a:r>
-              <a:rPr lang="zh-CN" altLang="en-US" sz="900" dirty="0" smtClean="0">
-                <a:latin typeface="微软雅黑" panose="020B0503020204020204" pitchFamily="34" charset="-122"/>
-                <a:ea typeface="微软雅黑" panose="020B0503020204020204" pitchFamily="34" charset="-122"/>
-              </a:rPr>
-              <a:t> </a:t>
+              <a:t>使用过 </a:t>
             </a:r>
             <a:r>
               <a:rPr lang="en-US" altLang="zh-CN" sz="900" b="1" dirty="0" smtClean="0">
@@ -4480,7 +4408,34 @@
                 <a:latin typeface="微软雅黑" panose="020B0503020204020204" pitchFamily="34" charset="-122"/>
                 <a:ea typeface="微软雅黑" panose="020B0503020204020204" pitchFamily="34" charset="-122"/>
               </a:rPr>
-              <a:t>MyS</a:t>
+              <a:t>MySQL</a:t>
+            </a:r>
+            <a:r>
+              <a:rPr lang="zh-CN" altLang="en-US" sz="900" b="1" dirty="0" smtClean="0">
+                <a:solidFill>
+                  <a:srgbClr val="6679DF"/>
+                </a:solidFill>
+                <a:latin typeface="微软雅黑" panose="020B0503020204020204" pitchFamily="34" charset="-122"/>
+                <a:ea typeface="微软雅黑" panose="020B0503020204020204" pitchFamily="34" charset="-122"/>
+              </a:rPr>
+              <a:t> </a:t>
+            </a:r>
+            <a:r>
+              <a:rPr lang="en-US" altLang="zh-CN" sz="900" dirty="0" smtClean="0">
+                <a:latin typeface="微软雅黑" panose="020B0503020204020204" pitchFamily="34" charset="-122"/>
+                <a:ea typeface="微软雅黑" panose="020B0503020204020204" pitchFamily="34" charset="-122"/>
+              </a:rPr>
+              <a:t>/ </a:t>
+            </a:r>
+            <a:r>
+              <a:rPr lang="en-US" altLang="zh-CN" sz="900" b="1" dirty="0" err="1" smtClean="0">
+                <a:solidFill>
+                  <a:srgbClr val="6679DF"/>
+                </a:solidFill>
+                <a:latin typeface="微软雅黑" panose="020B0503020204020204" pitchFamily="34" charset="-122"/>
+                <a:ea typeface="微软雅黑" panose="020B0503020204020204" pitchFamily="34" charset="-122"/>
+              </a:rPr>
+              <a:t>MongoDB</a:t>
             </a:r>
             <a:r>
               <a:rPr lang="en-US" altLang="zh-CN" sz="900" b="1" dirty="0" smtClean="0">
@@ -4490,58 +4445,14 @@
                 <a:latin typeface="微软雅黑" panose="020B0503020204020204" pitchFamily="34" charset="-122"/>
                 <a:ea typeface="微软雅黑" panose="020B0503020204020204" pitchFamily="34" charset="-122"/>
               </a:rPr>
-              <a:t>QL</a:t>
-            </a:r>
-            <a:r>
-              <a:rPr lang="zh-CN" altLang="en-US" sz="900" b="1" dirty="0" smtClean="0">
-                <a:solidFill>
-                  <a:srgbClr val="6679DF"/>
-                </a:solidFill>
-                <a:latin typeface="微软雅黑" panose="020B0503020204020204" pitchFamily="34" charset="-122"/>
-                <a:ea typeface="微软雅黑" panose="020B0503020204020204" pitchFamily="34" charset="-122"/>
-              </a:rPr>
               <a:t> </a:t>
             </a:r>
             <a:r>
-              <a:rPr lang="en-US" altLang="zh-CN" sz="900" dirty="0" smtClean="0">
-                <a:latin typeface="微软雅黑" panose="020B0503020204020204" pitchFamily="34" charset="-122"/>
-                <a:ea typeface="微软雅黑" panose="020B0503020204020204" pitchFamily="34" charset="-122"/>
-              </a:rPr>
-              <a:t>/ </a:t>
-            </a:r>
-            <a:r>
-              <a:rPr lang="en-US" altLang="zh-CN" sz="900" b="1" dirty="0" err="1" smtClean="0">
-                <a:solidFill>
-                  <a:srgbClr val="6679DF"/>
-                </a:solidFill>
-                <a:latin typeface="微软雅黑" panose="020B0503020204020204" pitchFamily="34" charset="-122"/>
-                <a:ea typeface="微软雅黑" panose="020B0503020204020204" pitchFamily="34" charset="-122"/>
-              </a:rPr>
-              <a:t>MongoDB</a:t>
-            </a:r>
-            <a:r>
-              <a:rPr lang="en-US" altLang="zh-CN" sz="900" b="1" dirty="0" smtClean="0">
-                <a:solidFill>
-                  <a:srgbClr val="6679DF"/>
-                </a:solidFill>
-                <a:latin typeface="微软雅黑" panose="020B0503020204020204" pitchFamily="34" charset="-122"/>
-                <a:ea typeface="微软雅黑" panose="020B0503020204020204" pitchFamily="34" charset="-122"/>
-              </a:rPr>
-              <a:t> </a:t>
-            </a:r>
-            <a:r>
               <a:rPr lang="zh-CN" altLang="en-US" sz="900" dirty="0" smtClean="0">
                 <a:latin typeface="微软雅黑" panose="020B0503020204020204" pitchFamily="34" charset="-122"/>
                 <a:ea typeface="微软雅黑" panose="020B0503020204020204" pitchFamily="34" charset="-122"/>
               </a:rPr>
-              <a:t>等</a:t>
-            </a:r>
-            <a:r>
-              <a:rPr lang="zh-CN" altLang="en-US" sz="900" dirty="0" smtClean="0">
-                <a:latin typeface="微软雅黑" panose="020B0503020204020204" pitchFamily="34" charset="-122"/>
-                <a:ea typeface="微软雅黑" panose="020B0503020204020204" pitchFamily="34" charset="-122"/>
-              </a:rPr>
-              <a:t>数据库</a:t>
+              <a:t>等数据库</a:t>
             </a:r>
             <a:endParaRPr lang="en-US" altLang="zh-CN" sz="900" dirty="0" smtClean="0">
               <a:latin typeface="微软雅黑" panose="020B0503020204020204" pitchFamily="34" charset="-122"/>
@@ -4579,14 +4490,7 @@
                 <a:latin typeface="微软雅黑" panose="020B0503020204020204" pitchFamily="34" charset="-122"/>
                 <a:ea typeface="微软雅黑" panose="020B0503020204020204" pitchFamily="34" charset="-122"/>
               </a:rPr>
-              <a:t>英语</a:t>
-            </a:r>
-            <a:r>
-              <a:rPr lang="zh-CN" altLang="en-US" sz="900" dirty="0" smtClean="0">
-                <a:latin typeface="微软雅黑" panose="020B0503020204020204" pitchFamily="34" charset="-122"/>
-                <a:ea typeface="微软雅黑" panose="020B0503020204020204" pitchFamily="34" charset="-122"/>
-              </a:rPr>
-              <a:t>通过 </a:t>
+              <a:t>英语通过 </a:t>
             </a:r>
             <a:r>
               <a:rPr lang="en-US" altLang="zh-CN" sz="900" b="1" dirty="0" smtClean="0">
@@ -4695,14 +4599,7 @@
                 <a:latin typeface="微软雅黑" panose="020B0503020204020204" pitchFamily="34" charset="-122"/>
                 <a:ea typeface="微软雅黑" panose="020B0503020204020204" pitchFamily="34" charset="-122"/>
               </a:rPr>
-              <a:t>图像</a:t>
-            </a:r>
-            <a:r>
-              <a:rPr lang="zh-CN" altLang="en-US" sz="900" dirty="0" smtClean="0">
-                <a:latin typeface="微软雅黑" panose="020B0503020204020204" pitchFamily="34" charset="-122"/>
-                <a:ea typeface="微软雅黑" panose="020B0503020204020204" pitchFamily="34" charset="-122"/>
-              </a:rPr>
-              <a:t>处理</a:t>
+              <a:t>图像处理</a:t>
             </a:r>
             <a:endParaRPr lang="zh-CN" altLang="en-US" sz="900" dirty="0">
               <a:latin typeface="微软雅黑" panose="020B0503020204020204" pitchFamily="34" charset="-122"/>
@@ -4896,7 +4793,7 @@
         <p:spPr>
           <a:xfrm>
             <a:off x="3556316" y="6529649"/>
-            <a:ext cx="3136989" cy="1246495"/>
+            <a:ext cx="3136989" cy="1438855"/>
           </a:xfrm>
           <a:prstGeom prst="rect">
             <a:avLst/>
@@ -4916,41 +4813,97 @@
               <a:buChar char="ü"/>
             </a:pPr>
             <a:r>
-              <a:rPr lang="en-US" altLang="zh-CN" sz="900" dirty="0">
-                <a:latin typeface="微软雅黑" panose="020B0503020204020204" pitchFamily="34" charset="-122"/>
-                <a:ea typeface="微软雅黑" panose="020B0503020204020204" pitchFamily="34" charset="-122"/>
-              </a:rPr>
-              <a:t>2015 – </a:t>
-            </a:r>
-            <a:r>
               <a:rPr lang="en-US" altLang="zh-CN" sz="900" dirty="0" smtClean="0">
                 <a:latin typeface="微软雅黑" panose="020B0503020204020204" pitchFamily="34" charset="-122"/>
                 <a:ea typeface="微软雅黑" panose="020B0503020204020204" pitchFamily="34" charset="-122"/>
               </a:rPr>
-              <a:t>2016 </a:t>
+              <a:t>2013 </a:t>
             </a:r>
             <a:r>
               <a:rPr lang="zh-CN" altLang="en-US" sz="900" dirty="0" smtClean="0">
                 <a:latin typeface="微软雅黑" panose="020B0503020204020204" pitchFamily="34" charset="-122"/>
                 <a:ea typeface="微软雅黑" panose="020B0503020204020204" pitchFamily="34" charset="-122"/>
               </a:rPr>
-              <a:t>年度</a:t>
+              <a:t>年</a:t>
             </a:r>
             <a:r>
               <a:rPr lang="zh-CN" altLang="en-US" sz="900" dirty="0">
                 <a:latin typeface="微软雅黑" panose="020B0503020204020204" pitchFamily="34" charset="-122"/>
                 <a:ea typeface="微软雅黑" panose="020B0503020204020204" pitchFamily="34" charset="-122"/>
               </a:rPr>
-              <a:t>硕士研究生</a:t>
+              <a:t>中国机器人大赛机器人足球中型组</a:t>
             </a:r>
             <a:r>
               <a:rPr lang="zh-CN" altLang="en-US" sz="900" dirty="0" smtClean="0">
                 <a:latin typeface="微软雅黑" panose="020B0503020204020204" pitchFamily="34" charset="-122"/>
                 <a:ea typeface="微软雅黑" panose="020B0503020204020204" pitchFamily="34" charset="-122"/>
               </a:rPr>
-              <a:t>奖学金</a:t>
-            </a:r>
-            <a:endParaRPr lang="en-US" altLang="zh-CN" sz="900" dirty="0" smtClean="0">
+              <a:t>项目一等奖</a:t>
+            </a:r>
+            <a:r>
+              <a:rPr lang="zh-CN" altLang="en-US" sz="900" dirty="0">
+                <a:latin typeface="微软雅黑" panose="020B0503020204020204" pitchFamily="34" charset="-122"/>
+                <a:ea typeface="微软雅黑" panose="020B0503020204020204" pitchFamily="34" charset="-122"/>
+              </a:rPr>
+              <a:t>（</a:t>
+            </a:r>
+            <a:r>
+              <a:rPr lang="zh-CN" altLang="en-US" sz="900" dirty="0" smtClean="0">
+                <a:latin typeface="微软雅黑" panose="020B0503020204020204" pitchFamily="34" charset="-122"/>
+                <a:ea typeface="微软雅黑" panose="020B0503020204020204" pitchFamily="34" charset="-122"/>
+              </a:rPr>
+              <a:t>冠军）</a:t>
+            </a:r>
+            <a:r>
+              <a:rPr lang="zh-CN" altLang="en-US" sz="900" dirty="0">
+                <a:latin typeface="微软雅黑" panose="020B0503020204020204" pitchFamily="34" charset="-122"/>
+                <a:ea typeface="微软雅黑" panose="020B0503020204020204" pitchFamily="34" charset="-122"/>
+              </a:rPr>
+              <a:t>，</a:t>
+            </a:r>
+            <a:r>
+              <a:rPr lang="zh-CN" altLang="en-US" sz="900" dirty="0" smtClean="0">
+                <a:latin typeface="微软雅黑" panose="020B0503020204020204" pitchFamily="34" charset="-122"/>
+                <a:ea typeface="微软雅黑" panose="020B0503020204020204" pitchFamily="34" charset="-122"/>
+              </a:rPr>
+              <a:t>技术</a:t>
+            </a:r>
+            <a:r>
+              <a:rPr lang="zh-CN" altLang="en-US" sz="900" dirty="0">
+                <a:latin typeface="微软雅黑" panose="020B0503020204020204" pitchFamily="34" charset="-122"/>
+                <a:ea typeface="微软雅黑" panose="020B0503020204020204" pitchFamily="34" charset="-122"/>
+              </a:rPr>
+              <a:t>挑战赛（规定</a:t>
+            </a:r>
+            <a:r>
+              <a:rPr lang="zh-CN" altLang="en-US" sz="900" dirty="0" smtClean="0">
+                <a:latin typeface="微软雅黑" panose="020B0503020204020204" pitchFamily="34" charset="-122"/>
+                <a:ea typeface="微软雅黑" panose="020B0503020204020204" pitchFamily="34" charset="-122"/>
+              </a:rPr>
+              <a:t>项目）二等奖</a:t>
+            </a:r>
+            <a:r>
+              <a:rPr lang="zh-CN" altLang="en-US" sz="900" dirty="0">
+                <a:latin typeface="微软雅黑" panose="020B0503020204020204" pitchFamily="34" charset="-122"/>
+                <a:ea typeface="微软雅黑" panose="020B0503020204020204" pitchFamily="34" charset="-122"/>
+              </a:rPr>
+              <a:t>，</a:t>
+            </a:r>
+            <a:r>
+              <a:rPr lang="zh-CN" altLang="en-US" sz="900" dirty="0" smtClean="0">
+                <a:latin typeface="微软雅黑" panose="020B0503020204020204" pitchFamily="34" charset="-122"/>
+                <a:ea typeface="微软雅黑" panose="020B0503020204020204" pitchFamily="34" charset="-122"/>
+              </a:rPr>
+              <a:t>技术</a:t>
+            </a:r>
+            <a:r>
+              <a:rPr lang="zh-CN" altLang="en-US" sz="900" dirty="0">
+                <a:latin typeface="微软雅黑" panose="020B0503020204020204" pitchFamily="34" charset="-122"/>
+                <a:ea typeface="微软雅黑" panose="020B0503020204020204" pitchFamily="34" charset="-122"/>
+              </a:rPr>
+              <a:t>挑战赛（自选项目）二等奖</a:t>
+            </a:r>
+            <a:endParaRPr lang="en-US" altLang="zh-CN" sz="900" dirty="0">
               <a:latin typeface="微软雅黑" panose="020B0503020204020204" pitchFamily="34" charset="-122"/>
               <a:ea typeface="微软雅黑" panose="020B0503020204020204" pitchFamily="34" charset="-122"/>
             </a:endParaRPr>
@@ -4968,49 +4921,21 @@
                 <a:latin typeface="微软雅黑" panose="020B0503020204020204" pitchFamily="34" charset="-122"/>
                 <a:ea typeface="微软雅黑" panose="020B0503020204020204" pitchFamily="34" charset="-122"/>
               </a:rPr>
-              <a:t>2015 </a:t>
+              <a:t>2013 </a:t>
             </a:r>
             <a:r>
               <a:rPr lang="zh-CN" altLang="en-US" sz="900" dirty="0" smtClean="0">
                 <a:latin typeface="微软雅黑" panose="020B0503020204020204" pitchFamily="34" charset="-122"/>
                 <a:ea typeface="微软雅黑" panose="020B0503020204020204" pitchFamily="34" charset="-122"/>
               </a:rPr>
-              <a:t>年</a:t>
+              <a:t>年获</a:t>
             </a:r>
             <a:r>
               <a:rPr lang="zh-CN" altLang="en-US" sz="900" dirty="0">
                 <a:latin typeface="微软雅黑" panose="020B0503020204020204" pitchFamily="34" charset="-122"/>
                 <a:ea typeface="微软雅黑" panose="020B0503020204020204" pitchFamily="34" charset="-122"/>
               </a:rPr>
-              <a:t>全国</a:t>
-            </a:r>
-            <a:r>
-              <a:rPr lang="zh-CN" altLang="en-US" sz="900" dirty="0" smtClean="0">
-                <a:latin typeface="微软雅黑" panose="020B0503020204020204" pitchFamily="34" charset="-122"/>
-                <a:ea typeface="微软雅黑" panose="020B0503020204020204" pitchFamily="34" charset="-122"/>
-              </a:rPr>
-              <a:t>大学生</a:t>
-            </a:r>
-            <a:r>
-              <a:rPr lang="en-US" altLang="zh-CN" sz="900" dirty="0" smtClean="0">
-                <a:latin typeface="微软雅黑" panose="020B0503020204020204" pitchFamily="34" charset="-122"/>
-                <a:ea typeface="微软雅黑" panose="020B0503020204020204" pitchFamily="34" charset="-122"/>
-              </a:rPr>
-              <a:t>XXX</a:t>
-            </a:r>
-            <a:r>
-              <a:rPr lang="zh-CN" altLang="en-US" sz="900" dirty="0" smtClean="0">
-                <a:latin typeface="微软雅黑" panose="020B0503020204020204" pitchFamily="34" charset="-122"/>
-                <a:ea typeface="微软雅黑" panose="020B0503020204020204" pitchFamily="34" charset="-122"/>
-              </a:rPr>
-              <a:t>创意</a:t>
-            </a:r>
-            <a:r>
-              <a:rPr lang="zh-CN" altLang="en-US" sz="900" dirty="0">
-                <a:latin typeface="微软雅黑" panose="020B0503020204020204" pitchFamily="34" charset="-122"/>
-                <a:ea typeface="微软雅黑" panose="020B0503020204020204" pitchFamily="34" charset="-122"/>
-              </a:rPr>
-              <a:t>设计大赛二等奖</a:t>
+              <a:t>“足球机器人守门员自动伸缩架”国家专利</a:t>
             </a:r>
             <a:endParaRPr lang="en-US" altLang="zh-CN" sz="900" dirty="0">
               <a:latin typeface="微软雅黑" panose="020B0503020204020204" pitchFamily="34" charset="-122"/>
@@ -5026,37 +4951,47 @@
               <a:buChar char="ü"/>
             </a:pPr>
             <a:r>
-              <a:rPr lang="en-US" altLang="zh-CN" sz="900" dirty="0">
+              <a:rPr lang="en-US" altLang="zh-CN" sz="900" dirty="0" smtClean="0">
                 <a:latin typeface="微软雅黑" panose="020B0503020204020204" pitchFamily="34" charset="-122"/>
                 <a:ea typeface="微软雅黑" panose="020B0503020204020204" pitchFamily="34" charset="-122"/>
               </a:rPr>
               <a:t>2013 </a:t>
             </a:r>
             <a:r>
-              <a:rPr lang="en-US" altLang="zh-CN" sz="900" dirty="0" smtClean="0">
-                <a:latin typeface="微软雅黑" panose="020B0503020204020204" pitchFamily="34" charset="-122"/>
-                <a:ea typeface="微软雅黑" panose="020B0503020204020204" pitchFamily="34" charset="-122"/>
-              </a:rPr>
-              <a:t>– 2014 </a:t>
-            </a:r>
-            <a:r>
               <a:rPr lang="zh-CN" altLang="en-US" sz="900" dirty="0" smtClean="0">
                 <a:latin typeface="微软雅黑" panose="020B0503020204020204" pitchFamily="34" charset="-122"/>
                 <a:ea typeface="微软雅黑" panose="020B0503020204020204" pitchFamily="34" charset="-122"/>
               </a:rPr>
-              <a:t>学年</a:t>
+              <a:t>年</a:t>
+            </a:r>
+            <a:r>
+              <a:rPr lang="en-US" altLang="zh-CN" sz="900" dirty="0" err="1" smtClean="0">
+                <a:latin typeface="微软雅黑" panose="020B0503020204020204" pitchFamily="34" charset="-122"/>
+                <a:ea typeface="微软雅黑" panose="020B0503020204020204" pitchFamily="34" charset="-122"/>
+              </a:rPr>
+              <a:t>RoboCup</a:t>
             </a:r>
             <a:r>
               <a:rPr lang="zh-CN" altLang="en-US" sz="900" dirty="0">
                 <a:latin typeface="微软雅黑" panose="020B0503020204020204" pitchFamily="34" charset="-122"/>
                 <a:ea typeface="微软雅黑" panose="020B0503020204020204" pitchFamily="34" charset="-122"/>
               </a:rPr>
-              <a:t>大黑山松岚大学三好学生荣誉称号</a:t>
-            </a:r>
-            <a:endParaRPr lang="en-US" altLang="zh-CN" sz="900" dirty="0">
-              <a:latin typeface="微软雅黑" panose="020B0503020204020204" pitchFamily="34" charset="-122"/>
-              <a:ea typeface="微软雅黑" panose="020B0503020204020204" pitchFamily="34" charset="-122"/>
-            </a:endParaRPr>
+              <a:t>机器人</a:t>
+            </a:r>
+            <a:r>
+              <a:rPr lang="zh-CN" altLang="en-US" sz="900" dirty="0" smtClean="0">
+                <a:latin typeface="微软雅黑" panose="020B0503020204020204" pitchFamily="34" charset="-122"/>
+                <a:ea typeface="微软雅黑" panose="020B0503020204020204" pitchFamily="34" charset="-122"/>
+              </a:rPr>
+              <a:t>世界杯机器人</a:t>
+            </a:r>
+            <a:r>
+              <a:rPr lang="zh-CN" altLang="en-US" sz="900" dirty="0">
+                <a:latin typeface="微软雅黑" panose="020B0503020204020204" pitchFamily="34" charset="-122"/>
+                <a:ea typeface="微软雅黑" panose="020B0503020204020204" pitchFamily="34" charset="-122"/>
+              </a:rPr>
+              <a:t>足球中型组项目第四名</a:t>
+            </a:r>
           </a:p>
           <a:p>
             <a:pPr marL="171450" indent="-171450">
@@ -5071,124 +5006,21 @@
                 <a:latin typeface="微软雅黑" panose="020B0503020204020204" pitchFamily="34" charset="-122"/>
                 <a:ea typeface="微软雅黑" panose="020B0503020204020204" pitchFamily="34" charset="-122"/>
               </a:rPr>
-              <a:t>2013 </a:t>
-            </a:r>
-            <a:r>
-              <a:rPr lang="en-US" altLang="zh-CN" sz="900" dirty="0" smtClean="0">
-                <a:latin typeface="微软雅黑" panose="020B0503020204020204" pitchFamily="34" charset="-122"/>
-                <a:ea typeface="微软雅黑" panose="020B0503020204020204" pitchFamily="34" charset="-122"/>
-              </a:rPr>
-              <a:t>– 2014 </a:t>
+              <a:t>2015 – 2016 </a:t>
+            </a:r>
+            <a:r>
+              <a:rPr lang="zh-CN" altLang="en-US" sz="900" dirty="0">
+                <a:latin typeface="微软雅黑" panose="020B0503020204020204" pitchFamily="34" charset="-122"/>
+                <a:ea typeface="微软雅黑" panose="020B0503020204020204" pitchFamily="34" charset="-122"/>
+              </a:rPr>
+              <a:t>年度硕士</a:t>
             </a:r>
             <a:r>
               <a:rPr lang="zh-CN" altLang="en-US" sz="900" dirty="0" smtClean="0">
                 <a:latin typeface="微软雅黑" panose="020B0503020204020204" pitchFamily="34" charset="-122"/>
                 <a:ea typeface="微软雅黑" panose="020B0503020204020204" pitchFamily="34" charset="-122"/>
               </a:rPr>
-              <a:t>学年</a:t>
-            </a:r>
-            <a:r>
-              <a:rPr lang="zh-CN" altLang="en-US" sz="900" dirty="0">
-                <a:latin typeface="微软雅黑" panose="020B0503020204020204" pitchFamily="34" charset="-122"/>
-                <a:ea typeface="微软雅黑" panose="020B0503020204020204" pitchFamily="34" charset="-122"/>
-              </a:rPr>
-              <a:t>大黑山松岚大学学习优秀</a:t>
-            </a:r>
-            <a:r>
-              <a:rPr lang="zh-CN" altLang="en-US" sz="900" dirty="0" smtClean="0">
-                <a:latin typeface="微软雅黑" panose="020B0503020204020204" pitchFamily="34" charset="-122"/>
-                <a:ea typeface="微软雅黑" panose="020B0503020204020204" pitchFamily="34" charset="-122"/>
-              </a:rPr>
-              <a:t>奖学金</a:t>
-            </a:r>
-            <a:endParaRPr lang="en-US" altLang="zh-CN" sz="900" dirty="0">
-              <a:latin typeface="微软雅黑" panose="020B0503020204020204" pitchFamily="34" charset="-122"/>
-              <a:ea typeface="微软雅黑" panose="020B0503020204020204" pitchFamily="34" charset="-122"/>
-            </a:endParaRPr>
-          </a:p>
-          <a:p>
-            <a:pPr marL="171450" indent="-171450">
-              <a:lnSpc>
-                <a:spcPts val="1500"/>
-              </a:lnSpc>
-              <a:buFont typeface="Wingdings" panose="05000000000000000000" pitchFamily="2" charset="2"/>
-              <a:buChar char="ü"/>
-            </a:pPr>
-            <a:r>
-              <a:rPr lang="en-US" altLang="zh-CN" sz="900" dirty="0" smtClean="0">
-                <a:latin typeface="微软雅黑" panose="020B0503020204020204" pitchFamily="34" charset="-122"/>
-                <a:ea typeface="微软雅黑" panose="020B0503020204020204" pitchFamily="34" charset="-122"/>
-              </a:rPr>
-              <a:t>2012 – 2013 </a:t>
-            </a:r>
-            <a:r>
-              <a:rPr lang="zh-CN" altLang="en-US" sz="900" dirty="0" smtClean="0">
-                <a:latin typeface="微软雅黑" panose="020B0503020204020204" pitchFamily="34" charset="-122"/>
-                <a:ea typeface="微软雅黑" panose="020B0503020204020204" pitchFamily="34" charset="-122"/>
-              </a:rPr>
-              <a:t>学年</a:t>
-            </a:r>
-            <a:r>
-              <a:rPr lang="zh-CN" altLang="en-US" sz="900" dirty="0">
-                <a:latin typeface="微软雅黑" panose="020B0503020204020204" pitchFamily="34" charset="-122"/>
-                <a:ea typeface="微软雅黑" panose="020B0503020204020204" pitchFamily="34" charset="-122"/>
-              </a:rPr>
-              <a:t>大黑山松岚大学文体活动奖学金</a:t>
-            </a:r>
-            <a:endParaRPr lang="en-US" altLang="zh-CN" sz="900" dirty="0">
-              <a:latin typeface="微软雅黑" panose="020B0503020204020204" pitchFamily="34" charset="-122"/>
-              <a:ea typeface="微软雅黑" panose="020B0503020204020204" pitchFamily="34" charset="-122"/>
-            </a:endParaRPr>
-          </a:p>
-          <a:p>
-            <a:pPr marL="171450" indent="-171450">
-              <a:lnSpc>
-                <a:spcPts val="1500"/>
-              </a:lnSpc>
-              <a:buFont typeface="Wingdings" panose="05000000000000000000" pitchFamily="2" charset="2"/>
-              <a:buChar char="ü"/>
-            </a:pPr>
-            <a:r>
-              <a:rPr lang="en-US" altLang="zh-CN" sz="900" dirty="0" smtClean="0">
-                <a:latin typeface="微软雅黑" panose="020B0503020204020204" pitchFamily="34" charset="-122"/>
-                <a:ea typeface="微软雅黑" panose="020B0503020204020204" pitchFamily="34" charset="-122"/>
-              </a:rPr>
-              <a:t>2013 </a:t>
-            </a:r>
-            <a:r>
-              <a:rPr lang="zh-CN" altLang="en-US" sz="900" dirty="0" smtClean="0">
-                <a:latin typeface="微软雅黑" panose="020B0503020204020204" pitchFamily="34" charset="-122"/>
-                <a:ea typeface="微软雅黑" panose="020B0503020204020204" pitchFamily="34" charset="-122"/>
-              </a:rPr>
-              <a:t>年大学生</a:t>
-            </a:r>
-            <a:r>
-              <a:rPr lang="en-US" altLang="zh-CN" sz="900" dirty="0" smtClean="0">
-                <a:latin typeface="微软雅黑" panose="020B0503020204020204" pitchFamily="34" charset="-122"/>
-                <a:ea typeface="微软雅黑" panose="020B0503020204020204" pitchFamily="34" charset="-122"/>
-              </a:rPr>
-              <a:t>XXX</a:t>
-            </a:r>
-            <a:r>
-              <a:rPr lang="zh-CN" altLang="en-US" sz="900" dirty="0" smtClean="0">
-                <a:latin typeface="微软雅黑" panose="020B0503020204020204" pitchFamily="34" charset="-122"/>
-                <a:ea typeface="微软雅黑" panose="020B0503020204020204" pitchFamily="34" charset="-122"/>
-              </a:rPr>
-              <a:t>大赛</a:t>
-            </a:r>
-            <a:r>
-              <a:rPr lang="zh-CN" altLang="en-US" sz="900" dirty="0">
-                <a:latin typeface="微软雅黑" panose="020B0503020204020204" pitchFamily="34" charset="-122"/>
-                <a:ea typeface="微软雅黑" panose="020B0503020204020204" pitchFamily="34" charset="-122"/>
-              </a:rPr>
-              <a:t>省</a:t>
-            </a:r>
-            <a:r>
-              <a:rPr lang="zh-CN" altLang="en-US" sz="900" dirty="0" smtClean="0">
-                <a:latin typeface="微软雅黑" panose="020B0503020204020204" pitchFamily="34" charset="-122"/>
-                <a:ea typeface="微软雅黑" panose="020B0503020204020204" pitchFamily="34" charset="-122"/>
-              </a:rPr>
-              <a:t>赛一等奖</a:t>
+              <a:t>研究生学业奖学金</a:t>
             </a:r>
             <a:endParaRPr lang="en-US" altLang="zh-CN" sz="900" dirty="0">
               <a:latin typeface="微软雅黑" panose="020B0503020204020204" pitchFamily="34" charset="-122"/>
@@ -5226,53 +5058,60 @@
               <a:buChar char="ü"/>
             </a:pPr>
             <a:r>
+              <a:rPr lang="en-US" altLang="zh-CN" sz="900" dirty="0" smtClean="0">
+                <a:latin typeface="微软雅黑" panose="020B0503020204020204" pitchFamily="34" charset="-122"/>
+                <a:ea typeface="微软雅黑" panose="020B0503020204020204" pitchFamily="34" charset="-122"/>
+              </a:rPr>
+              <a:t>2016</a:t>
+            </a:r>
+            <a:r>
               <a:rPr lang="zh-CN" altLang="en-US" sz="900" dirty="0">
                 <a:latin typeface="微软雅黑" panose="020B0503020204020204" pitchFamily="34" charset="-122"/>
                 <a:ea typeface="微软雅黑" panose="020B0503020204020204" pitchFamily="34" charset="-122"/>
               </a:rPr>
-              <a:t>设计大黑山松岚</a:t>
+              <a:t> </a:t>
+            </a:r>
+            <a:r>
+              <a:rPr lang="en-US" altLang="zh-CN" sz="900" dirty="0">
+                <a:latin typeface="微软雅黑" panose="020B0503020204020204" pitchFamily="34" charset="-122"/>
+                <a:ea typeface="微软雅黑" panose="020B0503020204020204" pitchFamily="34" charset="-122"/>
+              </a:rPr>
+              <a:t>– </a:t>
+            </a:r>
+            <a:r>
+              <a:rPr lang="en-US" altLang="zh-CN" sz="900" dirty="0" smtClean="0">
+                <a:latin typeface="微软雅黑" panose="020B0503020204020204" pitchFamily="34" charset="-122"/>
+                <a:ea typeface="微软雅黑" panose="020B0503020204020204" pitchFamily="34" charset="-122"/>
+              </a:rPr>
+              <a:t>2017 </a:t>
             </a:r>
             <a:r>
               <a:rPr lang="zh-CN" altLang="en-US" sz="900" dirty="0" smtClean="0">
                 <a:latin typeface="微软雅黑" panose="020B0503020204020204" pitchFamily="34" charset="-122"/>
                 <a:ea typeface="微软雅黑" panose="020B0503020204020204" pitchFamily="34" charset="-122"/>
               </a:rPr>
-              <a:t>大学</a:t>
-            </a:r>
-            <a:r>
-              <a:rPr lang="en-US" altLang="zh-CN" sz="900" dirty="0" smtClean="0">
-                <a:latin typeface="微软雅黑" panose="020B0503020204020204" pitchFamily="34" charset="-122"/>
-                <a:ea typeface="微软雅黑" panose="020B0503020204020204" pitchFamily="34" charset="-122"/>
-              </a:rPr>
-              <a:t>XXX</a:t>
+              <a:t>年度担任西安交通大学电信</a:t>
+            </a:r>
+            <a:r>
+              <a:rPr lang="zh-CN" altLang="en-US" sz="900" dirty="0">
+                <a:latin typeface="微软雅黑" panose="020B0503020204020204" pitchFamily="34" charset="-122"/>
+                <a:ea typeface="微软雅黑" panose="020B0503020204020204" pitchFamily="34" charset="-122"/>
+              </a:rPr>
+              <a:t>学院科创中心主任</a:t>
             </a:r>
             <a:r>
               <a:rPr lang="zh-CN" altLang="en-US" sz="900" dirty="0" smtClean="0">
                 <a:latin typeface="微软雅黑" panose="020B0503020204020204" pitchFamily="34" charset="-122"/>
                 <a:ea typeface="微软雅黑" panose="020B0503020204020204" pitchFamily="34" charset="-122"/>
               </a:rPr>
-              <a:t>届</a:t>
+              <a:t>，负责</a:t>
             </a:r>
             <a:r>
               <a:rPr lang="zh-CN" altLang="en-US" sz="900" dirty="0">
                 <a:latin typeface="微软雅黑" panose="020B0503020204020204" pitchFamily="34" charset="-122"/>
                 <a:ea typeface="微软雅黑" panose="020B0503020204020204" pitchFamily="34" charset="-122"/>
               </a:rPr>
-              <a:t>毕业生文化衫，并被学校采纳，赠予</a:t>
-            </a:r>
-            <a:r>
-              <a:rPr lang="en-US" altLang="zh-CN" sz="900" dirty="0">
-                <a:latin typeface="微软雅黑" panose="020B0503020204020204" pitchFamily="34" charset="-122"/>
-                <a:ea typeface="微软雅黑" panose="020B0503020204020204" pitchFamily="34" charset="-122"/>
-              </a:rPr>
-              <a:t>4000+</a:t>
-            </a:r>
-            <a:r>
-              <a:rPr lang="zh-CN" altLang="en-US" sz="900" dirty="0">
-                <a:latin typeface="微软雅黑" panose="020B0503020204020204" pitchFamily="34" charset="-122"/>
-                <a:ea typeface="微软雅黑" panose="020B0503020204020204" pitchFamily="34" charset="-122"/>
-              </a:rPr>
-              <a:t>毕业生</a:t>
+              <a:t>办公自动化以及竞赛活动筹办等工作</a:t>
             </a:r>
             <a:endParaRPr lang="en-US" altLang="zh-CN" sz="900" dirty="0">
               <a:latin typeface="微软雅黑" panose="020B0503020204020204" pitchFamily="34" charset="-122"/>
@@ -5288,137 +5127,68 @@
               <a:buChar char="ü"/>
             </a:pPr>
             <a:r>
+              <a:rPr lang="en-US" altLang="zh-CN" sz="900" dirty="0">
+                <a:latin typeface="微软雅黑" panose="020B0503020204020204" pitchFamily="34" charset="-122"/>
+                <a:ea typeface="微软雅黑" panose="020B0503020204020204" pitchFamily="34" charset="-122"/>
+              </a:rPr>
+              <a:t>2012</a:t>
+            </a:r>
+            <a:r>
               <a:rPr lang="zh-CN" altLang="en-US" sz="900" dirty="0">
                 <a:latin typeface="微软雅黑" panose="020B0503020204020204" pitchFamily="34" charset="-122"/>
                 <a:ea typeface="微软雅黑" panose="020B0503020204020204" pitchFamily="34" charset="-122"/>
               </a:rPr>
-              <a:t>设计大黑山松岚大学软件</a:t>
+              <a:t> </a:t>
+            </a:r>
+            <a:r>
+              <a:rPr lang="en-US" altLang="zh-CN" sz="900" dirty="0">
+                <a:latin typeface="微软雅黑" panose="020B0503020204020204" pitchFamily="34" charset="-122"/>
+                <a:ea typeface="微软雅黑" panose="020B0503020204020204" pitchFamily="34" charset="-122"/>
+              </a:rPr>
+              <a:t>– 2014</a:t>
             </a:r>
             <a:r>
               <a:rPr lang="zh-CN" altLang="en-US" sz="900" dirty="0" smtClean="0">
                 <a:latin typeface="微软雅黑" panose="020B0503020204020204" pitchFamily="34" charset="-122"/>
                 <a:ea typeface="微软雅黑" panose="020B0503020204020204" pitchFamily="34" charset="-122"/>
               </a:rPr>
-              <a:t>学院</a:t>
-            </a:r>
-            <a:r>
-              <a:rPr lang="en-US" altLang="zh-CN" sz="900" dirty="0" smtClean="0">
-                <a:latin typeface="微软雅黑" panose="020B0503020204020204" pitchFamily="34" charset="-122"/>
-                <a:ea typeface="微软雅黑" panose="020B0503020204020204" pitchFamily="34" charset="-122"/>
-              </a:rPr>
-              <a:t>XXX</a:t>
+              <a:t>年度担任北京</a:t>
+            </a:r>
+            <a:r>
+              <a:rPr lang="zh-CN" altLang="en-US" sz="900" dirty="0">
+                <a:latin typeface="微软雅黑" panose="020B0503020204020204" pitchFamily="34" charset="-122"/>
+                <a:ea typeface="微软雅黑" panose="020B0503020204020204" pitchFamily="34" charset="-122"/>
+              </a:rPr>
+              <a:t>理工软件学院学生</a:t>
             </a:r>
             <a:r>
               <a:rPr lang="zh-CN" altLang="en-US" sz="900" dirty="0" smtClean="0">
                 <a:latin typeface="微软雅黑" panose="020B0503020204020204" pitchFamily="34" charset="-122"/>
                 <a:ea typeface="微软雅黑" panose="020B0503020204020204" pitchFamily="34" charset="-122"/>
               </a:rPr>
-              <a:t>届</a:t>
+              <a:t>办公处学生</a:t>
             </a:r>
             <a:r>
               <a:rPr lang="zh-CN" altLang="en-US" sz="900" dirty="0">
                 <a:latin typeface="微软雅黑" panose="020B0503020204020204" pitchFamily="34" charset="-122"/>
                 <a:ea typeface="微软雅黑" panose="020B0503020204020204" pitchFamily="34" charset="-122"/>
               </a:rPr>
-              <a:t>毕业生</a:t>
-            </a:r>
-            <a:r>
-              <a:rPr lang="en-US" altLang="zh-CN" sz="900" dirty="0">
-                <a:latin typeface="微软雅黑" panose="020B0503020204020204" pitchFamily="34" charset="-122"/>
-                <a:ea typeface="微软雅黑" panose="020B0503020204020204" pitchFamily="34" charset="-122"/>
-              </a:rPr>
-              <a:t>logo</a:t>
-            </a:r>
-          </a:p>
-          <a:p>
-            <a:pPr marL="171450" indent="-171450">
-              <a:lnSpc>
-                <a:spcPts val="1500"/>
-              </a:lnSpc>
-              <a:buFont typeface="Wingdings" panose="05000000000000000000" pitchFamily="2" charset="2"/>
-              <a:buChar char="ü"/>
-            </a:pPr>
-            <a:r>
-              <a:rPr lang="en-US" altLang="zh-CN" sz="900" dirty="0" smtClean="0">
-                <a:latin typeface="微软雅黑" panose="020B0503020204020204" pitchFamily="34" charset="-122"/>
-                <a:ea typeface="微软雅黑" panose="020B0503020204020204" pitchFamily="34" charset="-122"/>
-              </a:rPr>
-              <a:t>XXX</a:t>
+              <a:t>秘书</a:t>
             </a:r>
             <a:r>
               <a:rPr lang="zh-CN" altLang="en-US" sz="900" dirty="0" smtClean="0">
                 <a:latin typeface="微软雅黑" panose="020B0503020204020204" pitchFamily="34" charset="-122"/>
                 <a:ea typeface="微软雅黑" panose="020B0503020204020204" pitchFamily="34" charset="-122"/>
               </a:rPr>
-              <a:t>年</a:t>
+              <a:t>，负责</a:t>
             </a:r>
             <a:r>
               <a:rPr lang="zh-CN" altLang="en-US" sz="900" dirty="0">
                 <a:latin typeface="微软雅黑" panose="020B0503020204020204" pitchFamily="34" charset="-122"/>
                 <a:ea typeface="微软雅黑" panose="020B0503020204020204" pitchFamily="34" charset="-122"/>
               </a:rPr>
-              <a:t>加入软件</a:t>
-            </a:r>
-            <a:r>
-              <a:rPr lang="zh-CN" altLang="en-US" sz="900" dirty="0" smtClean="0">
-                <a:latin typeface="微软雅黑" panose="020B0503020204020204" pitchFamily="34" charset="-122"/>
-                <a:ea typeface="微软雅黑" panose="020B0503020204020204" pitchFamily="34" charset="-122"/>
-              </a:rPr>
-              <a:t>学院</a:t>
-            </a:r>
-            <a:r>
-              <a:rPr lang="en-US" altLang="zh-CN" sz="900" dirty="0" smtClean="0">
-                <a:latin typeface="微软雅黑" panose="020B0503020204020204" pitchFamily="34" charset="-122"/>
-                <a:ea typeface="微软雅黑" panose="020B0503020204020204" pitchFamily="34" charset="-122"/>
-              </a:rPr>
-              <a:t>XXX</a:t>
-            </a:r>
-            <a:r>
-              <a:rPr lang="zh-CN" altLang="en-US" sz="900" dirty="0" smtClean="0">
-                <a:latin typeface="微软雅黑" panose="020B0503020204020204" pitchFamily="34" charset="-122"/>
-                <a:ea typeface="微软雅黑" panose="020B0503020204020204" pitchFamily="34" charset="-122"/>
-              </a:rPr>
-              <a:t>平面</a:t>
-            </a:r>
-            <a:r>
-              <a:rPr lang="zh-CN" altLang="en-US" sz="900" dirty="0">
-                <a:latin typeface="微软雅黑" panose="020B0503020204020204" pitchFamily="34" charset="-122"/>
-                <a:ea typeface="微软雅黑" panose="020B0503020204020204" pitchFamily="34" charset="-122"/>
-              </a:rPr>
-              <a:t>组，并</a:t>
-            </a:r>
-            <a:r>
-              <a:rPr lang="zh-CN" altLang="en-US" sz="900" dirty="0" smtClean="0">
-                <a:latin typeface="微软雅黑" panose="020B0503020204020204" pitchFamily="34" charset="-122"/>
-                <a:ea typeface="微软雅黑" panose="020B0503020204020204" pitchFamily="34" charset="-122"/>
-              </a:rPr>
-              <a:t>在</a:t>
-            </a:r>
-            <a:r>
-              <a:rPr lang="en-US" altLang="zh-CN" sz="900" dirty="0" smtClean="0">
-                <a:latin typeface="微软雅黑" panose="020B0503020204020204" pitchFamily="34" charset="-122"/>
-                <a:ea typeface="微软雅黑" panose="020B0503020204020204" pitchFamily="34" charset="-122"/>
-              </a:rPr>
-              <a:t>XXX</a:t>
-            </a:r>
-            <a:r>
-              <a:rPr lang="zh-CN" altLang="en-US" sz="900" dirty="0" smtClean="0">
-                <a:latin typeface="微软雅黑" panose="020B0503020204020204" pitchFamily="34" charset="-122"/>
-                <a:ea typeface="微软雅黑" panose="020B0503020204020204" pitchFamily="34" charset="-122"/>
-              </a:rPr>
-              <a:t>年</a:t>
-            </a:r>
-            <a:r>
-              <a:rPr lang="zh-CN" altLang="en-US" sz="900" dirty="0">
-                <a:latin typeface="微软雅黑" panose="020B0503020204020204" pitchFamily="34" charset="-122"/>
-                <a:ea typeface="微软雅黑" panose="020B0503020204020204" pitchFamily="34" charset="-122"/>
-              </a:rPr>
-              <a:t>担任平面组组长，负责日常例会培训</a:t>
-            </a:r>
-            <a:endParaRPr lang="en-US" altLang="zh-CN" sz="900" dirty="0">
-              <a:latin typeface="微软雅黑" panose="020B0503020204020204" pitchFamily="34" charset="-122"/>
-              <a:ea typeface="微软雅黑" panose="020B0503020204020204" pitchFamily="34" charset="-122"/>
-            </a:endParaRPr>
+              <a:t>编写文档、统计数据以及学生事务处理等工作。</a:t>
+            </a:r>
           </a:p>
         </p:txBody>
       </p:sp>
@@ -5573,15 +5343,7 @@
                 <a:ea typeface="微软雅黑" panose="020B0503020204020204" pitchFamily="34" charset="-122"/>
                 <a:hlinkClick r:id="rId5"/>
               </a:rPr>
-              <a:t>https://</a:t>
-            </a:r>
-            <a:r>
-              <a:rPr lang="en-US" altLang="zh-CN" sz="900" dirty="0" smtClean="0">
-                <a:latin typeface="微软雅黑" panose="020B0503020204020204" pitchFamily="34" charset="-122"/>
-                <a:ea typeface="微软雅黑" panose="020B0503020204020204" pitchFamily="34" charset="-122"/>
-                <a:hlinkClick r:id="rId5"/>
-              </a:rPr>
-              <a:t>github.com/zhangbowei</a:t>
+              <a:t>https://github.com/zhangbowei</a:t>
             </a:r>
             <a:endParaRPr lang="zh-CN" altLang="en-US" sz="900" dirty="0" smtClean="0">
               <a:latin typeface="微软雅黑" panose="020B0503020204020204" pitchFamily="34" charset="-122"/>
@@ -6636,40 +6398,8 @@
                   <a:latin typeface="微软雅黑" panose="020B0503020204020204" pitchFamily="34" charset="-122"/>
                   <a:ea typeface="微软雅黑" panose="020B0503020204020204" pitchFamily="34" charset="-122"/>
                 </a:rPr>
-                <a:t>和 </a:t>
+                <a:t>和 原生接口，对状态图部件进行绘制</a:t>
               </a:r>
-              <a:r>
-                <a:rPr lang="zh-CN" altLang="en-US" sz="900" dirty="0" smtClean="0">
-                  <a:latin typeface="微软雅黑" panose="020B0503020204020204" pitchFamily="34" charset="-122"/>
-                  <a:ea typeface="微软雅黑" panose="020B0503020204020204" pitchFamily="34" charset="-122"/>
-                </a:rPr>
-                <a:t>原生接口</a:t>
-              </a:r>
-              <a:r>
-                <a:rPr lang="zh-CN" altLang="en-US" sz="900" dirty="0" smtClean="0">
-                  <a:latin typeface="微软雅黑" panose="020B0503020204020204" pitchFamily="34" charset="-122"/>
-                  <a:ea typeface="微软雅黑" panose="020B0503020204020204" pitchFamily="34" charset="-122"/>
-                </a:rPr>
-                <a:t>，对</a:t>
-              </a:r>
-              <a:r>
-                <a:rPr lang="zh-CN" altLang="en-US" sz="900" dirty="0" smtClean="0">
-                  <a:latin typeface="微软雅黑" panose="020B0503020204020204" pitchFamily="34" charset="-122"/>
-                  <a:ea typeface="微软雅黑" panose="020B0503020204020204" pitchFamily="34" charset="-122"/>
-                </a:rPr>
-                <a:t>状态图部件</a:t>
-              </a:r>
-              <a:r>
-                <a:rPr lang="zh-CN" altLang="en-US" sz="900" dirty="0" smtClean="0">
-                  <a:latin typeface="微软雅黑" panose="020B0503020204020204" pitchFamily="34" charset="-122"/>
-                  <a:ea typeface="微软雅黑" panose="020B0503020204020204" pitchFamily="34" charset="-122"/>
-                </a:rPr>
-                <a:t>进行绘制</a:t>
-              </a:r>
-              <a:endParaRPr lang="zh-CN" altLang="en-US" sz="900" dirty="0" smtClean="0">
-                <a:latin typeface="微软雅黑" panose="020B0503020204020204" pitchFamily="34" charset="-122"/>
-                <a:ea typeface="微软雅黑" panose="020B0503020204020204" pitchFamily="34" charset="-122"/>
-              </a:endParaRPr>
             </a:p>
             <a:p>
               <a:pPr marL="171450" lvl="0" indent="-171450">
@@ -6705,28 +6435,14 @@
                   <a:latin typeface="微软雅黑" panose="020B0503020204020204" pitchFamily="34" charset="-122"/>
                   <a:ea typeface="微软雅黑" panose="020B0503020204020204" pitchFamily="34" charset="-122"/>
                 </a:rPr>
-                <a:t>Mongo</a:t>
-              </a:r>
-              <a:r>
-                <a:rPr lang="en-US" altLang="zh-CN" sz="900" dirty="0" err="1" smtClean="0">
-                  <a:latin typeface="微软雅黑" panose="020B0503020204020204" pitchFamily="34" charset="-122"/>
-                  <a:ea typeface="微软雅黑" panose="020B0503020204020204" pitchFamily="34" charset="-122"/>
-                </a:rPr>
-                <a:t>DB</a:t>
+                <a:t>MongoDB</a:t>
               </a:r>
               <a:r>
                 <a:rPr lang="zh-CN" altLang="en-US" sz="900" dirty="0" smtClean="0">
                   <a:latin typeface="微软雅黑" panose="020B0503020204020204" pitchFamily="34" charset="-122"/>
                   <a:ea typeface="微软雅黑" panose="020B0503020204020204" pitchFamily="34" charset="-122"/>
                 </a:rPr>
-                <a:t>，完成</a:t>
-              </a:r>
-              <a:r>
-                <a:rPr lang="zh-CN" altLang="en-US" sz="900" dirty="0" smtClean="0">
-                  <a:latin typeface="微软雅黑" panose="020B0503020204020204" pitchFamily="34" charset="-122"/>
-                  <a:ea typeface="微软雅黑" panose="020B0503020204020204" pitchFamily="34" charset="-122"/>
-                </a:rPr>
-                <a:t>状态图模型的存储与复用</a:t>
+                <a:t>，完成状态图模型的存储与复用</a:t>
               </a:r>
               <a:endParaRPr lang="en-US" altLang="zh-CN" sz="900" dirty="0" smtClean="0">
                 <a:latin typeface="微软雅黑" panose="020B0503020204020204" pitchFamily="34" charset="-122"/>
@@ -6746,19 +6462,8 @@
                   <a:latin typeface="微软雅黑" panose="020B0503020204020204" pitchFamily="34" charset="-122"/>
                   <a:ea typeface="微软雅黑" panose="020B0503020204020204" pitchFamily="34" charset="-122"/>
                 </a:rPr>
-                <a:t>通过</a:t>
+                <a:t>通过提供部件区域匹配挂载与组合部件嵌套放缩，支持复合状态图的绘制与预览</a:t>
               </a:r>
-              <a:r>
-                <a:rPr lang="zh-CN" altLang="en-US" sz="900" dirty="0" smtClean="0">
-                  <a:latin typeface="微软雅黑" panose="020B0503020204020204" pitchFamily="34" charset="-122"/>
-                  <a:ea typeface="微软雅黑" panose="020B0503020204020204" pitchFamily="34" charset="-122"/>
-                </a:rPr>
-                <a:t>提供部件区域匹配挂载与组合部件嵌套放缩，支持复合状态图的绘制与预览</a:t>
-              </a:r>
-              <a:endParaRPr lang="zh-CN" altLang="en-US" sz="900" dirty="0" smtClean="0">
-                <a:latin typeface="微软雅黑" panose="020B0503020204020204" pitchFamily="34" charset="-122"/>
-                <a:ea typeface="微软雅黑" panose="020B0503020204020204" pitchFamily="34" charset="-122"/>
-              </a:endParaRPr>
             </a:p>
             <a:p>
               <a:pPr marL="171450" lvl="0" indent="-171450">
@@ -7062,35 +6767,14 @@
                 <a:latin typeface="微软雅黑" panose="020B0503020204020204" pitchFamily="34" charset="-122"/>
                 <a:ea typeface="微软雅黑" panose="020B0503020204020204" pitchFamily="34" charset="-122"/>
               </a:rPr>
-              <a:t>XJTUEI</a:t>
-            </a:r>
-            <a:r>
-              <a:rPr lang="en-US" altLang="zh-CN" sz="1050" b="1" dirty="0" smtClean="0">
-                <a:latin typeface="微软雅黑" panose="020B0503020204020204" pitchFamily="34" charset="-122"/>
-                <a:ea typeface="微软雅黑" panose="020B0503020204020204" pitchFamily="34" charset="-122"/>
-              </a:rPr>
-              <a:t> —</a:t>
+              <a:t>XJTUEI —</a:t>
             </a:r>
             <a:r>
               <a:rPr lang="zh-CN" altLang="en-US" sz="1050" b="1" dirty="0" smtClean="0">
                 <a:latin typeface="微软雅黑" panose="020B0503020204020204" pitchFamily="34" charset="-122"/>
                 <a:ea typeface="微软雅黑" panose="020B0503020204020204" pitchFamily="34" charset="-122"/>
               </a:rPr>
-              <a:t> </a:t>
-            </a:r>
-            <a:r>
-              <a:rPr lang="zh-CN" altLang="en-US" sz="1050" b="1" dirty="0" smtClean="0">
-                <a:latin typeface="微软雅黑" panose="020B0503020204020204" pitchFamily="34" charset="-122"/>
-                <a:ea typeface="微软雅黑" panose="020B0503020204020204" pitchFamily="34" charset="-122"/>
-              </a:rPr>
-              <a:t>办公自动化</a:t>
-            </a:r>
-            <a:r>
-              <a:rPr lang="zh-CN" altLang="en-US" sz="1050" b="1" dirty="0" smtClean="0">
-                <a:latin typeface="微软雅黑" panose="020B0503020204020204" pitchFamily="34" charset="-122"/>
-                <a:ea typeface="微软雅黑" panose="020B0503020204020204" pitchFamily="34" charset="-122"/>
-              </a:rPr>
-              <a:t>系统</a:t>
+              <a:t> 办公自动化系统</a:t>
             </a:r>
             <a:endParaRPr lang="en-US" altLang="zh-CN" sz="1050" b="1" dirty="0">
               <a:latin typeface="微软雅黑" panose="020B0503020204020204" pitchFamily="34" charset="-122"/>
@@ -7227,14 +6911,7 @@
                 <a:latin typeface="微软雅黑" panose="020B0503020204020204" pitchFamily="34" charset="-122"/>
                 <a:ea typeface="微软雅黑" panose="020B0503020204020204" pitchFamily="34" charset="-122"/>
               </a:rPr>
-              <a:t>，</a:t>
-            </a:r>
-            <a:r>
-              <a:rPr lang="zh-CN" altLang="en-US" sz="900" dirty="0" smtClean="0">
-                <a:latin typeface="微软雅黑" panose="020B0503020204020204" pitchFamily="34" charset="-122"/>
-                <a:ea typeface="微软雅黑" panose="020B0503020204020204" pitchFamily="34" charset="-122"/>
-              </a:rPr>
-              <a:t>完成基本界面</a:t>
+              <a:t>，完成基本界面</a:t>
             </a:r>
             <a:endParaRPr lang="en-US" altLang="zh-CN" sz="900" dirty="0" smtClean="0">
               <a:latin typeface="微软雅黑" panose="020B0503020204020204" pitchFamily="34" charset="-122"/>
@@ -7282,21 +6959,7 @@
                 <a:latin typeface="微软雅黑" panose="020B0503020204020204" pitchFamily="34" charset="-122"/>
                 <a:ea typeface="微软雅黑" panose="020B0503020204020204" pitchFamily="34" charset="-122"/>
               </a:rPr>
-              <a:t>，</a:t>
-            </a:r>
-            <a:r>
-              <a:rPr lang="zh-CN" altLang="en-US" sz="900" dirty="0" smtClean="0">
-                <a:latin typeface="微软雅黑" panose="020B0503020204020204" pitchFamily="34" charset="-122"/>
-                <a:ea typeface="微软雅黑" panose="020B0503020204020204" pitchFamily="34" charset="-122"/>
-              </a:rPr>
-              <a:t>完成</a:t>
-            </a:r>
-            <a:r>
-              <a:rPr lang="zh-CN" altLang="en-US" sz="900" dirty="0" smtClean="0">
-                <a:latin typeface="微软雅黑" panose="020B0503020204020204" pitchFamily="34" charset="-122"/>
-                <a:ea typeface="微软雅黑" panose="020B0503020204020204" pitchFamily="34" charset="-122"/>
-              </a:rPr>
-              <a:t>路由配置及数据管理</a:t>
+              <a:t>，完成路由配置及数据管理</a:t>
             </a:r>
             <a:endParaRPr lang="en-US" altLang="zh-CN" sz="900" dirty="0" smtClean="0">
               <a:latin typeface="微软雅黑" panose="020B0503020204020204" pitchFamily="34" charset="-122"/>
@@ -7316,14 +6979,7 @@
                 <a:latin typeface="微软雅黑" panose="020B0503020204020204" pitchFamily="34" charset="-122"/>
                 <a:ea typeface="微软雅黑" panose="020B0503020204020204" pitchFamily="34" charset="-122"/>
               </a:rPr>
-              <a:t>通过</a:t>
-            </a:r>
-            <a:r>
-              <a:rPr lang="zh-CN" altLang="en-US" sz="900" dirty="0" smtClean="0">
-                <a:latin typeface="微软雅黑" panose="020B0503020204020204" pitchFamily="34" charset="-122"/>
-                <a:ea typeface="微软雅黑" panose="020B0503020204020204" pitchFamily="34" charset="-122"/>
-              </a:rPr>
-              <a:t>对</a:t>
+              <a:t>通过对</a:t>
             </a:r>
             <a:r>
               <a:rPr lang="en-US" altLang="zh-CN" sz="900" dirty="0" err="1" smtClean="0">
@@ -7676,28 +7332,14 @@
                   <a:latin typeface="微软雅黑" panose="020B0503020204020204" pitchFamily="34" charset="-122"/>
                   <a:ea typeface="微软雅黑" panose="020B0503020204020204" pitchFamily="34" charset="-122"/>
                 </a:rPr>
-                <a:t> </a:t>
-              </a:r>
-              <a:r>
-                <a:rPr lang="en-US" altLang="zh-CN" sz="1050" b="1" dirty="0" smtClean="0">
-                  <a:latin typeface="微软雅黑" panose="020B0503020204020204" pitchFamily="34" charset="-122"/>
-                  <a:ea typeface="微软雅黑" panose="020B0503020204020204" pitchFamily="34" charset="-122"/>
-                </a:rPr>
-                <a:t>— </a:t>
+                <a:t> — </a:t>
               </a:r>
               <a:r>
                 <a:rPr lang="zh-CN" altLang="en-US" sz="1050" b="1" dirty="0" smtClean="0">
                   <a:latin typeface="微软雅黑" panose="020B0503020204020204" pitchFamily="34" charset="-122"/>
                   <a:ea typeface="微软雅黑" panose="020B0503020204020204" pitchFamily="34" charset="-122"/>
                 </a:rPr>
-                <a:t>中科视拓后台管理</a:t>
-              </a:r>
-              <a:r>
-                <a:rPr lang="zh-CN" altLang="en-US" sz="1050" b="1" dirty="0" smtClean="0">
-                  <a:latin typeface="微软雅黑" panose="020B0503020204020204" pitchFamily="34" charset="-122"/>
-                  <a:ea typeface="微软雅黑" panose="020B0503020204020204" pitchFamily="34" charset="-122"/>
-                </a:rPr>
-                <a:t>系统</a:t>
+                <a:t>中科视拓后台管理系统</a:t>
               </a:r>
               <a:endParaRPr lang="en-US" altLang="zh-CN" sz="1050" b="1" dirty="0">
                 <a:latin typeface="微软雅黑" panose="020B0503020204020204" pitchFamily="34" charset="-122"/>
@@ -7813,14 +7455,7 @@
                   <a:latin typeface="微软雅黑" panose="020B0503020204020204" pitchFamily="34" charset="-122"/>
                   <a:ea typeface="微软雅黑" panose="020B0503020204020204" pitchFamily="34" charset="-122"/>
                 </a:rPr>
-                <a:t>设计图，</a:t>
-              </a:r>
-              <a:r>
-                <a:rPr lang="zh-CN" altLang="en-US" sz="900" dirty="0" smtClean="0">
-                  <a:latin typeface="微软雅黑" panose="020B0503020204020204" pitchFamily="34" charset="-122"/>
-                  <a:ea typeface="微软雅黑" panose="020B0503020204020204" pitchFamily="34" charset="-122"/>
-                </a:rPr>
-                <a:t>使用 </a:t>
+                <a:t>设计图，使用 </a:t>
               </a:r>
               <a:r>
                 <a:rPr lang="en-US" altLang="zh-CN" sz="900" dirty="0" err="1" smtClean="0">
@@ -7882,14 +7517,7 @@
                   <a:latin typeface="微软雅黑" panose="020B0503020204020204" pitchFamily="34" charset="-122"/>
                   <a:ea typeface="微软雅黑" panose="020B0503020204020204" pitchFamily="34" charset="-122"/>
                 </a:rPr>
-                <a:t>根据原型，</a:t>
-              </a:r>
-              <a:r>
-                <a:rPr lang="zh-CN" altLang="en-US" sz="900" dirty="0" smtClean="0">
-                  <a:latin typeface="微软雅黑" panose="020B0503020204020204" pitchFamily="34" charset="-122"/>
-                  <a:ea typeface="微软雅黑" panose="020B0503020204020204" pitchFamily="34" charset="-122"/>
-                </a:rPr>
-                <a:t>使用 </a:t>
+                <a:t>根据原型，使用 </a:t>
               </a:r>
               <a:r>
                 <a:rPr lang="en-US" altLang="zh-CN" sz="900" dirty="0" err="1" smtClean="0">
@@ -7920,11 +7548,25 @@
                 <a:t>vuex</a:t>
               </a:r>
               <a:r>
+                <a:rPr lang="en-US" altLang="zh-CN" sz="900" dirty="0">
+                  <a:latin typeface="微软雅黑" panose="020B0503020204020204" pitchFamily="34" charset="-122"/>
+                  <a:ea typeface="微软雅黑" panose="020B0503020204020204" pitchFamily="34" charset="-122"/>
+                </a:rPr>
+                <a:t> </a:t>
+              </a:r>
+              <a:r>
                 <a:rPr lang="zh-CN" altLang="en-US" sz="900" dirty="0" smtClean="0">
                   <a:latin typeface="微软雅黑" panose="020B0503020204020204" pitchFamily="34" charset="-122"/>
                   <a:ea typeface="微软雅黑" panose="020B0503020204020204" pitchFamily="34" charset="-122"/>
                 </a:rPr>
-                <a:t>，管理状态</a:t>
+                <a:t>管理</a:t>
+              </a:r>
+              <a:r>
+                <a:rPr lang="zh-CN" altLang="en-US" sz="900" dirty="0" smtClean="0">
+                  <a:latin typeface="微软雅黑" panose="020B0503020204020204" pitchFamily="34" charset="-122"/>
+                  <a:ea typeface="微软雅黑" panose="020B0503020204020204" pitchFamily="34" charset="-122"/>
+                </a:rPr>
+                <a:t>状态</a:t>
               </a:r>
             </a:p>
             <a:p>
@@ -7940,14 +7582,7 @@
                   <a:latin typeface="微软雅黑" panose="020B0503020204020204" pitchFamily="34" charset="-122"/>
                   <a:ea typeface="微软雅黑" panose="020B0503020204020204" pitchFamily="34" charset="-122"/>
                 </a:rPr>
-                <a:t>通过 </a:t>
-              </a:r>
-              <a:r>
-                <a:rPr lang="zh-CN" altLang="en-US" sz="900" dirty="0" smtClean="0">
-                  <a:latin typeface="微软雅黑" panose="020B0503020204020204" pitchFamily="34" charset="-122"/>
-                  <a:ea typeface="微软雅黑" panose="020B0503020204020204" pitchFamily="34" charset="-122"/>
-                </a:rPr>
-                <a:t>搭建本地 </a:t>
+                <a:t>通过 搭建本地 </a:t>
               </a:r>
               <a:r>
                 <a:rPr lang="en-US" altLang="zh-CN" sz="900" dirty="0" err="1" smtClean="0">
@@ -7961,8 +7596,40 @@
                   <a:latin typeface="微软雅黑" panose="020B0503020204020204" pitchFamily="34" charset="-122"/>
                   <a:ea typeface="微软雅黑" panose="020B0503020204020204" pitchFamily="34" charset="-122"/>
                 </a:rPr>
-                <a:t> 服务器，控制版本</a:t>
+                <a:t> 服务器</a:t>
               </a:r>
+              <a:r>
+                <a:rPr lang="zh-CN" altLang="en-US" sz="900" dirty="0" smtClean="0">
+                  <a:latin typeface="微软雅黑" panose="020B0503020204020204" pitchFamily="34" charset="-122"/>
+                  <a:ea typeface="微软雅黑" panose="020B0503020204020204" pitchFamily="34" charset="-122"/>
+                </a:rPr>
+                <a:t>，</a:t>
+              </a:r>
+              <a:r>
+                <a:rPr lang="zh-CN" altLang="en-US" sz="900" dirty="0" smtClean="0">
+                  <a:latin typeface="微软雅黑" panose="020B0503020204020204" pitchFamily="34" charset="-122"/>
+                  <a:ea typeface="微软雅黑" panose="020B0503020204020204" pitchFamily="34" charset="-122"/>
+                </a:rPr>
+                <a:t>实现</a:t>
+              </a:r>
+              <a:r>
+                <a:rPr lang="zh-CN" altLang="en-US" sz="900" dirty="0" smtClean="0">
+                  <a:latin typeface="微软雅黑" panose="020B0503020204020204" pitchFamily="34" charset="-122"/>
+                  <a:ea typeface="微软雅黑" panose="020B0503020204020204" pitchFamily="34" charset="-122"/>
+                </a:rPr>
+                <a:t>版本</a:t>
+              </a:r>
+              <a:r>
+                <a:rPr lang="zh-CN" altLang="en-US" sz="900" dirty="0" smtClean="0">
+                  <a:latin typeface="微软雅黑" panose="020B0503020204020204" pitchFamily="34" charset="-122"/>
+                  <a:ea typeface="微软雅黑" panose="020B0503020204020204" pitchFamily="34" charset="-122"/>
+                </a:rPr>
+                <a:t>控制</a:t>
+              </a:r>
+              <a:endParaRPr lang="zh-CN" altLang="en-US" sz="900" dirty="0" smtClean="0">
+                <a:latin typeface="微软雅黑" panose="020B0503020204020204" pitchFamily="34" charset="-122"/>
+                <a:ea typeface="微软雅黑" panose="020B0503020204020204" pitchFamily="34" charset="-122"/>
+              </a:endParaRPr>
             </a:p>
             <a:p>
               <a:pPr marL="171450" lvl="0" indent="-171450">
@@ -7991,8 +7658,40 @@
                   <a:latin typeface="微软雅黑" panose="020B0503020204020204" pitchFamily="34" charset="-122"/>
                   <a:ea typeface="微软雅黑" panose="020B0503020204020204" pitchFamily="34" charset="-122"/>
                 </a:rPr>
-                <a:t> 及 相关插件，构建开发体系</a:t>
+                <a:t> 及 相关插件</a:t>
               </a:r>
+              <a:r>
+                <a:rPr lang="zh-CN" altLang="en-US" sz="900" dirty="0" smtClean="0">
+                  <a:latin typeface="微软雅黑" panose="020B0503020204020204" pitchFamily="34" charset="-122"/>
+                  <a:ea typeface="微软雅黑" panose="020B0503020204020204" pitchFamily="34" charset="-122"/>
+                </a:rPr>
+                <a:t>，</a:t>
+              </a:r>
+              <a:r>
+                <a:rPr lang="zh-CN" altLang="en-US" sz="900" dirty="0" smtClean="0">
+                  <a:latin typeface="微软雅黑" panose="020B0503020204020204" pitchFamily="34" charset="-122"/>
+                  <a:ea typeface="微软雅黑" panose="020B0503020204020204" pitchFamily="34" charset="-122"/>
+                </a:rPr>
+                <a:t>实现</a:t>
+              </a:r>
+              <a:r>
+                <a:rPr lang="zh-CN" altLang="en-US" sz="900" dirty="0" smtClean="0">
+                  <a:latin typeface="微软雅黑" panose="020B0503020204020204" pitchFamily="34" charset="-122"/>
+                  <a:ea typeface="微软雅黑" panose="020B0503020204020204" pitchFamily="34" charset="-122"/>
+                </a:rPr>
+                <a:t>开发体系</a:t>
+              </a:r>
+              <a:r>
+                <a:rPr lang="zh-CN" altLang="en-US" sz="900" dirty="0" smtClean="0">
+                  <a:latin typeface="微软雅黑" panose="020B0503020204020204" pitchFamily="34" charset="-122"/>
+                  <a:ea typeface="微软雅黑" panose="020B0503020204020204" pitchFamily="34" charset="-122"/>
+                </a:rPr>
+                <a:t>构建</a:t>
+              </a:r>
+              <a:endParaRPr lang="zh-CN" altLang="en-US" sz="900" dirty="0" smtClean="0">
+                <a:latin typeface="微软雅黑" panose="020B0503020204020204" pitchFamily="34" charset="-122"/>
+                <a:ea typeface="微软雅黑" panose="020B0503020204020204" pitchFamily="34" charset="-122"/>
+              </a:endParaRPr>
             </a:p>
             <a:p>
               <a:pPr marL="171450" lvl="0" indent="-171450">
@@ -8230,17 +7929,7 @@
                   <a:latin typeface="微软雅黑" panose="020B0503020204020204" pitchFamily="34" charset="-122"/>
                   <a:ea typeface="微软雅黑" panose="020B0503020204020204" pitchFamily="34" charset="-122"/>
                 </a:rPr>
-                <a:t>M</a:t>
-              </a:r>
-              <a:r>
-                <a:rPr lang="en-US" altLang="zh-CN" sz="900" dirty="0" smtClean="0">
-                  <a:solidFill>
-                    <a:prstClr val="white"/>
-                  </a:solidFill>
-                  <a:latin typeface="微软雅黑" panose="020B0503020204020204" pitchFamily="34" charset="-122"/>
-                  <a:ea typeface="微软雅黑" panose="020B0503020204020204" pitchFamily="34" charset="-122"/>
-                </a:rPr>
-                <a:t>ySQL</a:t>
+                <a:t>MySQL</a:t>
               </a:r>
               <a:endParaRPr lang="zh-CN" altLang="en-US" dirty="0">
                 <a:solidFill>

--- a/doc/resume.pptx
+++ b/doc/resume.pptx
@@ -208,7 +208,7 @@
           <a:p>
             <a:fld id="{AEA2C9DF-D23B-4857-8F83-A94459C69053}" type="datetimeFigureOut">
               <a:rPr lang="zh-CN" altLang="en-US" smtClean="0"/>
-              <a:t>2017/7/15</a:t>
+              <a:t>2019/12/15</a:t>
             </a:fld>
             <a:endParaRPr lang="zh-CN" altLang="en-US"/>
           </a:p>
@@ -691,7 +691,7 @@
           <a:p>
             <a:fld id="{6A4926B6-441D-4BA1-AD68-6F10F35F7AC9}" type="datetimeFigureOut">
               <a:rPr lang="zh-CN" altLang="en-US" smtClean="0"/>
-              <a:t>2017/7/15</a:t>
+              <a:t>2019/12/15</a:t>
             </a:fld>
             <a:endParaRPr lang="zh-CN" altLang="en-US"/>
           </a:p>
@@ -861,7 +861,7 @@
           <a:p>
             <a:fld id="{6A4926B6-441D-4BA1-AD68-6F10F35F7AC9}" type="datetimeFigureOut">
               <a:rPr lang="zh-CN" altLang="en-US" smtClean="0"/>
-              <a:t>2017/7/15</a:t>
+              <a:t>2019/12/15</a:t>
             </a:fld>
             <a:endParaRPr lang="zh-CN" altLang="en-US"/>
           </a:p>
@@ -1041,7 +1041,7 @@
           <a:p>
             <a:fld id="{6A4926B6-441D-4BA1-AD68-6F10F35F7AC9}" type="datetimeFigureOut">
               <a:rPr lang="zh-CN" altLang="en-US" smtClean="0"/>
-              <a:t>2017/7/15</a:t>
+              <a:t>2019/12/15</a:t>
             </a:fld>
             <a:endParaRPr lang="zh-CN" altLang="en-US"/>
           </a:p>
@@ -1211,7 +1211,7 @@
           <a:p>
             <a:fld id="{6A4926B6-441D-4BA1-AD68-6F10F35F7AC9}" type="datetimeFigureOut">
               <a:rPr lang="zh-CN" altLang="en-US" smtClean="0"/>
-              <a:t>2017/7/15</a:t>
+              <a:t>2019/12/15</a:t>
             </a:fld>
             <a:endParaRPr lang="zh-CN" altLang="en-US"/>
           </a:p>
@@ -1455,7 +1455,7 @@
           <a:p>
             <a:fld id="{6A4926B6-441D-4BA1-AD68-6F10F35F7AC9}" type="datetimeFigureOut">
               <a:rPr lang="zh-CN" altLang="en-US" smtClean="0"/>
-              <a:t>2017/7/15</a:t>
+              <a:t>2019/12/15</a:t>
             </a:fld>
             <a:endParaRPr lang="zh-CN" altLang="en-US"/>
           </a:p>
@@ -1687,7 +1687,7 @@
           <a:p>
             <a:fld id="{6A4926B6-441D-4BA1-AD68-6F10F35F7AC9}" type="datetimeFigureOut">
               <a:rPr lang="zh-CN" altLang="en-US" smtClean="0"/>
-              <a:t>2017/7/15</a:t>
+              <a:t>2019/12/15</a:t>
             </a:fld>
             <a:endParaRPr lang="zh-CN" altLang="en-US"/>
           </a:p>
@@ -2054,7 +2054,7 @@
           <a:p>
             <a:fld id="{6A4926B6-441D-4BA1-AD68-6F10F35F7AC9}" type="datetimeFigureOut">
               <a:rPr lang="zh-CN" altLang="en-US" smtClean="0"/>
-              <a:t>2017/7/15</a:t>
+              <a:t>2019/12/15</a:t>
             </a:fld>
             <a:endParaRPr lang="zh-CN" altLang="en-US"/>
           </a:p>
@@ -2172,7 +2172,7 @@
           <a:p>
             <a:fld id="{6A4926B6-441D-4BA1-AD68-6F10F35F7AC9}" type="datetimeFigureOut">
               <a:rPr lang="zh-CN" altLang="en-US" smtClean="0"/>
-              <a:t>2017/7/15</a:t>
+              <a:t>2019/12/15</a:t>
             </a:fld>
             <a:endParaRPr lang="zh-CN" altLang="en-US"/>
           </a:p>
@@ -2267,7 +2267,7 @@
           <a:p>
             <a:fld id="{6A4926B6-441D-4BA1-AD68-6F10F35F7AC9}" type="datetimeFigureOut">
               <a:rPr lang="zh-CN" altLang="en-US" smtClean="0"/>
-              <a:t>2017/7/15</a:t>
+              <a:t>2019/12/15</a:t>
             </a:fld>
             <a:endParaRPr lang="zh-CN" altLang="en-US"/>
           </a:p>
@@ -2551,7 +2551,7 @@
           <a:p>
             <a:fld id="{6A4926B6-441D-4BA1-AD68-6F10F35F7AC9}" type="datetimeFigureOut">
               <a:rPr lang="zh-CN" altLang="en-US" smtClean="0"/>
-              <a:t>2017/7/15</a:t>
+              <a:t>2019/12/15</a:t>
             </a:fld>
             <a:endParaRPr lang="zh-CN" altLang="en-US"/>
           </a:p>
@@ -2808,7 +2808,7 @@
           <a:p>
             <a:fld id="{6A4926B6-441D-4BA1-AD68-6F10F35F7AC9}" type="datetimeFigureOut">
               <a:rPr lang="zh-CN" altLang="en-US" smtClean="0"/>
-              <a:t>2017/7/15</a:t>
+              <a:t>2019/12/15</a:t>
             </a:fld>
             <a:endParaRPr lang="zh-CN" altLang="en-US"/>
           </a:p>
@@ -3021,7 +3021,7 @@
           <a:p>
             <a:fld id="{6A4926B6-441D-4BA1-AD68-6F10F35F7AC9}" type="datetimeFigureOut">
               <a:rPr lang="zh-CN" altLang="en-US" smtClean="0"/>
-              <a:t>2017/7/15</a:t>
+              <a:t>2019/12/15</a:t>
             </a:fld>
             <a:endParaRPr lang="zh-CN" altLang="en-US"/>
           </a:p>
@@ -3458,7 +3458,7 @@
                 <a:latin typeface="微软雅黑" panose="020B0503020204020204" pitchFamily="34" charset="-122"/>
                 <a:ea typeface="微软雅黑" panose="020B0503020204020204" pitchFamily="34" charset="-122"/>
               </a:rPr>
-              <a:t>硕士</a:t>
+              <a:t>前端开发</a:t>
             </a:r>
             <a:endParaRPr lang="en-US" altLang="zh-CN" sz="1050" b="1" dirty="0" smtClean="0">
               <a:latin typeface="微软雅黑" panose="020B0503020204020204" pitchFamily="34" charset="-122"/>
@@ -3476,7 +3476,7 @@
                 <a:latin typeface="微软雅黑" panose="020B0503020204020204" pitchFamily="34" charset="-122"/>
                 <a:ea typeface="微软雅黑" panose="020B0503020204020204" pitchFamily="34" charset="-122"/>
               </a:rPr>
-              <a:t>西安交通大学 </a:t>
+              <a:t>美团 酒旅</a:t>
             </a:r>
             <a:r>
               <a:rPr lang="en-US" altLang="zh-CN" sz="900" dirty="0" smtClean="0">
@@ -3490,7 +3490,7 @@
                 <a:latin typeface="微软雅黑" panose="020B0503020204020204" pitchFamily="34" charset="-122"/>
                 <a:ea typeface="微软雅黑" panose="020B0503020204020204" pitchFamily="34" charset="-122"/>
               </a:rPr>
-              <a:t>计算机  </a:t>
+              <a:t>流量拓展</a:t>
             </a:r>
             <a:endParaRPr lang="en-US" altLang="zh-CN" sz="900" dirty="0" smtClean="0">
               <a:latin typeface="微软雅黑" panose="020B0503020204020204" pitchFamily="34" charset="-122"/>
@@ -3508,14 +3508,7 @@
                 <a:latin typeface="微软雅黑" panose="020B0503020204020204" pitchFamily="34" charset="-122"/>
                 <a:ea typeface="微软雅黑" panose="020B0503020204020204" pitchFamily="34" charset="-122"/>
               </a:rPr>
-              <a:t>研究</a:t>
-            </a:r>
-            <a:r>
-              <a:rPr lang="zh-CN" altLang="en-US" sz="900" dirty="0">
-                <a:latin typeface="微软雅黑" panose="020B0503020204020204" pitchFamily="34" charset="-122"/>
-                <a:ea typeface="微软雅黑" panose="020B0503020204020204" pitchFamily="34" charset="-122"/>
-              </a:rPr>
-              <a:t>方向</a:t>
+              <a:t>技术方向</a:t>
             </a:r>
             <a:r>
               <a:rPr lang="zh-CN" altLang="en-US" sz="900" dirty="0" smtClean="0">
@@ -3532,7 +3525,27 @@
                 <a:latin typeface="微软雅黑" panose="020B0503020204020204" pitchFamily="34" charset="-122"/>
                 <a:ea typeface="微软雅黑" panose="020B0503020204020204" pitchFamily="34" charset="-122"/>
               </a:rPr>
-              <a:t>物联网建模</a:t>
+              <a:t>小程序 </a:t>
+            </a:r>
+            <a:r>
+              <a:rPr lang="en-US" altLang="zh-CN" sz="900" b="1" dirty="0" smtClean="0">
+                <a:solidFill>
+                  <a:srgbClr val="6679DF"/>
+                </a:solidFill>
+                <a:latin typeface="微软雅黑" panose="020B0503020204020204" pitchFamily="34" charset="-122"/>
+                <a:ea typeface="微软雅黑" panose="020B0503020204020204" pitchFamily="34" charset="-122"/>
+              </a:rPr>
+              <a:t>H5</a:t>
+            </a:r>
+            <a:r>
+              <a:rPr lang="zh-CN" altLang="en-US" sz="900" b="1" dirty="0" smtClean="0">
+                <a:solidFill>
+                  <a:srgbClr val="6679DF"/>
+                </a:solidFill>
+                <a:latin typeface="微软雅黑" panose="020B0503020204020204" pitchFamily="34" charset="-122"/>
+                <a:ea typeface="微软雅黑" panose="020B0503020204020204" pitchFamily="34" charset="-122"/>
+              </a:rPr>
+              <a:t> </a:t>
             </a:r>
             <a:endParaRPr lang="en-US" altLang="zh-CN" sz="900" b="1" dirty="0" smtClean="0">
               <a:solidFill>
@@ -3549,11 +3562,25 @@
               </a:lnSpc>
             </a:pPr>
             <a:r>
-              <a:rPr lang="zh-CN" altLang="en-US" sz="1050" b="1" dirty="0">
-                <a:latin typeface="微软雅黑" panose="020B0503020204020204" pitchFamily="34" charset="-122"/>
-                <a:ea typeface="微软雅黑" panose="020B0503020204020204" pitchFamily="34" charset="-122"/>
-              </a:rPr>
-              <a:t>本科</a:t>
+              <a:rPr lang="zh-CN" altLang="en-US" sz="1050" b="1" dirty="0" smtClean="0">
+                <a:latin typeface="微软雅黑" panose="020B0503020204020204" pitchFamily="34" charset="-122"/>
+                <a:ea typeface="微软雅黑" panose="020B0503020204020204" pitchFamily="34" charset="-122"/>
+              </a:rPr>
+              <a:t>本</a:t>
+            </a:r>
+            <a:r>
+              <a:rPr lang="en-US" altLang="zh-CN" sz="1050" b="1" dirty="0" smtClean="0">
+                <a:latin typeface="微软雅黑" panose="020B0503020204020204" pitchFamily="34" charset="-122"/>
+                <a:ea typeface="微软雅黑" panose="020B0503020204020204" pitchFamily="34" charset="-122"/>
+              </a:rPr>
+              <a:t>/</a:t>
+            </a:r>
+            <a:r>
+              <a:rPr lang="zh-CN" altLang="en-US" sz="1050" b="1" dirty="0" smtClean="0">
+                <a:latin typeface="微软雅黑" panose="020B0503020204020204" pitchFamily="34" charset="-122"/>
+                <a:ea typeface="微软雅黑" panose="020B0503020204020204" pitchFamily="34" charset="-122"/>
+              </a:rPr>
+              <a:t>硕</a:t>
             </a:r>
             <a:endParaRPr lang="en-US" altLang="zh-CN" sz="1050" b="1" dirty="0">
               <a:latin typeface="微软雅黑" panose="020B0503020204020204" pitchFamily="34" charset="-122"/>
@@ -3571,7 +3598,14 @@
                 <a:latin typeface="微软雅黑" panose="020B0503020204020204" pitchFamily="34" charset="-122"/>
                 <a:ea typeface="微软雅黑" panose="020B0503020204020204" pitchFamily="34" charset="-122"/>
               </a:rPr>
-              <a:t>北京理工大学  软件工程</a:t>
+              <a:t>北京</a:t>
+            </a:r>
+            <a:r>
+              <a:rPr lang="zh-CN" altLang="en-US" sz="900" dirty="0" smtClean="0">
+                <a:latin typeface="微软雅黑" panose="020B0503020204020204" pitchFamily="34" charset="-122"/>
+                <a:ea typeface="微软雅黑" panose="020B0503020204020204" pitchFamily="34" charset="-122"/>
+              </a:rPr>
+              <a:t>理工  西安交通  计算机</a:t>
             </a:r>
             <a:endParaRPr lang="en-US" altLang="zh-CN" sz="900" dirty="0">
               <a:latin typeface="微软雅黑" panose="020B0503020204020204" pitchFamily="34" charset="-122"/>
@@ -4793,7 +4827,7 @@
         <p:spPr>
           <a:xfrm>
             <a:off x="3556316" y="6529649"/>
-            <a:ext cx="3136989" cy="1438855"/>
+            <a:ext cx="3136989" cy="861774"/>
           </a:xfrm>
           <a:prstGeom prst="rect">
             <a:avLst/>
@@ -4812,98 +4846,7 @@
               <a:buFont typeface="Wingdings" panose="05000000000000000000" pitchFamily="2" charset="2"/>
               <a:buChar char="ü"/>
             </a:pPr>
-            <a:r>
-              <a:rPr lang="en-US" altLang="zh-CN" sz="900" dirty="0" smtClean="0">
-                <a:latin typeface="微软雅黑" panose="020B0503020204020204" pitchFamily="34" charset="-122"/>
-                <a:ea typeface="微软雅黑" panose="020B0503020204020204" pitchFamily="34" charset="-122"/>
-              </a:rPr>
-              <a:t>2013 </a:t>
-            </a:r>
-            <a:r>
-              <a:rPr lang="zh-CN" altLang="en-US" sz="900" dirty="0" smtClean="0">
-                <a:latin typeface="微软雅黑" panose="020B0503020204020204" pitchFamily="34" charset="-122"/>
-                <a:ea typeface="微软雅黑" panose="020B0503020204020204" pitchFamily="34" charset="-122"/>
-              </a:rPr>
-              <a:t>年</a:t>
-            </a:r>
-            <a:r>
-              <a:rPr lang="zh-CN" altLang="en-US" sz="900" dirty="0">
-                <a:latin typeface="微软雅黑" panose="020B0503020204020204" pitchFamily="34" charset="-122"/>
-                <a:ea typeface="微软雅黑" panose="020B0503020204020204" pitchFamily="34" charset="-122"/>
-              </a:rPr>
-              <a:t>中国机器人大赛机器人足球中型组</a:t>
-            </a:r>
-            <a:r>
-              <a:rPr lang="zh-CN" altLang="en-US" sz="900" dirty="0" smtClean="0">
-                <a:latin typeface="微软雅黑" panose="020B0503020204020204" pitchFamily="34" charset="-122"/>
-                <a:ea typeface="微软雅黑" panose="020B0503020204020204" pitchFamily="34" charset="-122"/>
-              </a:rPr>
-              <a:t>项目一等奖</a:t>
-            </a:r>
-            <a:r>
-              <a:rPr lang="zh-CN" altLang="en-US" sz="900" dirty="0">
-                <a:latin typeface="微软雅黑" panose="020B0503020204020204" pitchFamily="34" charset="-122"/>
-                <a:ea typeface="微软雅黑" panose="020B0503020204020204" pitchFamily="34" charset="-122"/>
-              </a:rPr>
-              <a:t>（</a:t>
-            </a:r>
-            <a:r>
-              <a:rPr lang="zh-CN" altLang="en-US" sz="900" dirty="0" smtClean="0">
-                <a:latin typeface="微软雅黑" panose="020B0503020204020204" pitchFamily="34" charset="-122"/>
-                <a:ea typeface="微软雅黑" panose="020B0503020204020204" pitchFamily="34" charset="-122"/>
-              </a:rPr>
-              <a:t>冠军）</a:t>
-            </a:r>
-            <a:r>
-              <a:rPr lang="zh-CN" altLang="en-US" sz="900" dirty="0">
-                <a:latin typeface="微软雅黑" panose="020B0503020204020204" pitchFamily="34" charset="-122"/>
-                <a:ea typeface="微软雅黑" panose="020B0503020204020204" pitchFamily="34" charset="-122"/>
-              </a:rPr>
-              <a:t>，</a:t>
-            </a:r>
-            <a:r>
-              <a:rPr lang="zh-CN" altLang="en-US" sz="900" dirty="0" smtClean="0">
-                <a:latin typeface="微软雅黑" panose="020B0503020204020204" pitchFamily="34" charset="-122"/>
-                <a:ea typeface="微软雅黑" panose="020B0503020204020204" pitchFamily="34" charset="-122"/>
-              </a:rPr>
-              <a:t>技术</a:t>
-            </a:r>
-            <a:r>
-              <a:rPr lang="zh-CN" altLang="en-US" sz="900" dirty="0">
-                <a:latin typeface="微软雅黑" panose="020B0503020204020204" pitchFamily="34" charset="-122"/>
-                <a:ea typeface="微软雅黑" panose="020B0503020204020204" pitchFamily="34" charset="-122"/>
-              </a:rPr>
-              <a:t>挑战赛（规定</a:t>
-            </a:r>
-            <a:r>
-              <a:rPr lang="zh-CN" altLang="en-US" sz="900" dirty="0" smtClean="0">
-                <a:latin typeface="微软雅黑" panose="020B0503020204020204" pitchFamily="34" charset="-122"/>
-                <a:ea typeface="微软雅黑" panose="020B0503020204020204" pitchFamily="34" charset="-122"/>
-              </a:rPr>
-              <a:t>项目）二等奖</a:t>
-            </a:r>
-            <a:r>
-              <a:rPr lang="zh-CN" altLang="en-US" sz="900" dirty="0">
-                <a:latin typeface="微软雅黑" panose="020B0503020204020204" pitchFamily="34" charset="-122"/>
-                <a:ea typeface="微软雅黑" panose="020B0503020204020204" pitchFamily="34" charset="-122"/>
-              </a:rPr>
-              <a:t>，</a:t>
-            </a:r>
-            <a:r>
-              <a:rPr lang="zh-CN" altLang="en-US" sz="900" dirty="0" smtClean="0">
-                <a:latin typeface="微软雅黑" panose="020B0503020204020204" pitchFamily="34" charset="-122"/>
-                <a:ea typeface="微软雅黑" panose="020B0503020204020204" pitchFamily="34" charset="-122"/>
-              </a:rPr>
-              <a:t>技术</a:t>
-            </a:r>
-            <a:r>
-              <a:rPr lang="zh-CN" altLang="en-US" sz="900" dirty="0">
-                <a:latin typeface="微软雅黑" panose="020B0503020204020204" pitchFamily="34" charset="-122"/>
-                <a:ea typeface="微软雅黑" panose="020B0503020204020204" pitchFamily="34" charset="-122"/>
-              </a:rPr>
-              <a:t>挑战赛（自选项目）二等奖</a:t>
-            </a:r>
-            <a:endParaRPr lang="en-US" altLang="zh-CN" sz="900" dirty="0">
+            <a:endParaRPr lang="en-US" altLang="zh-CN" sz="900" dirty="0" smtClean="0">
               <a:latin typeface="微软雅黑" panose="020B0503020204020204" pitchFamily="34" charset="-122"/>
               <a:ea typeface="微软雅黑" panose="020B0503020204020204" pitchFamily="34" charset="-122"/>
             </a:endParaRPr>
@@ -4917,25 +4860,11 @@
               <a:buChar char="ü"/>
             </a:pPr>
             <a:r>
-              <a:rPr lang="en-US" altLang="zh-CN" sz="900" dirty="0" smtClean="0">
-                <a:latin typeface="微软雅黑" panose="020B0503020204020204" pitchFamily="34" charset="-122"/>
-                <a:ea typeface="微软雅黑" panose="020B0503020204020204" pitchFamily="34" charset="-122"/>
-              </a:rPr>
-              <a:t>2013 </a:t>
-            </a:r>
-            <a:r>
               <a:rPr lang="zh-CN" altLang="en-US" sz="900" dirty="0" smtClean="0">
                 <a:latin typeface="微软雅黑" panose="020B0503020204020204" pitchFamily="34" charset="-122"/>
                 <a:ea typeface="微软雅黑" panose="020B0503020204020204" pitchFamily="34" charset="-122"/>
               </a:rPr>
-              <a:t>年获</a:t>
-            </a:r>
-            <a:r>
-              <a:rPr lang="zh-CN" altLang="en-US" sz="900" dirty="0">
-                <a:latin typeface="微软雅黑" panose="020B0503020204020204" pitchFamily="34" charset="-122"/>
-                <a:ea typeface="微软雅黑" panose="020B0503020204020204" pitchFamily="34" charset="-122"/>
-              </a:rPr>
-              <a:t>“足球机器人守门员自动伸缩架”国家专利</a:t>
+              <a:t>文章：一种基于惰性渲染的组件显隐方案</a:t>
             </a:r>
             <a:endParaRPr lang="en-US" altLang="zh-CN" sz="900" dirty="0">
               <a:latin typeface="微软雅黑" panose="020B0503020204020204" pitchFamily="34" charset="-122"/>
@@ -4950,48 +4879,10 @@
               <a:buFont typeface="Wingdings" panose="05000000000000000000" pitchFamily="2" charset="2"/>
               <a:buChar char="ü"/>
             </a:pPr>
-            <a:r>
-              <a:rPr lang="en-US" altLang="zh-CN" sz="900" dirty="0" smtClean="0">
-                <a:latin typeface="微软雅黑" panose="020B0503020204020204" pitchFamily="34" charset="-122"/>
-                <a:ea typeface="微软雅黑" panose="020B0503020204020204" pitchFamily="34" charset="-122"/>
-              </a:rPr>
-              <a:t>2013 </a:t>
-            </a:r>
-            <a:r>
-              <a:rPr lang="zh-CN" altLang="en-US" sz="900" dirty="0" smtClean="0">
-                <a:latin typeface="微软雅黑" panose="020B0503020204020204" pitchFamily="34" charset="-122"/>
-                <a:ea typeface="微软雅黑" panose="020B0503020204020204" pitchFamily="34" charset="-122"/>
-              </a:rPr>
-              <a:t>年</a:t>
-            </a:r>
-            <a:r>
-              <a:rPr lang="en-US" altLang="zh-CN" sz="900" dirty="0" err="1" smtClean="0">
-                <a:latin typeface="微软雅黑" panose="020B0503020204020204" pitchFamily="34" charset="-122"/>
-                <a:ea typeface="微软雅黑" panose="020B0503020204020204" pitchFamily="34" charset="-122"/>
-              </a:rPr>
-              <a:t>RoboCup</a:t>
-            </a:r>
-            <a:r>
-              <a:rPr lang="zh-CN" altLang="en-US" sz="900" dirty="0">
-                <a:latin typeface="微软雅黑" panose="020B0503020204020204" pitchFamily="34" charset="-122"/>
-                <a:ea typeface="微软雅黑" panose="020B0503020204020204" pitchFamily="34" charset="-122"/>
-              </a:rPr>
-              <a:t>机器人</a:t>
-            </a:r>
-            <a:r>
-              <a:rPr lang="zh-CN" altLang="en-US" sz="900" dirty="0" smtClean="0">
-                <a:latin typeface="微软雅黑" panose="020B0503020204020204" pitchFamily="34" charset="-122"/>
-                <a:ea typeface="微软雅黑" panose="020B0503020204020204" pitchFamily="34" charset="-122"/>
-              </a:rPr>
-              <a:t>世界杯机器人</a:t>
-            </a:r>
-            <a:r>
-              <a:rPr lang="zh-CN" altLang="en-US" sz="900" dirty="0">
-                <a:latin typeface="微软雅黑" panose="020B0503020204020204" pitchFamily="34" charset="-122"/>
-                <a:ea typeface="微软雅黑" panose="020B0503020204020204" pitchFamily="34" charset="-122"/>
-              </a:rPr>
-              <a:t>足球中型组项目第四名</a:t>
-            </a:r>
+            <a:endParaRPr lang="en-US" altLang="zh-CN" sz="900" dirty="0" smtClean="0">
+              <a:latin typeface="微软雅黑" panose="020B0503020204020204" pitchFamily="34" charset="-122"/>
+              <a:ea typeface="微软雅黑" panose="020B0503020204020204" pitchFamily="34" charset="-122"/>
+            </a:endParaRPr>
           </a:p>
           <a:p>
             <a:pPr marL="171450" indent="-171450">
@@ -5002,193 +4893,44 @@
               <a:buChar char="ü"/>
             </a:pPr>
             <a:r>
+              <a:rPr lang="zh-CN" altLang="en-US" sz="900" dirty="0" smtClean="0">
+                <a:latin typeface="微软雅黑" panose="020B0503020204020204" pitchFamily="34" charset="-122"/>
+                <a:ea typeface="微软雅黑" panose="020B0503020204020204" pitchFamily="34" charset="-122"/>
+              </a:rPr>
+              <a:t>专利</a:t>
+            </a:r>
+            <a:r>
+              <a:rPr lang="zh-CN" altLang="en-US" sz="900" dirty="0">
+                <a:latin typeface="微软雅黑" panose="020B0503020204020204" pitchFamily="34" charset="-122"/>
+                <a:ea typeface="微软雅黑" panose="020B0503020204020204" pitchFamily="34" charset="-122"/>
+              </a:rPr>
+              <a:t>：</a:t>
+            </a:r>
+            <a:r>
+              <a:rPr lang="zh-CN" altLang="en-US" sz="900" dirty="0">
+                <a:latin typeface="微软雅黑" panose="020B0503020204020204" pitchFamily="34" charset="-122"/>
+                <a:ea typeface="微软雅黑" panose="020B0503020204020204" pitchFamily="34" charset="-122"/>
+              </a:rPr>
+              <a:t>一种基于设计图的网页</a:t>
+            </a:r>
+            <a:r>
               <a:rPr lang="en-US" altLang="zh-CN" sz="900" dirty="0">
                 <a:latin typeface="微软雅黑" panose="020B0503020204020204" pitchFamily="34" charset="-122"/>
                 <a:ea typeface="微软雅黑" panose="020B0503020204020204" pitchFamily="34" charset="-122"/>
               </a:rPr>
-              <a:t>2015 – 2016 </a:t>
+              <a:t>UI</a:t>
             </a:r>
             <a:r>
               <a:rPr lang="zh-CN" altLang="en-US" sz="900" dirty="0">
                 <a:latin typeface="微软雅黑" panose="020B0503020204020204" pitchFamily="34" charset="-122"/>
                 <a:ea typeface="微软雅黑" panose="020B0503020204020204" pitchFamily="34" charset="-122"/>
               </a:rPr>
-              <a:t>年度硕士</a:t>
-            </a:r>
-            <a:r>
-              <a:rPr lang="zh-CN" altLang="en-US" sz="900" dirty="0" smtClean="0">
-                <a:latin typeface="微软雅黑" panose="020B0503020204020204" pitchFamily="34" charset="-122"/>
-                <a:ea typeface="微软雅黑" panose="020B0503020204020204" pitchFamily="34" charset="-122"/>
-              </a:rPr>
-              <a:t>研究生学业奖学金</a:t>
+              <a:t>界面验收方案</a:t>
             </a:r>
             <a:endParaRPr lang="en-US" altLang="zh-CN" sz="900" dirty="0">
               <a:latin typeface="微软雅黑" panose="020B0503020204020204" pitchFamily="34" charset="-122"/>
               <a:ea typeface="微软雅黑" panose="020B0503020204020204" pitchFamily="34" charset="-122"/>
             </a:endParaRPr>
-          </a:p>
-        </p:txBody>
-      </p:sp>
-      <p:sp>
-        <p:nvSpPr>
-          <p:cNvPr id="6" name="矩形 5"/>
-          <p:cNvSpPr/>
-          <p:nvPr/>
-        </p:nvSpPr>
-        <p:spPr>
-          <a:xfrm>
-            <a:off x="3556316" y="8306611"/>
-            <a:ext cx="2997159" cy="1054135"/>
-          </a:xfrm>
-          <a:prstGeom prst="rect">
-            <a:avLst/>
-          </a:prstGeom>
-        </p:spPr>
-        <p:txBody>
-          <a:bodyPr wrap="square">
-            <a:spAutoFit/>
-          </a:bodyPr>
-          <a:lstStyle/>
-          <a:p>
-            <a:pPr marL="171450" indent="-171450">
-              <a:lnSpc>
-                <a:spcPts val="1500"/>
-              </a:lnSpc>
-              <a:buFont typeface="Wingdings" panose="05000000000000000000" pitchFamily="2" charset="2"/>
-              <a:buChar char="ü"/>
-            </a:pPr>
-            <a:r>
-              <a:rPr lang="en-US" altLang="zh-CN" sz="900" dirty="0" smtClean="0">
-                <a:latin typeface="微软雅黑" panose="020B0503020204020204" pitchFamily="34" charset="-122"/>
-                <a:ea typeface="微软雅黑" panose="020B0503020204020204" pitchFamily="34" charset="-122"/>
-              </a:rPr>
-              <a:t>2016</a:t>
-            </a:r>
-            <a:r>
-              <a:rPr lang="zh-CN" altLang="en-US" sz="900" dirty="0">
-                <a:latin typeface="微软雅黑" panose="020B0503020204020204" pitchFamily="34" charset="-122"/>
-                <a:ea typeface="微软雅黑" panose="020B0503020204020204" pitchFamily="34" charset="-122"/>
-              </a:rPr>
-              <a:t> </a:t>
-            </a:r>
-            <a:r>
-              <a:rPr lang="en-US" altLang="zh-CN" sz="900" dirty="0">
-                <a:latin typeface="微软雅黑" panose="020B0503020204020204" pitchFamily="34" charset="-122"/>
-                <a:ea typeface="微软雅黑" panose="020B0503020204020204" pitchFamily="34" charset="-122"/>
-              </a:rPr>
-              <a:t>– </a:t>
-            </a:r>
-            <a:r>
-              <a:rPr lang="en-US" altLang="zh-CN" sz="900" dirty="0" smtClean="0">
-                <a:latin typeface="微软雅黑" panose="020B0503020204020204" pitchFamily="34" charset="-122"/>
-                <a:ea typeface="微软雅黑" panose="020B0503020204020204" pitchFamily="34" charset="-122"/>
-              </a:rPr>
-              <a:t>2017 </a:t>
-            </a:r>
-            <a:r>
-              <a:rPr lang="zh-CN" altLang="en-US" sz="900" dirty="0" smtClean="0">
-                <a:latin typeface="微软雅黑" panose="020B0503020204020204" pitchFamily="34" charset="-122"/>
-                <a:ea typeface="微软雅黑" panose="020B0503020204020204" pitchFamily="34" charset="-122"/>
-              </a:rPr>
-              <a:t>年度担任西安交通大学电信</a:t>
-            </a:r>
-            <a:r>
-              <a:rPr lang="zh-CN" altLang="en-US" sz="900" dirty="0">
-                <a:latin typeface="微软雅黑" panose="020B0503020204020204" pitchFamily="34" charset="-122"/>
-                <a:ea typeface="微软雅黑" panose="020B0503020204020204" pitchFamily="34" charset="-122"/>
-              </a:rPr>
-              <a:t>学院科创中心主任</a:t>
-            </a:r>
-            <a:r>
-              <a:rPr lang="zh-CN" altLang="en-US" sz="900" dirty="0" smtClean="0">
-                <a:latin typeface="微软雅黑" panose="020B0503020204020204" pitchFamily="34" charset="-122"/>
-                <a:ea typeface="微软雅黑" panose="020B0503020204020204" pitchFamily="34" charset="-122"/>
-              </a:rPr>
-              <a:t>，负责</a:t>
-            </a:r>
-            <a:r>
-              <a:rPr lang="zh-CN" altLang="en-US" sz="900" dirty="0">
-                <a:latin typeface="微软雅黑" panose="020B0503020204020204" pitchFamily="34" charset="-122"/>
-                <a:ea typeface="微软雅黑" panose="020B0503020204020204" pitchFamily="34" charset="-122"/>
-              </a:rPr>
-              <a:t>办公自动化以及竞赛活动筹办等工作</a:t>
-            </a:r>
-            <a:endParaRPr lang="en-US" altLang="zh-CN" sz="900" dirty="0">
-              <a:latin typeface="微软雅黑" panose="020B0503020204020204" pitchFamily="34" charset="-122"/>
-              <a:ea typeface="微软雅黑" panose="020B0503020204020204" pitchFamily="34" charset="-122"/>
-            </a:endParaRPr>
-          </a:p>
-          <a:p>
-            <a:pPr marL="171450" indent="-171450">
-              <a:lnSpc>
-                <a:spcPts val="1500"/>
-              </a:lnSpc>
-              <a:buFont typeface="Wingdings" panose="05000000000000000000" pitchFamily="2" charset="2"/>
-              <a:buChar char="ü"/>
-            </a:pPr>
-            <a:r>
-              <a:rPr lang="en-US" altLang="zh-CN" sz="900" dirty="0">
-                <a:latin typeface="微软雅黑" panose="020B0503020204020204" pitchFamily="34" charset="-122"/>
-                <a:ea typeface="微软雅黑" panose="020B0503020204020204" pitchFamily="34" charset="-122"/>
-              </a:rPr>
-              <a:t>2012</a:t>
-            </a:r>
-            <a:r>
-              <a:rPr lang="zh-CN" altLang="en-US" sz="900" dirty="0">
-                <a:latin typeface="微软雅黑" panose="020B0503020204020204" pitchFamily="34" charset="-122"/>
-                <a:ea typeface="微软雅黑" panose="020B0503020204020204" pitchFamily="34" charset="-122"/>
-              </a:rPr>
-              <a:t> </a:t>
-            </a:r>
-            <a:r>
-              <a:rPr lang="en-US" altLang="zh-CN" sz="900" dirty="0">
-                <a:latin typeface="微软雅黑" panose="020B0503020204020204" pitchFamily="34" charset="-122"/>
-                <a:ea typeface="微软雅黑" panose="020B0503020204020204" pitchFamily="34" charset="-122"/>
-              </a:rPr>
-              <a:t>– 2014</a:t>
-            </a:r>
-            <a:r>
-              <a:rPr lang="zh-CN" altLang="en-US" sz="900" dirty="0" smtClean="0">
-                <a:latin typeface="微软雅黑" panose="020B0503020204020204" pitchFamily="34" charset="-122"/>
-                <a:ea typeface="微软雅黑" panose="020B0503020204020204" pitchFamily="34" charset="-122"/>
-              </a:rPr>
-              <a:t>年度担任北京</a:t>
-            </a:r>
-            <a:r>
-              <a:rPr lang="zh-CN" altLang="en-US" sz="900" dirty="0">
-                <a:latin typeface="微软雅黑" panose="020B0503020204020204" pitchFamily="34" charset="-122"/>
-                <a:ea typeface="微软雅黑" panose="020B0503020204020204" pitchFamily="34" charset="-122"/>
-              </a:rPr>
-              <a:t>理工软件学院学生</a:t>
-            </a:r>
-            <a:r>
-              <a:rPr lang="zh-CN" altLang="en-US" sz="900" dirty="0" smtClean="0">
-                <a:latin typeface="微软雅黑" panose="020B0503020204020204" pitchFamily="34" charset="-122"/>
-                <a:ea typeface="微软雅黑" panose="020B0503020204020204" pitchFamily="34" charset="-122"/>
-              </a:rPr>
-              <a:t>办公处学生</a:t>
-            </a:r>
-            <a:r>
-              <a:rPr lang="zh-CN" altLang="en-US" sz="900" dirty="0">
-                <a:latin typeface="微软雅黑" panose="020B0503020204020204" pitchFamily="34" charset="-122"/>
-                <a:ea typeface="微软雅黑" panose="020B0503020204020204" pitchFamily="34" charset="-122"/>
-              </a:rPr>
-              <a:t>秘书</a:t>
-            </a:r>
-            <a:r>
-              <a:rPr lang="zh-CN" altLang="en-US" sz="900" dirty="0" smtClean="0">
-                <a:latin typeface="微软雅黑" panose="020B0503020204020204" pitchFamily="34" charset="-122"/>
-                <a:ea typeface="微软雅黑" panose="020B0503020204020204" pitchFamily="34" charset="-122"/>
-              </a:rPr>
-              <a:t>，负责</a:t>
-            </a:r>
-            <a:r>
-              <a:rPr lang="zh-CN" altLang="en-US" sz="900" dirty="0">
-                <a:latin typeface="微软雅黑" panose="020B0503020204020204" pitchFamily="34" charset="-122"/>
-                <a:ea typeface="微软雅黑" panose="020B0503020204020204" pitchFamily="34" charset="-122"/>
-              </a:rPr>
-              <a:t>编写文档、统计数据以及学生事务处理等工作。</a:t>
-            </a:r>
           </a:p>
         </p:txBody>
       </p:sp>
@@ -5701,7 +5443,7 @@
                 <a:latin typeface="微软雅黑" panose="020B0503020204020204" pitchFamily="34" charset="-122"/>
                 <a:ea typeface="微软雅黑" panose="020B0503020204020204" pitchFamily="34" charset="-122"/>
               </a:rPr>
-              <a:t>获奖记录</a:t>
+              <a:t>技术创新</a:t>
             </a:r>
             <a:endParaRPr lang="en-US" altLang="zh-CN" sz="1200" b="1" dirty="0">
               <a:latin typeface="微软雅黑" panose="020B0503020204020204" pitchFamily="34" charset="-122"/>
@@ -6047,7 +5789,27 @@
                 <a:latin typeface="微软雅黑" panose="020B0503020204020204" pitchFamily="34" charset="-122"/>
                 <a:ea typeface="微软雅黑" panose="020B0503020204020204" pitchFamily="34" charset="-122"/>
               </a:rPr>
-              <a:t>2015 - 2018</a:t>
+              <a:t>2018 </a:t>
+            </a:r>
+            <a:r>
+              <a:rPr lang="en-US" altLang="zh-CN" sz="900" dirty="0" smtClean="0">
+                <a:solidFill>
+                  <a:prstClr val="black"/>
+                </a:solidFill>
+                <a:latin typeface="微软雅黑" panose="020B0503020204020204" pitchFamily="34" charset="-122"/>
+                <a:ea typeface="微软雅黑" panose="020B0503020204020204" pitchFamily="34" charset="-122"/>
+              </a:rPr>
+              <a:t>- </a:t>
+            </a:r>
+            <a:r>
+              <a:rPr lang="en-US" altLang="zh-CN" sz="900" dirty="0" smtClean="0">
+                <a:solidFill>
+                  <a:prstClr val="black"/>
+                </a:solidFill>
+                <a:latin typeface="微软雅黑" panose="020B0503020204020204" pitchFamily="34" charset="-122"/>
+                <a:ea typeface="微软雅黑" panose="020B0503020204020204" pitchFamily="34" charset="-122"/>
+              </a:rPr>
+              <a:t>2019</a:t>
             </a:r>
             <a:endParaRPr lang="zh-CN" altLang="en-US" sz="1600" dirty="0"/>
           </a:p>
@@ -6082,7 +5844,17 @@
                 <a:latin typeface="微软雅黑" panose="020B0503020204020204" pitchFamily="34" charset="-122"/>
                 <a:ea typeface="微软雅黑" panose="020B0503020204020204" pitchFamily="34" charset="-122"/>
               </a:rPr>
-              <a:t>2011 - 2015</a:t>
+              <a:t>2011 - </a:t>
+            </a:r>
+            <a:r>
+              <a:rPr lang="en-US" altLang="zh-CN" sz="900" dirty="0" smtClean="0">
+                <a:solidFill>
+                  <a:prstClr val="black"/>
+                </a:solidFill>
+                <a:latin typeface="微软雅黑" panose="020B0503020204020204" pitchFamily="34" charset="-122"/>
+                <a:ea typeface="微软雅黑" panose="020B0503020204020204" pitchFamily="34" charset="-122"/>
+              </a:rPr>
+              <a:t>2018</a:t>
             </a:r>
             <a:endParaRPr lang="zh-CN" altLang="en-US" sz="1600" dirty="0"/>
           </a:p>
@@ -6183,9 +5955,9 @@
         <p:grpSpPr>
           <a:xfrm>
             <a:off x="386128" y="3628536"/>
-            <a:ext cx="2882520" cy="2106808"/>
+            <a:ext cx="2867931" cy="1722088"/>
             <a:chOff x="416608" y="3709272"/>
-            <a:chExt cx="2882520" cy="2106808"/>
+            <a:chExt cx="2867931" cy="1722088"/>
           </a:xfrm>
         </p:grpSpPr>
         <p:sp>
@@ -6219,7 +5991,7 @@
                   <a:latin typeface="微软雅黑" panose="020B0503020204020204" pitchFamily="34" charset="-122"/>
                   <a:ea typeface="微软雅黑" panose="020B0503020204020204" pitchFamily="34" charset="-122"/>
                 </a:rPr>
-                <a:t>2016.10 </a:t>
+                <a:t>2018.12 </a:t>
               </a:r>
               <a:r>
                 <a:rPr lang="mr-IN" altLang="zh-CN" sz="900" dirty="0" smtClean="0">
@@ -6233,7 +6005,14 @@
                   <a:latin typeface="微软雅黑" panose="020B0503020204020204" pitchFamily="34" charset="-122"/>
                   <a:ea typeface="微软雅黑" panose="020B0503020204020204" pitchFamily="34" charset="-122"/>
                 </a:rPr>
-                <a:t> 2017.5</a:t>
+                <a:t> </a:t>
+              </a:r>
+              <a:r>
+                <a:rPr lang="en-US" altLang="zh-CN" sz="900" dirty="0" smtClean="0">
+                  <a:latin typeface="微软雅黑" panose="020B0503020204020204" pitchFamily="34" charset="-122"/>
+                  <a:ea typeface="微软雅黑" panose="020B0503020204020204" pitchFamily="34" charset="-122"/>
+                </a:rPr>
+                <a:t>2019.8</a:t>
               </a:r>
               <a:endParaRPr lang="en-US" altLang="zh-CN" sz="900" dirty="0">
                 <a:latin typeface="微软雅黑" panose="020B0503020204020204" pitchFamily="34" charset="-122"/>
@@ -6251,7 +6030,7 @@
           <p:spPr>
             <a:xfrm>
               <a:off x="416608" y="3889580"/>
-              <a:ext cx="2882520" cy="334707"/>
+              <a:ext cx="1931939" cy="334707"/>
             </a:xfrm>
             <a:prstGeom prst="rect">
               <a:avLst/>
@@ -6269,18 +6048,25 @@
                 </a:lnSpc>
               </a:pPr>
               <a:r>
-                <a:rPr lang="en-US" altLang="zh-CN" sz="1050" b="1" dirty="0">
+                <a:rPr lang="zh-CN" altLang="en-US" sz="1050" b="1" dirty="0" smtClean="0">
                   <a:latin typeface="微软雅黑" panose="020B0503020204020204" pitchFamily="34" charset="-122"/>
                   <a:ea typeface="微软雅黑" panose="020B0503020204020204" pitchFamily="34" charset="-122"/>
                 </a:rPr>
-                <a:t>StateChart — </a:t>
+                <a:t>活动类需求</a:t>
               </a:r>
               <a:r>
-                <a:rPr lang="zh-CN" altLang="en-US" sz="1050" b="1" dirty="0">
+                <a:rPr lang="en-US" altLang="zh-CN" sz="1050" b="1" dirty="0" smtClean="0">
                   <a:latin typeface="微软雅黑" panose="020B0503020204020204" pitchFamily="34" charset="-122"/>
                   <a:ea typeface="微软雅黑" panose="020B0503020204020204" pitchFamily="34" charset="-122"/>
                 </a:rPr>
-                <a:t>基于状态机的物联网建模平台</a:t>
+                <a:t>— </a:t>
+              </a:r>
+              <a:r>
+                <a:rPr lang="zh-CN" altLang="en-US" sz="1050" b="1" dirty="0" smtClean="0">
+                  <a:latin typeface="微软雅黑" panose="020B0503020204020204" pitchFamily="34" charset="-122"/>
+                  <a:ea typeface="微软雅黑" panose="020B0503020204020204" pitchFamily="34" charset="-122"/>
+                </a:rPr>
+                <a:t>砍价 砍券 福袋</a:t>
               </a:r>
               <a:endParaRPr lang="en-US" altLang="zh-CN" sz="1050" b="1" dirty="0">
                 <a:latin typeface="微软雅黑" panose="020B0503020204020204" pitchFamily="34" charset="-122"/>
@@ -6360,7 +6146,7 @@
           <p:spPr>
             <a:xfrm>
               <a:off x="416610" y="4377225"/>
-              <a:ext cx="2867929" cy="1438855"/>
+              <a:ext cx="2867929" cy="1054135"/>
             </a:xfrm>
             <a:prstGeom prst="rect">
               <a:avLst/>
@@ -6380,26 +6166,79 @@
                 <a:buChar char="ü"/>
               </a:pPr>
               <a:r>
-                <a:rPr lang="zh-CN" altLang="en-US" sz="900" dirty="0" smtClean="0">
+                <a:rPr lang="zh-CN" altLang="en-US" sz="900" dirty="0">
                   <a:latin typeface="微软雅黑" panose="020B0503020204020204" pitchFamily="34" charset="-122"/>
                   <a:ea typeface="微软雅黑" panose="020B0503020204020204" pitchFamily="34" charset="-122"/>
                 </a:rPr>
-                <a:t>使用 </a:t>
+                <a:t>福袋协调</a:t>
               </a:r>
               <a:r>
-                <a:rPr lang="en-US" altLang="zh-CN" sz="900" dirty="0" smtClean="0">
+                <a:rPr lang="en-US" altLang="zh-CN" sz="900" dirty="0">
                   <a:latin typeface="微软雅黑" panose="020B0503020204020204" pitchFamily="34" charset="-122"/>
                   <a:ea typeface="微软雅黑" panose="020B0503020204020204" pitchFamily="34" charset="-122"/>
                 </a:rPr>
-                <a:t>SVG </a:t>
+                <a:t>5</a:t>
               </a:r>
               <a:r>
-                <a:rPr lang="zh-CN" altLang="en-US" sz="900" dirty="0" smtClean="0">
+                <a:rPr lang="zh-CN" altLang="en-US" sz="900" dirty="0">
                   <a:latin typeface="微软雅黑" panose="020B0503020204020204" pitchFamily="34" charset="-122"/>
                   <a:ea typeface="微软雅黑" panose="020B0503020204020204" pitchFamily="34" charset="-122"/>
                 </a:rPr>
-                <a:t>和 原生接口，对状态图部件进行绘制</a:t>
+                <a:t>位</a:t>
               </a:r>
+              <a:r>
+                <a:rPr lang="en-US" altLang="zh-CN" sz="900" dirty="0">
+                  <a:latin typeface="微软雅黑" panose="020B0503020204020204" pitchFamily="34" charset="-122"/>
+                  <a:ea typeface="微软雅黑" panose="020B0503020204020204" pitchFamily="34" charset="-122"/>
+                </a:rPr>
+                <a:t>FE</a:t>
+              </a:r>
+              <a:r>
+                <a:rPr lang="zh-CN" altLang="en-US" sz="900" dirty="0">
+                  <a:latin typeface="微软雅黑" panose="020B0503020204020204" pitchFamily="34" charset="-122"/>
+                  <a:ea typeface="微软雅黑" panose="020B0503020204020204" pitchFamily="34" charset="-122"/>
+                </a:rPr>
+                <a:t>完成开发，配合</a:t>
+              </a:r>
+              <a:r>
+                <a:rPr lang="en-US" altLang="zh-CN" sz="900" dirty="0">
+                  <a:latin typeface="微软雅黑" panose="020B0503020204020204" pitchFamily="34" charset="-122"/>
+                  <a:ea typeface="微软雅黑" panose="020B0503020204020204" pitchFamily="34" charset="-122"/>
+                </a:rPr>
+                <a:t>PM</a:t>
+              </a:r>
+              <a:r>
+                <a:rPr lang="zh-CN" altLang="en-US" sz="900" dirty="0">
+                  <a:latin typeface="微软雅黑" panose="020B0503020204020204" pitchFamily="34" charset="-122"/>
+                  <a:ea typeface="微软雅黑" panose="020B0503020204020204" pitchFamily="34" charset="-122"/>
+                </a:rPr>
+                <a:t>及</a:t>
+              </a:r>
+              <a:r>
+                <a:rPr lang="en-US" altLang="zh-CN" sz="900" dirty="0">
+                  <a:latin typeface="微软雅黑" panose="020B0503020204020204" pitchFamily="34" charset="-122"/>
+                  <a:ea typeface="微软雅黑" panose="020B0503020204020204" pitchFamily="34" charset="-122"/>
+                </a:rPr>
+                <a:t>QA</a:t>
+              </a:r>
+              <a:r>
+                <a:rPr lang="zh-CN" altLang="en-US" sz="900" dirty="0">
+                  <a:latin typeface="微软雅黑" panose="020B0503020204020204" pitchFamily="34" charset="-122"/>
+                  <a:ea typeface="微软雅黑" panose="020B0503020204020204" pitchFamily="34" charset="-122"/>
+                </a:rPr>
+                <a:t>完成</a:t>
+              </a:r>
+              <a:r>
+                <a:rPr lang="zh-CN" altLang="en-US" sz="900" dirty="0">
+                  <a:latin typeface="微软雅黑" panose="020B0503020204020204" pitchFamily="34" charset="-122"/>
+                  <a:ea typeface="微软雅黑" panose="020B0503020204020204" pitchFamily="34" charset="-122"/>
+                </a:rPr>
+                <a:t>测试。</a:t>
+              </a:r>
+              <a:endParaRPr lang="en-US" altLang="zh-CN" sz="900" dirty="0">
+                <a:latin typeface="微软雅黑" panose="020B0503020204020204" pitchFamily="34" charset="-122"/>
+                <a:ea typeface="微软雅黑" panose="020B0503020204020204" pitchFamily="34" charset="-122"/>
+              </a:endParaRPr>
             </a:p>
             <a:p>
               <a:pPr marL="171450" lvl="0" indent="-171450">
@@ -6410,39 +6249,32 @@
                 <a:buChar char="ü"/>
               </a:pPr>
               <a:r>
+                <a:rPr lang="zh-CN" altLang="en-US" sz="900" dirty="0">
+                  <a:latin typeface="微软雅黑" panose="020B0503020204020204" pitchFamily="34" charset="-122"/>
+                  <a:ea typeface="微软雅黑" panose="020B0503020204020204" pitchFamily="34" charset="-122"/>
+                </a:rPr>
+                <a:t>抽离共用</a:t>
+              </a:r>
+              <a:r>
                 <a:rPr lang="zh-CN" altLang="en-US" sz="900" dirty="0" smtClean="0">
                   <a:latin typeface="微软雅黑" panose="020B0503020204020204" pitchFamily="34" charset="-122"/>
                   <a:ea typeface="微软雅黑" panose="020B0503020204020204" pitchFamily="34" charset="-122"/>
                 </a:rPr>
-                <a:t>使用 </a:t>
+                <a:t>方法兼容小程序及</a:t>
               </a:r>
               <a:r>
                 <a:rPr lang="en-US" altLang="zh-CN" sz="900" dirty="0" smtClean="0">
                   <a:latin typeface="微软雅黑" panose="020B0503020204020204" pitchFamily="34" charset="-122"/>
                   <a:ea typeface="微软雅黑" panose="020B0503020204020204" pitchFamily="34" charset="-122"/>
                 </a:rPr>
-                <a:t>Express </a:t>
+                <a:t>H5</a:t>
               </a:r>
               <a:r>
                 <a:rPr lang="zh-CN" altLang="en-US" sz="900" dirty="0" smtClean="0">
                   <a:latin typeface="微软雅黑" panose="020B0503020204020204" pitchFamily="34" charset="-122"/>
                   <a:ea typeface="微软雅黑" panose="020B0503020204020204" pitchFamily="34" charset="-122"/>
                 </a:rPr>
-                <a:t>和 </a:t>
-              </a:r>
-              <a:r>
-                <a:rPr lang="en-US" altLang="zh-CN" sz="900" dirty="0" err="1" smtClean="0">
-                  <a:latin typeface="微软雅黑" panose="020B0503020204020204" pitchFamily="34" charset="-122"/>
-                  <a:ea typeface="微软雅黑" panose="020B0503020204020204" pitchFamily="34" charset="-122"/>
-                </a:rPr>
-                <a:t>MongoDB</a:t>
-              </a:r>
-              <a:r>
-                <a:rPr lang="zh-CN" altLang="en-US" sz="900" dirty="0" smtClean="0">
-                  <a:latin typeface="微软雅黑" panose="020B0503020204020204" pitchFamily="34" charset="-122"/>
-                  <a:ea typeface="微软雅黑" panose="020B0503020204020204" pitchFamily="34" charset="-122"/>
-                </a:rPr>
-                <a:t>，完成状态图模型的存储与复用</a:t>
+                <a:t>，配合环境变量动态去冗。</a:t>
               </a:r>
               <a:endParaRPr lang="en-US" altLang="zh-CN" sz="900" dirty="0" smtClean="0">
                 <a:latin typeface="微软雅黑" panose="020B0503020204020204" pitchFamily="34" charset="-122"/>
@@ -6462,37 +6294,7 @@
                   <a:latin typeface="微软雅黑" panose="020B0503020204020204" pitchFamily="34" charset="-122"/>
                   <a:ea typeface="微软雅黑" panose="020B0503020204020204" pitchFamily="34" charset="-122"/>
                 </a:rPr>
-                <a:t>通过提供部件区域匹配挂载与组合部件嵌套放缩，支持复合状态图的绘制与预览</a:t>
-              </a:r>
-            </a:p>
-            <a:p>
-              <a:pPr marL="171450" lvl="0" indent="-171450">
-                <a:lnSpc>
-                  <a:spcPts val="1500"/>
-                </a:lnSpc>
-                <a:buFont typeface="Wingdings" panose="05000000000000000000" pitchFamily="2" charset="2"/>
-                <a:buChar char="ü"/>
-              </a:pPr>
-              <a:r>
-                <a:rPr lang="zh-CN" altLang="en-US" sz="900" dirty="0" smtClean="0">
-                  <a:latin typeface="微软雅黑" panose="020B0503020204020204" pitchFamily="34" charset="-122"/>
-                  <a:ea typeface="微软雅黑" panose="020B0503020204020204" pitchFamily="34" charset="-122"/>
-                </a:rPr>
-                <a:t>通过提供描述构建模型的</a:t>
-              </a:r>
-              <a:r>
-                <a:rPr lang="en-US" altLang="zh-CN" sz="900" dirty="0" smtClean="0">
-                  <a:latin typeface="微软雅黑" panose="020B0503020204020204" pitchFamily="34" charset="-122"/>
-                  <a:ea typeface="微软雅黑" panose="020B0503020204020204" pitchFamily="34" charset="-122"/>
-                </a:rPr>
-                <a:t>JSON</a:t>
-              </a:r>
-              <a:r>
-                <a:rPr lang="zh-CN" altLang="en-US" sz="900" dirty="0" smtClean="0">
-                  <a:latin typeface="微软雅黑" panose="020B0503020204020204" pitchFamily="34" charset="-122"/>
-                  <a:ea typeface="微软雅黑" panose="020B0503020204020204" pitchFamily="34" charset="-122"/>
-                </a:rPr>
-                <a:t>数据，支持平台基本部件配置变更与自定义状态图模型复用开发</a:t>
+                <a:t>活动页多平台构建方案，配合用户自定义配置打包分发多个小程序。</a:t>
               </a:r>
               <a:endParaRPr lang="en-US" altLang="zh-CN" sz="900" dirty="0">
                 <a:latin typeface="微软雅黑" panose="020B0503020204020204" pitchFamily="34" charset="-122"/>
@@ -6542,16 +6344,26 @@
             <a:bodyPr rtlCol="0" anchor="ctr"/>
             <a:lstStyle/>
             <a:p>
-              <a:pPr lvl="0"/>
+              <a:pPr lvl="0" algn="ctr"/>
               <a:r>
-                <a:rPr lang="en-US" altLang="zh-CN" sz="900" smtClean="0">
+                <a:rPr lang="en-US" altLang="zh-CN" sz="900" dirty="0">
                   <a:solidFill>
                     <a:prstClr val="white"/>
                   </a:solidFill>
                   <a:latin typeface="微软雅黑" panose="020B0503020204020204" pitchFamily="34" charset="-122"/>
                   <a:ea typeface="微软雅黑" panose="020B0503020204020204" pitchFamily="34" charset="-122"/>
                 </a:rPr>
-                <a:t>Node.js</a:t>
+                <a:t>H</a:t>
+              </a:r>
+              <a:r>
+                <a:rPr lang="en-US" altLang="zh-CN" sz="900" dirty="0" smtClean="0">
+                  <a:solidFill>
+                    <a:prstClr val="white"/>
+                  </a:solidFill>
+                  <a:latin typeface="微软雅黑" panose="020B0503020204020204" pitchFamily="34" charset="-122"/>
+                  <a:ea typeface="微软雅黑" panose="020B0503020204020204" pitchFamily="34" charset="-122"/>
+                </a:rPr>
+                <a:t>5</a:t>
               </a:r>
               <a:endParaRPr lang="zh-CN" altLang="en-US" dirty="0">
                 <a:solidFill>
@@ -6611,7 +6423,7 @@
                   <a:latin typeface="微软雅黑" panose="020B0503020204020204" pitchFamily="34" charset="-122"/>
                   <a:ea typeface="微软雅黑" panose="020B0503020204020204" pitchFamily="34" charset="-122"/>
                 </a:rPr>
-                <a:t>MongoDB</a:t>
+                <a:t>Webpack</a:t>
               </a:r>
               <a:endParaRPr lang="zh-CN" altLang="en-US" dirty="0">
                 <a:solidFill>
@@ -6664,14 +6476,14 @@
             <a:p>
               <a:pPr lvl="0" algn="ctr"/>
               <a:r>
-                <a:rPr lang="en-US" altLang="zh-CN" sz="900" smtClean="0">
+                <a:rPr lang="en-US" altLang="zh-CN" sz="900" dirty="0" err="1" smtClean="0">
                   <a:solidFill>
                     <a:prstClr val="white"/>
                   </a:solidFill>
                   <a:latin typeface="微软雅黑" panose="020B0503020204020204" pitchFamily="34" charset="-122"/>
                   <a:ea typeface="微软雅黑" panose="020B0503020204020204" pitchFamily="34" charset="-122"/>
                 </a:rPr>
-                <a:t>Webpack</a:t>
+                <a:t>mpVue</a:t>
               </a:r>
               <a:endParaRPr lang="zh-CN" altLang="en-US" dirty="0">
                 <a:solidFill>
@@ -6713,7 +6525,7 @@
                 <a:latin typeface="微软雅黑" panose="020B0503020204020204" pitchFamily="34" charset="-122"/>
                 <a:ea typeface="微软雅黑" panose="020B0503020204020204" pitchFamily="34" charset="-122"/>
               </a:rPr>
-              <a:t>2016.10 </a:t>
+              <a:t>2019.8 </a:t>
             </a:r>
             <a:r>
               <a:rPr lang="mr-IN" altLang="zh-CN" sz="900" dirty="0" smtClean="0">
@@ -6727,7 +6539,14 @@
                 <a:latin typeface="微软雅黑" panose="020B0503020204020204" pitchFamily="34" charset="-122"/>
                 <a:ea typeface="微软雅黑" panose="020B0503020204020204" pitchFamily="34" charset="-122"/>
               </a:rPr>
-              <a:t> 2017.3</a:t>
+              <a:t> </a:t>
+            </a:r>
+            <a:r>
+              <a:rPr lang="en-US" altLang="zh-CN" sz="900" dirty="0" smtClean="0">
+                <a:latin typeface="微软雅黑" panose="020B0503020204020204" pitchFamily="34" charset="-122"/>
+                <a:ea typeface="微软雅黑" panose="020B0503020204020204" pitchFamily="34" charset="-122"/>
+              </a:rPr>
+              <a:t>2019.12</a:t>
             </a:r>
             <a:endParaRPr lang="en-US" altLang="zh-CN" sz="900" dirty="0">
               <a:latin typeface="微软雅黑" panose="020B0503020204020204" pitchFamily="34" charset="-122"/>
@@ -6763,18 +6582,25 @@
               </a:lnSpc>
             </a:pPr>
             <a:r>
+              <a:rPr lang="zh-CN" altLang="en-US" sz="1050" b="1" dirty="0" smtClean="0">
+                <a:latin typeface="微软雅黑" panose="020B0503020204020204" pitchFamily="34" charset="-122"/>
+                <a:ea typeface="微软雅黑" panose="020B0503020204020204" pitchFamily="34" charset="-122"/>
+              </a:rPr>
+              <a:t>小程序 </a:t>
+            </a:r>
+            <a:r>
               <a:rPr lang="en-US" altLang="zh-CN" sz="1050" b="1" dirty="0" smtClean="0">
                 <a:latin typeface="微软雅黑" panose="020B0503020204020204" pitchFamily="34" charset="-122"/>
                 <a:ea typeface="微软雅黑" panose="020B0503020204020204" pitchFamily="34" charset="-122"/>
               </a:rPr>
-              <a:t>XJTUEI —</a:t>
+              <a:t>—</a:t>
             </a:r>
             <a:r>
               <a:rPr lang="zh-CN" altLang="en-US" sz="1050" b="1" dirty="0" smtClean="0">
                 <a:latin typeface="微软雅黑" panose="020B0503020204020204" pitchFamily="34" charset="-122"/>
                 <a:ea typeface="微软雅黑" panose="020B0503020204020204" pitchFamily="34" charset="-122"/>
               </a:rPr>
-              <a:t> 办公自动化系统</a:t>
+              <a:t> 美团门票</a:t>
             </a:r>
             <a:endParaRPr lang="en-US" altLang="zh-CN" sz="1050" b="1" dirty="0">
               <a:latin typeface="微软雅黑" panose="020B0503020204020204" pitchFamily="34" charset="-122"/>
@@ -6826,14 +6652,14 @@
           <a:p>
             <a:pPr lvl="0" algn="ctr"/>
             <a:r>
-              <a:rPr lang="en-US" altLang="zh-CN" sz="900" dirty="0" smtClean="0">
+              <a:rPr lang="zh-CN" altLang="en-US" sz="900" dirty="0" smtClean="0">
                 <a:solidFill>
                   <a:prstClr val="white"/>
                 </a:solidFill>
                 <a:latin typeface="微软雅黑" panose="020B0503020204020204" pitchFamily="34" charset="-122"/>
                 <a:ea typeface="微软雅黑" panose="020B0503020204020204" pitchFamily="34" charset="-122"/>
               </a:rPr>
-              <a:t>Jade</a:t>
+              <a:t>监控</a:t>
             </a:r>
             <a:endParaRPr lang="zh-CN" altLang="en-US" dirty="0">
               <a:solidFill>
@@ -6852,7 +6678,7 @@
         <p:spPr>
           <a:xfrm>
             <a:off x="398586" y="6332747"/>
-            <a:ext cx="2870062" cy="1438855"/>
+            <a:ext cx="2870062" cy="1823576"/>
           </a:xfrm>
           <a:prstGeom prst="rect">
             <a:avLst/>
@@ -6876,42 +6702,21 @@
                 <a:latin typeface="微软雅黑" panose="020B0503020204020204" pitchFamily="34" charset="-122"/>
                 <a:ea typeface="微软雅黑" panose="020B0503020204020204" pitchFamily="34" charset="-122"/>
               </a:rPr>
-              <a:t>使用 </a:t>
+              <a:t>监控</a:t>
             </a:r>
             <a:r>
               <a:rPr lang="en-US" altLang="zh-CN" sz="900" dirty="0" err="1" smtClean="0">
                 <a:latin typeface="微软雅黑" panose="020B0503020204020204" pitchFamily="34" charset="-122"/>
                 <a:ea typeface="微软雅黑" panose="020B0503020204020204" pitchFamily="34" charset="-122"/>
               </a:rPr>
-              <a:t>jquery-ui</a:t>
-            </a:r>
-            <a:r>
-              <a:rPr lang="en-US" altLang="zh-CN" sz="900" dirty="0" smtClean="0">
-                <a:latin typeface="微软雅黑" panose="020B0503020204020204" pitchFamily="34" charset="-122"/>
-                <a:ea typeface="微软雅黑" panose="020B0503020204020204" pitchFamily="34" charset="-122"/>
-              </a:rPr>
-              <a:t> </a:t>
+              <a:t>JSErro</a:t>
             </a:r>
             <a:r>
               <a:rPr lang="zh-CN" altLang="en-US" sz="900" dirty="0" smtClean="0">
                 <a:latin typeface="微软雅黑" panose="020B0503020204020204" pitchFamily="34" charset="-122"/>
                 <a:ea typeface="微软雅黑" panose="020B0503020204020204" pitchFamily="34" charset="-122"/>
               </a:rPr>
-              <a:t>和 </a:t>
-            </a:r>
-            <a:r>
-              <a:rPr lang="en-US" altLang="zh-CN" sz="900" dirty="0" smtClean="0">
-                <a:latin typeface="微软雅黑" panose="020B0503020204020204" pitchFamily="34" charset="-122"/>
-                <a:ea typeface="微软雅黑" panose="020B0503020204020204" pitchFamily="34" charset="-122"/>
-              </a:rPr>
-              <a:t>bootstrap</a:t>
-            </a:r>
-            <a:r>
-              <a:rPr lang="zh-CN" altLang="en-US" sz="900" dirty="0" smtClean="0">
-                <a:latin typeface="微软雅黑" panose="020B0503020204020204" pitchFamily="34" charset="-122"/>
-                <a:ea typeface="微软雅黑" panose="020B0503020204020204" pitchFamily="34" charset="-122"/>
-              </a:rPr>
-              <a:t>，完成基本界面</a:t>
+              <a:t>率、启动耗时等指标，保障在基线以内。</a:t>
             </a:r>
             <a:endParaRPr lang="en-US" altLang="zh-CN" sz="900" dirty="0" smtClean="0">
               <a:latin typeface="微软雅黑" panose="020B0503020204020204" pitchFamily="34" charset="-122"/>
@@ -6931,35 +6736,7 @@
                 <a:latin typeface="微软雅黑" panose="020B0503020204020204" pitchFamily="34" charset="-122"/>
                 <a:ea typeface="微软雅黑" panose="020B0503020204020204" pitchFamily="34" charset="-122"/>
               </a:rPr>
-              <a:t>使用 </a:t>
-            </a:r>
-            <a:r>
-              <a:rPr lang="en-US" altLang="zh-CN" sz="900" dirty="0" smtClean="0">
-                <a:latin typeface="微软雅黑" panose="020B0503020204020204" pitchFamily="34" charset="-122"/>
-                <a:ea typeface="微软雅黑" panose="020B0503020204020204" pitchFamily="34" charset="-122"/>
-              </a:rPr>
-              <a:t>Express </a:t>
-            </a:r>
-            <a:r>
-              <a:rPr lang="zh-CN" altLang="en-US" sz="900" dirty="0" smtClean="0">
-                <a:latin typeface="微软雅黑" panose="020B0503020204020204" pitchFamily="34" charset="-122"/>
-                <a:ea typeface="微软雅黑" panose="020B0503020204020204" pitchFamily="34" charset="-122"/>
-              </a:rPr>
-              <a:t>和 </a:t>
-            </a:r>
-            <a:r>
-              <a:rPr lang="en-US" altLang="zh-CN" sz="900" dirty="0" smtClean="0">
-                <a:latin typeface="微软雅黑" panose="020B0503020204020204" pitchFamily="34" charset="-122"/>
-                <a:ea typeface="微软雅黑" panose="020B0503020204020204" pitchFamily="34" charset="-122"/>
-              </a:rPr>
-              <a:t>Mongoose</a:t>
-            </a:r>
-            <a:r>
-              <a:rPr lang="zh-CN" altLang="en-US" sz="900" dirty="0" smtClean="0">
-                <a:latin typeface="微软雅黑" panose="020B0503020204020204" pitchFamily="34" charset="-122"/>
-                <a:ea typeface="微软雅黑" panose="020B0503020204020204" pitchFamily="34" charset="-122"/>
-              </a:rPr>
-              <a:t>，完成路由配置及数据管理</a:t>
+              <a:t>小程序线下环境调试面板支持测试流程半自动化、登录状态一键切换、运营链接生成等。</a:t>
             </a:r>
             <a:endParaRPr lang="en-US" altLang="zh-CN" sz="900" dirty="0" smtClean="0">
               <a:latin typeface="微软雅黑" panose="020B0503020204020204" pitchFamily="34" charset="-122"/>
@@ -6979,43 +6756,26 @@
                 <a:latin typeface="微软雅黑" panose="020B0503020204020204" pitchFamily="34" charset="-122"/>
                 <a:ea typeface="微软雅黑" panose="020B0503020204020204" pitchFamily="34" charset="-122"/>
               </a:rPr>
-              <a:t>通过对</a:t>
+              <a:t>发布流程插件支持可配置化一键分发多端</a:t>
             </a:r>
             <a:r>
               <a:rPr lang="en-US" altLang="zh-CN" sz="900" dirty="0" err="1" smtClean="0">
                 <a:latin typeface="微软雅黑" panose="020B0503020204020204" pitchFamily="34" charset="-122"/>
                 <a:ea typeface="微软雅黑" panose="020B0503020204020204" pitchFamily="34" charset="-122"/>
               </a:rPr>
-              <a:t>fullcalendar</a:t>
-            </a:r>
-            <a:r>
-              <a:rPr lang="en-US" altLang="zh-CN" sz="900" dirty="0" smtClean="0">
-                <a:latin typeface="微软雅黑" panose="020B0503020204020204" pitchFamily="34" charset="-122"/>
-                <a:ea typeface="微软雅黑" panose="020B0503020204020204" pitchFamily="34" charset="-122"/>
-              </a:rPr>
-              <a:t> </a:t>
+              <a:t>npm</a:t>
             </a:r>
             <a:r>
               <a:rPr lang="zh-CN" altLang="en-US" sz="900" dirty="0" smtClean="0">
                 <a:latin typeface="微软雅黑" panose="020B0503020204020204" pitchFamily="34" charset="-122"/>
                 <a:ea typeface="微软雅黑" panose="020B0503020204020204" pitchFamily="34" charset="-122"/>
               </a:rPr>
-              <a:t>库进行功能扩展，实现会议室预订功能。通过开发用于上传文件的</a:t>
-            </a:r>
-            <a:r>
-              <a:rPr lang="en-US" altLang="zh-CN" sz="900" dirty="0" err="1" smtClean="0">
-                <a:latin typeface="微软雅黑" panose="020B0503020204020204" pitchFamily="34" charset="-122"/>
-                <a:ea typeface="微软雅黑" panose="020B0503020204020204" pitchFamily="34" charset="-122"/>
-              </a:rPr>
-              <a:t>npm</a:t>
-            </a:r>
-            <a:r>
-              <a:rPr lang="zh-CN" altLang="en-US" sz="900" dirty="0" smtClean="0">
-                <a:latin typeface="微软雅黑" panose="020B0503020204020204" pitchFamily="34" charset="-122"/>
-                <a:ea typeface="微软雅黑" panose="020B0503020204020204" pitchFamily="34" charset="-122"/>
-              </a:rPr>
-              <a:t>包，实现存储修改旧版系统数据库中相应用户文件</a:t>
-            </a:r>
+              <a:t>包。</a:t>
+            </a:r>
+            <a:endParaRPr lang="en-US" altLang="zh-CN" sz="900" dirty="0" smtClean="0">
+              <a:latin typeface="微软雅黑" panose="020B0503020204020204" pitchFamily="34" charset="-122"/>
+              <a:ea typeface="微软雅黑" panose="020B0503020204020204" pitchFamily="34" charset="-122"/>
+            </a:endParaRPr>
           </a:p>
           <a:p>
             <a:pPr marL="171450" lvl="0" indent="-171450">
@@ -7030,15 +6790,110 @@
                 <a:latin typeface="微软雅黑" panose="020B0503020204020204" pitchFamily="34" charset="-122"/>
                 <a:ea typeface="微软雅黑" panose="020B0503020204020204" pitchFamily="34" charset="-122"/>
               </a:rPr>
-              <a:t>实现用户管理、注册登录、密码找回、合并</a:t>
+              <a:t>熟练使用</a:t>
+            </a:r>
+            <a:r>
+              <a:rPr lang="en-US" altLang="zh-CN" sz="900" dirty="0" err="1" smtClean="0">
+                <a:latin typeface="微软雅黑" panose="020B0503020204020204" pitchFamily="34" charset="-122"/>
+                <a:ea typeface="微软雅黑" panose="020B0503020204020204" pitchFamily="34" charset="-122"/>
+              </a:rPr>
+              <a:t>Trello</a:t>
+            </a:r>
+            <a:r>
+              <a:rPr lang="zh-CN" altLang="en-US" sz="900" dirty="0" smtClean="0">
+                <a:latin typeface="微软雅黑" panose="020B0503020204020204" pitchFamily="34" charset="-122"/>
+                <a:ea typeface="微软雅黑" panose="020B0503020204020204" pitchFamily="34" charset="-122"/>
+              </a:rPr>
+              <a:t>、甘特图等项目进度保障工具。</a:t>
+            </a:r>
+            <a:endParaRPr lang="en-US" altLang="zh-CN" sz="900" dirty="0" smtClean="0">
+              <a:latin typeface="微软雅黑" panose="020B0503020204020204" pitchFamily="34" charset="-122"/>
+              <a:ea typeface="微软雅黑" panose="020B0503020204020204" pitchFamily="34" charset="-122"/>
+            </a:endParaRPr>
+          </a:p>
+          <a:p>
+            <a:pPr marL="171450" lvl="0" indent="-171450">
+              <a:lnSpc>
+                <a:spcPts val="1500"/>
+              </a:lnSpc>
+              <a:buFont typeface="Wingdings" panose="05000000000000000000" pitchFamily="2" charset="2"/>
+              <a:buChar char="ü"/>
+            </a:pPr>
+            <a:r>
+              <a:rPr lang="zh-CN" altLang="en-US" sz="900" dirty="0" smtClean="0">
+                <a:latin typeface="微软雅黑" panose="020B0503020204020204" pitchFamily="34" charset="-122"/>
+                <a:ea typeface="微软雅黑" panose="020B0503020204020204" pitchFamily="34" charset="-122"/>
+              </a:rPr>
+              <a:t>小程序值班咨询应答</a:t>
             </a:r>
             <a:r>
               <a:rPr lang="en-US" altLang="zh-CN" sz="900" dirty="0" smtClean="0">
                 <a:latin typeface="微软雅黑" panose="020B0503020204020204" pitchFamily="34" charset="-122"/>
                 <a:ea typeface="微软雅黑" panose="020B0503020204020204" pitchFamily="34" charset="-122"/>
               </a:rPr>
-              <a:t>excel</a:t>
-            </a:r>
+              <a:t>PM</a:t>
+            </a:r>
+            <a:r>
+              <a:rPr lang="zh-CN" altLang="en-US" sz="900" dirty="0" smtClean="0">
+                <a:latin typeface="微软雅黑" panose="020B0503020204020204" pitchFamily="34" charset="-122"/>
+                <a:ea typeface="微软雅黑" panose="020B0503020204020204" pitchFamily="34" charset="-122"/>
+              </a:rPr>
+              <a:t>、</a:t>
+            </a:r>
+            <a:r>
+              <a:rPr lang="en-US" altLang="zh-CN" sz="900" dirty="0" smtClean="0">
+                <a:latin typeface="微软雅黑" panose="020B0503020204020204" pitchFamily="34" charset="-122"/>
+                <a:ea typeface="微软雅黑" panose="020B0503020204020204" pitchFamily="34" charset="-122"/>
+              </a:rPr>
+              <a:t>QA</a:t>
+            </a:r>
+            <a:r>
+              <a:rPr lang="zh-CN" altLang="en-US" sz="900" dirty="0" smtClean="0">
+                <a:latin typeface="微软雅黑" panose="020B0503020204020204" pitchFamily="34" charset="-122"/>
+                <a:ea typeface="微软雅黑" panose="020B0503020204020204" pitchFamily="34" charset="-122"/>
+              </a:rPr>
+              <a:t>、</a:t>
+            </a:r>
+            <a:r>
+              <a:rPr lang="en-US" altLang="zh-CN" sz="900" dirty="0" smtClean="0">
+                <a:latin typeface="微软雅黑" panose="020B0503020204020204" pitchFamily="34" charset="-122"/>
+                <a:ea typeface="微软雅黑" panose="020B0503020204020204" pitchFamily="34" charset="-122"/>
+              </a:rPr>
+              <a:t>RD</a:t>
+            </a:r>
+            <a:r>
+              <a:rPr lang="zh-CN" altLang="en-US" sz="900" dirty="0" smtClean="0">
+                <a:latin typeface="微软雅黑" panose="020B0503020204020204" pitchFamily="34" charset="-122"/>
+                <a:ea typeface="微软雅黑" panose="020B0503020204020204" pitchFamily="34" charset="-122"/>
+              </a:rPr>
+              <a:t>等人员业务问题。</a:t>
+            </a:r>
+            <a:endParaRPr lang="en-US" altLang="zh-CN" sz="900" dirty="0" smtClean="0">
+              <a:latin typeface="微软雅黑" panose="020B0503020204020204" pitchFamily="34" charset="-122"/>
+              <a:ea typeface="微软雅黑" panose="020B0503020204020204" pitchFamily="34" charset="-122"/>
+            </a:endParaRPr>
+          </a:p>
+          <a:p>
+            <a:pPr marL="171450" lvl="0" indent="-171450">
+              <a:lnSpc>
+                <a:spcPts val="1500"/>
+              </a:lnSpc>
+              <a:buFont typeface="Wingdings" panose="05000000000000000000" pitchFamily="2" charset="2"/>
+              <a:buChar char="ü"/>
+            </a:pPr>
+            <a:endParaRPr lang="en-US" altLang="zh-CN" sz="900" dirty="0" smtClean="0">
+              <a:latin typeface="微软雅黑" panose="020B0503020204020204" pitchFamily="34" charset="-122"/>
+              <a:ea typeface="微软雅黑" panose="020B0503020204020204" pitchFamily="34" charset="-122"/>
+            </a:endParaRPr>
+          </a:p>
+          <a:p>
+            <a:pPr marL="171450" lvl="0" indent="-171450">
+              <a:lnSpc>
+                <a:spcPts val="1500"/>
+              </a:lnSpc>
+              <a:buFont typeface="Wingdings" panose="05000000000000000000" pitchFamily="2" charset="2"/>
+              <a:buChar char="ü"/>
+            </a:pPr>
             <a:endParaRPr lang="zh-CN" altLang="en-US" sz="900" dirty="0" smtClean="0">
               <a:latin typeface="微软雅黑" panose="020B0503020204020204" pitchFamily="34" charset="-122"/>
               <a:ea typeface="微软雅黑" panose="020B0503020204020204" pitchFamily="34" charset="-122"/>
@@ -7087,7 +6942,7 @@
           <a:bodyPr rtlCol="0" anchor="ctr"/>
           <a:lstStyle/>
           <a:p>
-            <a:pPr lvl="0"/>
+            <a:pPr lvl="0" algn="ctr"/>
             <a:r>
               <a:rPr lang="en-US" altLang="zh-CN" sz="900" dirty="0" smtClean="0">
                 <a:solidFill>
@@ -7096,7 +6951,7 @@
                 <a:latin typeface="微软雅黑" panose="020B0503020204020204" pitchFamily="34" charset="-122"/>
                 <a:ea typeface="微软雅黑" panose="020B0503020204020204" pitchFamily="34" charset="-122"/>
               </a:rPr>
-              <a:t>Node.js</a:t>
+              <a:t>MRN</a:t>
             </a:r>
             <a:endParaRPr lang="zh-CN" altLang="en-US" dirty="0">
               <a:solidFill>
@@ -7147,16 +7002,16 @@
           <a:bodyPr rtlCol="0" anchor="ctr"/>
           <a:lstStyle/>
           <a:p>
-            <a:pPr lvl="0"/>
-            <a:r>
-              <a:rPr lang="en-US" altLang="zh-CN" sz="900" dirty="0" err="1" smtClean="0">
+            <a:pPr lvl="0" algn="ctr"/>
+            <a:r>
+              <a:rPr lang="en-US" altLang="zh-CN" sz="900" dirty="0" smtClean="0">
                 <a:solidFill>
                   <a:prstClr val="white"/>
                 </a:solidFill>
                 <a:latin typeface="微软雅黑" panose="020B0503020204020204" pitchFamily="34" charset="-122"/>
                 <a:ea typeface="微软雅黑" panose="020B0503020204020204" pitchFamily="34" charset="-122"/>
               </a:rPr>
-              <a:t>MongoDB</a:t>
+              <a:t>native</a:t>
             </a:r>
             <a:endParaRPr lang="zh-CN" altLang="en-US" dirty="0">
               <a:solidFill>
@@ -7209,14 +7064,14 @@
           <a:p>
             <a:pPr lvl="0" algn="ctr"/>
             <a:r>
-              <a:rPr lang="en-US" altLang="zh-CN" sz="900" dirty="0" smtClean="0">
+              <a:rPr lang="zh-CN" altLang="en-US" sz="900" dirty="0" smtClean="0">
                 <a:solidFill>
                   <a:prstClr val="white"/>
                 </a:solidFill>
                 <a:latin typeface="微软雅黑" panose="020B0503020204020204" pitchFamily="34" charset="-122"/>
                 <a:ea typeface="微软雅黑" panose="020B0503020204020204" pitchFamily="34" charset="-122"/>
               </a:rPr>
-              <a:t>Gulp</a:t>
+              <a:t>性能</a:t>
             </a:r>
             <a:endParaRPr lang="zh-CN" altLang="en-US" dirty="0">
               <a:solidFill>
@@ -7271,7 +7126,7 @@
                   <a:latin typeface="微软雅黑" panose="020B0503020204020204" pitchFamily="34" charset="-122"/>
                   <a:ea typeface="微软雅黑" panose="020B0503020204020204" pitchFamily="34" charset="-122"/>
                 </a:rPr>
-                <a:t>2017.6 </a:t>
+                <a:t>2018.6 </a:t>
               </a:r>
               <a:r>
                 <a:rPr lang="en-US" altLang="zh-CN" sz="900" dirty="0">
@@ -7285,7 +7140,7 @@
                   <a:latin typeface="微软雅黑" panose="020B0503020204020204" pitchFamily="34" charset="-122"/>
                   <a:ea typeface="微软雅黑" panose="020B0503020204020204" pitchFamily="34" charset="-122"/>
                 </a:rPr>
-                <a:t>2017.7</a:t>
+                <a:t>2019.8</a:t>
               </a:r>
               <a:endParaRPr lang="en-US" altLang="zh-CN" sz="900" dirty="0">
                 <a:latin typeface="微软雅黑" panose="020B0503020204020204" pitchFamily="34" charset="-122"/>
@@ -7303,7 +7158,7 @@
           <p:spPr>
             <a:xfrm>
               <a:off x="418451" y="8000165"/>
-              <a:ext cx="2420856" cy="334707"/>
+              <a:ext cx="1487908" cy="334707"/>
             </a:xfrm>
             <a:prstGeom prst="rect">
               <a:avLst/>
@@ -7321,25 +7176,32 @@
                 </a:lnSpc>
               </a:pPr>
               <a:r>
-                <a:rPr lang="en-US" altLang="zh-CN" sz="1050" b="1" dirty="0" err="1" smtClean="0">
+                <a:rPr lang="zh-CN" altLang="en-US" sz="1050" b="1" dirty="0" smtClean="0">
                   <a:latin typeface="微软雅黑" panose="020B0503020204020204" pitchFamily="34" charset="-122"/>
                   <a:ea typeface="微软雅黑" panose="020B0503020204020204" pitchFamily="34" charset="-122"/>
                 </a:rPr>
-                <a:t>Seetatech</a:t>
+                <a:t>小程序</a:t>
               </a:r>
               <a:r>
                 <a:rPr lang="en-US" altLang="zh-CN" sz="1050" b="1" dirty="0" smtClean="0">
                   <a:latin typeface="微软雅黑" panose="020B0503020204020204" pitchFamily="34" charset="-122"/>
                   <a:ea typeface="微软雅黑" panose="020B0503020204020204" pitchFamily="34" charset="-122"/>
                 </a:rPr>
-                <a:t> — </a:t>
+                <a:t> </a:t>
+              </a:r>
+              <a:r>
+                <a:rPr lang="en-US" altLang="zh-CN" sz="1050" b="1" dirty="0" smtClean="0">
+                  <a:latin typeface="微软雅黑" panose="020B0503020204020204" pitchFamily="34" charset="-122"/>
+                  <a:ea typeface="微软雅黑" panose="020B0503020204020204" pitchFamily="34" charset="-122"/>
+                </a:rPr>
+                <a:t>— </a:t>
               </a:r>
               <a:r>
                 <a:rPr lang="zh-CN" altLang="en-US" sz="1050" b="1" dirty="0" smtClean="0">
                   <a:latin typeface="微软雅黑" panose="020B0503020204020204" pitchFamily="34" charset="-122"/>
                   <a:ea typeface="微软雅黑" panose="020B0503020204020204" pitchFamily="34" charset="-122"/>
                 </a:rPr>
-                <a:t>中科视拓后台管理系统</a:t>
+                <a:t>酒店小程序</a:t>
               </a:r>
               <a:endParaRPr lang="en-US" altLang="zh-CN" sz="1050" b="1" dirty="0">
                 <a:latin typeface="微软雅黑" panose="020B0503020204020204" pitchFamily="34" charset="-122"/>
@@ -7391,14 +7253,14 @@
             <a:p>
               <a:pPr lvl="0" algn="ctr"/>
               <a:r>
-                <a:rPr lang="en-US" altLang="zh-CN" sz="900" dirty="0" err="1" smtClean="0">
+                <a:rPr lang="zh-CN" altLang="en-US" sz="900" dirty="0" smtClean="0">
                   <a:solidFill>
                     <a:prstClr val="white"/>
                   </a:solidFill>
                   <a:latin typeface="微软雅黑" panose="020B0503020204020204" pitchFamily="34" charset="-122"/>
                   <a:ea typeface="微软雅黑" panose="020B0503020204020204" pitchFamily="34" charset="-122"/>
                 </a:rPr>
-                <a:t>Vue</a:t>
+                <a:t>极简</a:t>
               </a:r>
               <a:endParaRPr lang="zh-CN" altLang="en-US" dirty="0">
                 <a:solidFill>
@@ -7441,65 +7303,9 @@
                   <a:latin typeface="微软雅黑" panose="020B0503020204020204" pitchFamily="34" charset="-122"/>
                   <a:ea typeface="微软雅黑" panose="020B0503020204020204" pitchFamily="34" charset="-122"/>
                 </a:rPr>
-                <a:t>根据</a:t>
+                <a:t>开发酒店主流程，支持美团、点评、极简、百度等多个小程序共用。</a:t>
               </a:r>
-              <a:r>
-                <a:rPr lang="en-US" altLang="zh-CN" sz="900" dirty="0" smtClean="0">
-                  <a:latin typeface="微软雅黑" panose="020B0503020204020204" pitchFamily="34" charset="-122"/>
-                  <a:ea typeface="微软雅黑" panose="020B0503020204020204" pitchFamily="34" charset="-122"/>
-                </a:rPr>
-                <a:t>UI</a:t>
-              </a:r>
-              <a:r>
-                <a:rPr lang="zh-CN" altLang="en-US" sz="900" dirty="0" smtClean="0">
-                  <a:latin typeface="微软雅黑" panose="020B0503020204020204" pitchFamily="34" charset="-122"/>
-                  <a:ea typeface="微软雅黑" panose="020B0503020204020204" pitchFamily="34" charset="-122"/>
-                </a:rPr>
-                <a:t>设计图，使用 </a:t>
-              </a:r>
-              <a:r>
-                <a:rPr lang="en-US" altLang="zh-CN" sz="900" dirty="0" err="1" smtClean="0">
-                  <a:latin typeface="微软雅黑" panose="020B0503020204020204" pitchFamily="34" charset="-122"/>
-                  <a:ea typeface="微软雅黑" panose="020B0503020204020204" pitchFamily="34" charset="-122"/>
-                </a:rPr>
-                <a:t>ECharts</a:t>
-              </a:r>
-              <a:r>
-                <a:rPr lang="en-US" altLang="zh-CN" sz="900" dirty="0" smtClean="0">
-                  <a:latin typeface="微软雅黑" panose="020B0503020204020204" pitchFamily="34" charset="-122"/>
-                  <a:ea typeface="微软雅黑" panose="020B0503020204020204" pitchFamily="34" charset="-122"/>
-                </a:rPr>
-                <a:t> </a:t>
-              </a:r>
-              <a:r>
-                <a:rPr lang="zh-CN" altLang="en-US" sz="900" dirty="0" smtClean="0">
-                  <a:latin typeface="微软雅黑" panose="020B0503020204020204" pitchFamily="34" charset="-122"/>
-                  <a:ea typeface="微软雅黑" panose="020B0503020204020204" pitchFamily="34" charset="-122"/>
-                </a:rPr>
-                <a:t>和 </a:t>
-              </a:r>
-              <a:r>
-                <a:rPr lang="en-US" altLang="zh-CN" sz="900" dirty="0" smtClean="0">
-                  <a:latin typeface="微软雅黑" panose="020B0503020204020204" pitchFamily="34" charset="-122"/>
-                  <a:ea typeface="微软雅黑" panose="020B0503020204020204" pitchFamily="34" charset="-122"/>
-                </a:rPr>
-                <a:t>element-</a:t>
-              </a:r>
-              <a:r>
-                <a:rPr lang="en-US" altLang="zh-CN" sz="900" dirty="0" err="1" smtClean="0">
-                  <a:latin typeface="微软雅黑" panose="020B0503020204020204" pitchFamily="34" charset="-122"/>
-                  <a:ea typeface="微软雅黑" panose="020B0503020204020204" pitchFamily="34" charset="-122"/>
-                </a:rPr>
-                <a:t>ui</a:t>
-              </a:r>
-              <a:r>
-                <a:rPr lang="zh-CN" altLang="en-US" sz="900" dirty="0" smtClean="0">
-                  <a:latin typeface="微软雅黑" panose="020B0503020204020204" pitchFamily="34" charset="-122"/>
-                  <a:ea typeface="微软雅黑" panose="020B0503020204020204" pitchFamily="34" charset="-122"/>
-                </a:rPr>
-                <a:t>开发界面</a:t>
-              </a:r>
-              <a:endParaRPr lang="zh-CN" altLang="en-US" sz="900" dirty="0">
+              <a:endParaRPr lang="en-US" altLang="zh-CN" sz="900" dirty="0" smtClean="0">
                 <a:latin typeface="微软雅黑" panose="020B0503020204020204" pitchFamily="34" charset="-122"/>
                 <a:ea typeface="微软雅黑" panose="020B0503020204020204" pitchFamily="34" charset="-122"/>
               </a:endParaRPr>
@@ -7517,116 +7323,9 @@
                   <a:latin typeface="微软雅黑" panose="020B0503020204020204" pitchFamily="34" charset="-122"/>
                   <a:ea typeface="微软雅黑" panose="020B0503020204020204" pitchFamily="34" charset="-122"/>
                 </a:rPr>
-                <a:t>根据原型，使用 </a:t>
+                <a:t>引导实习生完成基本流程入门与短周期需求迭代。</a:t>
               </a:r>
-              <a:r>
-                <a:rPr lang="en-US" altLang="zh-CN" sz="900" dirty="0" err="1" smtClean="0">
-                  <a:latin typeface="微软雅黑" panose="020B0503020204020204" pitchFamily="34" charset="-122"/>
-                  <a:ea typeface="微软雅黑" panose="020B0503020204020204" pitchFamily="34" charset="-122"/>
-                </a:rPr>
-                <a:t>vue</a:t>
-              </a:r>
-              <a:r>
-                <a:rPr lang="en-US" altLang="zh-CN" sz="900" dirty="0" smtClean="0">
-                  <a:latin typeface="微软雅黑" panose="020B0503020204020204" pitchFamily="34" charset="-122"/>
-                  <a:ea typeface="微软雅黑" panose="020B0503020204020204" pitchFamily="34" charset="-122"/>
-                </a:rPr>
-                <a:t>-router</a:t>
-              </a:r>
-              <a:r>
-                <a:rPr lang="zh-CN" altLang="en-US" sz="900" dirty="0" smtClean="0">
-                  <a:latin typeface="微软雅黑" panose="020B0503020204020204" pitchFamily="34" charset="-122"/>
-                  <a:ea typeface="微软雅黑" panose="020B0503020204020204" pitchFamily="34" charset="-122"/>
-                </a:rPr>
-                <a:t> 和 </a:t>
-              </a:r>
-              <a:r>
-                <a:rPr lang="en-US" altLang="zh-CN" sz="900" dirty="0" err="1" smtClean="0">
-                  <a:latin typeface="微软雅黑" panose="020B0503020204020204" pitchFamily="34" charset="-122"/>
-                  <a:ea typeface="微软雅黑" panose="020B0503020204020204" pitchFamily="34" charset="-122"/>
-                </a:rPr>
-                <a:t>vuex</a:t>
-              </a:r>
-              <a:r>
-                <a:rPr lang="en-US" altLang="zh-CN" sz="900" dirty="0">
-                  <a:latin typeface="微软雅黑" panose="020B0503020204020204" pitchFamily="34" charset="-122"/>
-                  <a:ea typeface="微软雅黑" panose="020B0503020204020204" pitchFamily="34" charset="-122"/>
-                </a:rPr>
-                <a:t> </a:t>
-              </a:r>
-              <a:r>
-                <a:rPr lang="zh-CN" altLang="en-US" sz="900" dirty="0" smtClean="0">
-                  <a:latin typeface="微软雅黑" panose="020B0503020204020204" pitchFamily="34" charset="-122"/>
-                  <a:ea typeface="微软雅黑" panose="020B0503020204020204" pitchFamily="34" charset="-122"/>
-                </a:rPr>
-                <a:t>管理</a:t>
-              </a:r>
-              <a:r>
-                <a:rPr lang="zh-CN" altLang="en-US" sz="900" dirty="0" smtClean="0">
-                  <a:latin typeface="微软雅黑" panose="020B0503020204020204" pitchFamily="34" charset="-122"/>
-                  <a:ea typeface="微软雅黑" panose="020B0503020204020204" pitchFamily="34" charset="-122"/>
-                </a:rPr>
-                <a:t>状态</a:t>
-              </a:r>
-            </a:p>
-            <a:p>
-              <a:pPr marL="171450" lvl="0" indent="-171450">
-                <a:lnSpc>
-                  <a:spcPts val="1500"/>
-                </a:lnSpc>
-                <a:buFont typeface="Wingdings" panose="05000000000000000000" pitchFamily="2" charset="2"/>
-                <a:buChar char="ü"/>
-              </a:pPr>
-              <a:r>
-                <a:rPr lang="zh-CN" altLang="en-US" sz="900" dirty="0" smtClean="0">
-                  <a:latin typeface="微软雅黑" panose="020B0503020204020204" pitchFamily="34" charset="-122"/>
-                  <a:ea typeface="微软雅黑" panose="020B0503020204020204" pitchFamily="34" charset="-122"/>
-                </a:rPr>
-                <a:t>通过 搭建本地 </a:t>
-              </a:r>
-              <a:r>
-                <a:rPr lang="en-US" altLang="zh-CN" sz="900" dirty="0" err="1" smtClean="0">
-                  <a:latin typeface="微软雅黑" panose="020B0503020204020204" pitchFamily="34" charset="-122"/>
-                  <a:ea typeface="微软雅黑" panose="020B0503020204020204" pitchFamily="34" charset="-122"/>
-                </a:rPr>
-                <a:t>git</a:t>
-              </a:r>
-              <a:r>
-                <a:rPr lang="zh-CN" altLang="en-US" sz="900" dirty="0" smtClean="0">
-                  <a:latin typeface="微软雅黑" panose="020B0503020204020204" pitchFamily="34" charset="-122"/>
-                  <a:ea typeface="微软雅黑" panose="020B0503020204020204" pitchFamily="34" charset="-122"/>
-                </a:rPr>
-                <a:t> 服务器</a:t>
-              </a:r>
-              <a:r>
-                <a:rPr lang="zh-CN" altLang="en-US" sz="900" dirty="0" smtClean="0">
-                  <a:latin typeface="微软雅黑" panose="020B0503020204020204" pitchFamily="34" charset="-122"/>
-                  <a:ea typeface="微软雅黑" panose="020B0503020204020204" pitchFamily="34" charset="-122"/>
-                </a:rPr>
-                <a:t>，</a:t>
-              </a:r>
-              <a:r>
-                <a:rPr lang="zh-CN" altLang="en-US" sz="900" dirty="0" smtClean="0">
-                  <a:latin typeface="微软雅黑" panose="020B0503020204020204" pitchFamily="34" charset="-122"/>
-                  <a:ea typeface="微软雅黑" panose="020B0503020204020204" pitchFamily="34" charset="-122"/>
-                </a:rPr>
-                <a:t>实现</a:t>
-              </a:r>
-              <a:r>
-                <a:rPr lang="zh-CN" altLang="en-US" sz="900" dirty="0" smtClean="0">
-                  <a:latin typeface="微软雅黑" panose="020B0503020204020204" pitchFamily="34" charset="-122"/>
-                  <a:ea typeface="微软雅黑" panose="020B0503020204020204" pitchFamily="34" charset="-122"/>
-                </a:rPr>
-                <a:t>版本</a:t>
-              </a:r>
-              <a:r>
-                <a:rPr lang="zh-CN" altLang="en-US" sz="900" dirty="0" smtClean="0">
-                  <a:latin typeface="微软雅黑" panose="020B0503020204020204" pitchFamily="34" charset="-122"/>
-                  <a:ea typeface="微软雅黑" panose="020B0503020204020204" pitchFamily="34" charset="-122"/>
-                </a:rPr>
-                <a:t>控制</a:t>
-              </a:r>
-              <a:endParaRPr lang="zh-CN" altLang="en-US" sz="900" dirty="0" smtClean="0">
+              <a:endParaRPr lang="en-US" altLang="zh-CN" sz="900" dirty="0" smtClean="0">
                 <a:latin typeface="微软雅黑" panose="020B0503020204020204" pitchFamily="34" charset="-122"/>
                 <a:ea typeface="微软雅黑" panose="020B0503020204020204" pitchFamily="34" charset="-122"/>
               </a:endParaRPr>
@@ -7644,51 +7343,37 @@
                   <a:latin typeface="微软雅黑" panose="020B0503020204020204" pitchFamily="34" charset="-122"/>
                   <a:ea typeface="微软雅黑" panose="020B0503020204020204" pitchFamily="34" charset="-122"/>
                 </a:rPr>
-                <a:t>通过 </a:t>
+                <a:t>发掘业务与技术问题并及时完善。如</a:t>
+              </a:r>
+              <a:r>
+                <a:rPr lang="en-US" altLang="zh-CN" sz="900" dirty="0" smtClean="0">
+                  <a:latin typeface="微软雅黑" panose="020B0503020204020204" pitchFamily="34" charset="-122"/>
+                  <a:ea typeface="微软雅黑" panose="020B0503020204020204" pitchFamily="34" charset="-122"/>
+                </a:rPr>
+                <a:t>ReadMe</a:t>
+              </a:r>
+              <a:r>
+                <a:rPr lang="zh-CN" altLang="en-US" sz="900" dirty="0" smtClean="0">
+                  <a:latin typeface="微软雅黑" panose="020B0503020204020204" pitchFamily="34" charset="-122"/>
+                  <a:ea typeface="微软雅黑" panose="020B0503020204020204" pitchFamily="34" charset="-122"/>
+                </a:rPr>
+                <a:t>示例脚本、</a:t>
               </a:r>
               <a:r>
                 <a:rPr lang="en-US" altLang="zh-CN" sz="900" dirty="0" err="1" smtClean="0">
                   <a:latin typeface="微软雅黑" panose="020B0503020204020204" pitchFamily="34" charset="-122"/>
                   <a:ea typeface="微软雅黑" panose="020B0503020204020204" pitchFamily="34" charset="-122"/>
                 </a:rPr>
-                <a:t>webpack</a:t>
+                <a:t>ESLint</a:t>
               </a:r>
               <a:r>
                 <a:rPr lang="zh-CN" altLang="en-US" sz="900" dirty="0" smtClean="0">
                   <a:latin typeface="微软雅黑" panose="020B0503020204020204" pitchFamily="34" charset="-122"/>
                   <a:ea typeface="微软雅黑" panose="020B0503020204020204" pitchFamily="34" charset="-122"/>
                 </a:rPr>
-                <a:t> 及 相关插件</a:t>
+                <a:t>规则配置、微信新增规范等。</a:t>
               </a:r>
-              <a:r>
-                <a:rPr lang="zh-CN" altLang="en-US" sz="900" dirty="0" smtClean="0">
-                  <a:latin typeface="微软雅黑" panose="020B0503020204020204" pitchFamily="34" charset="-122"/>
-                  <a:ea typeface="微软雅黑" panose="020B0503020204020204" pitchFamily="34" charset="-122"/>
-                </a:rPr>
-                <a:t>，</a:t>
-              </a:r>
-              <a:r>
-                <a:rPr lang="zh-CN" altLang="en-US" sz="900" dirty="0" smtClean="0">
-                  <a:latin typeface="微软雅黑" panose="020B0503020204020204" pitchFamily="34" charset="-122"/>
-                  <a:ea typeface="微软雅黑" panose="020B0503020204020204" pitchFamily="34" charset="-122"/>
-                </a:rPr>
-                <a:t>实现</a:t>
-              </a:r>
-              <a:r>
-                <a:rPr lang="zh-CN" altLang="en-US" sz="900" dirty="0" smtClean="0">
-                  <a:latin typeface="微软雅黑" panose="020B0503020204020204" pitchFamily="34" charset="-122"/>
-                  <a:ea typeface="微软雅黑" panose="020B0503020204020204" pitchFamily="34" charset="-122"/>
-                </a:rPr>
-                <a:t>开发体系</a:t>
-              </a:r>
-              <a:r>
-                <a:rPr lang="zh-CN" altLang="en-US" sz="900" dirty="0" smtClean="0">
-                  <a:latin typeface="微软雅黑" panose="020B0503020204020204" pitchFamily="34" charset="-122"/>
-                  <a:ea typeface="微软雅黑" panose="020B0503020204020204" pitchFamily="34" charset="-122"/>
-                </a:rPr>
-                <a:t>构建</a:t>
-              </a:r>
-              <a:endParaRPr lang="zh-CN" altLang="en-US" sz="900" dirty="0" smtClean="0">
+              <a:endParaRPr lang="en-US" altLang="zh-CN" sz="900" dirty="0" smtClean="0">
                 <a:latin typeface="微软雅黑" panose="020B0503020204020204" pitchFamily="34" charset="-122"/>
                 <a:ea typeface="微软雅黑" panose="020B0503020204020204" pitchFamily="34" charset="-122"/>
               </a:endParaRPr>
@@ -7862,14 +7547,14 @@
             <a:p>
               <a:pPr lvl="0" algn="ctr"/>
               <a:r>
-                <a:rPr lang="en-US" altLang="zh-CN" sz="900" dirty="0" smtClean="0">
+                <a:rPr lang="zh-CN" altLang="en-US" sz="900" dirty="0" smtClean="0">
                   <a:solidFill>
                     <a:prstClr val="white"/>
                   </a:solidFill>
                   <a:latin typeface="微软雅黑" panose="020B0503020204020204" pitchFamily="34" charset="-122"/>
                   <a:ea typeface="微软雅黑" panose="020B0503020204020204" pitchFamily="34" charset="-122"/>
                 </a:rPr>
-                <a:t>Tornado</a:t>
+                <a:t>点评</a:t>
               </a:r>
               <a:endParaRPr lang="zh-CN" altLang="en-US" dirty="0">
                 <a:solidFill>
@@ -7922,14 +7607,14 @@
             <a:p>
               <a:pPr lvl="0" algn="ctr"/>
               <a:r>
-                <a:rPr lang="en-US" altLang="zh-CN" sz="900" dirty="0" smtClean="0">
+                <a:rPr lang="zh-CN" altLang="en-US" sz="900" dirty="0" smtClean="0">
                   <a:solidFill>
                     <a:prstClr val="white"/>
                   </a:solidFill>
                   <a:latin typeface="微软雅黑" panose="020B0503020204020204" pitchFamily="34" charset="-122"/>
                   <a:ea typeface="微软雅黑" panose="020B0503020204020204" pitchFamily="34" charset="-122"/>
                 </a:rPr>
-                <a:t>MySQL</a:t>
+                <a:t>百度</a:t>
               </a:r>
               <a:endParaRPr lang="zh-CN" altLang="en-US" dirty="0">
                 <a:solidFill>
@@ -7982,14 +7667,14 @@
             <a:p>
               <a:pPr lvl="0" algn="ctr"/>
               <a:r>
-                <a:rPr lang="en-US" altLang="zh-CN" sz="900" dirty="0" smtClean="0">
+                <a:rPr lang="zh-CN" altLang="en-US" sz="900" dirty="0" smtClean="0">
                   <a:solidFill>
                     <a:prstClr val="white"/>
                   </a:solidFill>
                   <a:latin typeface="微软雅黑" panose="020B0503020204020204" pitchFamily="34" charset="-122"/>
                   <a:ea typeface="微软雅黑" panose="020B0503020204020204" pitchFamily="34" charset="-122"/>
                 </a:rPr>
-                <a:t>Element</a:t>
+                <a:t>美团</a:t>
               </a:r>
               <a:endParaRPr lang="zh-CN" altLang="en-US" dirty="0">
                 <a:solidFill>
@@ -8052,7 +7737,17 @@
                 <a:latin typeface="微软雅黑" panose="020B0503020204020204" pitchFamily="34" charset="-122"/>
                 <a:ea typeface="微软雅黑" panose="020B0503020204020204" pitchFamily="34" charset="-122"/>
               </a:rPr>
-              <a:t>团队项目</a:t>
+              <a:t>主</a:t>
+            </a:r>
+            <a:r>
+              <a:rPr lang="en-US" altLang="zh-CN" sz="800" dirty="0" smtClean="0">
+                <a:solidFill>
+                  <a:srgbClr val="6679DF"/>
+                </a:solidFill>
+                <a:latin typeface="微软雅黑" panose="020B0503020204020204" pitchFamily="34" charset="-122"/>
+                <a:ea typeface="微软雅黑" panose="020B0503020204020204" pitchFamily="34" charset="-122"/>
+              </a:rPr>
+              <a:t>R</a:t>
             </a:r>
             <a:endParaRPr lang="zh-CN" altLang="en-US" sz="800" dirty="0">
               <a:solidFill>
@@ -8116,7 +7811,17 @@
                 <a:latin typeface="微软雅黑" panose="020B0503020204020204" pitchFamily="34" charset="-122"/>
                 <a:ea typeface="微软雅黑" panose="020B0503020204020204" pitchFamily="34" charset="-122"/>
               </a:rPr>
-              <a:t>独立开发</a:t>
+              <a:t>主</a:t>
+            </a:r>
+            <a:r>
+              <a:rPr lang="en-US" altLang="zh-CN" sz="800" dirty="0" smtClean="0">
+                <a:solidFill>
+                  <a:srgbClr val="6679DF"/>
+                </a:solidFill>
+                <a:latin typeface="微软雅黑" panose="020B0503020204020204" pitchFamily="34" charset="-122"/>
+                <a:ea typeface="微软雅黑" panose="020B0503020204020204" pitchFamily="34" charset="-122"/>
+              </a:rPr>
+              <a:t>R</a:t>
             </a:r>
             <a:endParaRPr lang="zh-CN" altLang="en-US" sz="800" dirty="0">
               <a:solidFill>
@@ -8130,183 +7835,46 @@
       </p:sp>
       <p:sp>
         <p:nvSpPr>
-          <p:cNvPr id="62" name="矩形 61">
-            <a:hlinkClick r:id="rId7" tooltip="该项目线上地址"/>
-          </p:cNvPr>
-          <p:cNvSpPr/>
+          <p:cNvPr id="2" name="文本框 1"/>
+          <p:cNvSpPr txBox="1"/>
           <p:nvPr/>
         </p:nvSpPr>
         <p:spPr>
           <a:xfrm>
-            <a:off x="394101" y="3824491"/>
-            <a:ext cx="2935822" cy="334707"/>
+            <a:off x="3733800" y="8368219"/>
+            <a:ext cx="2884123" cy="400110"/>
           </a:xfrm>
           <a:prstGeom prst="rect">
             <a:avLst/>
           </a:prstGeom>
           <a:noFill/>
-          <a:ln>
-            <a:noFill/>
-          </a:ln>
-          <a:effectLst>
-            <a:outerShdw sx="1000" sy="1000" algn="ctr" rotWithShape="0">
-              <a:srgbClr val="000000"/>
-            </a:outerShdw>
-          </a:effectLst>
         </p:spPr>
         <p:txBody>
-          <a:bodyPr wrap="square">
+          <a:bodyPr wrap="none" rtlCol="0">
             <a:spAutoFit/>
           </a:bodyPr>
           <a:lstStyle/>
           <a:p>
-            <a:pPr lvl="0">
-              <a:lnSpc>
-                <a:spcPct val="150000"/>
-              </a:lnSpc>
-            </a:pPr>
-            <a:r>
-              <a:rPr lang="zh-CN" altLang="en-US" sz="1050" b="1" smtClean="0">
-                <a:solidFill>
-                  <a:srgbClr val="FF0000"/>
-                </a:solidFill>
-                <a:effectLst>
-                  <a:outerShdw sx="1000" sy="1000" algn="ctr" rotWithShape="0">
-                    <a:schemeClr val="bg1"/>
-                  </a:outerShdw>
-                </a:effectLst>
-                <a:latin typeface="微软雅黑" panose="020B0503020204020204" pitchFamily="34" charset="-122"/>
-                <a:ea typeface="微软雅黑" panose="020B0503020204020204" pitchFamily="34" charset="-122"/>
-              </a:rPr>
-              <a:t>      </a:t>
-            </a:r>
-            <a:endParaRPr lang="en-US" altLang="zh-CN" sz="1050" b="1" dirty="0">
-              <a:solidFill>
-                <a:srgbClr val="FF0000"/>
-              </a:solidFill>
-              <a:effectLst>
-                <a:outerShdw sx="1000" sy="1000" algn="ctr" rotWithShape="0">
-                  <a:schemeClr val="bg1"/>
-                </a:outerShdw>
-              </a:effectLst>
-              <a:latin typeface="微软雅黑" panose="020B0503020204020204" pitchFamily="34" charset="-122"/>
-              <a:ea typeface="微软雅黑" panose="020B0503020204020204" pitchFamily="34" charset="-122"/>
-            </a:endParaRPr>
-          </a:p>
-        </p:txBody>
-      </p:sp>
-      <p:pic>
-        <p:nvPicPr>
-          <p:cNvPr id="5" name="图片 4"/>
-          <p:cNvPicPr>
-            <a:picLocks noChangeAspect="1"/>
-          </p:cNvPicPr>
-          <p:nvPr/>
-        </p:nvPicPr>
-        <p:blipFill>
-          <a:blip r:embed="rId8"/>
-          <a:stretch>
-            <a:fillRect/>
-          </a:stretch>
-        </p:blipFill>
-        <p:spPr>
-          <a:xfrm>
-            <a:off x="3146699" y="3908507"/>
-            <a:ext cx="182892" cy="148600"/>
-          </a:xfrm>
-          <a:prstGeom prst="rect">
-            <a:avLst/>
-          </a:prstGeom>
-        </p:spPr>
-      </p:pic>
-      <p:pic>
-        <p:nvPicPr>
-          <p:cNvPr id="64" name="图片 63"/>
-          <p:cNvPicPr>
-            <a:picLocks noChangeAspect="1"/>
-          </p:cNvPicPr>
-          <p:nvPr/>
-        </p:nvPicPr>
-        <p:blipFill>
-          <a:blip r:embed="rId8"/>
-          <a:stretch>
-            <a:fillRect/>
-          </a:stretch>
-        </p:blipFill>
-        <p:spPr>
-          <a:xfrm>
-            <a:off x="2106247" y="5951588"/>
-            <a:ext cx="182892" cy="148600"/>
-          </a:xfrm>
-          <a:prstGeom prst="rect">
-            <a:avLst/>
-          </a:prstGeom>
-        </p:spPr>
-      </p:pic>
-      <p:sp>
-        <p:nvSpPr>
-          <p:cNvPr id="65" name="矩形 64">
-            <a:hlinkClick r:id="rId9" tooltip="该项目线上地址"/>
-          </p:cNvPr>
-          <p:cNvSpPr/>
-          <p:nvPr/>
-        </p:nvSpPr>
-        <p:spPr>
-          <a:xfrm>
-            <a:off x="482181" y="5860052"/>
-            <a:ext cx="1804296" cy="334707"/>
-          </a:xfrm>
-          <a:prstGeom prst="rect">
-            <a:avLst/>
-          </a:prstGeom>
-          <a:noFill/>
-          <a:ln>
-            <a:noFill/>
-          </a:ln>
-          <a:effectLst>
-            <a:outerShdw sx="1000" sy="1000" algn="ctr" rotWithShape="0">
-              <a:srgbClr val="000000"/>
-            </a:outerShdw>
-          </a:effectLst>
-        </p:spPr>
-        <p:txBody>
-          <a:bodyPr wrap="square">
-            <a:spAutoFit/>
-          </a:bodyPr>
-          <a:lstStyle/>
-          <a:p>
-            <a:pPr lvl="0">
-              <a:lnSpc>
-                <a:spcPct val="150000"/>
-              </a:lnSpc>
-            </a:pPr>
-            <a:r>
-              <a:rPr lang="zh-CN" altLang="en-US" sz="1050" b="1" smtClean="0">
-                <a:solidFill>
-                  <a:srgbClr val="FF0000"/>
-                </a:solidFill>
-                <a:effectLst>
-                  <a:outerShdw sx="1000" sy="1000" algn="ctr" rotWithShape="0">
-                    <a:schemeClr val="bg1"/>
-                  </a:outerShdw>
-                </a:effectLst>
-                <a:latin typeface="微软雅黑" panose="020B0503020204020204" pitchFamily="34" charset="-122"/>
-                <a:ea typeface="微软雅黑" panose="020B0503020204020204" pitchFamily="34" charset="-122"/>
-              </a:rPr>
-              <a:t>      </a:t>
-            </a:r>
-            <a:endParaRPr lang="en-US" altLang="zh-CN" sz="1050" b="1" dirty="0">
-              <a:solidFill>
-                <a:srgbClr val="FF0000"/>
-              </a:solidFill>
-              <a:effectLst>
-                <a:outerShdw sx="1000" sy="1000" algn="ctr" rotWithShape="0">
-                  <a:schemeClr val="bg1"/>
-                </a:outerShdw>
-              </a:effectLst>
-              <a:latin typeface="微软雅黑" panose="020B0503020204020204" pitchFamily="34" charset="-122"/>
-              <a:ea typeface="微软雅黑" panose="020B0503020204020204" pitchFamily="34" charset="-122"/>
-            </a:endParaRPr>
+            <a:r>
+              <a:rPr kumimoji="1" lang="zh-CN" altLang="en-US" sz="1000" b="1" dirty="0" smtClean="0"/>
+              <a:t>论文：面向</a:t>
+            </a:r>
+            <a:r>
+              <a:rPr kumimoji="1" lang="en-US" altLang="zh-CN" sz="1000" b="1" dirty="0" smtClean="0"/>
+              <a:t>JavaScript</a:t>
+            </a:r>
+            <a:r>
+              <a:rPr kumimoji="1" lang="zh-CN" altLang="en-US" sz="1000" b="1" dirty="0" smtClean="0"/>
+              <a:t>类型失配缺陷的静动态分析</a:t>
+            </a:r>
+            <a:endParaRPr kumimoji="1" lang="en-US" altLang="zh-CN" sz="1000" b="1" dirty="0" smtClean="0"/>
+          </a:p>
+          <a:p>
+            <a:r>
+              <a:rPr kumimoji="1" lang="zh-CN" altLang="en-US" sz="1000" b="1" dirty="0" smtClean="0"/>
+              <a:t>方法的研究与实现</a:t>
+            </a:r>
+            <a:endParaRPr kumimoji="1" lang="zh-CN" altLang="en-US" sz="1000" b="1" dirty="0"/>
           </a:p>
         </p:txBody>
       </p:sp>

--- a/doc/resume.pptx
+++ b/doc/resume.pptx
@@ -3508,14 +3508,7 @@
                 <a:latin typeface="微软雅黑" panose="020B0503020204020204" pitchFamily="34" charset="-122"/>
                 <a:ea typeface="微软雅黑" panose="020B0503020204020204" pitchFamily="34" charset="-122"/>
               </a:rPr>
-              <a:t>技术方向</a:t>
-            </a:r>
-            <a:r>
-              <a:rPr lang="zh-CN" altLang="en-US" sz="900" dirty="0" smtClean="0">
-                <a:latin typeface="微软雅黑" panose="020B0503020204020204" pitchFamily="34" charset="-122"/>
-                <a:ea typeface="微软雅黑" panose="020B0503020204020204" pitchFamily="34" charset="-122"/>
-              </a:rPr>
-              <a:t>：</a:t>
+              <a:t>技术方向：</a:t>
             </a:r>
             <a:r>
               <a:rPr lang="zh-CN" altLang="en-US" sz="900" b="1" dirty="0" smtClean="0">
@@ -3598,14 +3591,7 @@
                 <a:latin typeface="微软雅黑" panose="020B0503020204020204" pitchFamily="34" charset="-122"/>
                 <a:ea typeface="微软雅黑" panose="020B0503020204020204" pitchFamily="34" charset="-122"/>
               </a:rPr>
-              <a:t>北京</a:t>
-            </a:r>
-            <a:r>
-              <a:rPr lang="zh-CN" altLang="en-US" sz="900" dirty="0" smtClean="0">
-                <a:latin typeface="微软雅黑" panose="020B0503020204020204" pitchFamily="34" charset="-122"/>
-                <a:ea typeface="微软雅黑" panose="020B0503020204020204" pitchFamily="34" charset="-122"/>
-              </a:rPr>
-              <a:t>理工  西安交通  计算机</a:t>
+              <a:t>北京理工  西安交通  计算机</a:t>
             </a:r>
             <a:endParaRPr lang="en-US" altLang="zh-CN" sz="900" dirty="0">
               <a:latin typeface="微软雅黑" panose="020B0503020204020204" pitchFamily="34" charset="-122"/>
@@ -4904,14 +4890,7 @@
                 <a:latin typeface="微软雅黑" panose="020B0503020204020204" pitchFamily="34" charset="-122"/>
                 <a:ea typeface="微软雅黑" panose="020B0503020204020204" pitchFamily="34" charset="-122"/>
               </a:rPr>
-              <a:t>：</a:t>
-            </a:r>
-            <a:r>
-              <a:rPr lang="zh-CN" altLang="en-US" sz="900" dirty="0">
-                <a:latin typeface="微软雅黑" panose="020B0503020204020204" pitchFamily="34" charset="-122"/>
-                <a:ea typeface="微软雅黑" panose="020B0503020204020204" pitchFamily="34" charset="-122"/>
-              </a:rPr>
-              <a:t>一种基于设计图的网页</a:t>
+              <a:t>：一种基于设计图的网页</a:t>
             </a:r>
             <a:r>
               <a:rPr lang="en-US" altLang="zh-CN" sz="900" dirty="0">
@@ -5789,27 +5768,7 @@
                 <a:latin typeface="微软雅黑" panose="020B0503020204020204" pitchFamily="34" charset="-122"/>
                 <a:ea typeface="微软雅黑" panose="020B0503020204020204" pitchFamily="34" charset="-122"/>
               </a:rPr>
-              <a:t>2018 </a:t>
-            </a:r>
-            <a:r>
-              <a:rPr lang="en-US" altLang="zh-CN" sz="900" dirty="0" smtClean="0">
-                <a:solidFill>
-                  <a:prstClr val="black"/>
-                </a:solidFill>
-                <a:latin typeface="微软雅黑" panose="020B0503020204020204" pitchFamily="34" charset="-122"/>
-                <a:ea typeface="微软雅黑" panose="020B0503020204020204" pitchFamily="34" charset="-122"/>
-              </a:rPr>
-              <a:t>- </a:t>
-            </a:r>
-            <a:r>
-              <a:rPr lang="en-US" altLang="zh-CN" sz="900" dirty="0" smtClean="0">
-                <a:solidFill>
-                  <a:prstClr val="black"/>
-                </a:solidFill>
-                <a:latin typeface="微软雅黑" panose="020B0503020204020204" pitchFamily="34" charset="-122"/>
-                <a:ea typeface="微软雅黑" panose="020B0503020204020204" pitchFamily="34" charset="-122"/>
-              </a:rPr>
-              <a:t>2019</a:t>
+              <a:t>2018 - 2019</a:t>
             </a:r>
             <a:endParaRPr lang="zh-CN" altLang="en-US" sz="1600" dirty="0"/>
           </a:p>
@@ -5844,17 +5803,7 @@
                 <a:latin typeface="微软雅黑" panose="020B0503020204020204" pitchFamily="34" charset="-122"/>
                 <a:ea typeface="微软雅黑" panose="020B0503020204020204" pitchFamily="34" charset="-122"/>
               </a:rPr>
-              <a:t>2011 - </a:t>
-            </a:r>
-            <a:r>
-              <a:rPr lang="en-US" altLang="zh-CN" sz="900" dirty="0" smtClean="0">
-                <a:solidFill>
-                  <a:prstClr val="black"/>
-                </a:solidFill>
-                <a:latin typeface="微软雅黑" panose="020B0503020204020204" pitchFamily="34" charset="-122"/>
-                <a:ea typeface="微软雅黑" panose="020B0503020204020204" pitchFamily="34" charset="-122"/>
-              </a:rPr>
-              <a:t>2018</a:t>
+              <a:t>2011 - 2018</a:t>
             </a:r>
             <a:endParaRPr lang="zh-CN" altLang="en-US" sz="1600" dirty="0"/>
           </a:p>
@@ -6005,14 +5954,7 @@
                   <a:latin typeface="微软雅黑" panose="020B0503020204020204" pitchFamily="34" charset="-122"/>
                   <a:ea typeface="微软雅黑" panose="020B0503020204020204" pitchFamily="34" charset="-122"/>
                 </a:rPr>
-                <a:t> </a:t>
-              </a:r>
-              <a:r>
-                <a:rPr lang="en-US" altLang="zh-CN" sz="900" dirty="0" smtClean="0">
-                  <a:latin typeface="微软雅黑" panose="020B0503020204020204" pitchFamily="34" charset="-122"/>
-                  <a:ea typeface="微软雅黑" panose="020B0503020204020204" pitchFamily="34" charset="-122"/>
-                </a:rPr>
-                <a:t>2019.8</a:t>
+                <a:t> 2019.8</a:t>
               </a:r>
               <a:endParaRPr lang="en-US" altLang="zh-CN" sz="900" dirty="0">
                 <a:latin typeface="微软雅黑" panose="020B0503020204020204" pitchFamily="34" charset="-122"/>
@@ -6226,14 +6168,7 @@
                   <a:latin typeface="微软雅黑" panose="020B0503020204020204" pitchFamily="34" charset="-122"/>
                   <a:ea typeface="微软雅黑" panose="020B0503020204020204" pitchFamily="34" charset="-122"/>
                 </a:rPr>
-                <a:t>完成</a:t>
-              </a:r>
-              <a:r>
-                <a:rPr lang="zh-CN" altLang="en-US" sz="900" dirty="0">
-                  <a:latin typeface="微软雅黑" panose="020B0503020204020204" pitchFamily="34" charset="-122"/>
-                  <a:ea typeface="微软雅黑" panose="020B0503020204020204" pitchFamily="34" charset="-122"/>
-                </a:rPr>
-                <a:t>测试。</a:t>
+                <a:t>完成测试。</a:t>
               </a:r>
               <a:endParaRPr lang="en-US" altLang="zh-CN" sz="900" dirty="0">
                 <a:latin typeface="微软雅黑" panose="020B0503020204020204" pitchFamily="34" charset="-122"/>
@@ -6539,14 +6474,7 @@
                 <a:latin typeface="微软雅黑" panose="020B0503020204020204" pitchFamily="34" charset="-122"/>
                 <a:ea typeface="微软雅黑" panose="020B0503020204020204" pitchFamily="34" charset="-122"/>
               </a:rPr>
-              <a:t> </a:t>
-            </a:r>
-            <a:r>
-              <a:rPr lang="en-US" altLang="zh-CN" sz="900" dirty="0" smtClean="0">
-                <a:latin typeface="微软雅黑" panose="020B0503020204020204" pitchFamily="34" charset="-122"/>
-                <a:ea typeface="微软雅黑" panose="020B0503020204020204" pitchFamily="34" charset="-122"/>
-              </a:rPr>
-              <a:t>2019.12</a:t>
+              <a:t> 2019.12</a:t>
             </a:r>
             <a:endParaRPr lang="en-US" altLang="zh-CN" sz="900" dirty="0">
               <a:latin typeface="微软雅黑" panose="020B0503020204020204" pitchFamily="34" charset="-122"/>
@@ -7187,14 +7115,7 @@
                   <a:latin typeface="微软雅黑" panose="020B0503020204020204" pitchFamily="34" charset="-122"/>
                   <a:ea typeface="微软雅黑" panose="020B0503020204020204" pitchFamily="34" charset="-122"/>
                 </a:rPr>
-                <a:t> </a:t>
-              </a:r>
-              <a:r>
-                <a:rPr lang="en-US" altLang="zh-CN" sz="1050" b="1" dirty="0" smtClean="0">
-                  <a:latin typeface="微软雅黑" panose="020B0503020204020204" pitchFamily="34" charset="-122"/>
-                  <a:ea typeface="微软雅黑" panose="020B0503020204020204" pitchFamily="34" charset="-122"/>
-                </a:rPr>
-                <a:t>— </a:t>
+                <a:t> — </a:t>
               </a:r>
               <a:r>
                 <a:rPr lang="zh-CN" altLang="en-US" sz="1050" b="1" dirty="0" smtClean="0">
@@ -7860,7 +7781,7 @@
               <a:t>论文：面向</a:t>
             </a:r>
             <a:r>
-              <a:rPr kumimoji="1" lang="en-US" altLang="zh-CN" sz="1000" b="1" dirty="0" smtClean="0"/>
+              <a:rPr kumimoji="1" lang="en-US" altLang="zh-CN" sz="1000" dirty="0" smtClean="0"/>
               <a:t>JavaScript</a:t>
             </a:r>
             <a:r>

--- a/doc/resume.pptx
+++ b/doc/resume.pptx
@@ -208,7 +208,7 @@
           <a:p>
             <a:fld id="{AEA2C9DF-D23B-4857-8F83-A94459C69053}" type="datetimeFigureOut">
               <a:rPr lang="zh-CN" altLang="en-US" smtClean="0"/>
-              <a:t>2019/12/15</a:t>
+              <a:t>2020/4/22</a:t>
             </a:fld>
             <a:endParaRPr lang="zh-CN" altLang="en-US"/>
           </a:p>
@@ -272,38 +272,37 @@
           <a:p>
             <a:pPr lvl="0"/>
             <a:r>
-              <a:rPr lang="zh-CN" altLang="en-US" smtClean="0"/>
+              <a:rPr lang="zh-CN" altLang="en-US"/>
               <a:t>单击此处编辑母版文本样式</a:t>
             </a:r>
           </a:p>
           <a:p>
             <a:pPr lvl="1"/>
             <a:r>
-              <a:rPr lang="zh-CN" altLang="en-US" smtClean="0"/>
+              <a:rPr lang="zh-CN" altLang="en-US"/>
               <a:t>第二级</a:t>
             </a:r>
           </a:p>
           <a:p>
             <a:pPr lvl="2"/>
             <a:r>
-              <a:rPr lang="zh-CN" altLang="en-US" smtClean="0"/>
+              <a:rPr lang="zh-CN" altLang="en-US"/>
               <a:t>第三级</a:t>
             </a:r>
           </a:p>
           <a:p>
             <a:pPr lvl="3"/>
             <a:r>
-              <a:rPr lang="zh-CN" altLang="en-US" smtClean="0"/>
+              <a:rPr lang="zh-CN" altLang="en-US"/>
               <a:t>第四级</a:t>
             </a:r>
           </a:p>
           <a:p>
             <a:pPr lvl="4"/>
             <a:r>
-              <a:rPr lang="zh-CN" altLang="en-US" smtClean="0"/>
+              <a:rPr lang="zh-CN" altLang="en-US"/>
               <a:t>第五级</a:t>
             </a:r>
-            <a:endParaRPr lang="zh-CN" altLang="en-US"/>
           </a:p>
         </p:txBody>
       </p:sp>
@@ -602,7 +601,7 @@
           </a:lstStyle>
           <a:p>
             <a:r>
-              <a:rPr lang="zh-CN" altLang="en-US" smtClean="0"/>
+              <a:rPr lang="zh-CN" altLang="en-US"/>
               <a:t>单击此处编辑母版标题样式</a:t>
             </a:r>
             <a:endParaRPr lang="en-US" dirty="0"/>
@@ -667,7 +666,7 @@
           </a:lstStyle>
           <a:p>
             <a:r>
-              <a:rPr lang="zh-CN" altLang="en-US" smtClean="0"/>
+              <a:rPr lang="zh-CN" altLang="en-US"/>
               <a:t>单击此处编辑母版副标题样式</a:t>
             </a:r>
             <a:endParaRPr lang="en-US" dirty="0"/>
@@ -691,7 +690,7 @@
           <a:p>
             <a:fld id="{6A4926B6-441D-4BA1-AD68-6F10F35F7AC9}" type="datetimeFigureOut">
               <a:rPr lang="zh-CN" altLang="en-US" smtClean="0"/>
-              <a:t>2019/12/15</a:t>
+              <a:t>2020/4/22</a:t>
             </a:fld>
             <a:endParaRPr lang="zh-CN" altLang="en-US"/>
           </a:p>
@@ -785,7 +784,7 @@
           <a:lstStyle/>
           <a:p>
             <a:r>
-              <a:rPr lang="zh-CN" altLang="en-US" smtClean="0"/>
+              <a:rPr lang="zh-CN" altLang="en-US"/>
               <a:t>单击此处编辑母版标题样式</a:t>
             </a:r>
             <a:endParaRPr lang="en-US" dirty="0"/>
@@ -809,35 +808,35 @@
           <a:p>
             <a:pPr lvl="0"/>
             <a:r>
-              <a:rPr lang="zh-CN" altLang="en-US" smtClean="0"/>
+              <a:rPr lang="zh-CN" altLang="en-US"/>
               <a:t>单击此处编辑母版文本样式</a:t>
             </a:r>
           </a:p>
           <a:p>
             <a:pPr lvl="1"/>
             <a:r>
-              <a:rPr lang="zh-CN" altLang="en-US" smtClean="0"/>
+              <a:rPr lang="zh-CN" altLang="en-US"/>
               <a:t>第二级</a:t>
             </a:r>
           </a:p>
           <a:p>
             <a:pPr lvl="2"/>
             <a:r>
-              <a:rPr lang="zh-CN" altLang="en-US" smtClean="0"/>
+              <a:rPr lang="zh-CN" altLang="en-US"/>
               <a:t>第三级</a:t>
             </a:r>
           </a:p>
           <a:p>
             <a:pPr lvl="3"/>
             <a:r>
-              <a:rPr lang="zh-CN" altLang="en-US" smtClean="0"/>
+              <a:rPr lang="zh-CN" altLang="en-US"/>
               <a:t>第四级</a:t>
             </a:r>
           </a:p>
           <a:p>
             <a:pPr lvl="4"/>
             <a:r>
-              <a:rPr lang="zh-CN" altLang="en-US" smtClean="0"/>
+              <a:rPr lang="zh-CN" altLang="en-US"/>
               <a:t>第五级</a:t>
             </a:r>
             <a:endParaRPr lang="en-US" dirty="0"/>
@@ -861,7 +860,7 @@
           <a:p>
             <a:fld id="{6A4926B6-441D-4BA1-AD68-6F10F35F7AC9}" type="datetimeFigureOut">
               <a:rPr lang="zh-CN" altLang="en-US" smtClean="0"/>
-              <a:t>2019/12/15</a:t>
+              <a:t>2020/4/22</a:t>
             </a:fld>
             <a:endParaRPr lang="zh-CN" altLang="en-US"/>
           </a:p>
@@ -960,7 +959,7 @@
           <a:lstStyle/>
           <a:p>
             <a:r>
-              <a:rPr lang="zh-CN" altLang="en-US" smtClean="0"/>
+              <a:rPr lang="zh-CN" altLang="en-US"/>
               <a:t>单击此处编辑母版标题样式</a:t>
             </a:r>
             <a:endParaRPr lang="en-US" dirty="0"/>
@@ -989,35 +988,35 @@
           <a:p>
             <a:pPr lvl="0"/>
             <a:r>
-              <a:rPr lang="zh-CN" altLang="en-US" smtClean="0"/>
+              <a:rPr lang="zh-CN" altLang="en-US"/>
               <a:t>单击此处编辑母版文本样式</a:t>
             </a:r>
           </a:p>
           <a:p>
             <a:pPr lvl="1"/>
             <a:r>
-              <a:rPr lang="zh-CN" altLang="en-US" smtClean="0"/>
+              <a:rPr lang="zh-CN" altLang="en-US"/>
               <a:t>第二级</a:t>
             </a:r>
           </a:p>
           <a:p>
             <a:pPr lvl="2"/>
             <a:r>
-              <a:rPr lang="zh-CN" altLang="en-US" smtClean="0"/>
+              <a:rPr lang="zh-CN" altLang="en-US"/>
               <a:t>第三级</a:t>
             </a:r>
           </a:p>
           <a:p>
             <a:pPr lvl="3"/>
             <a:r>
-              <a:rPr lang="zh-CN" altLang="en-US" smtClean="0"/>
+              <a:rPr lang="zh-CN" altLang="en-US"/>
               <a:t>第四级</a:t>
             </a:r>
           </a:p>
           <a:p>
             <a:pPr lvl="4"/>
             <a:r>
-              <a:rPr lang="zh-CN" altLang="en-US" smtClean="0"/>
+              <a:rPr lang="zh-CN" altLang="en-US"/>
               <a:t>第五级</a:t>
             </a:r>
             <a:endParaRPr lang="en-US" dirty="0"/>
@@ -1041,7 +1040,7 @@
           <a:p>
             <a:fld id="{6A4926B6-441D-4BA1-AD68-6F10F35F7AC9}" type="datetimeFigureOut">
               <a:rPr lang="zh-CN" altLang="en-US" smtClean="0"/>
-              <a:t>2019/12/15</a:t>
+              <a:t>2020/4/22</a:t>
             </a:fld>
             <a:endParaRPr lang="zh-CN" altLang="en-US"/>
           </a:p>
@@ -1135,7 +1134,7 @@
           <a:lstStyle/>
           <a:p>
             <a:r>
-              <a:rPr lang="zh-CN" altLang="en-US" smtClean="0"/>
+              <a:rPr lang="zh-CN" altLang="en-US"/>
               <a:t>单击此处编辑母版标题样式</a:t>
             </a:r>
             <a:endParaRPr lang="en-US" dirty="0"/>
@@ -1159,35 +1158,35 @@
           <a:p>
             <a:pPr lvl="0"/>
             <a:r>
-              <a:rPr lang="zh-CN" altLang="en-US" smtClean="0"/>
+              <a:rPr lang="zh-CN" altLang="en-US"/>
               <a:t>单击此处编辑母版文本样式</a:t>
             </a:r>
           </a:p>
           <a:p>
             <a:pPr lvl="1"/>
             <a:r>
-              <a:rPr lang="zh-CN" altLang="en-US" smtClean="0"/>
+              <a:rPr lang="zh-CN" altLang="en-US"/>
               <a:t>第二级</a:t>
             </a:r>
           </a:p>
           <a:p>
             <a:pPr lvl="2"/>
             <a:r>
-              <a:rPr lang="zh-CN" altLang="en-US" smtClean="0"/>
+              <a:rPr lang="zh-CN" altLang="en-US"/>
               <a:t>第三级</a:t>
             </a:r>
           </a:p>
           <a:p>
             <a:pPr lvl="3"/>
             <a:r>
-              <a:rPr lang="zh-CN" altLang="en-US" smtClean="0"/>
+              <a:rPr lang="zh-CN" altLang="en-US"/>
               <a:t>第四级</a:t>
             </a:r>
           </a:p>
           <a:p>
             <a:pPr lvl="4"/>
             <a:r>
-              <a:rPr lang="zh-CN" altLang="en-US" smtClean="0"/>
+              <a:rPr lang="zh-CN" altLang="en-US"/>
               <a:t>第五级</a:t>
             </a:r>
             <a:endParaRPr lang="en-US" dirty="0"/>
@@ -1211,7 +1210,7 @@
           <a:p>
             <a:fld id="{6A4926B6-441D-4BA1-AD68-6F10F35F7AC9}" type="datetimeFigureOut">
               <a:rPr lang="zh-CN" altLang="en-US" smtClean="0"/>
-              <a:t>2019/12/15</a:t>
+              <a:t>2020/4/22</a:t>
             </a:fld>
             <a:endParaRPr lang="zh-CN" altLang="en-US"/>
           </a:p>
@@ -1314,7 +1313,7 @@
           </a:lstStyle>
           <a:p>
             <a:r>
-              <a:rPr lang="zh-CN" altLang="en-US" smtClean="0"/>
+              <a:rPr lang="zh-CN" altLang="en-US"/>
               <a:t>单击此处编辑母版标题样式</a:t>
             </a:r>
             <a:endParaRPr lang="en-US" dirty="0"/>
@@ -1432,7 +1431,7 @@
           <a:p>
             <a:pPr lvl="0"/>
             <a:r>
-              <a:rPr lang="zh-CN" altLang="en-US" smtClean="0"/>
+              <a:rPr lang="zh-CN" altLang="en-US"/>
               <a:t>单击此处编辑母版文本样式</a:t>
             </a:r>
           </a:p>
@@ -1455,7 +1454,7 @@
           <a:p>
             <a:fld id="{6A4926B6-441D-4BA1-AD68-6F10F35F7AC9}" type="datetimeFigureOut">
               <a:rPr lang="zh-CN" altLang="en-US" smtClean="0"/>
-              <a:t>2019/12/15</a:t>
+              <a:t>2020/4/22</a:t>
             </a:fld>
             <a:endParaRPr lang="zh-CN" altLang="en-US"/>
           </a:p>
@@ -1549,7 +1548,7 @@
           <a:lstStyle/>
           <a:p>
             <a:r>
-              <a:rPr lang="zh-CN" altLang="en-US" smtClean="0"/>
+              <a:rPr lang="zh-CN" altLang="en-US"/>
               <a:t>单击此处编辑母版标题样式</a:t>
             </a:r>
             <a:endParaRPr lang="en-US" dirty="0"/>
@@ -1578,35 +1577,35 @@
           <a:p>
             <a:pPr lvl="0"/>
             <a:r>
-              <a:rPr lang="zh-CN" altLang="en-US" smtClean="0"/>
+              <a:rPr lang="zh-CN" altLang="en-US"/>
               <a:t>单击此处编辑母版文本样式</a:t>
             </a:r>
           </a:p>
           <a:p>
             <a:pPr lvl="1"/>
             <a:r>
-              <a:rPr lang="zh-CN" altLang="en-US" smtClean="0"/>
+              <a:rPr lang="zh-CN" altLang="en-US"/>
               <a:t>第二级</a:t>
             </a:r>
           </a:p>
           <a:p>
             <a:pPr lvl="2"/>
             <a:r>
-              <a:rPr lang="zh-CN" altLang="en-US" smtClean="0"/>
+              <a:rPr lang="zh-CN" altLang="en-US"/>
               <a:t>第三级</a:t>
             </a:r>
           </a:p>
           <a:p>
             <a:pPr lvl="3"/>
             <a:r>
-              <a:rPr lang="zh-CN" altLang="en-US" smtClean="0"/>
+              <a:rPr lang="zh-CN" altLang="en-US"/>
               <a:t>第四级</a:t>
             </a:r>
           </a:p>
           <a:p>
             <a:pPr lvl="4"/>
             <a:r>
-              <a:rPr lang="zh-CN" altLang="en-US" smtClean="0"/>
+              <a:rPr lang="zh-CN" altLang="en-US"/>
               <a:t>第五级</a:t>
             </a:r>
             <a:endParaRPr lang="en-US" dirty="0"/>
@@ -1635,35 +1634,35 @@
           <a:p>
             <a:pPr lvl="0"/>
             <a:r>
-              <a:rPr lang="zh-CN" altLang="en-US" smtClean="0"/>
+              <a:rPr lang="zh-CN" altLang="en-US"/>
               <a:t>单击此处编辑母版文本样式</a:t>
             </a:r>
           </a:p>
           <a:p>
             <a:pPr lvl="1"/>
             <a:r>
-              <a:rPr lang="zh-CN" altLang="en-US" smtClean="0"/>
+              <a:rPr lang="zh-CN" altLang="en-US"/>
               <a:t>第二级</a:t>
             </a:r>
           </a:p>
           <a:p>
             <a:pPr lvl="2"/>
             <a:r>
-              <a:rPr lang="zh-CN" altLang="en-US" smtClean="0"/>
+              <a:rPr lang="zh-CN" altLang="en-US"/>
               <a:t>第三级</a:t>
             </a:r>
           </a:p>
           <a:p>
             <a:pPr lvl="3"/>
             <a:r>
-              <a:rPr lang="zh-CN" altLang="en-US" smtClean="0"/>
+              <a:rPr lang="zh-CN" altLang="en-US"/>
               <a:t>第四级</a:t>
             </a:r>
           </a:p>
           <a:p>
             <a:pPr lvl="4"/>
             <a:r>
-              <a:rPr lang="zh-CN" altLang="en-US" smtClean="0"/>
+              <a:rPr lang="zh-CN" altLang="en-US"/>
               <a:t>第五级</a:t>
             </a:r>
             <a:endParaRPr lang="en-US" dirty="0"/>
@@ -1687,7 +1686,7 @@
           <a:p>
             <a:fld id="{6A4926B6-441D-4BA1-AD68-6F10F35F7AC9}" type="datetimeFigureOut">
               <a:rPr lang="zh-CN" altLang="en-US" smtClean="0"/>
-              <a:t>2019/12/15</a:t>
+              <a:t>2020/4/22</a:t>
             </a:fld>
             <a:endParaRPr lang="zh-CN" altLang="en-US"/>
           </a:p>
@@ -1786,7 +1785,7 @@
           <a:lstStyle/>
           <a:p>
             <a:r>
-              <a:rPr lang="zh-CN" altLang="en-US" smtClean="0"/>
+              <a:rPr lang="zh-CN" altLang="en-US"/>
               <a:t>单击此处编辑母版标题样式</a:t>
             </a:r>
             <a:endParaRPr lang="en-US" dirty="0"/>
@@ -1852,7 +1851,7 @@
           <a:p>
             <a:pPr lvl="0"/>
             <a:r>
-              <a:rPr lang="zh-CN" altLang="en-US" smtClean="0"/>
+              <a:rPr lang="zh-CN" altLang="en-US"/>
               <a:t>单击此处编辑母版文本样式</a:t>
             </a:r>
           </a:p>
@@ -1880,35 +1879,35 @@
           <a:p>
             <a:pPr lvl="0"/>
             <a:r>
-              <a:rPr lang="zh-CN" altLang="en-US" smtClean="0"/>
+              <a:rPr lang="zh-CN" altLang="en-US"/>
               <a:t>单击此处编辑母版文本样式</a:t>
             </a:r>
           </a:p>
           <a:p>
             <a:pPr lvl="1"/>
             <a:r>
-              <a:rPr lang="zh-CN" altLang="en-US" smtClean="0"/>
+              <a:rPr lang="zh-CN" altLang="en-US"/>
               <a:t>第二级</a:t>
             </a:r>
           </a:p>
           <a:p>
             <a:pPr lvl="2"/>
             <a:r>
-              <a:rPr lang="zh-CN" altLang="en-US" smtClean="0"/>
+              <a:rPr lang="zh-CN" altLang="en-US"/>
               <a:t>第三级</a:t>
             </a:r>
           </a:p>
           <a:p>
             <a:pPr lvl="3"/>
             <a:r>
-              <a:rPr lang="zh-CN" altLang="en-US" smtClean="0"/>
+              <a:rPr lang="zh-CN" altLang="en-US"/>
               <a:t>第四级</a:t>
             </a:r>
           </a:p>
           <a:p>
             <a:pPr lvl="4"/>
             <a:r>
-              <a:rPr lang="zh-CN" altLang="en-US" smtClean="0"/>
+              <a:rPr lang="zh-CN" altLang="en-US"/>
               <a:t>第五级</a:t>
             </a:r>
             <a:endParaRPr lang="en-US" dirty="0"/>
@@ -1974,7 +1973,7 @@
           <a:p>
             <a:pPr lvl="0"/>
             <a:r>
-              <a:rPr lang="zh-CN" altLang="en-US" smtClean="0"/>
+              <a:rPr lang="zh-CN" altLang="en-US"/>
               <a:t>单击此处编辑母版文本样式</a:t>
             </a:r>
           </a:p>
@@ -2002,35 +2001,35 @@
           <a:p>
             <a:pPr lvl="0"/>
             <a:r>
-              <a:rPr lang="zh-CN" altLang="en-US" smtClean="0"/>
+              <a:rPr lang="zh-CN" altLang="en-US"/>
               <a:t>单击此处编辑母版文本样式</a:t>
             </a:r>
           </a:p>
           <a:p>
             <a:pPr lvl="1"/>
             <a:r>
-              <a:rPr lang="zh-CN" altLang="en-US" smtClean="0"/>
+              <a:rPr lang="zh-CN" altLang="en-US"/>
               <a:t>第二级</a:t>
             </a:r>
           </a:p>
           <a:p>
             <a:pPr lvl="2"/>
             <a:r>
-              <a:rPr lang="zh-CN" altLang="en-US" smtClean="0"/>
+              <a:rPr lang="zh-CN" altLang="en-US"/>
               <a:t>第三级</a:t>
             </a:r>
           </a:p>
           <a:p>
             <a:pPr lvl="3"/>
             <a:r>
-              <a:rPr lang="zh-CN" altLang="en-US" smtClean="0"/>
+              <a:rPr lang="zh-CN" altLang="en-US"/>
               <a:t>第四级</a:t>
             </a:r>
           </a:p>
           <a:p>
             <a:pPr lvl="4"/>
             <a:r>
-              <a:rPr lang="zh-CN" altLang="en-US" smtClean="0"/>
+              <a:rPr lang="zh-CN" altLang="en-US"/>
               <a:t>第五级</a:t>
             </a:r>
             <a:endParaRPr lang="en-US" dirty="0"/>
@@ -2054,7 +2053,7 @@
           <a:p>
             <a:fld id="{6A4926B6-441D-4BA1-AD68-6F10F35F7AC9}" type="datetimeFigureOut">
               <a:rPr lang="zh-CN" altLang="en-US" smtClean="0"/>
-              <a:t>2019/12/15</a:t>
+              <a:t>2020/4/22</a:t>
             </a:fld>
             <a:endParaRPr lang="zh-CN" altLang="en-US"/>
           </a:p>
@@ -2148,7 +2147,7 @@
           <a:lstStyle/>
           <a:p>
             <a:r>
-              <a:rPr lang="zh-CN" altLang="en-US" smtClean="0"/>
+              <a:rPr lang="zh-CN" altLang="en-US"/>
               <a:t>单击此处编辑母版标题样式</a:t>
             </a:r>
             <a:endParaRPr lang="en-US" dirty="0"/>
@@ -2172,7 +2171,7 @@
           <a:p>
             <a:fld id="{6A4926B6-441D-4BA1-AD68-6F10F35F7AC9}" type="datetimeFigureOut">
               <a:rPr lang="zh-CN" altLang="en-US" smtClean="0"/>
-              <a:t>2019/12/15</a:t>
+              <a:t>2020/4/22</a:t>
             </a:fld>
             <a:endParaRPr lang="zh-CN" altLang="en-US"/>
           </a:p>
@@ -2267,7 +2266,7 @@
           <a:p>
             <a:fld id="{6A4926B6-441D-4BA1-AD68-6F10F35F7AC9}" type="datetimeFigureOut">
               <a:rPr lang="zh-CN" altLang="en-US" smtClean="0"/>
-              <a:t>2019/12/15</a:t>
+              <a:t>2020/4/22</a:t>
             </a:fld>
             <a:endParaRPr lang="zh-CN" altLang="en-US"/>
           </a:p>
@@ -2325,13 +2324,6 @@
   <p:clrMapOvr>
     <a:masterClrMapping/>
   </p:clrMapOvr>
-  <p:timing>
-    <p:tnLst>
-      <p:par>
-        <p:cTn id="1" dur="indefinite" restart="never" nodeType="tmRoot"/>
-      </p:par>
-    </p:tnLst>
-  </p:timing>
 </p:sldLayout>
 </file>
 
@@ -2377,7 +2369,7 @@
           </a:lstStyle>
           <a:p>
             <a:r>
-              <a:rPr lang="zh-CN" altLang="en-US" smtClean="0"/>
+              <a:rPr lang="zh-CN" altLang="en-US"/>
               <a:t>单击此处编辑母版标题样式</a:t>
             </a:r>
             <a:endParaRPr lang="en-US" dirty="0"/>
@@ -2434,35 +2426,35 @@
           <a:p>
             <a:pPr lvl="0"/>
             <a:r>
-              <a:rPr lang="zh-CN" altLang="en-US" smtClean="0"/>
+              <a:rPr lang="zh-CN" altLang="en-US"/>
               <a:t>单击此处编辑母版文本样式</a:t>
             </a:r>
           </a:p>
           <a:p>
             <a:pPr lvl="1"/>
             <a:r>
-              <a:rPr lang="zh-CN" altLang="en-US" smtClean="0"/>
+              <a:rPr lang="zh-CN" altLang="en-US"/>
               <a:t>第二级</a:t>
             </a:r>
           </a:p>
           <a:p>
             <a:pPr lvl="2"/>
             <a:r>
-              <a:rPr lang="zh-CN" altLang="en-US" smtClean="0"/>
+              <a:rPr lang="zh-CN" altLang="en-US"/>
               <a:t>第三级</a:t>
             </a:r>
           </a:p>
           <a:p>
             <a:pPr lvl="3"/>
             <a:r>
-              <a:rPr lang="zh-CN" altLang="en-US" smtClean="0"/>
+              <a:rPr lang="zh-CN" altLang="en-US"/>
               <a:t>第四级</a:t>
             </a:r>
           </a:p>
           <a:p>
             <a:pPr lvl="4"/>
             <a:r>
-              <a:rPr lang="zh-CN" altLang="en-US" smtClean="0"/>
+              <a:rPr lang="zh-CN" altLang="en-US"/>
               <a:t>第五级</a:t>
             </a:r>
             <a:endParaRPr lang="en-US" dirty="0"/>
@@ -2528,7 +2520,7 @@
           <a:p>
             <a:pPr lvl="0"/>
             <a:r>
-              <a:rPr lang="zh-CN" altLang="en-US" smtClean="0"/>
+              <a:rPr lang="zh-CN" altLang="en-US"/>
               <a:t>单击此处编辑母版文本样式</a:t>
             </a:r>
           </a:p>
@@ -2551,7 +2543,7 @@
           <a:p>
             <a:fld id="{6A4926B6-441D-4BA1-AD68-6F10F35F7AC9}" type="datetimeFigureOut">
               <a:rPr lang="zh-CN" altLang="en-US" smtClean="0"/>
-              <a:t>2019/12/15</a:t>
+              <a:t>2020/4/22</a:t>
             </a:fld>
             <a:endParaRPr lang="zh-CN" altLang="en-US"/>
           </a:p>
@@ -2654,7 +2646,7 @@
           </a:lstStyle>
           <a:p>
             <a:r>
-              <a:rPr lang="zh-CN" altLang="en-US" smtClean="0"/>
+              <a:rPr lang="zh-CN" altLang="en-US"/>
               <a:t>单击此处编辑母版标题样式</a:t>
             </a:r>
             <a:endParaRPr lang="en-US" dirty="0"/>
@@ -2719,7 +2711,7 @@
           </a:lstStyle>
           <a:p>
             <a:r>
-              <a:rPr lang="zh-CN" altLang="en-US" smtClean="0"/>
+              <a:rPr lang="zh-CN" altLang="en-US"/>
               <a:t>单击图标添加图片</a:t>
             </a:r>
             <a:endParaRPr lang="en-US" dirty="0"/>
@@ -2785,7 +2777,7 @@
           <a:p>
             <a:pPr lvl="0"/>
             <a:r>
-              <a:rPr lang="zh-CN" altLang="en-US" smtClean="0"/>
+              <a:rPr lang="zh-CN" altLang="en-US"/>
               <a:t>单击此处编辑母版文本样式</a:t>
             </a:r>
           </a:p>
@@ -2808,7 +2800,7 @@
           <a:p>
             <a:fld id="{6A4926B6-441D-4BA1-AD68-6F10F35F7AC9}" type="datetimeFigureOut">
               <a:rPr lang="zh-CN" altLang="en-US" smtClean="0"/>
-              <a:t>2019/12/15</a:t>
+              <a:t>2020/4/22</a:t>
             </a:fld>
             <a:endParaRPr lang="zh-CN" altLang="en-US"/>
           </a:p>
@@ -2917,7 +2909,7 @@
           <a:lstStyle/>
           <a:p>
             <a:r>
-              <a:rPr lang="zh-CN" altLang="en-US" smtClean="0"/>
+              <a:rPr lang="zh-CN" altLang="en-US"/>
               <a:t>单击此处编辑母版标题样式</a:t>
             </a:r>
             <a:endParaRPr lang="en-US" dirty="0"/>
@@ -2951,35 +2943,35 @@
           <a:p>
             <a:pPr lvl="0"/>
             <a:r>
-              <a:rPr lang="zh-CN" altLang="en-US" smtClean="0"/>
+              <a:rPr lang="zh-CN" altLang="en-US"/>
               <a:t>单击此处编辑母版文本样式</a:t>
             </a:r>
           </a:p>
           <a:p>
             <a:pPr lvl="1"/>
             <a:r>
-              <a:rPr lang="zh-CN" altLang="en-US" smtClean="0"/>
+              <a:rPr lang="zh-CN" altLang="en-US"/>
               <a:t>第二级</a:t>
             </a:r>
           </a:p>
           <a:p>
             <a:pPr lvl="2"/>
             <a:r>
-              <a:rPr lang="zh-CN" altLang="en-US" smtClean="0"/>
+              <a:rPr lang="zh-CN" altLang="en-US"/>
               <a:t>第三级</a:t>
             </a:r>
           </a:p>
           <a:p>
             <a:pPr lvl="3"/>
             <a:r>
-              <a:rPr lang="zh-CN" altLang="en-US" smtClean="0"/>
+              <a:rPr lang="zh-CN" altLang="en-US"/>
               <a:t>第四级</a:t>
             </a:r>
           </a:p>
           <a:p>
             <a:pPr lvl="4"/>
             <a:r>
-              <a:rPr lang="zh-CN" altLang="en-US" smtClean="0"/>
+              <a:rPr lang="zh-CN" altLang="en-US"/>
               <a:t>第五级</a:t>
             </a:r>
             <a:endParaRPr lang="en-US" dirty="0"/>
@@ -3021,7 +3013,7 @@
           <a:p>
             <a:fld id="{6A4926B6-441D-4BA1-AD68-6F10F35F7AC9}" type="datetimeFigureOut">
               <a:rPr lang="zh-CN" altLang="en-US" smtClean="0"/>
-              <a:t>2019/12/15</a:t>
+              <a:t>2020/4/22</a:t>
             </a:fld>
             <a:endParaRPr lang="zh-CN" altLang="en-US"/>
           </a:p>
@@ -3454,13 +3446,13 @@
               </a:lnSpc>
             </a:pPr>
             <a:r>
-              <a:rPr lang="zh-CN" altLang="en-US" sz="1050" b="1" dirty="0" smtClean="0">
+              <a:rPr lang="zh-CN" altLang="en-US" sz="1050" b="1" dirty="0">
                 <a:latin typeface="微软雅黑" panose="020B0503020204020204" pitchFamily="34" charset="-122"/>
                 <a:ea typeface="微软雅黑" panose="020B0503020204020204" pitchFamily="34" charset="-122"/>
               </a:rPr>
               <a:t>前端开发</a:t>
             </a:r>
-            <a:endParaRPr lang="en-US" altLang="zh-CN" sz="1050" b="1" dirty="0" smtClean="0">
+            <a:endParaRPr lang="en-US" altLang="zh-CN" sz="1050" b="1" dirty="0">
               <a:latin typeface="微软雅黑" panose="020B0503020204020204" pitchFamily="34" charset="-122"/>
               <a:ea typeface="微软雅黑" panose="020B0503020204020204" pitchFamily="34" charset="-122"/>
             </a:endParaRPr>
@@ -3472,27 +3464,27 @@
               </a:lnSpc>
             </a:pPr>
             <a:r>
-              <a:rPr lang="zh-CN" altLang="en-US" sz="900" dirty="0" smtClean="0">
+              <a:rPr lang="zh-CN" altLang="en-US" sz="900" dirty="0">
                 <a:latin typeface="微软雅黑" panose="020B0503020204020204" pitchFamily="34" charset="-122"/>
                 <a:ea typeface="微软雅黑" panose="020B0503020204020204" pitchFamily="34" charset="-122"/>
               </a:rPr>
               <a:t>美团 酒旅</a:t>
             </a:r>
             <a:r>
-              <a:rPr lang="en-US" altLang="zh-CN" sz="900" dirty="0" smtClean="0">
+              <a:rPr lang="en-US" altLang="zh-CN" sz="900" dirty="0">
                 <a:latin typeface="微软雅黑" panose="020B0503020204020204" pitchFamily="34" charset="-122"/>
                 <a:ea typeface="微软雅黑" panose="020B0503020204020204" pitchFamily="34" charset="-122"/>
               </a:rPr>
               <a:t> </a:t>
             </a:r>
             <a:r>
-              <a:rPr lang="zh-CN" altLang="en-US" sz="900" dirty="0" smtClean="0">
+              <a:rPr lang="zh-CN" altLang="en-US" sz="900" dirty="0">
                 <a:latin typeface="微软雅黑" panose="020B0503020204020204" pitchFamily="34" charset="-122"/>
                 <a:ea typeface="微软雅黑" panose="020B0503020204020204" pitchFamily="34" charset="-122"/>
               </a:rPr>
               <a:t>流量拓展</a:t>
             </a:r>
-            <a:endParaRPr lang="en-US" altLang="zh-CN" sz="900" dirty="0" smtClean="0">
+            <a:endParaRPr lang="en-US" altLang="zh-CN" sz="900" dirty="0">
               <a:latin typeface="微软雅黑" panose="020B0503020204020204" pitchFamily="34" charset="-122"/>
               <a:ea typeface="微软雅黑" panose="020B0503020204020204" pitchFamily="34" charset="-122"/>
             </a:endParaRPr>
@@ -3504,14 +3496,14 @@
               </a:lnSpc>
             </a:pPr>
             <a:r>
-              <a:rPr lang="zh-CN" altLang="en-US" sz="900" dirty="0" smtClean="0">
+              <a:rPr lang="zh-CN" altLang="en-US" sz="900" dirty="0">
                 <a:latin typeface="微软雅黑" panose="020B0503020204020204" pitchFamily="34" charset="-122"/>
                 <a:ea typeface="微软雅黑" panose="020B0503020204020204" pitchFamily="34" charset="-122"/>
               </a:rPr>
               <a:t>技术方向：</a:t>
             </a:r>
             <a:r>
-              <a:rPr lang="zh-CN" altLang="en-US" sz="900" b="1" dirty="0" smtClean="0">
+              <a:rPr lang="zh-CN" altLang="en-US" sz="900" b="1" dirty="0">
                 <a:solidFill>
                   <a:srgbClr val="6679DF"/>
                 </a:solidFill>
@@ -3521,7 +3513,7 @@
               <a:t>小程序 </a:t>
             </a:r>
             <a:r>
-              <a:rPr lang="en-US" altLang="zh-CN" sz="900" b="1" dirty="0" smtClean="0">
+              <a:rPr lang="en-US" altLang="zh-CN" sz="900" b="1" dirty="0">
                 <a:solidFill>
                   <a:srgbClr val="6679DF"/>
                 </a:solidFill>
@@ -3531,7 +3523,7 @@
               <a:t>H5</a:t>
             </a:r>
             <a:r>
-              <a:rPr lang="zh-CN" altLang="en-US" sz="900" b="1" dirty="0" smtClean="0">
+              <a:rPr lang="zh-CN" altLang="en-US" sz="900" b="1" dirty="0">
                 <a:solidFill>
                   <a:srgbClr val="6679DF"/>
                 </a:solidFill>
@@ -3540,7 +3532,7 @@
               </a:rPr>
               <a:t> </a:t>
             </a:r>
-            <a:endParaRPr lang="en-US" altLang="zh-CN" sz="900" b="1" dirty="0" smtClean="0">
+            <a:endParaRPr lang="en-US" altLang="zh-CN" sz="900" b="1" dirty="0">
               <a:solidFill>
                 <a:srgbClr val="6679DF"/>
               </a:solidFill>
@@ -3555,21 +3547,21 @@
               </a:lnSpc>
             </a:pPr>
             <a:r>
-              <a:rPr lang="zh-CN" altLang="en-US" sz="1050" b="1" dirty="0" smtClean="0">
+              <a:rPr lang="zh-CN" altLang="en-US" sz="1050" b="1" dirty="0">
                 <a:latin typeface="微软雅黑" panose="020B0503020204020204" pitchFamily="34" charset="-122"/>
                 <a:ea typeface="微软雅黑" panose="020B0503020204020204" pitchFamily="34" charset="-122"/>
               </a:rPr>
               <a:t>本</a:t>
             </a:r>
             <a:r>
-              <a:rPr lang="en-US" altLang="zh-CN" sz="1050" b="1" dirty="0" smtClean="0">
+              <a:rPr lang="en-US" altLang="zh-CN" sz="1050" b="1" dirty="0">
                 <a:latin typeface="微软雅黑" panose="020B0503020204020204" pitchFamily="34" charset="-122"/>
                 <a:ea typeface="微软雅黑" panose="020B0503020204020204" pitchFamily="34" charset="-122"/>
               </a:rPr>
               <a:t>/</a:t>
             </a:r>
             <a:r>
-              <a:rPr lang="zh-CN" altLang="en-US" sz="1050" b="1" dirty="0" smtClean="0">
+              <a:rPr lang="zh-CN" altLang="en-US" sz="1050" b="1" dirty="0">
                 <a:latin typeface="微软雅黑" panose="020B0503020204020204" pitchFamily="34" charset="-122"/>
                 <a:ea typeface="微软雅黑" panose="020B0503020204020204" pitchFamily="34" charset="-122"/>
               </a:rPr>
@@ -3587,7 +3579,7 @@
               </a:lnSpc>
             </a:pPr>
             <a:r>
-              <a:rPr lang="zh-CN" altLang="en-US" sz="900" dirty="0" smtClean="0">
+              <a:rPr lang="zh-CN" altLang="en-US" sz="900" dirty="0">
                 <a:latin typeface="微软雅黑" panose="020B0503020204020204" pitchFamily="34" charset="-122"/>
                 <a:ea typeface="微软雅黑" panose="020B0503020204020204" pitchFamily="34" charset="-122"/>
               </a:rPr>
@@ -3624,7 +3616,7 @@
           <a:p>
             <a:pPr algn="ctr"/>
             <a:r>
-              <a:rPr lang="zh-CN" altLang="en-US" sz="2000" b="1" dirty="0" smtClean="0">
+              <a:rPr lang="zh-CN" altLang="en-US" sz="2000" b="1" dirty="0">
                 <a:solidFill>
                   <a:srgbClr val="6679DF"/>
                 </a:solidFill>
@@ -3633,7 +3625,7 @@
               </a:rPr>
               <a:t>张博伟</a:t>
             </a:r>
-            <a:endParaRPr lang="en-US" altLang="zh-CN" sz="2000" b="1" dirty="0" smtClean="0">
+            <a:endParaRPr lang="en-US" altLang="zh-CN" sz="2000" b="1" dirty="0">
               <a:solidFill>
                 <a:srgbClr val="6679DF"/>
               </a:solidFill>
@@ -3652,7 +3644,7 @@
         <p:spPr>
           <a:xfrm>
             <a:off x="3556316" y="1669839"/>
-            <a:ext cx="2997159" cy="4524315"/>
+            <a:ext cx="2997159" cy="4311308"/>
           </a:xfrm>
           <a:prstGeom prst="rect">
             <a:avLst/>
@@ -3698,14 +3690,14 @@
               <a:buChar char="ü"/>
             </a:pPr>
             <a:r>
-              <a:rPr lang="zh-CN" altLang="en-US" sz="900" dirty="0" smtClean="0">
+              <a:rPr lang="zh-CN" altLang="en-US" sz="900" dirty="0">
                 <a:latin typeface="微软雅黑" panose="020B0503020204020204" pitchFamily="34" charset="-122"/>
                 <a:ea typeface="微软雅黑" panose="020B0503020204020204" pitchFamily="34" charset="-122"/>
               </a:rPr>
               <a:t>熟练使用 </a:t>
             </a:r>
             <a:r>
-              <a:rPr lang="en-US" altLang="zh-CN" sz="900" b="1" dirty="0" smtClean="0">
+              <a:rPr lang="en-US" altLang="zh-CN" sz="900" b="1" dirty="0">
                 <a:solidFill>
                   <a:srgbClr val="6679DF"/>
                 </a:solidFill>
@@ -3715,14 +3707,14 @@
               <a:t>HTML </a:t>
             </a:r>
             <a:r>
-              <a:rPr lang="en-US" altLang="zh-CN" sz="900" dirty="0" smtClean="0">
+              <a:rPr lang="en-US" altLang="zh-CN" sz="900" dirty="0">
                 <a:latin typeface="微软雅黑" panose="020B0503020204020204" pitchFamily="34" charset="-122"/>
                 <a:ea typeface="微软雅黑" panose="020B0503020204020204" pitchFamily="34" charset="-122"/>
               </a:rPr>
               <a:t>/ </a:t>
             </a:r>
             <a:r>
-              <a:rPr lang="en-US" altLang="zh-CN" sz="900" b="1" dirty="0" smtClean="0">
+              <a:rPr lang="en-US" altLang="zh-CN" sz="900" b="1" dirty="0">
                 <a:solidFill>
                   <a:srgbClr val="6679DF"/>
                 </a:solidFill>
@@ -3732,42 +3724,14 @@
               <a:t>CSS </a:t>
             </a:r>
             <a:r>
-              <a:rPr lang="zh-CN" altLang="en-US" sz="900" dirty="0" smtClean="0">
-                <a:latin typeface="微软雅黑" panose="020B0503020204020204" pitchFamily="34" charset="-122"/>
-                <a:ea typeface="微软雅黑" panose="020B0503020204020204" pitchFamily="34" charset="-122"/>
-              </a:rPr>
-              <a:t>进行</a:t>
-            </a:r>
-            <a:r>
               <a:rPr lang="zh-CN" altLang="en-US" sz="900" dirty="0">
                 <a:latin typeface="微软雅黑" panose="020B0503020204020204" pitchFamily="34" charset="-122"/>
                 <a:ea typeface="微软雅黑" panose="020B0503020204020204" pitchFamily="34" charset="-122"/>
               </a:rPr>
-              <a:t>页面的搭建和</a:t>
-            </a:r>
-            <a:r>
-              <a:rPr lang="zh-CN" altLang="en-US" sz="900" dirty="0" smtClean="0">
-                <a:latin typeface="微软雅黑" panose="020B0503020204020204" pitchFamily="34" charset="-122"/>
-                <a:ea typeface="微软雅黑" panose="020B0503020204020204" pitchFamily="34" charset="-122"/>
-              </a:rPr>
-              <a:t>布局</a:t>
-            </a:r>
-            <a:r>
-              <a:rPr lang="zh-CN" altLang="en-US" sz="900" dirty="0">
-                <a:latin typeface="微软雅黑" panose="020B0503020204020204" pitchFamily="34" charset="-122"/>
-                <a:ea typeface="微软雅黑" panose="020B0503020204020204" pitchFamily="34" charset="-122"/>
-              </a:rPr>
-              <a:t>，</a:t>
-            </a:r>
-            <a:r>
-              <a:rPr lang="zh-CN" altLang="en-US" sz="900" dirty="0" smtClean="0">
-                <a:latin typeface="微软雅黑" panose="020B0503020204020204" pitchFamily="34" charset="-122"/>
-                <a:ea typeface="微软雅黑" panose="020B0503020204020204" pitchFamily="34" charset="-122"/>
-              </a:rPr>
-              <a:t>熟悉</a:t>
-            </a:r>
-            <a:r>
-              <a:rPr lang="en-US" altLang="zh-CN" sz="900" b="1" dirty="0" smtClean="0">
+              <a:t>进行页面的搭建和布局，熟悉</a:t>
+            </a:r>
+            <a:r>
+              <a:rPr lang="en-US" altLang="zh-CN" sz="900" b="1" dirty="0">
                 <a:solidFill>
                   <a:srgbClr val="6679DF"/>
                 </a:solidFill>
@@ -3777,14 +3741,14 @@
               <a:t>HTML5 </a:t>
             </a:r>
             <a:r>
-              <a:rPr lang="en-US" altLang="zh-CN" sz="900" dirty="0" smtClean="0">
+              <a:rPr lang="en-US" altLang="zh-CN" sz="900" dirty="0">
                 <a:latin typeface="微软雅黑" panose="020B0503020204020204" pitchFamily="34" charset="-122"/>
                 <a:ea typeface="微软雅黑" panose="020B0503020204020204" pitchFamily="34" charset="-122"/>
               </a:rPr>
               <a:t>/ </a:t>
             </a:r>
             <a:r>
-              <a:rPr lang="en-US" altLang="zh-CN" sz="900" b="1" dirty="0" smtClean="0">
+              <a:rPr lang="en-US" altLang="zh-CN" sz="900" b="1" dirty="0">
                 <a:solidFill>
                   <a:srgbClr val="6679DF"/>
                 </a:solidFill>
@@ -3794,7 +3758,7 @@
               <a:t>CSS3 </a:t>
             </a:r>
             <a:r>
-              <a:rPr lang="zh-CN" altLang="en-US" sz="900" dirty="0" smtClean="0">
+              <a:rPr lang="zh-CN" altLang="en-US" sz="900" dirty="0">
                 <a:latin typeface="微软雅黑" panose="020B0503020204020204" pitchFamily="34" charset="-122"/>
                 <a:ea typeface="微软雅黑" panose="020B0503020204020204" pitchFamily="34" charset="-122"/>
               </a:rPr>
@@ -3814,14 +3778,14 @@
               <a:buChar char="ü"/>
             </a:pPr>
             <a:r>
-              <a:rPr lang="zh-CN" altLang="en-US" sz="900" dirty="0" smtClean="0">
+              <a:rPr lang="zh-CN" altLang="en-US" sz="900" dirty="0">
                 <a:latin typeface="微软雅黑" panose="020B0503020204020204" pitchFamily="34" charset="-122"/>
                 <a:ea typeface="微软雅黑" panose="020B0503020204020204" pitchFamily="34" charset="-122"/>
               </a:rPr>
               <a:t>熟练使用 </a:t>
             </a:r>
             <a:r>
-              <a:rPr lang="en-US" altLang="zh-CN" sz="900" b="1" dirty="0" smtClean="0">
+              <a:rPr lang="en-US" altLang="zh-CN" sz="900" b="1" dirty="0">
                 <a:solidFill>
                   <a:srgbClr val="6679DF"/>
                 </a:solidFill>
@@ -3831,14 +3795,14 @@
               <a:t>JavaScript </a:t>
             </a:r>
             <a:r>
-              <a:rPr lang="zh-CN" altLang="en-US" sz="900" dirty="0" smtClean="0">
+              <a:rPr lang="zh-CN" altLang="en-US" sz="900" dirty="0">
                 <a:latin typeface="微软雅黑" panose="020B0503020204020204" pitchFamily="34" charset="-122"/>
                 <a:ea typeface="微软雅黑" panose="020B0503020204020204" pitchFamily="34" charset="-122"/>
               </a:rPr>
               <a:t>语言，熟悉 </a:t>
             </a:r>
             <a:r>
-              <a:rPr lang="en-US" altLang="zh-CN" sz="900" b="1" dirty="0" smtClean="0">
+              <a:rPr lang="en-US" altLang="zh-CN" sz="900" b="1" dirty="0">
                 <a:solidFill>
                   <a:srgbClr val="6679DF"/>
                 </a:solidFill>
@@ -3848,14 +3812,14 @@
               <a:t>DOM </a:t>
             </a:r>
             <a:r>
-              <a:rPr lang="en-US" altLang="zh-CN" sz="900" dirty="0" smtClean="0">
+              <a:rPr lang="en-US" altLang="zh-CN" sz="900" dirty="0">
                 <a:latin typeface="微软雅黑" panose="020B0503020204020204" pitchFamily="34" charset="-122"/>
                 <a:ea typeface="微软雅黑" panose="020B0503020204020204" pitchFamily="34" charset="-122"/>
               </a:rPr>
               <a:t>/ </a:t>
             </a:r>
             <a:r>
-              <a:rPr lang="en-US" altLang="zh-CN" sz="900" b="1" dirty="0" smtClean="0">
+              <a:rPr lang="en-US" altLang="zh-CN" sz="900" b="1" dirty="0">
                 <a:solidFill>
                   <a:srgbClr val="6679DF"/>
                 </a:solidFill>
@@ -3865,14 +3829,14 @@
               <a:t>BOM </a:t>
             </a:r>
             <a:r>
-              <a:rPr lang="en-US" altLang="zh-CN" sz="900" dirty="0" smtClean="0">
+              <a:rPr lang="en-US" altLang="zh-CN" sz="900" dirty="0">
                 <a:latin typeface="微软雅黑" panose="020B0503020204020204" pitchFamily="34" charset="-122"/>
                 <a:ea typeface="微软雅黑" panose="020B0503020204020204" pitchFamily="34" charset="-122"/>
               </a:rPr>
               <a:t>/ </a:t>
             </a:r>
             <a:r>
-              <a:rPr lang="en-US" altLang="zh-CN" sz="900" b="1" dirty="0" smtClean="0">
+              <a:rPr lang="en-US" altLang="zh-CN" sz="900" b="1" dirty="0">
                 <a:solidFill>
                   <a:srgbClr val="6679DF"/>
                 </a:solidFill>
@@ -3905,23 +3869,6 @@
               <a:t>使用过 </a:t>
             </a:r>
             <a:r>
-              <a:rPr lang="en-US" altLang="zh-CN" sz="900" b="1" dirty="0" smtClean="0">
-                <a:solidFill>
-                  <a:srgbClr val="6679DF"/>
-                </a:solidFill>
-                <a:latin typeface="微软雅黑" panose="020B0503020204020204" pitchFamily="34" charset="-122"/>
-                <a:ea typeface="微软雅黑" panose="020B0503020204020204" pitchFamily="34" charset="-122"/>
-              </a:rPr>
-              <a:t>SVG </a:t>
-            </a:r>
-            <a:r>
-              <a:rPr lang="en-US" altLang="zh-CN" sz="900" dirty="0">
-                <a:latin typeface="微软雅黑" panose="020B0503020204020204" pitchFamily="34" charset="-122"/>
-                <a:ea typeface="微软雅黑" panose="020B0503020204020204" pitchFamily="34" charset="-122"/>
-              </a:rPr>
-              <a:t>/ </a:t>
-            </a:r>
-            <a:r>
               <a:rPr lang="en-US" altLang="zh-CN" sz="900" b="1" dirty="0">
                 <a:solidFill>
                   <a:srgbClr val="6679DF"/>
@@ -3929,33 +3876,50 @@
                 <a:latin typeface="微软雅黑" panose="020B0503020204020204" pitchFamily="34" charset="-122"/>
                 <a:ea typeface="微软雅黑" panose="020B0503020204020204" pitchFamily="34" charset="-122"/>
               </a:rPr>
-              <a:t>Canvas</a:t>
-            </a:r>
-            <a:r>
-              <a:rPr lang="zh-CN" altLang="en-US" sz="900" dirty="0" smtClean="0">
-                <a:latin typeface="微软雅黑" panose="020B0503020204020204" pitchFamily="34" charset="-122"/>
-                <a:ea typeface="微软雅黑" panose="020B0503020204020204" pitchFamily="34" charset="-122"/>
-              </a:rPr>
-              <a:t>等 </a:t>
-            </a:r>
-            <a:r>
-              <a:rPr lang="en-US" altLang="zh-CN" sz="900" b="1" dirty="0" smtClean="0">
+              <a:t>SVG </a:t>
+            </a:r>
+            <a:r>
+              <a:rPr lang="en-US" altLang="zh-CN" sz="900" dirty="0">
+                <a:latin typeface="微软雅黑" panose="020B0503020204020204" pitchFamily="34" charset="-122"/>
+                <a:ea typeface="微软雅黑" panose="020B0503020204020204" pitchFamily="34" charset="-122"/>
+              </a:rPr>
+              <a:t>/ </a:t>
+            </a:r>
+            <a:r>
+              <a:rPr lang="en-US" altLang="zh-CN" sz="900" b="1" dirty="0">
                 <a:solidFill>
                   <a:srgbClr val="6679DF"/>
                 </a:solidFill>
                 <a:latin typeface="微软雅黑" panose="020B0503020204020204" pitchFamily="34" charset="-122"/>
                 <a:ea typeface="微软雅黑" panose="020B0503020204020204" pitchFamily="34" charset="-122"/>
               </a:rPr>
-              <a:t>HTML5</a:t>
-            </a:r>
-            <a:r>
-              <a:rPr lang="zh-CN" altLang="en-US" sz="900" b="1" dirty="0" smtClean="0">
+              <a:t>Canvas</a:t>
+            </a:r>
+            <a:r>
+              <a:rPr lang="zh-CN" altLang="en-US" sz="900" dirty="0">
+                <a:latin typeface="微软雅黑" panose="020B0503020204020204" pitchFamily="34" charset="-122"/>
+                <a:ea typeface="微软雅黑" panose="020B0503020204020204" pitchFamily="34" charset="-122"/>
+              </a:rPr>
+              <a:t>等 </a:t>
+            </a:r>
+            <a:r>
+              <a:rPr lang="en-US" altLang="zh-CN" sz="900" b="1" dirty="0">
                 <a:solidFill>
                   <a:srgbClr val="6679DF"/>
                 </a:solidFill>
                 <a:latin typeface="微软雅黑" panose="020B0503020204020204" pitchFamily="34" charset="-122"/>
                 <a:ea typeface="微软雅黑" panose="020B0503020204020204" pitchFamily="34" charset="-122"/>
               </a:rPr>
+              <a:t>HTML5</a:t>
+            </a:r>
+            <a:r>
+              <a:rPr lang="zh-CN" altLang="en-US" sz="900" b="1" dirty="0">
+                <a:solidFill>
+                  <a:srgbClr val="6679DF"/>
+                </a:solidFill>
+                <a:latin typeface="微软雅黑" panose="020B0503020204020204" pitchFamily="34" charset="-122"/>
+                <a:ea typeface="微软雅黑" panose="020B0503020204020204" pitchFamily="34" charset="-122"/>
+              </a:rPr>
               <a:t> </a:t>
             </a:r>
             <a:r>
@@ -3963,16 +3927,9 @@
                 <a:latin typeface="微软雅黑" panose="020B0503020204020204" pitchFamily="34" charset="-122"/>
                 <a:ea typeface="微软雅黑" panose="020B0503020204020204" pitchFamily="34" charset="-122"/>
               </a:rPr>
-              <a:t>标准新</a:t>
-            </a:r>
-            <a:r>
-              <a:rPr lang="zh-CN" altLang="en-US" sz="900" dirty="0" smtClean="0">
-                <a:latin typeface="微软雅黑" panose="020B0503020204020204" pitchFamily="34" charset="-122"/>
-                <a:ea typeface="微软雅黑" panose="020B0503020204020204" pitchFamily="34" charset="-122"/>
-              </a:rPr>
-              <a:t>特性</a:t>
-            </a:r>
-            <a:endParaRPr lang="en-US" altLang="zh-CN" sz="900" dirty="0" smtClean="0">
+              <a:t>标准新特性</a:t>
+            </a:r>
+            <a:endParaRPr lang="en-US" altLang="zh-CN" sz="900" dirty="0">
               <a:latin typeface="微软雅黑" panose="020B0503020204020204" pitchFamily="34" charset="-122"/>
               <a:ea typeface="微软雅黑" panose="020B0503020204020204" pitchFamily="34" charset="-122"/>
             </a:endParaRPr>
@@ -3990,17 +3947,10 @@
                 <a:latin typeface="微软雅黑" panose="020B0503020204020204" pitchFamily="34" charset="-122"/>
                 <a:ea typeface="微软雅黑" panose="020B0503020204020204" pitchFamily="34" charset="-122"/>
               </a:rPr>
-              <a:t>使用</a:t>
-            </a:r>
-            <a:r>
-              <a:rPr lang="zh-CN" altLang="en-US" sz="900" dirty="0" smtClean="0">
-                <a:latin typeface="微软雅黑" panose="020B0503020204020204" pitchFamily="34" charset="-122"/>
-                <a:ea typeface="微软雅黑" panose="020B0503020204020204" pitchFamily="34" charset="-122"/>
-              </a:rPr>
-              <a:t>过 </a:t>
-            </a:r>
-            <a:r>
-              <a:rPr lang="en-US" altLang="zh-CN" sz="900" b="1" dirty="0" smtClean="0">
+              <a:t>使用过 </a:t>
+            </a:r>
+            <a:r>
+              <a:rPr lang="en-US" altLang="zh-CN" sz="900" b="1" dirty="0">
                 <a:solidFill>
                   <a:srgbClr val="6679DF"/>
                 </a:solidFill>
@@ -4010,14 +3960,14 @@
               <a:t>Underscore </a:t>
             </a:r>
             <a:r>
-              <a:rPr lang="en-US" altLang="zh-CN" sz="900" dirty="0" smtClean="0">
+              <a:rPr lang="en-US" altLang="zh-CN" sz="900" dirty="0">
                 <a:latin typeface="微软雅黑" panose="020B0503020204020204" pitchFamily="34" charset="-122"/>
                 <a:ea typeface="微软雅黑" panose="020B0503020204020204" pitchFamily="34" charset="-122"/>
               </a:rPr>
               <a:t>/ </a:t>
             </a:r>
             <a:r>
-              <a:rPr lang="en-US" altLang="zh-CN" sz="900" b="1" dirty="0" smtClean="0">
+              <a:rPr lang="en-US" altLang="zh-CN" sz="900" b="1" dirty="0">
                 <a:solidFill>
                   <a:srgbClr val="6679DF"/>
                 </a:solidFill>
@@ -4027,13 +3977,13 @@
               <a:t>jQuery </a:t>
             </a:r>
             <a:r>
-              <a:rPr lang="zh-CN" altLang="en-US" sz="900" dirty="0" smtClean="0">
+              <a:rPr lang="zh-CN" altLang="en-US" sz="900" dirty="0">
                 <a:latin typeface="微软雅黑" panose="020B0503020204020204" pitchFamily="34" charset="-122"/>
                 <a:ea typeface="微软雅黑" panose="020B0503020204020204" pitchFamily="34" charset="-122"/>
               </a:rPr>
               <a:t>等常用插件库</a:t>
             </a:r>
-            <a:endParaRPr lang="en-US" altLang="zh-CN" sz="900" dirty="0" smtClean="0">
+            <a:endParaRPr lang="en-US" altLang="zh-CN" sz="900" dirty="0">
               <a:latin typeface="微软雅黑" panose="020B0503020204020204" pitchFamily="34" charset="-122"/>
               <a:ea typeface="微软雅黑" panose="020B0503020204020204" pitchFamily="34" charset="-122"/>
             </a:endParaRPr>
@@ -4047,14 +3997,14 @@
               <a:buChar char="ü"/>
             </a:pPr>
             <a:r>
-              <a:rPr lang="zh-CN" altLang="en-US" sz="900" dirty="0" smtClean="0">
+              <a:rPr lang="zh-CN" altLang="en-US" sz="900" dirty="0">
                 <a:latin typeface="微软雅黑" panose="020B0503020204020204" pitchFamily="34" charset="-122"/>
                 <a:ea typeface="微软雅黑" panose="020B0503020204020204" pitchFamily="34" charset="-122"/>
               </a:rPr>
               <a:t>使用过 </a:t>
             </a:r>
             <a:r>
-              <a:rPr lang="en-US" altLang="zh-CN" sz="900" b="1" dirty="0" smtClean="0">
+              <a:rPr lang="en-US" altLang="zh-CN" sz="900" b="1" dirty="0">
                 <a:solidFill>
                   <a:srgbClr val="6679DF"/>
                 </a:solidFill>
@@ -4064,14 +4014,14 @@
               <a:t>Less</a:t>
             </a:r>
             <a:r>
-              <a:rPr lang="en-US" altLang="zh-CN" sz="900" dirty="0" smtClean="0">
+              <a:rPr lang="en-US" altLang="zh-CN" sz="900" dirty="0">
                 <a:latin typeface="微软雅黑" panose="020B0503020204020204" pitchFamily="34" charset="-122"/>
                 <a:ea typeface="微软雅黑" panose="020B0503020204020204" pitchFamily="34" charset="-122"/>
               </a:rPr>
               <a:t> / </a:t>
             </a:r>
             <a:r>
-              <a:rPr lang="en-US" altLang="zh-CN" sz="900" b="1" dirty="0" smtClean="0">
+              <a:rPr lang="en-US" altLang="zh-CN" sz="900" b="1" dirty="0">
                 <a:solidFill>
                   <a:srgbClr val="6679DF"/>
                 </a:solidFill>
@@ -4085,33 +4035,22 @@
                 <a:latin typeface="微软雅黑" panose="020B0503020204020204" pitchFamily="34" charset="-122"/>
                 <a:ea typeface="微软雅黑" panose="020B0503020204020204" pitchFamily="34" charset="-122"/>
               </a:rPr>
-              <a:t> </a:t>
-            </a:r>
-            <a:r>
-              <a:rPr lang="zh-CN" altLang="en-US" sz="900" dirty="0" smtClean="0">
-                <a:latin typeface="微软雅黑" panose="020B0503020204020204" pitchFamily="34" charset="-122"/>
-                <a:ea typeface="微软雅黑" panose="020B0503020204020204" pitchFamily="34" charset="-122"/>
-              </a:rPr>
-              <a:t>等</a:t>
-            </a:r>
-            <a:r>
-              <a:rPr lang="en-US" altLang="zh-CN" sz="900" dirty="0" smtClean="0">
+              <a:t> 等</a:t>
+            </a:r>
+            <a:r>
+              <a:rPr lang="en-US" altLang="zh-CN" sz="900" dirty="0">
                 <a:latin typeface="微软雅黑" panose="020B0503020204020204" pitchFamily="34" charset="-122"/>
                 <a:ea typeface="微软雅黑" panose="020B0503020204020204" pitchFamily="34" charset="-122"/>
               </a:rPr>
               <a:t>CSS</a:t>
             </a:r>
             <a:r>
-              <a:rPr lang="zh-CN" altLang="en-US" sz="900" dirty="0" smtClean="0">
+              <a:rPr lang="zh-CN" altLang="en-US" sz="900" dirty="0">
                 <a:latin typeface="微软雅黑" panose="020B0503020204020204" pitchFamily="34" charset="-122"/>
                 <a:ea typeface="微软雅黑" panose="020B0503020204020204" pitchFamily="34" charset="-122"/>
               </a:rPr>
               <a:t>预处理器</a:t>
             </a:r>
-            <a:endParaRPr lang="zh-CN" altLang="en-US" sz="900" dirty="0">
-              <a:latin typeface="微软雅黑" panose="020B0503020204020204" pitchFamily="34" charset="-122"/>
-              <a:ea typeface="微软雅黑" panose="020B0503020204020204" pitchFamily="34" charset="-122"/>
-            </a:endParaRPr>
           </a:p>
           <a:p>
             <a:pPr indent="-171450">
@@ -4122,14 +4061,14 @@
               <a:buChar char="ü"/>
             </a:pPr>
             <a:r>
-              <a:rPr lang="zh-CN" altLang="en-US" sz="900" dirty="0" smtClean="0">
+              <a:rPr lang="zh-CN" altLang="en-US" sz="900" dirty="0">
                 <a:latin typeface="微软雅黑" panose="020B0503020204020204" pitchFamily="34" charset="-122"/>
                 <a:ea typeface="微软雅黑" panose="020B0503020204020204" pitchFamily="34" charset="-122"/>
               </a:rPr>
               <a:t>使用过 </a:t>
             </a:r>
             <a:r>
-              <a:rPr lang="en-US" altLang="zh-CN" sz="900" b="1" dirty="0" smtClean="0">
+              <a:rPr lang="en-US" altLang="zh-CN" sz="900" b="1" dirty="0">
                 <a:solidFill>
                   <a:srgbClr val="6679DF"/>
                 </a:solidFill>
@@ -4139,21 +4078,14 @@
               <a:t>Gulp</a:t>
             </a:r>
             <a:r>
-              <a:rPr lang="en-US" altLang="zh-CN" sz="900" dirty="0" smtClean="0">
-                <a:latin typeface="微软雅黑" panose="020B0503020204020204" pitchFamily="34" charset="-122"/>
-                <a:ea typeface="微软雅黑" panose="020B0503020204020204" pitchFamily="34" charset="-122"/>
-              </a:rPr>
-              <a:t> </a:t>
-            </a:r>
-            <a:r>
               <a:rPr lang="en-US" altLang="zh-CN" sz="900" dirty="0">
                 <a:latin typeface="微软雅黑" panose="020B0503020204020204" pitchFamily="34" charset="-122"/>
                 <a:ea typeface="微软雅黑" panose="020B0503020204020204" pitchFamily="34" charset="-122"/>
               </a:rPr>
-              <a:t>/ </a:t>
-            </a:r>
-            <a:r>
-              <a:rPr lang="en-US" altLang="zh-CN" sz="900" b="1" dirty="0" smtClean="0">
+              <a:t> / </a:t>
+            </a:r>
+            <a:r>
+              <a:rPr lang="en-US" altLang="zh-CN" sz="900" b="1" dirty="0">
                 <a:solidFill>
                   <a:srgbClr val="6679DF"/>
                 </a:solidFill>
@@ -4163,7 +4095,7 @@
               <a:t>Grunt</a:t>
             </a:r>
             <a:r>
-              <a:rPr lang="zh-CN" altLang="en-US" sz="900" b="1" dirty="0" smtClean="0">
+              <a:rPr lang="zh-CN" altLang="en-US" sz="900" b="1" dirty="0">
                 <a:solidFill>
                   <a:srgbClr val="6679DF"/>
                 </a:solidFill>
@@ -4173,16 +4105,12 @@
               <a:t> </a:t>
             </a:r>
             <a:r>
-              <a:rPr lang="zh-CN" altLang="en-US" sz="900" dirty="0" smtClean="0">
+              <a:rPr lang="zh-CN" altLang="en-US" sz="900" dirty="0">
                 <a:latin typeface="微软雅黑" panose="020B0503020204020204" pitchFamily="34" charset="-122"/>
                 <a:ea typeface="微软雅黑" panose="020B0503020204020204" pitchFamily="34" charset="-122"/>
               </a:rPr>
               <a:t>等构建工具</a:t>
             </a:r>
-            <a:endParaRPr lang="zh-CN" altLang="en-US" sz="900" dirty="0">
-              <a:latin typeface="微软雅黑" panose="020B0503020204020204" pitchFamily="34" charset="-122"/>
-              <a:ea typeface="微软雅黑" panose="020B0503020204020204" pitchFamily="34" charset="-122"/>
-            </a:endParaRPr>
           </a:p>
           <a:p>
             <a:pPr>
@@ -4191,7 +4119,7 @@
               </a:lnSpc>
             </a:pPr>
             <a:r>
-              <a:rPr lang="en-US" altLang="zh-CN" sz="1050" b="1" dirty="0" smtClean="0">
+              <a:rPr lang="en-US" altLang="zh-CN" sz="1050" b="1" dirty="0">
                 <a:latin typeface="微软雅黑" panose="020B0503020204020204" pitchFamily="34" charset="-122"/>
                 <a:ea typeface="微软雅黑" panose="020B0503020204020204" pitchFamily="34" charset="-122"/>
               </a:rPr>
@@ -4218,14 +4146,14 @@
               <a:buChar char="ü"/>
             </a:pPr>
             <a:r>
-              <a:rPr lang="zh-CN" altLang="en-US" sz="900" dirty="0" smtClean="0">
+              <a:rPr lang="zh-CN" altLang="en-US" sz="900" dirty="0">
                 <a:latin typeface="微软雅黑" panose="020B0503020204020204" pitchFamily="34" charset="-122"/>
                 <a:ea typeface="微软雅黑" panose="020B0503020204020204" pitchFamily="34" charset="-122"/>
               </a:rPr>
               <a:t>使用 </a:t>
             </a:r>
             <a:r>
-              <a:rPr lang="en-US" altLang="zh-CN" sz="900" b="1" dirty="0" err="1" smtClean="0">
+              <a:rPr lang="en-US" altLang="zh-CN" sz="900" b="1" dirty="0" err="1">
                 <a:solidFill>
                   <a:srgbClr val="6679DF"/>
                 </a:solidFill>
@@ -4239,17 +4167,10 @@
                 <a:latin typeface="微软雅黑" panose="020B0503020204020204" pitchFamily="34" charset="-122"/>
                 <a:ea typeface="微软雅黑" panose="020B0503020204020204" pitchFamily="34" charset="-122"/>
               </a:rPr>
-              <a:t> </a:t>
-            </a:r>
-            <a:r>
-              <a:rPr lang="zh-CN" altLang="en-US" sz="900" dirty="0" smtClean="0">
-                <a:latin typeface="微软雅黑" panose="020B0503020204020204" pitchFamily="34" charset="-122"/>
-                <a:ea typeface="微软雅黑" panose="020B0503020204020204" pitchFamily="34" charset="-122"/>
-              </a:rPr>
-              <a:t>与 </a:t>
-            </a:r>
-            <a:r>
-              <a:rPr lang="en-US" altLang="zh-CN" sz="900" b="1" dirty="0" smtClean="0">
+              <a:t> 与 </a:t>
+            </a:r>
+            <a:r>
+              <a:rPr lang="en-US" altLang="zh-CN" sz="900" b="1" dirty="0">
                 <a:solidFill>
                   <a:srgbClr val="6679DF"/>
                 </a:solidFill>
@@ -4259,7 +4180,7 @@
               <a:t>Express </a:t>
             </a:r>
             <a:r>
-              <a:rPr lang="zh-CN" altLang="en-US" sz="900" dirty="0" smtClean="0">
+              <a:rPr lang="zh-CN" altLang="en-US" sz="900" dirty="0">
                 <a:latin typeface="微软雅黑" panose="020B0503020204020204" pitchFamily="34" charset="-122"/>
                 <a:ea typeface="微软雅黑" panose="020B0503020204020204" pitchFamily="34" charset="-122"/>
               </a:rPr>
@@ -4279,62 +4200,11 @@
               <a:buChar char="ü"/>
             </a:pPr>
             <a:r>
-              <a:rPr lang="zh-CN" altLang="en-US" sz="900" dirty="0" smtClean="0">
+              <a:rPr lang="zh-CN" altLang="en-US" sz="900" dirty="0">
                 <a:latin typeface="微软雅黑" panose="020B0503020204020204" pitchFamily="34" charset="-122"/>
                 <a:ea typeface="微软雅黑" panose="020B0503020204020204" pitchFamily="34" charset="-122"/>
               </a:rPr>
               <a:t>使用 </a:t>
-            </a:r>
-            <a:r>
-              <a:rPr lang="en-US" altLang="zh-CN" sz="900" b="1" dirty="0" err="1" smtClean="0">
-                <a:solidFill>
-                  <a:srgbClr val="6679DF"/>
-                </a:solidFill>
-                <a:latin typeface="微软雅黑" panose="020B0503020204020204" pitchFamily="34" charset="-122"/>
-                <a:ea typeface="微软雅黑" panose="020B0503020204020204" pitchFamily="34" charset="-122"/>
-              </a:rPr>
-              <a:t>SuperAgent</a:t>
-            </a:r>
-            <a:r>
-              <a:rPr lang="zh-CN" altLang="en-US" sz="900" b="1" dirty="0" smtClean="0">
-                <a:solidFill>
-                  <a:srgbClr val="6679DF"/>
-                </a:solidFill>
-                <a:latin typeface="微软雅黑" panose="020B0503020204020204" pitchFamily="34" charset="-122"/>
-                <a:ea typeface="微软雅黑" panose="020B0503020204020204" pitchFamily="34" charset="-122"/>
-              </a:rPr>
-              <a:t> </a:t>
-            </a:r>
-            <a:r>
-              <a:rPr lang="en-US" altLang="zh-CN" sz="900" dirty="0">
-                <a:latin typeface="微软雅黑" panose="020B0503020204020204" pitchFamily="34" charset="-122"/>
-                <a:ea typeface="微软雅黑" panose="020B0503020204020204" pitchFamily="34" charset="-122"/>
-              </a:rPr>
-              <a:t>/</a:t>
-            </a:r>
-            <a:r>
-              <a:rPr lang="zh-CN" altLang="en-US" sz="900" dirty="0">
-                <a:latin typeface="微软雅黑" panose="020B0503020204020204" pitchFamily="34" charset="-122"/>
-                <a:ea typeface="微软雅黑" panose="020B0503020204020204" pitchFamily="34" charset="-122"/>
-              </a:rPr>
-              <a:t> </a:t>
-            </a:r>
-            <a:r>
-              <a:rPr lang="en-US" altLang="zh-CN" sz="900" b="1" dirty="0" smtClean="0">
-                <a:solidFill>
-                  <a:srgbClr val="6679DF"/>
-                </a:solidFill>
-                <a:latin typeface="微软雅黑" panose="020B0503020204020204" pitchFamily="34" charset="-122"/>
-                <a:ea typeface="微软雅黑" panose="020B0503020204020204" pitchFamily="34" charset="-122"/>
-              </a:rPr>
-              <a:t>Cheerio </a:t>
-            </a:r>
-            <a:r>
-              <a:rPr lang="zh-CN" altLang="en-US" sz="900" dirty="0" smtClean="0">
-                <a:latin typeface="微软雅黑" panose="020B0503020204020204" pitchFamily="34" charset="-122"/>
-                <a:ea typeface="微软雅黑" panose="020B0503020204020204" pitchFamily="34" charset="-122"/>
-              </a:rPr>
-              <a:t>以及 </a:t>
             </a:r>
             <a:r>
               <a:rPr lang="en-US" altLang="zh-CN" sz="900" b="1" dirty="0" err="1">
@@ -4344,7 +4214,7 @@
                 <a:latin typeface="微软雅黑" panose="020B0503020204020204" pitchFamily="34" charset="-122"/>
                 <a:ea typeface="微软雅黑" panose="020B0503020204020204" pitchFamily="34" charset="-122"/>
               </a:rPr>
-              <a:t>PhantomJS</a:t>
+              <a:t>SuperAgent</a:t>
             </a:r>
             <a:r>
               <a:rPr lang="zh-CN" altLang="en-US" sz="900" b="1" dirty="0">
@@ -4361,41 +4231,85 @@
                 <a:latin typeface="微软雅黑" panose="020B0503020204020204" pitchFamily="34" charset="-122"/>
                 <a:ea typeface="微软雅黑" panose="020B0503020204020204" pitchFamily="34" charset="-122"/>
               </a:rPr>
-              <a:t>/ </a:t>
-            </a:r>
-            <a:r>
-              <a:rPr lang="en-US" altLang="zh-CN" sz="900" b="1" dirty="0" err="1" smtClean="0">
+              <a:t>/</a:t>
+            </a:r>
+            <a:r>
+              <a:rPr lang="zh-CN" altLang="en-US" sz="900" dirty="0">
+                <a:latin typeface="微软雅黑" panose="020B0503020204020204" pitchFamily="34" charset="-122"/>
+                <a:ea typeface="微软雅黑" panose="020B0503020204020204" pitchFamily="34" charset="-122"/>
+              </a:rPr>
+              <a:t> </a:t>
+            </a:r>
+            <a:r>
+              <a:rPr lang="en-US" altLang="zh-CN" sz="900" b="1" dirty="0">
                 <a:solidFill>
                   <a:srgbClr val="6679DF"/>
                 </a:solidFill>
                 <a:latin typeface="微软雅黑" panose="020B0503020204020204" pitchFamily="34" charset="-122"/>
                 <a:ea typeface="微软雅黑" panose="020B0503020204020204" pitchFamily="34" charset="-122"/>
               </a:rPr>
-              <a:t>CasperJS</a:t>
-            </a:r>
-            <a:r>
-              <a:rPr lang="zh-CN" altLang="en-US" sz="900" b="1" dirty="0" smtClean="0">
+              <a:t>Cheerio </a:t>
+            </a:r>
+            <a:r>
+              <a:rPr lang="zh-CN" altLang="en-US" sz="900" dirty="0">
+                <a:latin typeface="微软雅黑" panose="020B0503020204020204" pitchFamily="34" charset="-122"/>
+                <a:ea typeface="微软雅黑" panose="020B0503020204020204" pitchFamily="34" charset="-122"/>
+              </a:rPr>
+              <a:t>以及 </a:t>
+            </a:r>
+            <a:r>
+              <a:rPr lang="en-US" altLang="zh-CN" sz="900" b="1" dirty="0" err="1">
                 <a:solidFill>
                   <a:srgbClr val="6679DF"/>
                 </a:solidFill>
                 <a:latin typeface="微软雅黑" panose="020B0503020204020204" pitchFamily="34" charset="-122"/>
                 <a:ea typeface="微软雅黑" panose="020B0503020204020204" pitchFamily="34" charset="-122"/>
               </a:rPr>
+              <a:t>PhantomJS</a:t>
+            </a:r>
+            <a:r>
+              <a:rPr lang="zh-CN" altLang="en-US" sz="900" b="1" dirty="0">
+                <a:solidFill>
+                  <a:srgbClr val="6679DF"/>
+                </a:solidFill>
+                <a:latin typeface="微软雅黑" panose="020B0503020204020204" pitchFamily="34" charset="-122"/>
+                <a:ea typeface="微软雅黑" panose="020B0503020204020204" pitchFamily="34" charset="-122"/>
+              </a:rPr>
               <a:t> </a:t>
             </a:r>
             <a:r>
+              <a:rPr lang="en-US" altLang="zh-CN" sz="900" dirty="0">
+                <a:latin typeface="微软雅黑" panose="020B0503020204020204" pitchFamily="34" charset="-122"/>
+                <a:ea typeface="微软雅黑" panose="020B0503020204020204" pitchFamily="34" charset="-122"/>
+              </a:rPr>
+              <a:t>/ </a:t>
+            </a:r>
+            <a:r>
+              <a:rPr lang="en-US" altLang="zh-CN" sz="900" b="1" dirty="0" err="1">
+                <a:solidFill>
+                  <a:srgbClr val="6679DF"/>
+                </a:solidFill>
+                <a:latin typeface="微软雅黑" panose="020B0503020204020204" pitchFamily="34" charset="-122"/>
+                <a:ea typeface="微软雅黑" panose="020B0503020204020204" pitchFamily="34" charset="-122"/>
+              </a:rPr>
+              <a:t>CasperJS</a:t>
+            </a:r>
+            <a:r>
+              <a:rPr lang="zh-CN" altLang="en-US" sz="900" b="1" dirty="0">
+                <a:solidFill>
+                  <a:srgbClr val="6679DF"/>
+                </a:solidFill>
+                <a:latin typeface="微软雅黑" panose="020B0503020204020204" pitchFamily="34" charset="-122"/>
+                <a:ea typeface="微软雅黑" panose="020B0503020204020204" pitchFamily="34" charset="-122"/>
+              </a:rPr>
+              <a:t> </a:t>
+            </a:r>
+            <a:r>
               <a:rPr lang="zh-CN" altLang="en-US" sz="900" dirty="0">
                 <a:latin typeface="微软雅黑" panose="020B0503020204020204" pitchFamily="34" charset="-122"/>
                 <a:ea typeface="微软雅黑" panose="020B0503020204020204" pitchFamily="34" charset="-122"/>
               </a:rPr>
-              <a:t>编写</a:t>
-            </a:r>
-            <a:r>
-              <a:rPr lang="zh-CN" altLang="en-US" sz="900" dirty="0" smtClean="0">
-                <a:latin typeface="微软雅黑" panose="020B0503020204020204" pitchFamily="34" charset="-122"/>
-                <a:ea typeface="微软雅黑" panose="020B0503020204020204" pitchFamily="34" charset="-122"/>
-              </a:rPr>
-              <a:t>过自动化脚本</a:t>
+              <a:t>编写过自动化脚本</a:t>
             </a:r>
             <a:endParaRPr lang="zh-CN" altLang="en-US" sz="900" b="1" dirty="0">
               <a:solidFill>
@@ -4414,14 +4328,14 @@
               <a:buChar char="ü"/>
             </a:pPr>
             <a:r>
-              <a:rPr lang="zh-CN" altLang="en-US" sz="900" dirty="0" smtClean="0">
+              <a:rPr lang="zh-CN" altLang="en-US" sz="900" dirty="0">
                 <a:latin typeface="微软雅黑" panose="020B0503020204020204" pitchFamily="34" charset="-122"/>
                 <a:ea typeface="微软雅黑" panose="020B0503020204020204" pitchFamily="34" charset="-122"/>
               </a:rPr>
               <a:t>使用过 </a:t>
             </a:r>
             <a:r>
-              <a:rPr lang="en-US" altLang="zh-CN" sz="900" b="1" dirty="0" smtClean="0">
+              <a:rPr lang="en-US" altLang="zh-CN" sz="900" b="1" dirty="0">
                 <a:solidFill>
                   <a:srgbClr val="6679DF"/>
                 </a:solidFill>
@@ -4431,7 +4345,7 @@
               <a:t>MySQL</a:t>
             </a:r>
             <a:r>
-              <a:rPr lang="zh-CN" altLang="en-US" sz="900" b="1" dirty="0" smtClean="0">
+              <a:rPr lang="zh-CN" altLang="en-US" sz="900" b="1" dirty="0">
                 <a:solidFill>
                   <a:srgbClr val="6679DF"/>
                 </a:solidFill>
@@ -4441,14 +4355,14 @@
               <a:t> </a:t>
             </a:r>
             <a:r>
-              <a:rPr lang="en-US" altLang="zh-CN" sz="900" dirty="0" smtClean="0">
+              <a:rPr lang="en-US" altLang="zh-CN" sz="900" dirty="0">
                 <a:latin typeface="微软雅黑" panose="020B0503020204020204" pitchFamily="34" charset="-122"/>
                 <a:ea typeface="微软雅黑" panose="020B0503020204020204" pitchFamily="34" charset="-122"/>
               </a:rPr>
               <a:t>/ </a:t>
             </a:r>
             <a:r>
-              <a:rPr lang="en-US" altLang="zh-CN" sz="900" b="1" dirty="0" err="1" smtClean="0">
+              <a:rPr lang="en-US" altLang="zh-CN" sz="900" b="1" dirty="0" err="1">
                 <a:solidFill>
                   <a:srgbClr val="6679DF"/>
                 </a:solidFill>
@@ -4458,7 +4372,7 @@
               <a:t>MongoDB</a:t>
             </a:r>
             <a:r>
-              <a:rPr lang="en-US" altLang="zh-CN" sz="900" b="1" dirty="0" smtClean="0">
+              <a:rPr lang="en-US" altLang="zh-CN" sz="900" b="1" dirty="0">
                 <a:solidFill>
                   <a:srgbClr val="6679DF"/>
                 </a:solidFill>
@@ -4468,13 +4382,13 @@
               <a:t> </a:t>
             </a:r>
             <a:r>
-              <a:rPr lang="zh-CN" altLang="en-US" sz="900" dirty="0" smtClean="0">
+              <a:rPr lang="zh-CN" altLang="en-US" sz="900" dirty="0">
                 <a:latin typeface="微软雅黑" panose="020B0503020204020204" pitchFamily="34" charset="-122"/>
                 <a:ea typeface="微软雅黑" panose="020B0503020204020204" pitchFamily="34" charset="-122"/>
               </a:rPr>
               <a:t>等数据库</a:t>
             </a:r>
-            <a:endParaRPr lang="en-US" altLang="zh-CN" sz="900" dirty="0" smtClean="0">
+            <a:endParaRPr lang="en-US" altLang="zh-CN" sz="900" dirty="0">
               <a:latin typeface="微软雅黑" panose="020B0503020204020204" pitchFamily="34" charset="-122"/>
               <a:ea typeface="微软雅黑" panose="020B0503020204020204" pitchFamily="34" charset="-122"/>
             </a:endParaRPr>
@@ -4486,13 +4400,13 @@
               </a:lnSpc>
             </a:pPr>
             <a:r>
-              <a:rPr lang="zh-CN" altLang="en-US" sz="1050" b="1" dirty="0" smtClean="0">
+              <a:rPr lang="zh-CN" altLang="en-US" sz="1050" b="1" dirty="0">
                 <a:latin typeface="微软雅黑" panose="020B0503020204020204" pitchFamily="34" charset="-122"/>
                 <a:ea typeface="微软雅黑" panose="020B0503020204020204" pitchFamily="34" charset="-122"/>
               </a:rPr>
               <a:t>其他技能</a:t>
             </a:r>
-            <a:endParaRPr lang="en-US" altLang="zh-CN" sz="1050" b="1" dirty="0" smtClean="0">
+            <a:endParaRPr lang="en-US" altLang="zh-CN" sz="1050" b="1" dirty="0">
               <a:latin typeface="微软雅黑" panose="020B0503020204020204" pitchFamily="34" charset="-122"/>
               <a:ea typeface="微软雅黑" panose="020B0503020204020204" pitchFamily="34" charset="-122"/>
             </a:endParaRPr>
@@ -4506,14 +4420,14 @@
               <a:buChar char="ü"/>
             </a:pPr>
             <a:r>
-              <a:rPr lang="zh-CN" altLang="en-US" sz="900" dirty="0" smtClean="0">
+              <a:rPr lang="zh-CN" altLang="en-US" sz="900" dirty="0">
                 <a:latin typeface="微软雅黑" panose="020B0503020204020204" pitchFamily="34" charset="-122"/>
                 <a:ea typeface="微软雅黑" panose="020B0503020204020204" pitchFamily="34" charset="-122"/>
               </a:rPr>
               <a:t>英语通过 </a:t>
             </a:r>
             <a:r>
-              <a:rPr lang="en-US" altLang="zh-CN" sz="900" b="1" dirty="0" smtClean="0">
+              <a:rPr lang="en-US" altLang="zh-CN" sz="900" b="1" dirty="0">
                 <a:solidFill>
                   <a:srgbClr val="6679DF"/>
                 </a:solidFill>
@@ -4527,14 +4441,7 @@
                 <a:latin typeface="微软雅黑" panose="020B0503020204020204" pitchFamily="34" charset="-122"/>
                 <a:ea typeface="微软雅黑" panose="020B0503020204020204" pitchFamily="34" charset="-122"/>
               </a:rPr>
-              <a:t>，能够流畅阅读英文</a:t>
-            </a:r>
-            <a:r>
-              <a:rPr lang="zh-CN" altLang="en-US" sz="900" dirty="0" smtClean="0">
-                <a:latin typeface="微软雅黑" panose="020B0503020204020204" pitchFamily="34" charset="-122"/>
-                <a:ea typeface="微软雅黑" panose="020B0503020204020204" pitchFamily="34" charset="-122"/>
-              </a:rPr>
-              <a:t>文档</a:t>
+              <a:t>，能够流畅阅读英文文档</a:t>
             </a:r>
             <a:endParaRPr lang="en-US" altLang="zh-CN" sz="900" dirty="0">
               <a:latin typeface="微软雅黑" panose="020B0503020204020204" pitchFamily="34" charset="-122"/>
@@ -4550,14 +4457,14 @@
               <a:buChar char="ü"/>
             </a:pPr>
             <a:r>
-              <a:rPr lang="zh-CN" altLang="en-US" sz="900" dirty="0" smtClean="0">
+              <a:rPr lang="zh-CN" altLang="en-US" sz="900" dirty="0">
                 <a:latin typeface="微软雅黑" panose="020B0503020204020204" pitchFamily="34" charset="-122"/>
                 <a:ea typeface="微软雅黑" panose="020B0503020204020204" pitchFamily="34" charset="-122"/>
               </a:rPr>
               <a:t>能够使用 </a:t>
             </a:r>
             <a:r>
-              <a:rPr lang="en-US" altLang="zh-CN" sz="900" b="1" dirty="0" smtClean="0">
+              <a:rPr lang="en-US" altLang="zh-CN" sz="900" b="1" dirty="0">
                 <a:solidFill>
                   <a:srgbClr val="6679DF"/>
                 </a:solidFill>
@@ -4567,21 +4474,14 @@
               <a:t>Photoshop</a:t>
             </a:r>
             <a:r>
-              <a:rPr lang="en-US" altLang="zh-CN" sz="900" dirty="0" smtClean="0">
-                <a:latin typeface="微软雅黑" panose="020B0503020204020204" pitchFamily="34" charset="-122"/>
-                <a:ea typeface="微软雅黑" panose="020B0503020204020204" pitchFamily="34" charset="-122"/>
-              </a:rPr>
-              <a:t> </a:t>
-            </a:r>
-            <a:r>
               <a:rPr lang="en-US" altLang="zh-CN" sz="900" dirty="0">
                 <a:latin typeface="微软雅黑" panose="020B0503020204020204" pitchFamily="34" charset="-122"/>
                 <a:ea typeface="微软雅黑" panose="020B0503020204020204" pitchFamily="34" charset="-122"/>
               </a:rPr>
-              <a:t>/ </a:t>
-            </a:r>
-            <a:r>
-              <a:rPr lang="en-US" altLang="zh-CN" sz="900" b="1" dirty="0" err="1" smtClean="0">
+              <a:t> / </a:t>
+            </a:r>
+            <a:r>
+              <a:rPr lang="en-US" altLang="zh-CN" sz="900" b="1" dirty="0" err="1">
                 <a:solidFill>
                   <a:srgbClr val="6679DF"/>
                 </a:solidFill>
@@ -4591,7 +4491,7 @@
               <a:t>OmniGraffle</a:t>
             </a:r>
             <a:r>
-              <a:rPr lang="en-US" altLang="zh-CN" sz="900" b="1" dirty="0" smtClean="0">
+              <a:rPr lang="en-US" altLang="zh-CN" sz="900" b="1" dirty="0">
                 <a:solidFill>
                   <a:srgbClr val="6679DF"/>
                 </a:solidFill>
@@ -4601,30 +4501,12 @@
               <a:t> </a:t>
             </a:r>
             <a:r>
-              <a:rPr lang="zh-CN" altLang="en-US" sz="900" dirty="0" smtClean="0">
-                <a:latin typeface="微软雅黑" panose="020B0503020204020204" pitchFamily="34" charset="-122"/>
-                <a:ea typeface="微软雅黑" panose="020B0503020204020204" pitchFamily="34" charset="-122"/>
-              </a:rPr>
-              <a:t>完成</a:t>
-            </a:r>
-            <a:r>
               <a:rPr lang="zh-CN" altLang="en-US" sz="900" dirty="0">
                 <a:latin typeface="微软雅黑" panose="020B0503020204020204" pitchFamily="34" charset="-122"/>
                 <a:ea typeface="微软雅黑" panose="020B0503020204020204" pitchFamily="34" charset="-122"/>
               </a:rPr>
-              <a:t>简单的</a:t>
-            </a:r>
-            <a:r>
-              <a:rPr lang="zh-CN" altLang="en-US" sz="900" dirty="0" smtClean="0">
-                <a:latin typeface="微软雅黑" panose="020B0503020204020204" pitchFamily="34" charset="-122"/>
-                <a:ea typeface="微软雅黑" panose="020B0503020204020204" pitchFamily="34" charset="-122"/>
-              </a:rPr>
-              <a:t>图像处理</a:t>
-            </a:r>
-            <a:endParaRPr lang="zh-CN" altLang="en-US" sz="900" dirty="0">
-              <a:latin typeface="微软雅黑" panose="020B0503020204020204" pitchFamily="34" charset="-122"/>
-              <a:ea typeface="微软雅黑" panose="020B0503020204020204" pitchFamily="34" charset="-122"/>
-            </a:endParaRPr>
+              <a:t>完成简单的图像处理</a:t>
+            </a:r>
           </a:p>
           <a:p>
             <a:pPr marL="171450" indent="-171450">
@@ -4635,116 +4517,21 @@
               <a:buChar char="ü"/>
             </a:pPr>
             <a:r>
-              <a:rPr lang="zh-CN" altLang="en-US" sz="900" dirty="0" smtClean="0">
+              <a:rPr lang="zh-CN" altLang="en-US" sz="900" dirty="0">
                 <a:latin typeface="微软雅黑" panose="020B0503020204020204" pitchFamily="34" charset="-122"/>
                 <a:ea typeface="微软雅黑" panose="020B0503020204020204" pitchFamily="34" charset="-122"/>
               </a:rPr>
               <a:t>能够使用 </a:t>
             </a:r>
             <a:r>
-              <a:rPr lang="en-US" altLang="zh-CN" sz="900" b="1" dirty="0" smtClean="0">
+              <a:rPr lang="en-US" altLang="zh-CN" sz="900" b="1" dirty="0">
                 <a:solidFill>
                   <a:srgbClr val="6679DF"/>
                 </a:solidFill>
                 <a:latin typeface="微软雅黑" panose="020B0503020204020204" pitchFamily="34" charset="-122"/>
                 <a:ea typeface="微软雅黑" panose="020B0503020204020204" pitchFamily="34" charset="-122"/>
               </a:rPr>
-              <a:t>Alfred</a:t>
-            </a:r>
-            <a:r>
-              <a:rPr lang="en-US" altLang="zh-CN" sz="900" dirty="0" smtClean="0">
-                <a:latin typeface="微软雅黑" panose="020B0503020204020204" pitchFamily="34" charset="-122"/>
-                <a:ea typeface="微软雅黑" panose="020B0503020204020204" pitchFamily="34" charset="-122"/>
-              </a:rPr>
-              <a:t> / </a:t>
-            </a:r>
-            <a:r>
-              <a:rPr lang="en-US" altLang="zh-CN" sz="900" b="1" dirty="0" smtClean="0">
-                <a:solidFill>
-                  <a:srgbClr val="6679DF"/>
-                </a:solidFill>
-                <a:latin typeface="微软雅黑" panose="020B0503020204020204" pitchFamily="34" charset="-122"/>
-                <a:ea typeface="微软雅黑" panose="020B0503020204020204" pitchFamily="34" charset="-122"/>
-              </a:rPr>
-              <a:t>Dash</a:t>
-            </a:r>
-            <a:r>
-              <a:rPr lang="zh-CN" altLang="en-US" sz="900" b="1" dirty="0" smtClean="0">
-                <a:solidFill>
-                  <a:srgbClr val="6679DF"/>
-                </a:solidFill>
-                <a:latin typeface="微软雅黑" panose="020B0503020204020204" pitchFamily="34" charset="-122"/>
-                <a:ea typeface="微软雅黑" panose="020B0503020204020204" pitchFamily="34" charset="-122"/>
-              </a:rPr>
-              <a:t> </a:t>
-            </a:r>
-            <a:r>
-              <a:rPr lang="zh-CN" altLang="en-US" sz="900" dirty="0">
-                <a:latin typeface="微软雅黑" panose="020B0503020204020204" pitchFamily="34" charset="-122"/>
-                <a:ea typeface="微软雅黑" panose="020B0503020204020204" pitchFamily="34" charset="-122"/>
-              </a:rPr>
-              <a:t>配合</a:t>
-            </a:r>
-            <a:r>
-              <a:rPr lang="zh-CN" altLang="en-US" sz="900" dirty="0" smtClean="0">
-                <a:latin typeface="微软雅黑" panose="020B0503020204020204" pitchFamily="34" charset="-122"/>
-                <a:ea typeface="微软雅黑" panose="020B0503020204020204" pitchFamily="34" charset="-122"/>
-              </a:rPr>
-              <a:t>快捷键</a:t>
-            </a:r>
-            <a:r>
-              <a:rPr lang="zh-CN" altLang="en-US" sz="900" dirty="0">
-                <a:latin typeface="微软雅黑" panose="020B0503020204020204" pitchFamily="34" charset="-122"/>
-                <a:ea typeface="微软雅黑" panose="020B0503020204020204" pitchFamily="34" charset="-122"/>
-              </a:rPr>
-              <a:t>以及</a:t>
-            </a:r>
-            <a:r>
-              <a:rPr lang="zh-CN" altLang="en-US" sz="900" b="1" dirty="0" smtClean="0">
-                <a:solidFill>
-                  <a:srgbClr val="6679DF"/>
-                </a:solidFill>
-                <a:latin typeface="微软雅黑" panose="020B0503020204020204" pitchFamily="34" charset="-122"/>
-                <a:ea typeface="微软雅黑" panose="020B0503020204020204" pitchFamily="34" charset="-122"/>
-              </a:rPr>
-              <a:t> </a:t>
-            </a:r>
-            <a:r>
-              <a:rPr lang="en-US" altLang="zh-CN" sz="900" b="1" dirty="0" err="1" smtClean="0">
-                <a:solidFill>
-                  <a:srgbClr val="6679DF"/>
-                </a:solidFill>
-                <a:latin typeface="微软雅黑" panose="020B0503020204020204" pitchFamily="34" charset="-122"/>
-                <a:ea typeface="微软雅黑" panose="020B0503020204020204" pitchFamily="34" charset="-122"/>
-              </a:rPr>
-              <a:t>zsh</a:t>
-            </a:r>
-            <a:r>
-              <a:rPr lang="zh-CN" altLang="en-US" sz="900" b="1" dirty="0" smtClean="0">
-                <a:solidFill>
-                  <a:srgbClr val="6679DF"/>
-                </a:solidFill>
-                <a:latin typeface="微软雅黑" panose="020B0503020204020204" pitchFamily="34" charset="-122"/>
-                <a:ea typeface="微软雅黑" panose="020B0503020204020204" pitchFamily="34" charset="-122"/>
-              </a:rPr>
-              <a:t> </a:t>
-            </a:r>
-            <a:r>
-              <a:rPr lang="en-US" altLang="zh-CN" sz="900" dirty="0">
-                <a:latin typeface="微软雅黑" panose="020B0503020204020204" pitchFamily="34" charset="-122"/>
-                <a:ea typeface="微软雅黑" panose="020B0503020204020204" pitchFamily="34" charset="-122"/>
-              </a:rPr>
-              <a:t>/ </a:t>
-            </a:r>
-            <a:r>
-              <a:rPr lang="en-US" altLang="zh-CN" sz="900" b="1" dirty="0" err="1">
-                <a:solidFill>
-                  <a:srgbClr val="6679DF"/>
-                </a:solidFill>
-                <a:latin typeface="微软雅黑" panose="020B0503020204020204" pitchFamily="34" charset="-122"/>
-                <a:ea typeface="微软雅黑" panose="020B0503020204020204" pitchFamily="34" charset="-122"/>
-              </a:rPr>
-              <a:t>iTerm</a:t>
+              <a:t>Charles</a:t>
             </a:r>
             <a:r>
               <a:rPr lang="zh-CN" altLang="en-US" sz="900" b="1" dirty="0">
@@ -4757,45 +4544,11 @@
               <a:t> </a:t>
             </a:r>
             <a:r>
-              <a:rPr lang="zh-CN" altLang="en-US" sz="900" dirty="0" smtClean="0">
-                <a:latin typeface="微软雅黑" panose="020B0503020204020204" pitchFamily="34" charset="-122"/>
-                <a:ea typeface="微软雅黑" panose="020B0503020204020204" pitchFamily="34" charset="-122"/>
-              </a:rPr>
-              <a:t>配合 </a:t>
-            </a:r>
-            <a:r>
-              <a:rPr lang="en-US" altLang="zh-CN" sz="900" b="1" dirty="0" smtClean="0">
-                <a:solidFill>
-                  <a:srgbClr val="6679DF"/>
-                </a:solidFill>
-                <a:latin typeface="微软雅黑" panose="020B0503020204020204" pitchFamily="34" charset="-122"/>
-                <a:ea typeface="微软雅黑" panose="020B0503020204020204" pitchFamily="34" charset="-122"/>
-              </a:rPr>
-              <a:t>Shell</a:t>
-            </a:r>
-            <a:r>
-              <a:rPr lang="zh-CN" altLang="en-US" sz="900" b="1" dirty="0" smtClean="0">
-                <a:solidFill>
-                  <a:srgbClr val="6679DF"/>
-                </a:solidFill>
-                <a:latin typeface="微软雅黑" panose="020B0503020204020204" pitchFamily="34" charset="-122"/>
-                <a:ea typeface="微软雅黑" panose="020B0503020204020204" pitchFamily="34" charset="-122"/>
-              </a:rPr>
-              <a:t> </a:t>
-            </a:r>
-            <a:r>
-              <a:rPr lang="zh-CN" altLang="en-US" sz="900" dirty="0" smtClean="0">
-                <a:latin typeface="微软雅黑" panose="020B0503020204020204" pitchFamily="34" charset="-122"/>
-                <a:ea typeface="微软雅黑" panose="020B0503020204020204" pitchFamily="34" charset="-122"/>
-              </a:rPr>
-              <a:t>命令提高</a:t>
-            </a:r>
-            <a:r>
               <a:rPr lang="zh-CN" altLang="en-US" sz="900" dirty="0">
                 <a:latin typeface="微软雅黑" panose="020B0503020204020204" pitchFamily="34" charset="-122"/>
                 <a:ea typeface="微软雅黑" panose="020B0503020204020204" pitchFamily="34" charset="-122"/>
               </a:rPr>
-              <a:t>工作效率</a:t>
+              <a:t>等抓包工具</a:t>
             </a:r>
             <a:endParaRPr lang="en-US" altLang="zh-CN" sz="900" dirty="0">
               <a:latin typeface="微软雅黑" panose="020B0503020204020204" pitchFamily="34" charset="-122"/>
@@ -4813,7 +4566,7 @@
         <p:spPr>
           <a:xfrm>
             <a:off x="3556316" y="6529649"/>
-            <a:ext cx="3136989" cy="861774"/>
+            <a:ext cx="3136989" cy="1225848"/>
           </a:xfrm>
           <a:prstGeom prst="rect">
             <a:avLst/>
@@ -4824,6 +4577,17 @@
             <a:spAutoFit/>
           </a:bodyPr>
           <a:lstStyle/>
+          <a:p>
+            <a:pPr>
+              <a:lnSpc>
+                <a:spcPts val="1500"/>
+              </a:lnSpc>
+            </a:pPr>
+            <a:endParaRPr lang="en-US" altLang="zh-CN" sz="900" dirty="0">
+              <a:latin typeface="微软雅黑" panose="020B0503020204020204" pitchFamily="34" charset="-122"/>
+              <a:ea typeface="微软雅黑" panose="020B0503020204020204" pitchFamily="34" charset="-122"/>
+            </a:endParaRPr>
+          </a:p>
           <a:p>
             <a:pPr marL="171450" indent="-171450">
               <a:lnSpc>
@@ -4832,7 +4596,14 @@
               <a:buFont typeface="Wingdings" panose="05000000000000000000" pitchFamily="2" charset="2"/>
               <a:buChar char="ü"/>
             </a:pPr>
-            <a:endParaRPr lang="en-US" altLang="zh-CN" sz="900" dirty="0" smtClean="0">
+            <a:r>
+              <a:rPr lang="zh-CN" altLang="en-US" sz="900" dirty="0">
+                <a:latin typeface="微软雅黑" panose="020B0503020204020204" pitchFamily="34" charset="-122"/>
+                <a:ea typeface="微软雅黑" panose="020B0503020204020204" pitchFamily="34" charset="-122"/>
+              </a:rPr>
+              <a:t>文章：一种基于惰性渲染的组件显隐方案</a:t>
+            </a:r>
+            <a:endParaRPr lang="en-US" altLang="zh-CN" sz="900" dirty="0">
               <a:latin typeface="微软雅黑" panose="020B0503020204020204" pitchFamily="34" charset="-122"/>
               <a:ea typeface="微软雅黑" panose="020B0503020204020204" pitchFamily="34" charset="-122"/>
             </a:endParaRPr>
@@ -4845,13 +4616,6 @@
               <a:buFont typeface="Wingdings" panose="05000000000000000000" pitchFamily="2" charset="2"/>
               <a:buChar char="ü"/>
             </a:pPr>
-            <a:r>
-              <a:rPr lang="zh-CN" altLang="en-US" sz="900" dirty="0" smtClean="0">
-                <a:latin typeface="微软雅黑" panose="020B0503020204020204" pitchFamily="34" charset="-122"/>
-                <a:ea typeface="微软雅黑" panose="020B0503020204020204" pitchFamily="34" charset="-122"/>
-              </a:rPr>
-              <a:t>文章：一种基于惰性渲染的组件显隐方案</a:t>
-            </a:r>
             <a:endParaRPr lang="en-US" altLang="zh-CN" sz="900" dirty="0">
               <a:latin typeface="微软雅黑" panose="020B0503020204020204" pitchFamily="34" charset="-122"/>
               <a:ea typeface="微软雅黑" panose="020B0503020204020204" pitchFamily="34" charset="-122"/>
@@ -4865,7 +4629,28 @@
               <a:buFont typeface="Wingdings" panose="05000000000000000000" pitchFamily="2" charset="2"/>
               <a:buChar char="ü"/>
             </a:pPr>
-            <a:endParaRPr lang="en-US" altLang="zh-CN" sz="900" dirty="0" smtClean="0">
+            <a:r>
+              <a:rPr lang="zh-CN" altLang="en-US" sz="900" dirty="0">
+                <a:latin typeface="微软雅黑" panose="020B0503020204020204" pitchFamily="34" charset="-122"/>
+                <a:ea typeface="微软雅黑" panose="020B0503020204020204" pitchFamily="34" charset="-122"/>
+              </a:rPr>
+              <a:t>专利：一种基于设计图的网页</a:t>
+            </a:r>
+            <a:r>
+              <a:rPr lang="en-US" altLang="zh-CN" sz="900" dirty="0">
+                <a:latin typeface="微软雅黑" panose="020B0503020204020204" pitchFamily="34" charset="-122"/>
+                <a:ea typeface="微软雅黑" panose="020B0503020204020204" pitchFamily="34" charset="-122"/>
+              </a:rPr>
+              <a:t>UI</a:t>
+            </a:r>
+            <a:r>
+              <a:rPr lang="zh-CN" altLang="en-US" sz="900" dirty="0">
+                <a:latin typeface="微软雅黑" panose="020B0503020204020204" pitchFamily="34" charset="-122"/>
+                <a:ea typeface="微软雅黑" panose="020B0503020204020204" pitchFamily="34" charset="-122"/>
+              </a:rPr>
+              <a:t>界面验收方案</a:t>
+            </a:r>
+            <a:endParaRPr lang="en-US" altLang="zh-CN" sz="900" dirty="0">
               <a:latin typeface="微软雅黑" panose="020B0503020204020204" pitchFamily="34" charset="-122"/>
               <a:ea typeface="微软雅黑" panose="020B0503020204020204" pitchFamily="34" charset="-122"/>
             </a:endParaRPr>
@@ -4878,33 +4663,25 @@
               <a:buFont typeface="Wingdings" panose="05000000000000000000" pitchFamily="2" charset="2"/>
               <a:buChar char="ü"/>
             </a:pPr>
-            <a:r>
-              <a:rPr lang="zh-CN" altLang="en-US" sz="900" dirty="0" smtClean="0">
-                <a:latin typeface="微软雅黑" panose="020B0503020204020204" pitchFamily="34" charset="-122"/>
-                <a:ea typeface="微软雅黑" panose="020B0503020204020204" pitchFamily="34" charset="-122"/>
-              </a:rPr>
-              <a:t>专利</a:t>
-            </a:r>
+            <a:endParaRPr lang="en-US" altLang="zh-CN" sz="900" dirty="0">
+              <a:latin typeface="微软雅黑" panose="020B0503020204020204" pitchFamily="34" charset="-122"/>
+              <a:ea typeface="微软雅黑" panose="020B0503020204020204" pitchFamily="34" charset="-122"/>
+            </a:endParaRPr>
+          </a:p>
+          <a:p>
+            <a:pPr marL="171450" indent="-171450">
+              <a:lnSpc>
+                <a:spcPts val="1500"/>
+              </a:lnSpc>
+              <a:buFont typeface="Wingdings" panose="05000000000000000000" pitchFamily="2" charset="2"/>
+              <a:buChar char="ü"/>
+            </a:pPr>
             <a:r>
               <a:rPr lang="zh-CN" altLang="en-US" sz="900" dirty="0">
                 <a:latin typeface="微软雅黑" panose="020B0503020204020204" pitchFamily="34" charset="-122"/>
                 <a:ea typeface="微软雅黑" panose="020B0503020204020204" pitchFamily="34" charset="-122"/>
               </a:rPr>
-              <a:t>：一种基于设计图的网页</a:t>
-            </a:r>
-            <a:r>
-              <a:rPr lang="en-US" altLang="zh-CN" sz="900" dirty="0">
-                <a:latin typeface="微软雅黑" panose="020B0503020204020204" pitchFamily="34" charset="-122"/>
-                <a:ea typeface="微软雅黑" panose="020B0503020204020204" pitchFamily="34" charset="-122"/>
-              </a:rPr>
-              <a:t>UI</a:t>
-            </a:r>
-            <a:r>
-              <a:rPr lang="zh-CN" altLang="en-US" sz="900" dirty="0">
-                <a:latin typeface="微软雅黑" panose="020B0503020204020204" pitchFamily="34" charset="-122"/>
-                <a:ea typeface="微软雅黑" panose="020B0503020204020204" pitchFamily="34" charset="-122"/>
-              </a:rPr>
-              <a:t>界面验收方案</a:t>
+              <a:t>专利：一种基于可穿透浮层的用户行为引导方案</a:t>
             </a:r>
             <a:endParaRPr lang="en-US" altLang="zh-CN" sz="900" dirty="0">
               <a:latin typeface="微软雅黑" panose="020B0503020204020204" pitchFamily="34" charset="-122"/>
@@ -4940,30 +4717,19 @@
               </a:lnSpc>
             </a:pPr>
             <a:r>
-              <a:rPr lang="zh-CN" altLang="en-US" sz="900" dirty="0" smtClean="0">
-                <a:latin typeface="微软雅黑" panose="020B0503020204020204" pitchFamily="34" charset="-122"/>
-                <a:ea typeface="微软雅黑" panose="020B0503020204020204" pitchFamily="34" charset="-122"/>
-              </a:rPr>
-              <a:t>       电话</a:t>
-            </a:r>
-            <a:r>
               <a:rPr lang="zh-CN" altLang="en-US" sz="900" dirty="0">
                 <a:latin typeface="微软雅黑" panose="020B0503020204020204" pitchFamily="34" charset="-122"/>
                 <a:ea typeface="微软雅黑" panose="020B0503020204020204" pitchFamily="34" charset="-122"/>
               </a:rPr>
-              <a:t>：</a:t>
-            </a:r>
-            <a:r>
-              <a:rPr lang="en-US" altLang="zh-CN" sz="900" dirty="0" smtClean="0">
+              <a:t>       电话：</a:t>
+            </a:r>
+            <a:r>
+              <a:rPr lang="en-US" altLang="zh-CN" sz="900" dirty="0">
                 <a:latin typeface="微软雅黑" panose="020B0503020204020204" pitchFamily="34" charset="-122"/>
                 <a:ea typeface="微软雅黑" panose="020B0503020204020204" pitchFamily="34" charset="-122"/>
               </a:rPr>
               <a:t>187-4040-5930</a:t>
             </a:r>
-            <a:endParaRPr lang="en-US" altLang="zh-CN" sz="900" dirty="0">
-              <a:latin typeface="微软雅黑" panose="020B0503020204020204" pitchFamily="34" charset="-122"/>
-              <a:ea typeface="微软雅黑" panose="020B0503020204020204" pitchFamily="34" charset="-122"/>
-            </a:endParaRPr>
           </a:p>
           <a:p>
             <a:pPr lvl="0">
@@ -4972,7 +4738,7 @@
               </a:lnSpc>
             </a:pPr>
             <a:r>
-              <a:rPr lang="zh-CN" altLang="en-US" sz="900" dirty="0" smtClean="0">
+              <a:rPr lang="zh-CN" altLang="en-US" sz="900" dirty="0">
                 <a:latin typeface="微软雅黑" panose="020B0503020204020204" pitchFamily="34" charset="-122"/>
                 <a:ea typeface="微软雅黑" panose="020B0503020204020204" pitchFamily="34" charset="-122"/>
               </a:rPr>
@@ -4982,9 +4748,16 @@
               <a:rPr lang="en-US" altLang="zh-CN" sz="900" dirty="0">
                 <a:latin typeface="微软雅黑" panose="020B0503020204020204" pitchFamily="34" charset="-122"/>
                 <a:ea typeface="微软雅黑" panose="020B0503020204020204" pitchFamily="34" charset="-122"/>
+              </a:rPr>
+              <a:t>919270881</a:t>
+            </a:r>
+            <a:r>
+              <a:rPr lang="en-US" altLang="zh-CN" sz="900" dirty="0">
+                <a:latin typeface="微软雅黑" panose="020B0503020204020204" pitchFamily="34" charset="-122"/>
+                <a:ea typeface="微软雅黑" panose="020B0503020204020204" pitchFamily="34" charset="-122"/>
                 <a:hlinkClick r:id="rId3"/>
               </a:rPr>
-              <a:t>zhangboweigg@gmail.com</a:t>
+              <a:t>@qq.com</a:t>
             </a:r>
             <a:endParaRPr lang="zh-CN" altLang="en-US" sz="900" dirty="0">
               <a:latin typeface="微软雅黑" panose="020B0503020204020204" pitchFamily="34" charset="-122"/>
@@ -5002,17 +4775,10 @@
                 <a:latin typeface="微软雅黑" panose="020B0503020204020204" pitchFamily="34" charset="-122"/>
                 <a:ea typeface="微软雅黑" panose="020B0503020204020204" pitchFamily="34" charset="-122"/>
               </a:rPr>
-              <a:t>个人主页</a:t>
-            </a:r>
-            <a:r>
-              <a:rPr lang="zh-CN" altLang="en-US" sz="900" dirty="0" smtClean="0">
-                <a:latin typeface="微软雅黑" panose="020B0503020204020204" pitchFamily="34" charset="-122"/>
-                <a:ea typeface="微软雅黑" panose="020B0503020204020204" pitchFamily="34" charset="-122"/>
-              </a:rPr>
-              <a:t>：</a:t>
-            </a:r>
-            <a:r>
-              <a:rPr lang="en-US" altLang="zh-CN" sz="900" dirty="0" smtClean="0">
+              <a:t>个人主页：</a:t>
+            </a:r>
+            <a:r>
+              <a:rPr lang="en-US" altLang="zh-CN" sz="900" dirty="0">
                 <a:latin typeface="微软雅黑" panose="020B0503020204020204" pitchFamily="34" charset="-122"/>
                 <a:ea typeface="微软雅黑" panose="020B0503020204020204" pitchFamily="34" charset="-122"/>
                 <a:hlinkClick r:id="rId4"/>
@@ -5045,28 +4811,28 @@
               <a:t> </a:t>
             </a:r>
             <a:r>
-              <a:rPr lang="en-US" altLang="zh-CN" sz="900" dirty="0" err="1" smtClean="0">
+              <a:rPr lang="en-US" altLang="zh-CN" sz="900" dirty="0" err="1">
                 <a:latin typeface="微软雅黑" panose="020B0503020204020204" pitchFamily="34" charset="-122"/>
                 <a:ea typeface="微软雅黑" panose="020B0503020204020204" pitchFamily="34" charset="-122"/>
               </a:rPr>
               <a:t>GitHub</a:t>
             </a:r>
             <a:r>
-              <a:rPr lang="zh-CN" altLang="en-US" sz="900" dirty="0" smtClean="0">
+              <a:rPr lang="zh-CN" altLang="en-US" sz="900" dirty="0">
                 <a:latin typeface="微软雅黑" panose="020B0503020204020204" pitchFamily="34" charset="-122"/>
                 <a:ea typeface="微软雅黑" panose="020B0503020204020204" pitchFamily="34" charset="-122"/>
               </a:rPr>
               <a:t>：</a:t>
             </a:r>
             <a:r>
-              <a:rPr lang="en-US" altLang="zh-CN" sz="900" dirty="0" smtClean="0">
+              <a:rPr lang="en-US" altLang="zh-CN" sz="900" dirty="0">
                 <a:latin typeface="微软雅黑" panose="020B0503020204020204" pitchFamily="34" charset="-122"/>
                 <a:ea typeface="微软雅黑" panose="020B0503020204020204" pitchFamily="34" charset="-122"/>
                 <a:hlinkClick r:id="rId5"/>
               </a:rPr>
               <a:t>https://github.com/zhangbowei</a:t>
             </a:r>
-            <a:endParaRPr lang="zh-CN" altLang="en-US" sz="900" dirty="0" smtClean="0">
+            <a:endParaRPr lang="zh-CN" altLang="en-US" sz="900" dirty="0">
               <a:latin typeface="微软雅黑" panose="020B0503020204020204" pitchFamily="34" charset="-122"/>
               <a:ea typeface="微软雅黑" panose="020B0503020204020204" pitchFamily="34" charset="-122"/>
             </a:endParaRPr>
@@ -5167,7 +4933,7 @@
           <a:p>
             <a:pPr lvl="0"/>
             <a:r>
-              <a:rPr lang="zh-CN" altLang="en-US" sz="1200" b="1" dirty="0" smtClean="0">
+              <a:rPr lang="zh-CN" altLang="en-US" sz="1200" b="1" dirty="0">
                 <a:latin typeface="微软雅黑" panose="020B0503020204020204" pitchFamily="34" charset="-122"/>
                 <a:ea typeface="微软雅黑" panose="020B0503020204020204" pitchFamily="34" charset="-122"/>
               </a:rPr>
@@ -5418,7 +5184,7 @@
           <a:p>
             <a:pPr lvl="0"/>
             <a:r>
-              <a:rPr lang="zh-CN" altLang="en-US" sz="1200" b="1" dirty="0" smtClean="0">
+              <a:rPr lang="zh-CN" altLang="en-US" sz="1200" b="1" dirty="0">
                 <a:latin typeface="微软雅黑" panose="020B0503020204020204" pitchFamily="34" charset="-122"/>
                 <a:ea typeface="微软雅黑" panose="020B0503020204020204" pitchFamily="34" charset="-122"/>
               </a:rPr>
@@ -5489,7 +5255,7 @@
           <a:p>
             <a:pPr lvl="0"/>
             <a:r>
-              <a:rPr lang="zh-CN" altLang="en-US" sz="1200" b="1" dirty="0" smtClean="0">
+              <a:rPr lang="zh-CN" altLang="en-US" sz="1200" b="1" dirty="0">
                 <a:latin typeface="微软雅黑" panose="020B0503020204020204" pitchFamily="34" charset="-122"/>
                 <a:ea typeface="微软雅黑" panose="020B0503020204020204" pitchFamily="34" charset="-122"/>
               </a:rPr>
@@ -5560,7 +5326,7 @@
           <a:p>
             <a:pPr lvl="0"/>
             <a:r>
-              <a:rPr lang="zh-CN" altLang="en-US" sz="1200" b="1" dirty="0" smtClean="0">
+              <a:rPr lang="zh-CN" altLang="en-US" sz="1200" b="1" dirty="0">
                 <a:latin typeface="微软雅黑" panose="020B0503020204020204" pitchFamily="34" charset="-122"/>
                 <a:ea typeface="微软雅黑" panose="020B0503020204020204" pitchFamily="34" charset="-122"/>
               </a:rPr>
@@ -5761,14 +5527,14 @@
           <a:lstStyle/>
           <a:p>
             <a:r>
-              <a:rPr lang="en-US" altLang="zh-CN" sz="900" dirty="0" smtClean="0">
+              <a:rPr lang="en-US" altLang="zh-CN" sz="900" dirty="0">
                 <a:solidFill>
                   <a:prstClr val="black"/>
                 </a:solidFill>
                 <a:latin typeface="微软雅黑" panose="020B0503020204020204" pitchFamily="34" charset="-122"/>
                 <a:ea typeface="微软雅黑" panose="020B0503020204020204" pitchFamily="34" charset="-122"/>
               </a:rPr>
-              <a:t>2018 - 2019</a:t>
+              <a:t>2018 - 2020</a:t>
             </a:r>
             <a:endParaRPr lang="zh-CN" altLang="en-US" sz="1600" dirty="0"/>
           </a:p>
@@ -5796,7 +5562,7 @@
           <a:lstStyle/>
           <a:p>
             <a:r>
-              <a:rPr lang="en-US" altLang="zh-CN" sz="900" dirty="0" smtClean="0">
+              <a:rPr lang="en-US" altLang="zh-CN" sz="900" dirty="0">
                 <a:solidFill>
                   <a:prstClr val="black"/>
                 </a:solidFill>
@@ -5832,21 +5598,21 @@
           <a:lstStyle/>
           <a:p>
             <a:r>
-              <a:rPr lang="zh-CN" altLang="en-US" sz="800" dirty="0" smtClean="0">
+              <a:rPr lang="zh-CN" altLang="en-US" sz="800" dirty="0">
                 <a:latin typeface="微软雅黑" panose="020B0503020204020204" pitchFamily="34" charset="-122"/>
                 <a:ea typeface="微软雅黑" panose="020B0503020204020204" pitchFamily="34" charset="-122"/>
               </a:rPr>
               <a:t>在线版简历： </a:t>
             </a:r>
             <a:r>
-              <a:rPr lang="en-US" altLang="zh-CN" sz="800" dirty="0" smtClean="0">
+              <a:rPr lang="en-US" altLang="zh-CN" sz="800" dirty="0">
                 <a:latin typeface="微软雅黑" panose="020B0503020204020204" pitchFamily="34" charset="-122"/>
                 <a:ea typeface="微软雅黑" panose="020B0503020204020204" pitchFamily="34" charset="-122"/>
                 <a:hlinkClick r:id="rId6"/>
               </a:rPr>
               <a:t>https://zhangbowei.github.io/resume/</a:t>
             </a:r>
-            <a:endParaRPr lang="en-US" altLang="zh-CN" sz="800" dirty="0" smtClean="0">
+            <a:endParaRPr lang="en-US" altLang="zh-CN" sz="800" dirty="0">
               <a:latin typeface="微软雅黑" panose="020B0503020204020204" pitchFamily="34" charset="-122"/>
               <a:ea typeface="微软雅黑" panose="020B0503020204020204" pitchFamily="34" charset="-122"/>
             </a:endParaRPr>
@@ -5876,7 +5642,7 @@
           <a:p>
             <a:pPr lvl="0" algn="ctr"/>
             <a:r>
-              <a:rPr lang="zh-CN" altLang="en-US" sz="900" dirty="0" smtClean="0">
+              <a:rPr lang="zh-CN" altLang="en-US" sz="900" dirty="0">
                 <a:solidFill>
                   <a:prstClr val="black"/>
                 </a:solidFill>
@@ -5904,9 +5670,9 @@
         <p:grpSpPr>
           <a:xfrm>
             <a:off x="386128" y="3628536"/>
-            <a:ext cx="2867931" cy="1722088"/>
+            <a:ext cx="2867931" cy="1893801"/>
             <a:chOff x="416608" y="3709272"/>
-            <a:chExt cx="2867931" cy="1722088"/>
+            <a:chExt cx="2867931" cy="1893801"/>
           </a:xfrm>
         </p:grpSpPr>
         <p:sp>
@@ -5936,30 +5702,26 @@
                 </a:lnSpc>
               </a:pPr>
               <a:r>
-                <a:rPr lang="en-US" altLang="zh-CN" sz="900" dirty="0" smtClean="0">
+                <a:rPr lang="en-US" altLang="zh-CN" sz="900" dirty="0">
                   <a:latin typeface="微软雅黑" panose="020B0503020204020204" pitchFamily="34" charset="-122"/>
                   <a:ea typeface="微软雅黑" panose="020B0503020204020204" pitchFamily="34" charset="-122"/>
                 </a:rPr>
                 <a:t>2018.12 </a:t>
               </a:r>
               <a:r>
-                <a:rPr lang="mr-IN" altLang="zh-CN" sz="900" dirty="0" smtClean="0">
+                <a:rPr lang="mr-IN" altLang="zh-CN" sz="900" dirty="0">
                   <a:latin typeface="微软雅黑" panose="020B0503020204020204" pitchFamily="34" charset="-122"/>
                   <a:ea typeface="微软雅黑" panose="020B0503020204020204" pitchFamily="34" charset="-122"/>
                 </a:rPr>
                 <a:t>–</a:t>
               </a:r>
               <a:r>
-                <a:rPr lang="en-US" altLang="zh-CN" sz="900" dirty="0" smtClean="0">
+                <a:rPr lang="en-US" altLang="zh-CN" sz="900" dirty="0">
                   <a:latin typeface="微软雅黑" panose="020B0503020204020204" pitchFamily="34" charset="-122"/>
                   <a:ea typeface="微软雅黑" panose="020B0503020204020204" pitchFamily="34" charset="-122"/>
                 </a:rPr>
                 <a:t> 2019.8</a:t>
               </a:r>
-              <a:endParaRPr lang="en-US" altLang="zh-CN" sz="900" dirty="0">
-                <a:latin typeface="微软雅黑" panose="020B0503020204020204" pitchFamily="34" charset="-122"/>
-                <a:ea typeface="微软雅黑" panose="020B0503020204020204" pitchFamily="34" charset="-122"/>
-              </a:endParaRPr>
             </a:p>
           </p:txBody>
         </p:sp>
@@ -5990,21 +5752,21 @@
                 </a:lnSpc>
               </a:pPr>
               <a:r>
-                <a:rPr lang="zh-CN" altLang="en-US" sz="1050" b="1" dirty="0" smtClean="0">
+                <a:rPr lang="zh-CN" altLang="en-US" sz="1050" b="1" dirty="0">
                   <a:latin typeface="微软雅黑" panose="020B0503020204020204" pitchFamily="34" charset="-122"/>
                   <a:ea typeface="微软雅黑" panose="020B0503020204020204" pitchFamily="34" charset="-122"/>
                 </a:rPr>
                 <a:t>活动类需求</a:t>
               </a:r>
               <a:r>
-                <a:rPr lang="en-US" altLang="zh-CN" sz="1050" b="1" dirty="0" smtClean="0">
+                <a:rPr lang="en-US" altLang="zh-CN" sz="1050" b="1" dirty="0">
                   <a:latin typeface="微软雅黑" panose="020B0503020204020204" pitchFamily="34" charset="-122"/>
                   <a:ea typeface="微软雅黑" panose="020B0503020204020204" pitchFamily="34" charset="-122"/>
                 </a:rPr>
                 <a:t>— </a:t>
               </a:r>
               <a:r>
-                <a:rPr lang="zh-CN" altLang="en-US" sz="1050" b="1" dirty="0" smtClean="0">
+                <a:rPr lang="zh-CN" altLang="en-US" sz="1050" b="1" dirty="0">
                   <a:latin typeface="微软雅黑" panose="020B0503020204020204" pitchFamily="34" charset="-122"/>
                   <a:ea typeface="微软雅黑" panose="020B0503020204020204" pitchFamily="34" charset="-122"/>
                 </a:rPr>
@@ -6025,8 +5787,8 @@
           </p:nvSpPr>
           <p:spPr>
             <a:xfrm>
-              <a:off x="517139" y="4236770"/>
-              <a:ext cx="474086" cy="203200"/>
+              <a:off x="517138" y="4236770"/>
+              <a:ext cx="598269" cy="203200"/>
             </a:xfrm>
             <a:prstGeom prst="rect">
               <a:avLst/>
@@ -6060,14 +5822,14 @@
             <a:p>
               <a:pPr lvl="0" algn="ctr"/>
               <a:r>
-                <a:rPr lang="en-US" altLang="zh-CN" sz="900" dirty="0" err="1" smtClean="0">
+                <a:rPr lang="en-US" altLang="zh-CN" sz="900" dirty="0" err="1">
                   <a:solidFill>
                     <a:prstClr val="white"/>
                   </a:solidFill>
                   <a:latin typeface="微软雅黑" panose="020B0503020204020204" pitchFamily="34" charset="-122"/>
                   <a:ea typeface="微软雅黑" panose="020B0503020204020204" pitchFamily="34" charset="-122"/>
                 </a:rPr>
-                <a:t>Vue</a:t>
+                <a:t>mpVue</a:t>
               </a:r>
               <a:endParaRPr lang="zh-CN" altLang="en-US" sz="900" dirty="0">
                 <a:solidFill>
@@ -6088,7 +5850,7 @@
           <p:spPr>
             <a:xfrm>
               <a:off x="416610" y="4377225"/>
-              <a:ext cx="2867929" cy="1054135"/>
+              <a:ext cx="2867929" cy="1225848"/>
             </a:xfrm>
             <a:prstGeom prst="rect">
               <a:avLst/>
@@ -6112,63 +5874,21 @@
                   <a:latin typeface="微软雅黑" panose="020B0503020204020204" pitchFamily="34" charset="-122"/>
                   <a:ea typeface="微软雅黑" panose="020B0503020204020204" pitchFamily="34" charset="-122"/>
                 </a:rPr>
-                <a:t>福袋协调</a:t>
+                <a:t>基于</a:t>
               </a:r>
               <a:r>
-                <a:rPr lang="en-US" altLang="zh-CN" sz="900" dirty="0">
+                <a:rPr lang="en-US" altLang="zh-CN" sz="900" dirty="0" err="1">
                   <a:latin typeface="微软雅黑" panose="020B0503020204020204" pitchFamily="34" charset="-122"/>
                   <a:ea typeface="微软雅黑" panose="020B0503020204020204" pitchFamily="34" charset="-122"/>
                 </a:rPr>
-                <a:t>5</a:t>
+                <a:t>mpVue</a:t>
               </a:r>
               <a:r>
                 <a:rPr lang="zh-CN" altLang="en-US" sz="900" dirty="0">
                   <a:latin typeface="微软雅黑" panose="020B0503020204020204" pitchFamily="34" charset="-122"/>
                   <a:ea typeface="微软雅黑" panose="020B0503020204020204" pitchFamily="34" charset="-122"/>
                 </a:rPr>
-                <a:t>位</a:t>
-              </a:r>
-              <a:r>
-                <a:rPr lang="en-US" altLang="zh-CN" sz="900" dirty="0">
-                  <a:latin typeface="微软雅黑" panose="020B0503020204020204" pitchFamily="34" charset="-122"/>
-                  <a:ea typeface="微软雅黑" panose="020B0503020204020204" pitchFamily="34" charset="-122"/>
-                </a:rPr>
-                <a:t>FE</a:t>
-              </a:r>
-              <a:r>
-                <a:rPr lang="zh-CN" altLang="en-US" sz="900" dirty="0">
-                  <a:latin typeface="微软雅黑" panose="020B0503020204020204" pitchFamily="34" charset="-122"/>
-                  <a:ea typeface="微软雅黑" panose="020B0503020204020204" pitchFamily="34" charset="-122"/>
-                </a:rPr>
-                <a:t>完成开发，配合</a:t>
-              </a:r>
-              <a:r>
-                <a:rPr lang="en-US" altLang="zh-CN" sz="900" dirty="0">
-                  <a:latin typeface="微软雅黑" panose="020B0503020204020204" pitchFamily="34" charset="-122"/>
-                  <a:ea typeface="微软雅黑" panose="020B0503020204020204" pitchFamily="34" charset="-122"/>
-                </a:rPr>
-                <a:t>PM</a:t>
-              </a:r>
-              <a:r>
-                <a:rPr lang="zh-CN" altLang="en-US" sz="900" dirty="0">
-                  <a:latin typeface="微软雅黑" panose="020B0503020204020204" pitchFamily="34" charset="-122"/>
-                  <a:ea typeface="微软雅黑" panose="020B0503020204020204" pitchFamily="34" charset="-122"/>
-                </a:rPr>
-                <a:t>及</a:t>
-              </a:r>
-              <a:r>
-                <a:rPr lang="en-US" altLang="zh-CN" sz="900" dirty="0">
-                  <a:latin typeface="微软雅黑" panose="020B0503020204020204" pitchFamily="34" charset="-122"/>
-                  <a:ea typeface="微软雅黑" panose="020B0503020204020204" pitchFamily="34" charset="-122"/>
-                </a:rPr>
-                <a:t>QA</a:t>
-              </a:r>
-              <a:r>
-                <a:rPr lang="zh-CN" altLang="en-US" sz="900" dirty="0">
-                  <a:latin typeface="微软雅黑" panose="020B0503020204020204" pitchFamily="34" charset="-122"/>
-                  <a:ea typeface="微软雅黑" panose="020B0503020204020204" pitchFamily="34" charset="-122"/>
-                </a:rPr>
-                <a:t>完成测试。</a:t>
+                <a:t>框架，使用状态机管理同一页面下多个活动实例切换。</a:t>
               </a:r>
               <a:endParaRPr lang="en-US" altLang="zh-CN" sz="900" dirty="0">
                 <a:latin typeface="微软雅黑" panose="020B0503020204020204" pitchFamily="34" charset="-122"/>
@@ -6188,30 +5908,23 @@
                   <a:latin typeface="微软雅黑" panose="020B0503020204020204" pitchFamily="34" charset="-122"/>
                   <a:ea typeface="微软雅黑" panose="020B0503020204020204" pitchFamily="34" charset="-122"/>
                 </a:rPr>
-                <a:t>抽离共用</a:t>
+                <a:t>抽离共用方法兼容小程序及</a:t>
               </a:r>
               <a:r>
-                <a:rPr lang="zh-CN" altLang="en-US" sz="900" dirty="0" smtClean="0">
-                  <a:latin typeface="微软雅黑" panose="020B0503020204020204" pitchFamily="34" charset="-122"/>
-                  <a:ea typeface="微软雅黑" panose="020B0503020204020204" pitchFamily="34" charset="-122"/>
-                </a:rPr>
-                <a:t>方法兼容小程序及</a:t>
-              </a:r>
-              <a:r>
-                <a:rPr lang="en-US" altLang="zh-CN" sz="900" dirty="0" smtClean="0">
+                <a:rPr lang="en-US" altLang="zh-CN" sz="900" dirty="0">
                   <a:latin typeface="微软雅黑" panose="020B0503020204020204" pitchFamily="34" charset="-122"/>
                   <a:ea typeface="微软雅黑" panose="020B0503020204020204" pitchFamily="34" charset="-122"/>
                 </a:rPr>
                 <a:t>H5</a:t>
               </a:r>
               <a:r>
-                <a:rPr lang="zh-CN" altLang="en-US" sz="900" dirty="0" smtClean="0">
+                <a:rPr lang="zh-CN" altLang="en-US" sz="900" dirty="0">
                   <a:latin typeface="微软雅黑" panose="020B0503020204020204" pitchFamily="34" charset="-122"/>
                   <a:ea typeface="微软雅黑" panose="020B0503020204020204" pitchFamily="34" charset="-122"/>
                 </a:rPr>
-                <a:t>，配合环境变量动态去冗。</a:t>
+                <a:t>，配合环境变量动态去冗，并生成注释文档。</a:t>
               </a:r>
-              <a:endParaRPr lang="en-US" altLang="zh-CN" sz="900" dirty="0" smtClean="0">
+              <a:endParaRPr lang="en-US" altLang="zh-CN" sz="900" dirty="0">
                 <a:latin typeface="微软雅黑" panose="020B0503020204020204" pitchFamily="34" charset="-122"/>
                 <a:ea typeface="微软雅黑" panose="020B0503020204020204" pitchFamily="34" charset="-122"/>
               </a:endParaRPr>
@@ -6225,11 +5938,11 @@
                 <a:buChar char="ü"/>
               </a:pPr>
               <a:r>
-                <a:rPr lang="zh-CN" altLang="en-US" sz="900" dirty="0" smtClean="0">
+                <a:rPr lang="zh-CN" altLang="en-US" sz="900" dirty="0">
                   <a:latin typeface="微软雅黑" panose="020B0503020204020204" pitchFamily="34" charset="-122"/>
                   <a:ea typeface="微软雅黑" panose="020B0503020204020204" pitchFamily="34" charset="-122"/>
                 </a:rPr>
-                <a:t>活动页多平台构建方案，配合用户自定义配置打包分发多个小程序。</a:t>
+                <a:t>活动页多平台构建方案，配合自定义配置页面打包分发到多个小程序。</a:t>
               </a:r>
               <a:endParaRPr lang="en-US" altLang="zh-CN" sz="900" dirty="0">
                 <a:latin typeface="微软雅黑" panose="020B0503020204020204" pitchFamily="34" charset="-122"/>
@@ -6288,17 +6001,7 @@
                   <a:latin typeface="微软雅黑" panose="020B0503020204020204" pitchFamily="34" charset="-122"/>
                   <a:ea typeface="微软雅黑" panose="020B0503020204020204" pitchFamily="34" charset="-122"/>
                 </a:rPr>
-                <a:t>H</a:t>
-              </a:r>
-              <a:r>
-                <a:rPr lang="en-US" altLang="zh-CN" sz="900" dirty="0" smtClean="0">
-                  <a:solidFill>
-                    <a:prstClr val="white"/>
-                  </a:solidFill>
-                  <a:latin typeface="微软雅黑" panose="020B0503020204020204" pitchFamily="34" charset="-122"/>
-                  <a:ea typeface="微软雅黑" panose="020B0503020204020204" pitchFamily="34" charset="-122"/>
-                </a:rPr>
-                <a:t>5</a:t>
+                <a:t>H5</a:t>
               </a:r>
               <a:endParaRPr lang="zh-CN" altLang="en-US" dirty="0">
                 <a:solidFill>
@@ -6351,7 +6054,7 @@
             <a:p>
               <a:pPr lvl="0"/>
               <a:r>
-                <a:rPr lang="en-US" altLang="zh-CN" sz="900" dirty="0" err="1" smtClean="0">
+                <a:rPr lang="en-US" altLang="zh-CN" sz="900" dirty="0" err="1">
                   <a:solidFill>
                     <a:prstClr val="white"/>
                   </a:solidFill>
@@ -6376,8 +6079,8 @@
           </p:nvSpPr>
           <p:spPr>
             <a:xfrm>
-              <a:off x="1033818" y="4236770"/>
-              <a:ext cx="718782" cy="203200"/>
+              <a:off x="1154330" y="4236770"/>
+              <a:ext cx="598269" cy="203200"/>
             </a:xfrm>
             <a:prstGeom prst="rect">
               <a:avLst/>
@@ -6411,14 +6114,14 @@
             <a:p>
               <a:pPr lvl="0" algn="ctr"/>
               <a:r>
-                <a:rPr lang="en-US" altLang="zh-CN" sz="900" dirty="0" err="1" smtClean="0">
+                <a:rPr lang="zh-CN" altLang="en-US" sz="900" dirty="0">
                   <a:solidFill>
                     <a:prstClr val="white"/>
                   </a:solidFill>
                   <a:latin typeface="微软雅黑" panose="020B0503020204020204" pitchFamily="34" charset="-122"/>
                   <a:ea typeface="微软雅黑" panose="020B0503020204020204" pitchFamily="34" charset="-122"/>
                 </a:rPr>
-                <a:t>mpVue</a:t>
+                <a:t>小程序</a:t>
               </a:r>
               <a:endParaRPr lang="zh-CN" altLang="en-US" dirty="0">
                 <a:solidFill>
@@ -6438,7 +6141,7 @@
         <p:spPr>
           <a:xfrm>
             <a:off x="383995" y="5692729"/>
-            <a:ext cx="1109599" cy="271869"/>
+            <a:ext cx="1109599" cy="254429"/>
           </a:xfrm>
           <a:prstGeom prst="rect">
             <a:avLst/>
@@ -6456,30 +6159,26 @@
               </a:lnSpc>
             </a:pPr>
             <a:r>
-              <a:rPr lang="en-US" altLang="zh-CN" sz="900" dirty="0" smtClean="0">
-                <a:latin typeface="微软雅黑" panose="020B0503020204020204" pitchFamily="34" charset="-122"/>
-                <a:ea typeface="微软雅黑" panose="020B0503020204020204" pitchFamily="34" charset="-122"/>
-              </a:rPr>
-              <a:t>2019.8 </a:t>
-            </a:r>
-            <a:r>
-              <a:rPr lang="mr-IN" altLang="zh-CN" sz="900" dirty="0" smtClean="0">
+              <a:rPr lang="en-US" altLang="zh-CN" sz="900" dirty="0">
+                <a:latin typeface="微软雅黑" panose="020B0503020204020204" pitchFamily="34" charset="-122"/>
+                <a:ea typeface="微软雅黑" panose="020B0503020204020204" pitchFamily="34" charset="-122"/>
+              </a:rPr>
+              <a:t>2018.6 </a:t>
+            </a:r>
+            <a:r>
+              <a:rPr lang="mr-IN" altLang="zh-CN" sz="900" dirty="0">
                 <a:latin typeface="微软雅黑" panose="020B0503020204020204" pitchFamily="34" charset="-122"/>
                 <a:ea typeface="微软雅黑" panose="020B0503020204020204" pitchFamily="34" charset="-122"/>
               </a:rPr>
               <a:t>–</a:t>
             </a:r>
             <a:r>
-              <a:rPr lang="en-US" altLang="zh-CN" sz="900" dirty="0" smtClean="0">
-                <a:latin typeface="微软雅黑" panose="020B0503020204020204" pitchFamily="34" charset="-122"/>
-                <a:ea typeface="微软雅黑" panose="020B0503020204020204" pitchFamily="34" charset="-122"/>
-              </a:rPr>
-              <a:t> 2019.12</a:t>
-            </a:r>
-            <a:endParaRPr lang="en-US" altLang="zh-CN" sz="900" dirty="0">
-              <a:latin typeface="微软雅黑" panose="020B0503020204020204" pitchFamily="34" charset="-122"/>
-              <a:ea typeface="微软雅黑" panose="020B0503020204020204" pitchFamily="34" charset="-122"/>
-            </a:endParaRPr>
+              <a:rPr lang="en-US" altLang="zh-CN" sz="900" dirty="0">
+                <a:latin typeface="微软雅黑" panose="020B0503020204020204" pitchFamily="34" charset="-122"/>
+                <a:ea typeface="微软雅黑" panose="020B0503020204020204" pitchFamily="34" charset="-122"/>
+              </a:rPr>
+              <a:t> 2019.10</a:t>
+            </a:r>
           </a:p>
         </p:txBody>
       </p:sp>
@@ -6492,7 +6191,7 @@
         <p:spPr>
           <a:xfrm>
             <a:off x="383995" y="5847368"/>
-            <a:ext cx="1925078" cy="334707"/>
+            <a:ext cx="1925078" cy="306174"/>
           </a:xfrm>
           <a:prstGeom prst="rect">
             <a:avLst/>
@@ -6510,25 +6209,25 @@
               </a:lnSpc>
             </a:pPr>
             <a:r>
-              <a:rPr lang="zh-CN" altLang="en-US" sz="1050" b="1" dirty="0" smtClean="0">
+              <a:rPr lang="zh-CN" altLang="en-US" sz="1050" b="1" dirty="0">
                 <a:latin typeface="微软雅黑" panose="020B0503020204020204" pitchFamily="34" charset="-122"/>
                 <a:ea typeface="微软雅黑" panose="020B0503020204020204" pitchFamily="34" charset="-122"/>
               </a:rPr>
               <a:t>小程序 </a:t>
             </a:r>
             <a:r>
-              <a:rPr lang="en-US" altLang="zh-CN" sz="1050" b="1" dirty="0" smtClean="0">
+              <a:rPr lang="en-US" altLang="zh-CN" sz="1050" b="1" dirty="0">
                 <a:latin typeface="微软雅黑" panose="020B0503020204020204" pitchFamily="34" charset="-122"/>
                 <a:ea typeface="微软雅黑" panose="020B0503020204020204" pitchFamily="34" charset="-122"/>
               </a:rPr>
               <a:t>—</a:t>
             </a:r>
             <a:r>
-              <a:rPr lang="zh-CN" altLang="en-US" sz="1050" b="1" dirty="0" smtClean="0">
-                <a:latin typeface="微软雅黑" panose="020B0503020204020204" pitchFamily="34" charset="-122"/>
-                <a:ea typeface="微软雅黑" panose="020B0503020204020204" pitchFamily="34" charset="-122"/>
-              </a:rPr>
-              <a:t> 美团门票</a:t>
+              <a:rPr lang="zh-CN" altLang="en-US" sz="1050" b="1" dirty="0">
+                <a:latin typeface="微软雅黑" panose="020B0503020204020204" pitchFamily="34" charset="-122"/>
+                <a:ea typeface="微软雅黑" panose="020B0503020204020204" pitchFamily="34" charset="-122"/>
+              </a:rPr>
+              <a:t> 酒店小程序</a:t>
             </a:r>
             <a:endParaRPr lang="en-US" altLang="zh-CN" sz="1050" b="1" dirty="0">
               <a:latin typeface="微软雅黑" panose="020B0503020204020204" pitchFamily="34" charset="-122"/>
@@ -6580,7 +6279,7 @@
           <a:p>
             <a:pPr lvl="0" algn="ctr"/>
             <a:r>
-              <a:rPr lang="zh-CN" altLang="en-US" sz="900" dirty="0" smtClean="0">
+              <a:rPr lang="zh-CN" altLang="en-US" sz="900" dirty="0">
                 <a:solidFill>
                   <a:prstClr val="white"/>
                 </a:solidFill>
@@ -6606,7 +6305,7 @@
         <p:spPr>
           <a:xfrm>
             <a:off x="398586" y="6332747"/>
-            <a:ext cx="2870062" cy="1823576"/>
+            <a:ext cx="2870062" cy="1610569"/>
           </a:xfrm>
           <a:prstGeom prst="rect">
             <a:avLst/>
@@ -6626,27 +6325,27 @@
               <a:buChar char="ü"/>
             </a:pPr>
             <a:r>
-              <a:rPr lang="zh-CN" altLang="en-US" sz="900" dirty="0" smtClean="0">
-                <a:latin typeface="微软雅黑" panose="020B0503020204020204" pitchFamily="34" charset="-122"/>
-                <a:ea typeface="微软雅黑" panose="020B0503020204020204" pitchFamily="34" charset="-122"/>
-              </a:rPr>
-              <a:t>监控</a:t>
-            </a:r>
-            <a:r>
-              <a:rPr lang="en-US" altLang="zh-CN" sz="900" dirty="0" err="1" smtClean="0">
-                <a:latin typeface="微软雅黑" panose="020B0503020204020204" pitchFamily="34" charset="-122"/>
-                <a:ea typeface="微软雅黑" panose="020B0503020204020204" pitchFamily="34" charset="-122"/>
-              </a:rPr>
-              <a:t>JSErro</a:t>
-            </a:r>
-            <a:r>
-              <a:rPr lang="zh-CN" altLang="en-US" sz="900" dirty="0" smtClean="0">
-                <a:latin typeface="微软雅黑" panose="020B0503020204020204" pitchFamily="34" charset="-122"/>
-                <a:ea typeface="微软雅黑" panose="020B0503020204020204" pitchFamily="34" charset="-122"/>
-              </a:rPr>
-              <a:t>率、启动耗时等指标，保障在基线以内。</a:t>
-            </a:r>
-            <a:endParaRPr lang="en-US" altLang="zh-CN" sz="900" dirty="0" smtClean="0">
+              <a:rPr lang="zh-CN" altLang="en-US" sz="900" dirty="0">
+                <a:latin typeface="微软雅黑" panose="020B0503020204020204" pitchFamily="34" charset="-122"/>
+                <a:ea typeface="微软雅黑" panose="020B0503020204020204" pitchFamily="34" charset="-122"/>
+              </a:rPr>
+              <a:t>项目质量上，监控</a:t>
+            </a:r>
+            <a:r>
+              <a:rPr lang="en-US" altLang="zh-CN" sz="900" dirty="0" err="1">
+                <a:latin typeface="微软雅黑" panose="020B0503020204020204" pitchFamily="34" charset="-122"/>
+                <a:ea typeface="微软雅黑" panose="020B0503020204020204" pitchFamily="34" charset="-122"/>
+              </a:rPr>
+              <a:t>JSError</a:t>
+            </a:r>
+            <a:r>
+              <a:rPr lang="zh-CN" altLang="en-US" sz="900" dirty="0">
+                <a:latin typeface="微软雅黑" panose="020B0503020204020204" pitchFamily="34" charset="-122"/>
+                <a:ea typeface="微软雅黑" panose="020B0503020204020204" pitchFamily="34" charset="-122"/>
+              </a:rPr>
+              <a:t>率、启动耗时等，保障在基线内。</a:t>
+            </a:r>
+            <a:endParaRPr lang="en-US" altLang="zh-CN" sz="900" dirty="0">
               <a:latin typeface="微软雅黑" panose="020B0503020204020204" pitchFamily="34" charset="-122"/>
               <a:ea typeface="微软雅黑" panose="020B0503020204020204" pitchFamily="34" charset="-122"/>
             </a:endParaRPr>
@@ -6660,13 +6359,13 @@
               <a:buChar char="ü"/>
             </a:pPr>
             <a:r>
-              <a:rPr lang="zh-CN" altLang="en-US" sz="900" dirty="0" smtClean="0">
-                <a:latin typeface="微软雅黑" panose="020B0503020204020204" pitchFamily="34" charset="-122"/>
-                <a:ea typeface="微软雅黑" panose="020B0503020204020204" pitchFamily="34" charset="-122"/>
-              </a:rPr>
-              <a:t>小程序线下环境调试面板支持测试流程半自动化、登录状态一键切换、运营链接生成等。</a:t>
-            </a:r>
-            <a:endParaRPr lang="en-US" altLang="zh-CN" sz="900" dirty="0" smtClean="0">
+              <a:rPr lang="zh-CN" altLang="en-US" sz="900" dirty="0">
+                <a:latin typeface="微软雅黑" panose="020B0503020204020204" pitchFamily="34" charset="-122"/>
+                <a:ea typeface="微软雅黑" panose="020B0503020204020204" pitchFamily="34" charset="-122"/>
+              </a:rPr>
+              <a:t>测试流程上，小程序线下环境调试面板支持测试流程自动化。</a:t>
+            </a:r>
+            <a:endParaRPr lang="en-US" altLang="zh-CN" sz="900" dirty="0">
               <a:latin typeface="微软雅黑" panose="020B0503020204020204" pitchFamily="34" charset="-122"/>
               <a:ea typeface="微软雅黑" panose="020B0503020204020204" pitchFamily="34" charset="-122"/>
             </a:endParaRPr>
@@ -6680,27 +6379,27 @@
               <a:buChar char="ü"/>
             </a:pPr>
             <a:r>
-              <a:rPr lang="zh-CN" altLang="en-US" sz="900" dirty="0" smtClean="0">
-                <a:latin typeface="微软雅黑" panose="020B0503020204020204" pitchFamily="34" charset="-122"/>
-                <a:ea typeface="微软雅黑" panose="020B0503020204020204" pitchFamily="34" charset="-122"/>
-              </a:rPr>
-              <a:t>发布流程插件支持可配置化一键分发多端</a:t>
-            </a:r>
-            <a:r>
-              <a:rPr lang="en-US" altLang="zh-CN" sz="900" dirty="0" err="1" smtClean="0">
+              <a:rPr lang="zh-CN" altLang="en-US" sz="900" dirty="0">
+                <a:latin typeface="微软雅黑" panose="020B0503020204020204" pitchFamily="34" charset="-122"/>
+                <a:ea typeface="微软雅黑" panose="020B0503020204020204" pitchFamily="34" charset="-122"/>
+              </a:rPr>
+              <a:t>发布环节上，开发插件支持可配置化一键分发多端</a:t>
+            </a:r>
+            <a:r>
+              <a:rPr lang="en-US" altLang="zh-CN" sz="900" dirty="0" err="1">
                 <a:latin typeface="微软雅黑" panose="020B0503020204020204" pitchFamily="34" charset="-122"/>
                 <a:ea typeface="微软雅黑" panose="020B0503020204020204" pitchFamily="34" charset="-122"/>
               </a:rPr>
               <a:t>npm</a:t>
             </a:r>
             <a:r>
-              <a:rPr lang="zh-CN" altLang="en-US" sz="900" dirty="0" smtClean="0">
+              <a:rPr lang="zh-CN" altLang="en-US" sz="900" dirty="0">
                 <a:latin typeface="微软雅黑" panose="020B0503020204020204" pitchFamily="34" charset="-122"/>
                 <a:ea typeface="微软雅黑" panose="020B0503020204020204" pitchFamily="34" charset="-122"/>
               </a:rPr>
               <a:t>包。</a:t>
             </a:r>
-            <a:endParaRPr lang="en-US" altLang="zh-CN" sz="900" dirty="0" smtClean="0">
+            <a:endParaRPr lang="en-US" altLang="zh-CN" sz="900" dirty="0">
               <a:latin typeface="微软雅黑" panose="020B0503020204020204" pitchFamily="34" charset="-122"/>
               <a:ea typeface="微软雅黑" panose="020B0503020204020204" pitchFamily="34" charset="-122"/>
             </a:endParaRPr>
@@ -6714,27 +6413,27 @@
               <a:buChar char="ü"/>
             </a:pPr>
             <a:r>
-              <a:rPr lang="zh-CN" altLang="en-US" sz="900" dirty="0" smtClean="0">
-                <a:latin typeface="微软雅黑" panose="020B0503020204020204" pitchFamily="34" charset="-122"/>
-                <a:ea typeface="微软雅黑" panose="020B0503020204020204" pitchFamily="34" charset="-122"/>
-              </a:rPr>
-              <a:t>熟练使用</a:t>
-            </a:r>
-            <a:r>
-              <a:rPr lang="en-US" altLang="zh-CN" sz="900" dirty="0" err="1" smtClean="0">
+              <a:rPr lang="zh-CN" altLang="en-US" sz="900" dirty="0">
+                <a:latin typeface="微软雅黑" panose="020B0503020204020204" pitchFamily="34" charset="-122"/>
+                <a:ea typeface="微软雅黑" panose="020B0503020204020204" pitchFamily="34" charset="-122"/>
+              </a:rPr>
+              <a:t>项目进度上，使用</a:t>
+            </a:r>
+            <a:r>
+              <a:rPr lang="en-US" altLang="zh-CN" sz="900" dirty="0" err="1">
                 <a:latin typeface="微软雅黑" panose="020B0503020204020204" pitchFamily="34" charset="-122"/>
                 <a:ea typeface="微软雅黑" panose="020B0503020204020204" pitchFamily="34" charset="-122"/>
               </a:rPr>
               <a:t>Trello</a:t>
             </a:r>
             <a:r>
-              <a:rPr lang="zh-CN" altLang="en-US" sz="900" dirty="0" smtClean="0">
-                <a:latin typeface="微软雅黑" panose="020B0503020204020204" pitchFamily="34" charset="-122"/>
-                <a:ea typeface="微软雅黑" panose="020B0503020204020204" pitchFamily="34" charset="-122"/>
-              </a:rPr>
-              <a:t>、甘特图等项目进度保障工具。</a:t>
-            </a:r>
-            <a:endParaRPr lang="en-US" altLang="zh-CN" sz="900" dirty="0" smtClean="0">
+              <a:rPr lang="zh-CN" altLang="en-US" sz="900" dirty="0">
+                <a:latin typeface="微软雅黑" panose="020B0503020204020204" pitchFamily="34" charset="-122"/>
+                <a:ea typeface="微软雅黑" panose="020B0503020204020204" pitchFamily="34" charset="-122"/>
+              </a:rPr>
+              <a:t>、甘特图等工具保障进度。</a:t>
+            </a:r>
+            <a:endParaRPr lang="en-US" altLang="zh-CN" sz="900" dirty="0">
               <a:latin typeface="微软雅黑" panose="020B0503020204020204" pitchFamily="34" charset="-122"/>
               <a:ea typeface="微软雅黑" panose="020B0503020204020204" pitchFamily="34" charset="-122"/>
             </a:endParaRPr>
@@ -6747,82 +6446,7 @@
               <a:buFont typeface="Wingdings" panose="05000000000000000000" pitchFamily="2" charset="2"/>
               <a:buChar char="ü"/>
             </a:pPr>
-            <a:r>
-              <a:rPr lang="zh-CN" altLang="en-US" sz="900" dirty="0" smtClean="0">
-                <a:latin typeface="微软雅黑" panose="020B0503020204020204" pitchFamily="34" charset="-122"/>
-                <a:ea typeface="微软雅黑" panose="020B0503020204020204" pitchFamily="34" charset="-122"/>
-              </a:rPr>
-              <a:t>小程序值班咨询应答</a:t>
-            </a:r>
-            <a:r>
-              <a:rPr lang="en-US" altLang="zh-CN" sz="900" dirty="0" smtClean="0">
-                <a:latin typeface="微软雅黑" panose="020B0503020204020204" pitchFamily="34" charset="-122"/>
-                <a:ea typeface="微软雅黑" panose="020B0503020204020204" pitchFamily="34" charset="-122"/>
-              </a:rPr>
-              <a:t>PM</a:t>
-            </a:r>
-            <a:r>
-              <a:rPr lang="zh-CN" altLang="en-US" sz="900" dirty="0" smtClean="0">
-                <a:latin typeface="微软雅黑" panose="020B0503020204020204" pitchFamily="34" charset="-122"/>
-                <a:ea typeface="微软雅黑" panose="020B0503020204020204" pitchFamily="34" charset="-122"/>
-              </a:rPr>
-              <a:t>、</a:t>
-            </a:r>
-            <a:r>
-              <a:rPr lang="en-US" altLang="zh-CN" sz="900" dirty="0" smtClean="0">
-                <a:latin typeface="微软雅黑" panose="020B0503020204020204" pitchFamily="34" charset="-122"/>
-                <a:ea typeface="微软雅黑" panose="020B0503020204020204" pitchFamily="34" charset="-122"/>
-              </a:rPr>
-              <a:t>QA</a:t>
-            </a:r>
-            <a:r>
-              <a:rPr lang="zh-CN" altLang="en-US" sz="900" dirty="0" smtClean="0">
-                <a:latin typeface="微软雅黑" panose="020B0503020204020204" pitchFamily="34" charset="-122"/>
-                <a:ea typeface="微软雅黑" panose="020B0503020204020204" pitchFamily="34" charset="-122"/>
-              </a:rPr>
-              <a:t>、</a:t>
-            </a:r>
-            <a:r>
-              <a:rPr lang="en-US" altLang="zh-CN" sz="900" dirty="0" smtClean="0">
-                <a:latin typeface="微软雅黑" panose="020B0503020204020204" pitchFamily="34" charset="-122"/>
-                <a:ea typeface="微软雅黑" panose="020B0503020204020204" pitchFamily="34" charset="-122"/>
-              </a:rPr>
-              <a:t>RD</a:t>
-            </a:r>
-            <a:r>
-              <a:rPr lang="zh-CN" altLang="en-US" sz="900" dirty="0" smtClean="0">
-                <a:latin typeface="微软雅黑" panose="020B0503020204020204" pitchFamily="34" charset="-122"/>
-                <a:ea typeface="微软雅黑" panose="020B0503020204020204" pitchFamily="34" charset="-122"/>
-              </a:rPr>
-              <a:t>等人员业务问题。</a:t>
-            </a:r>
-            <a:endParaRPr lang="en-US" altLang="zh-CN" sz="900" dirty="0" smtClean="0">
-              <a:latin typeface="微软雅黑" panose="020B0503020204020204" pitchFamily="34" charset="-122"/>
-              <a:ea typeface="微软雅黑" panose="020B0503020204020204" pitchFamily="34" charset="-122"/>
-            </a:endParaRPr>
-          </a:p>
-          <a:p>
-            <a:pPr marL="171450" lvl="0" indent="-171450">
-              <a:lnSpc>
-                <a:spcPts val="1500"/>
-              </a:lnSpc>
-              <a:buFont typeface="Wingdings" panose="05000000000000000000" pitchFamily="2" charset="2"/>
-              <a:buChar char="ü"/>
-            </a:pPr>
-            <a:endParaRPr lang="en-US" altLang="zh-CN" sz="900" dirty="0" smtClean="0">
-              <a:latin typeface="微软雅黑" panose="020B0503020204020204" pitchFamily="34" charset="-122"/>
-              <a:ea typeface="微软雅黑" panose="020B0503020204020204" pitchFamily="34" charset="-122"/>
-            </a:endParaRPr>
-          </a:p>
-          <a:p>
-            <a:pPr marL="171450" lvl="0" indent="-171450">
-              <a:lnSpc>
-                <a:spcPts val="1500"/>
-              </a:lnSpc>
-              <a:buFont typeface="Wingdings" panose="05000000000000000000" pitchFamily="2" charset="2"/>
-              <a:buChar char="ü"/>
-            </a:pPr>
-            <a:endParaRPr lang="zh-CN" altLang="en-US" sz="900" dirty="0" smtClean="0">
+            <a:endParaRPr lang="zh-CN" altLang="en-US" sz="900" dirty="0">
               <a:latin typeface="微软雅黑" panose="020B0503020204020204" pitchFamily="34" charset="-122"/>
               <a:ea typeface="微软雅黑" panose="020B0503020204020204" pitchFamily="34" charset="-122"/>
             </a:endParaRPr>
@@ -6872,14 +6496,14 @@
           <a:p>
             <a:pPr lvl="0" algn="ctr"/>
             <a:r>
-              <a:rPr lang="en-US" altLang="zh-CN" sz="900" dirty="0" smtClean="0">
+              <a:rPr lang="zh-CN" altLang="en-US" sz="900" dirty="0">
                 <a:solidFill>
                   <a:prstClr val="white"/>
                 </a:solidFill>
                 <a:latin typeface="微软雅黑" panose="020B0503020204020204" pitchFamily="34" charset="-122"/>
                 <a:ea typeface="微软雅黑" panose="020B0503020204020204" pitchFamily="34" charset="-122"/>
               </a:rPr>
-              <a:t>MRN</a:t>
+              <a:t>测试</a:t>
             </a:r>
             <a:endParaRPr lang="zh-CN" altLang="en-US" dirty="0">
               <a:solidFill>
@@ -6932,14 +6556,14 @@
           <a:p>
             <a:pPr lvl="0" algn="ctr"/>
             <a:r>
-              <a:rPr lang="en-US" altLang="zh-CN" sz="900" dirty="0" smtClean="0">
+              <a:rPr lang="zh-CN" altLang="en-US" sz="900" dirty="0">
                 <a:solidFill>
                   <a:prstClr val="white"/>
                 </a:solidFill>
                 <a:latin typeface="微软雅黑" panose="020B0503020204020204" pitchFamily="34" charset="-122"/>
                 <a:ea typeface="微软雅黑" panose="020B0503020204020204" pitchFamily="34" charset="-122"/>
               </a:rPr>
-              <a:t>native</a:t>
+              <a:t>发布</a:t>
             </a:r>
             <a:endParaRPr lang="zh-CN" altLang="en-US" dirty="0">
               <a:solidFill>
@@ -6992,7 +6616,7 @@
           <a:p>
             <a:pPr lvl="0" algn="ctr"/>
             <a:r>
-              <a:rPr lang="zh-CN" altLang="en-US" sz="900" dirty="0" smtClean="0">
+              <a:rPr lang="zh-CN" altLang="en-US" sz="900" dirty="0">
                 <a:solidFill>
                   <a:prstClr val="white"/>
                 </a:solidFill>
@@ -7018,9 +6642,9 @@
         <p:grpSpPr>
           <a:xfrm>
             <a:off x="387971" y="7739121"/>
-            <a:ext cx="2872460" cy="1908281"/>
+            <a:ext cx="2872460" cy="1887634"/>
             <a:chOff x="418451" y="7819857"/>
-            <a:chExt cx="2872460" cy="1908281"/>
+            <a:chExt cx="2872460" cy="1887634"/>
           </a:xfrm>
         </p:grpSpPr>
         <p:sp>
@@ -7032,7 +6656,7 @@
           <p:spPr>
             <a:xfrm>
               <a:off x="418451" y="7819857"/>
-              <a:ext cx="1029449" cy="271869"/>
+              <a:ext cx="1096775" cy="254429"/>
             </a:xfrm>
             <a:prstGeom prst="rect">
               <a:avLst/>
@@ -7050,30 +6674,12 @@
                 </a:lnSpc>
               </a:pPr>
               <a:r>
-                <a:rPr lang="en-US" altLang="zh-CN" sz="900" dirty="0" smtClean="0">
-                  <a:latin typeface="微软雅黑" panose="020B0503020204020204" pitchFamily="34" charset="-122"/>
-                  <a:ea typeface="微软雅黑" panose="020B0503020204020204" pitchFamily="34" charset="-122"/>
-                </a:rPr>
-                <a:t>2018.6 </a:t>
-              </a:r>
-              <a:r>
                 <a:rPr lang="en-US" altLang="zh-CN" sz="900" dirty="0">
                   <a:latin typeface="微软雅黑" panose="020B0503020204020204" pitchFamily="34" charset="-122"/>
                   <a:ea typeface="微软雅黑" panose="020B0503020204020204" pitchFamily="34" charset="-122"/>
                 </a:rPr>
-                <a:t>- </a:t>
+                <a:t>2019.10 - 2020.1</a:t>
               </a:r>
-              <a:r>
-                <a:rPr lang="en-US" altLang="zh-CN" sz="900" dirty="0" smtClean="0">
-                  <a:latin typeface="微软雅黑" panose="020B0503020204020204" pitchFamily="34" charset="-122"/>
-                  <a:ea typeface="微软雅黑" panose="020B0503020204020204" pitchFamily="34" charset="-122"/>
-                </a:rPr>
-                <a:t>2019.8</a:t>
-              </a:r>
-              <a:endParaRPr lang="en-US" altLang="zh-CN" sz="900" dirty="0">
-                <a:latin typeface="微软雅黑" panose="020B0503020204020204" pitchFamily="34" charset="-122"/>
-                <a:ea typeface="微软雅黑" panose="020B0503020204020204" pitchFamily="34" charset="-122"/>
-              </a:endParaRPr>
             </a:p>
           </p:txBody>
         </p:sp>
@@ -7086,7 +6692,7 @@
           <p:spPr>
             <a:xfrm>
               <a:off x="418451" y="8000165"/>
-              <a:ext cx="1487908" cy="334707"/>
+              <a:ext cx="1487908" cy="306109"/>
             </a:xfrm>
             <a:prstGeom prst="rect">
               <a:avLst/>
@@ -7104,25 +6710,25 @@
                 </a:lnSpc>
               </a:pPr>
               <a:r>
-                <a:rPr lang="zh-CN" altLang="en-US" sz="1050" b="1" dirty="0" smtClean="0">
+                <a:rPr lang="zh-CN" altLang="en-US" sz="1050" b="1" dirty="0">
                   <a:latin typeface="微软雅黑" panose="020B0503020204020204" pitchFamily="34" charset="-122"/>
                   <a:ea typeface="微软雅黑" panose="020B0503020204020204" pitchFamily="34" charset="-122"/>
                 </a:rPr>
                 <a:t>小程序</a:t>
               </a:r>
               <a:r>
-                <a:rPr lang="en-US" altLang="zh-CN" sz="1050" b="1" dirty="0" smtClean="0">
+                <a:rPr lang="en-US" altLang="zh-CN" sz="1050" b="1" dirty="0">
                   <a:latin typeface="微软雅黑" panose="020B0503020204020204" pitchFamily="34" charset="-122"/>
                   <a:ea typeface="微软雅黑" panose="020B0503020204020204" pitchFamily="34" charset="-122"/>
                 </a:rPr>
                 <a:t> — </a:t>
               </a:r>
               <a:r>
-                <a:rPr lang="zh-CN" altLang="en-US" sz="1050" b="1" dirty="0" smtClean="0">
+                <a:rPr lang="zh-CN" altLang="en-US" sz="1050" b="1" dirty="0">
                   <a:latin typeface="微软雅黑" panose="020B0503020204020204" pitchFamily="34" charset="-122"/>
                   <a:ea typeface="微软雅黑" panose="020B0503020204020204" pitchFamily="34" charset="-122"/>
                 </a:rPr>
-                <a:t>酒店小程序</a:t>
+                <a:t>门票小程序</a:t>
               </a:r>
               <a:endParaRPr lang="en-US" altLang="zh-CN" sz="1050" b="1" dirty="0">
                 <a:latin typeface="微软雅黑" panose="020B0503020204020204" pitchFamily="34" charset="-122"/>
@@ -7174,7 +6780,7 @@
             <a:p>
               <a:pPr lvl="0" algn="ctr"/>
               <a:r>
-                <a:rPr lang="zh-CN" altLang="en-US" sz="900" dirty="0" smtClean="0">
+                <a:rPr lang="zh-CN" altLang="en-US" sz="900" dirty="0">
                   <a:solidFill>
                     <a:prstClr val="white"/>
                   </a:solidFill>
@@ -7200,7 +6806,7 @@
           <p:spPr>
             <a:xfrm>
               <a:off x="424825" y="8481643"/>
-              <a:ext cx="2866086" cy="1246495"/>
+              <a:ext cx="2866086" cy="1225848"/>
             </a:xfrm>
             <a:prstGeom prst="rect">
               <a:avLst/>
@@ -7220,13 +6826,13 @@
                 <a:buChar char="ü"/>
               </a:pPr>
               <a:r>
-                <a:rPr lang="zh-CN" altLang="en-US" sz="900" dirty="0" smtClean="0">
+                <a:rPr lang="zh-CN" altLang="en-US" sz="900" dirty="0">
                   <a:latin typeface="微软雅黑" panose="020B0503020204020204" pitchFamily="34" charset="-122"/>
                   <a:ea typeface="微软雅黑" panose="020B0503020204020204" pitchFamily="34" charset="-122"/>
                 </a:rPr>
-                <a:t>开发酒店主流程，支持美团、点评、极简、百度等多个小程序共用。</a:t>
+                <a:t>开发酒店主流程，支持美团、点评、极简、百度等多个小程序。</a:t>
               </a:r>
-              <a:endParaRPr lang="en-US" altLang="zh-CN" sz="900" dirty="0" smtClean="0">
+              <a:endParaRPr lang="en-US" altLang="zh-CN" sz="900" dirty="0">
                 <a:latin typeface="微软雅黑" panose="020B0503020204020204" pitchFamily="34" charset="-122"/>
                 <a:ea typeface="微软雅黑" panose="020B0503020204020204" pitchFamily="34" charset="-122"/>
               </a:endParaRPr>
@@ -7240,13 +6846,13 @@
                 <a:buChar char="ü"/>
               </a:pPr>
               <a:r>
-                <a:rPr lang="zh-CN" altLang="en-US" sz="900" dirty="0" smtClean="0">
+                <a:rPr lang="zh-CN" altLang="en-US" sz="900" dirty="0">
                   <a:latin typeface="微软雅黑" panose="020B0503020204020204" pitchFamily="34" charset="-122"/>
                   <a:ea typeface="微软雅黑" panose="020B0503020204020204" pitchFamily="34" charset="-122"/>
                 </a:rPr>
-                <a:t>引导实习生完成基本流程入门与短周期需求迭代。</a:t>
+                <a:t>开发需求包括前置页、列表页、详情页，并涉及风控、微信规范适配、标识改造升级等。</a:t>
               </a:r>
-              <a:endParaRPr lang="en-US" altLang="zh-CN" sz="900" dirty="0" smtClean="0">
+              <a:endParaRPr lang="en-US" altLang="zh-CN" sz="900" dirty="0">
                 <a:latin typeface="微软雅黑" panose="020B0503020204020204" pitchFamily="34" charset="-122"/>
                 <a:ea typeface="微软雅黑" panose="020B0503020204020204" pitchFamily="34" charset="-122"/>
               </a:endParaRPr>
@@ -7260,41 +6866,13 @@
                 <a:buChar char="ü"/>
               </a:pPr>
               <a:r>
-                <a:rPr lang="zh-CN" altLang="en-US" sz="900" dirty="0" smtClean="0">
+                <a:rPr lang="zh-CN" altLang="en-US" sz="900" dirty="0">
                   <a:latin typeface="微软雅黑" panose="020B0503020204020204" pitchFamily="34" charset="-122"/>
                   <a:ea typeface="微软雅黑" panose="020B0503020204020204" pitchFamily="34" charset="-122"/>
                 </a:rPr>
-                <a:t>发掘业务与技术问题并及时完善。如</a:t>
+                <a:t>理解业务问题。如极简小程序、百度小程序等。</a:t>
               </a:r>
-              <a:r>
-                <a:rPr lang="en-US" altLang="zh-CN" sz="900" dirty="0" smtClean="0">
-                  <a:latin typeface="微软雅黑" panose="020B0503020204020204" pitchFamily="34" charset="-122"/>
-                  <a:ea typeface="微软雅黑" panose="020B0503020204020204" pitchFamily="34" charset="-122"/>
-                </a:rPr>
-                <a:t>ReadMe</a:t>
-              </a:r>
-              <a:r>
-                <a:rPr lang="zh-CN" altLang="en-US" sz="900" dirty="0" smtClean="0">
-                  <a:latin typeface="微软雅黑" panose="020B0503020204020204" pitchFamily="34" charset="-122"/>
-                  <a:ea typeface="微软雅黑" panose="020B0503020204020204" pitchFamily="34" charset="-122"/>
-                </a:rPr>
-                <a:t>示例脚本、</a:t>
-              </a:r>
-              <a:r>
-                <a:rPr lang="en-US" altLang="zh-CN" sz="900" dirty="0" err="1" smtClean="0">
-                  <a:latin typeface="微软雅黑" panose="020B0503020204020204" pitchFamily="34" charset="-122"/>
-                  <a:ea typeface="微软雅黑" panose="020B0503020204020204" pitchFamily="34" charset="-122"/>
-                </a:rPr>
-                <a:t>ESLint</a:t>
-              </a:r>
-              <a:r>
-                <a:rPr lang="zh-CN" altLang="en-US" sz="900" dirty="0" smtClean="0">
-                  <a:latin typeface="微软雅黑" panose="020B0503020204020204" pitchFamily="34" charset="-122"/>
-                  <a:ea typeface="微软雅黑" panose="020B0503020204020204" pitchFamily="34" charset="-122"/>
-                </a:rPr>
-                <a:t>规则配置、微信新增规范等。</a:t>
-              </a:r>
-              <a:endParaRPr lang="en-US" altLang="zh-CN" sz="900" dirty="0" smtClean="0">
+              <a:endParaRPr lang="en-US" altLang="zh-CN" sz="900" dirty="0">
                 <a:latin typeface="微软雅黑" panose="020B0503020204020204" pitchFamily="34" charset="-122"/>
                 <a:ea typeface="微软雅黑" panose="020B0503020204020204" pitchFamily="34" charset="-122"/>
               </a:endParaRPr>
@@ -7307,7 +6885,7 @@
                 <a:buFont typeface="Wingdings" panose="05000000000000000000" pitchFamily="2" charset="2"/>
                 <a:buChar char="ü"/>
               </a:pPr>
-              <a:endParaRPr lang="en-US" altLang="zh-CN" sz="900" dirty="0" smtClean="0">
+              <a:endParaRPr lang="en-US" altLang="zh-CN" sz="900" dirty="0">
                 <a:latin typeface="微软雅黑" panose="020B0503020204020204" pitchFamily="34" charset="-122"/>
                 <a:ea typeface="微软雅黑" panose="020B0503020204020204" pitchFamily="34" charset="-122"/>
               </a:endParaRPr>
@@ -7373,7 +6951,7 @@
               <a:p>
                 <a:pPr algn="ctr"/>
                 <a:r>
-                  <a:rPr lang="zh-CN" altLang="en-US" sz="800" dirty="0" smtClean="0">
+                  <a:rPr lang="zh-CN" altLang="en-US" sz="800" dirty="0">
                     <a:solidFill>
                       <a:srgbClr val="6679DF"/>
                     </a:solidFill>
@@ -7382,13 +6960,6 @@
                   </a:rPr>
                   <a:t>团队项目</a:t>
                 </a:r>
-                <a:endParaRPr lang="zh-CN" altLang="en-US" sz="800" dirty="0">
-                  <a:solidFill>
-                    <a:srgbClr val="6679DF"/>
-                  </a:solidFill>
-                  <a:latin typeface="微软雅黑" panose="020B0503020204020204" pitchFamily="34" charset="-122"/>
-                  <a:ea typeface="微软雅黑" panose="020B0503020204020204" pitchFamily="34" charset="-122"/>
-                </a:endParaRPr>
               </a:p>
             </p:txBody>
           </p:sp>
@@ -7468,7 +7039,7 @@
             <a:p>
               <a:pPr lvl="0" algn="ctr"/>
               <a:r>
-                <a:rPr lang="zh-CN" altLang="en-US" sz="900" dirty="0" smtClean="0">
+                <a:rPr lang="zh-CN" altLang="en-US" sz="900" dirty="0">
                   <a:solidFill>
                     <a:prstClr val="white"/>
                   </a:solidFill>
@@ -7528,7 +7099,7 @@
             <a:p>
               <a:pPr lvl="0" algn="ctr"/>
               <a:r>
-                <a:rPr lang="zh-CN" altLang="en-US" sz="900" dirty="0" smtClean="0">
+                <a:rPr lang="zh-CN" altLang="en-US" sz="900" dirty="0">
                   <a:solidFill>
                     <a:prstClr val="white"/>
                   </a:solidFill>
@@ -7588,7 +7159,7 @@
             <a:p>
               <a:pPr lvl="0" algn="ctr"/>
               <a:r>
-                <a:rPr lang="zh-CN" altLang="en-US" sz="900" dirty="0" smtClean="0">
+                <a:rPr lang="zh-CN" altLang="en-US" sz="900" dirty="0">
                   <a:solidFill>
                     <a:prstClr val="white"/>
                   </a:solidFill>
@@ -7651,32 +7222,15 @@
           <a:p>
             <a:pPr algn="ctr"/>
             <a:r>
-              <a:rPr lang="zh-CN" altLang="en-US" sz="800" dirty="0" smtClean="0">
+              <a:rPr lang="zh-CN" altLang="en-US" sz="800" dirty="0">
                 <a:solidFill>
                   <a:srgbClr val="6679DF"/>
                 </a:solidFill>
                 <a:latin typeface="微软雅黑" panose="020B0503020204020204" pitchFamily="34" charset="-122"/>
                 <a:ea typeface="微软雅黑" panose="020B0503020204020204" pitchFamily="34" charset="-122"/>
               </a:rPr>
-              <a:t>主</a:t>
-            </a:r>
-            <a:r>
-              <a:rPr lang="en-US" altLang="zh-CN" sz="800" dirty="0" smtClean="0">
-                <a:solidFill>
-                  <a:srgbClr val="6679DF"/>
-                </a:solidFill>
-                <a:latin typeface="微软雅黑" panose="020B0503020204020204" pitchFamily="34" charset="-122"/>
-                <a:ea typeface="微软雅黑" panose="020B0503020204020204" pitchFamily="34" charset="-122"/>
-              </a:rPr>
-              <a:t>R</a:t>
-            </a:r>
-            <a:endParaRPr lang="zh-CN" altLang="en-US" sz="800" dirty="0">
-              <a:solidFill>
-                <a:srgbClr val="6679DF"/>
-              </a:solidFill>
-              <a:latin typeface="微软雅黑" panose="020B0503020204020204" pitchFamily="34" charset="-122"/>
-              <a:ea typeface="微软雅黑" panose="020B0503020204020204" pitchFamily="34" charset="-122"/>
-            </a:endParaRPr>
+              <a:t>团队项目</a:t>
+            </a:r>
           </a:p>
         </p:txBody>
       </p:sp>
@@ -7725,7 +7279,7 @@
           <a:p>
             <a:pPr algn="ctr"/>
             <a:r>
-              <a:rPr lang="zh-CN" altLang="en-US" sz="800" dirty="0" smtClean="0">
+              <a:rPr lang="zh-CN" altLang="en-US" sz="800" dirty="0">
                 <a:solidFill>
                   <a:srgbClr val="6679DF"/>
                 </a:solidFill>
@@ -7735,7 +7289,7 @@
               <a:t>主</a:t>
             </a:r>
             <a:r>
-              <a:rPr lang="en-US" altLang="zh-CN" sz="800" dirty="0" smtClean="0">
+              <a:rPr lang="en-US" altLang="zh-CN" sz="800" dirty="0">
                 <a:solidFill>
                   <a:srgbClr val="6679DF"/>
                 </a:solidFill>
@@ -7777,25 +7331,24 @@
           <a:lstStyle/>
           <a:p>
             <a:r>
-              <a:rPr kumimoji="1" lang="zh-CN" altLang="en-US" sz="1000" b="1" dirty="0" smtClean="0"/>
+              <a:rPr kumimoji="1" lang="zh-CN" altLang="en-US" sz="1000" b="1" dirty="0"/>
               <a:t>论文：面向</a:t>
             </a:r>
             <a:r>
-              <a:rPr kumimoji="1" lang="en-US" altLang="zh-CN" sz="1000" dirty="0" smtClean="0"/>
+              <a:rPr kumimoji="1" lang="en-US" altLang="zh-CN" sz="1000" dirty="0"/>
               <a:t>JavaScript</a:t>
             </a:r>
             <a:r>
-              <a:rPr kumimoji="1" lang="zh-CN" altLang="en-US" sz="1000" b="1" dirty="0" smtClean="0"/>
+              <a:rPr kumimoji="1" lang="zh-CN" altLang="en-US" sz="1000" b="1" dirty="0"/>
               <a:t>类型失配缺陷的静动态分析</a:t>
             </a:r>
-            <a:endParaRPr kumimoji="1" lang="en-US" altLang="zh-CN" sz="1000" b="1" dirty="0" smtClean="0"/>
-          </a:p>
-          <a:p>
-            <a:r>
-              <a:rPr kumimoji="1" lang="zh-CN" altLang="en-US" sz="1000" b="1" dirty="0" smtClean="0"/>
+            <a:endParaRPr kumimoji="1" lang="en-US" altLang="zh-CN" sz="1000" b="1" dirty="0"/>
+          </a:p>
+          <a:p>
+            <a:r>
+              <a:rPr kumimoji="1" lang="zh-CN" altLang="en-US" sz="1000" b="1" dirty="0"/>
               <a:t>方法的研究与实现</a:t>
             </a:r>
-            <a:endParaRPr kumimoji="1" lang="zh-CN" altLang="en-US" sz="1000" b="1" dirty="0"/>
           </a:p>
         </p:txBody>
       </p:sp>
@@ -7809,13 +7362,6 @@
   <p:clrMapOvr>
     <a:masterClrMapping/>
   </p:clrMapOvr>
-  <p:timing>
-    <p:tnLst>
-      <p:par>
-        <p:cTn id="1" dur="indefinite" restart="never" nodeType="tmRoot"/>
-      </p:par>
-    </p:tnLst>
-  </p:timing>
 </p:sld>
 </file>
 
